--- a/Lecture#2.pptx
+++ b/Lecture#2.pptx
@@ -5,7 +5,7 @@
     <p:sldMasterId id="2147483648" r:id="rId1"/>
   </p:sldMasterIdLst>
   <p:notesMasterIdLst>
-    <p:notesMasterId r:id="rId21"/>
+    <p:notesMasterId r:id="rId23"/>
   </p:notesMasterIdLst>
   <p:sldIdLst>
     <p:sldId id="256" r:id="rId2"/>
@@ -16,17 +16,19 @@
     <p:sldId id="288" r:id="rId7"/>
     <p:sldId id="290" r:id="rId8"/>
     <p:sldId id="302" r:id="rId9"/>
-    <p:sldId id="289" r:id="rId10"/>
-    <p:sldId id="292" r:id="rId11"/>
-    <p:sldId id="293" r:id="rId12"/>
-    <p:sldId id="294" r:id="rId13"/>
-    <p:sldId id="295" r:id="rId14"/>
-    <p:sldId id="296" r:id="rId15"/>
-    <p:sldId id="297" r:id="rId16"/>
-    <p:sldId id="299" r:id="rId17"/>
-    <p:sldId id="298" r:id="rId18"/>
-    <p:sldId id="300" r:id="rId19"/>
-    <p:sldId id="301" r:id="rId20"/>
+    <p:sldId id="304" r:id="rId10"/>
+    <p:sldId id="289" r:id="rId11"/>
+    <p:sldId id="292" r:id="rId12"/>
+    <p:sldId id="303" r:id="rId13"/>
+    <p:sldId id="293" r:id="rId14"/>
+    <p:sldId id="294" r:id="rId15"/>
+    <p:sldId id="295" r:id="rId16"/>
+    <p:sldId id="296" r:id="rId17"/>
+    <p:sldId id="297" r:id="rId18"/>
+    <p:sldId id="299" r:id="rId19"/>
+    <p:sldId id="298" r:id="rId20"/>
+    <p:sldId id="300" r:id="rId21"/>
+    <p:sldId id="301" r:id="rId22"/>
   </p:sldIdLst>
   <p:sldSz cx="12192000" cy="6858000"/>
   <p:notesSz cx="6858000" cy="9144000"/>
@@ -127,7 +129,7 @@
   </p:defaultTextStyle>
   <p:extLst>
     <p:ext uri="{EFAFB233-063F-42B5-8137-9DF3F51BA10A}">
-      <p15:sldGuideLst xmlns:p15="http://schemas.microsoft.com/office/powerpoint/2012/main" xmlns=""/>
+      <p15:sldGuideLst xmlns="" xmlns:p15="http://schemas.microsoft.com/office/powerpoint/2012/main"/>
     </p:ext>
   </p:extLst>
 </p:presentation>
@@ -384,7 +386,7 @@
     </p:spTree>
     <p:extLst>
       <p:ext uri="{BB962C8B-B14F-4D97-AF65-F5344CB8AC3E}">
-        <p14:creationId xmlns:p14="http://schemas.microsoft.com/office/powerpoint/2010/main" xmlns="" val="1529617451"/>
+        <p14:creationId xmlns="" xmlns:p14="http://schemas.microsoft.com/office/powerpoint/2010/main" val="1529617451"/>
       </p:ext>
     </p:extLst>
   </p:cSld>
@@ -634,7 +636,7 @@
             <a:fld id="{46467D57-D457-4EAE-BF4F-2FDE0C552E3A}" type="slidenum">
               <a:rPr lang="en-US" smtClean="0"/>
               <a:pPr/>
-              <a:t>11</a:t>
+              <a:t>13</a:t>
             </a:fld>
             <a:endParaRPr lang="en-US"/>
           </a:p>
@@ -716,7 +718,7 @@
             <a:fld id="{46467D57-D457-4EAE-BF4F-2FDE0C552E3A}" type="slidenum">
               <a:rPr lang="en-US" smtClean="0"/>
               <a:pPr/>
-              <a:t>12</a:t>
+              <a:t>14</a:t>
             </a:fld>
             <a:endParaRPr lang="en-US"/>
           </a:p>
@@ -798,7 +800,7 @@
             <a:fld id="{46467D57-D457-4EAE-BF4F-2FDE0C552E3A}" type="slidenum">
               <a:rPr lang="en-US" smtClean="0"/>
               <a:pPr/>
-              <a:t>13</a:t>
+              <a:t>15</a:t>
             </a:fld>
             <a:endParaRPr lang="en-US"/>
           </a:p>
@@ -880,7 +882,7 @@
             <a:fld id="{46467D57-D457-4EAE-BF4F-2FDE0C552E3A}" type="slidenum">
               <a:rPr lang="en-US" smtClean="0"/>
               <a:pPr/>
-              <a:t>14</a:t>
+              <a:t>16</a:t>
             </a:fld>
             <a:endParaRPr lang="en-US"/>
           </a:p>
@@ -962,7 +964,7 @@
             <a:fld id="{46467D57-D457-4EAE-BF4F-2FDE0C552E3A}" type="slidenum">
               <a:rPr lang="en-US" smtClean="0"/>
               <a:pPr/>
-              <a:t>15</a:t>
+              <a:t>17</a:t>
             </a:fld>
             <a:endParaRPr lang="en-US"/>
           </a:p>
@@ -1044,7 +1046,7 @@
             <a:fld id="{46467D57-D457-4EAE-BF4F-2FDE0C552E3A}" type="slidenum">
               <a:rPr lang="en-US" smtClean="0"/>
               <a:pPr/>
-              <a:t>16</a:t>
+              <a:t>18</a:t>
             </a:fld>
             <a:endParaRPr lang="en-US"/>
           </a:p>
@@ -1126,7 +1128,7 @@
             <a:fld id="{46467D57-D457-4EAE-BF4F-2FDE0C552E3A}" type="slidenum">
               <a:rPr lang="en-US" smtClean="0"/>
               <a:pPr/>
-              <a:t>17</a:t>
+              <a:t>19</a:t>
             </a:fld>
             <a:endParaRPr lang="en-US"/>
           </a:p>
@@ -1208,7 +1210,7 @@
             <a:fld id="{46467D57-D457-4EAE-BF4F-2FDE0C552E3A}" type="slidenum">
               <a:rPr lang="en-US" smtClean="0"/>
               <a:pPr/>
-              <a:t>18</a:t>
+              <a:t>20</a:t>
             </a:fld>
             <a:endParaRPr lang="en-US"/>
           </a:p>
@@ -1782,7 +1784,7 @@
             <a:fld id="{46467D57-D457-4EAE-BF4F-2FDE0C552E3A}" type="slidenum">
               <a:rPr lang="en-US" smtClean="0"/>
               <a:pPr/>
-              <a:t>9</a:t>
+              <a:t>10</a:t>
             </a:fld>
             <a:endParaRPr lang="en-US"/>
           </a:p>
@@ -1864,7 +1866,7 @@
             <a:fld id="{46467D57-D457-4EAE-BF4F-2FDE0C552E3A}" type="slidenum">
               <a:rPr lang="en-US" smtClean="0"/>
               <a:pPr/>
-              <a:t>10</a:t>
+              <a:t>11</a:t>
             </a:fld>
             <a:endParaRPr lang="en-US"/>
           </a:p>
@@ -1900,7 +1902,7 @@
           <p:cNvPr id="2" name="Title 1">
             <a:extLst>
               <a:ext uri="{FF2B5EF4-FFF2-40B4-BE49-F238E27FC236}">
-                <a16:creationId xmlns:a16="http://schemas.microsoft.com/office/drawing/2014/main" xmlns="" id="{B415E15A-8ED6-8531-ACA3-5CE122589CFD}"/>
+                <a16:creationId xmlns="" xmlns:a16="http://schemas.microsoft.com/office/drawing/2014/main" id="{B415E15A-8ED6-8531-ACA3-5CE122589CFD}"/>
               </a:ext>
             </a:extLst>
           </p:cNvPr>
@@ -1937,7 +1939,7 @@
           <p:cNvPr id="3" name="Subtitle 2">
             <a:extLst>
               <a:ext uri="{FF2B5EF4-FFF2-40B4-BE49-F238E27FC236}">
-                <a16:creationId xmlns:a16="http://schemas.microsoft.com/office/drawing/2014/main" xmlns="" id="{9507DFD0-D83B-EBC4-CEFB-E8BCBC2900C4}"/>
+                <a16:creationId xmlns="" xmlns:a16="http://schemas.microsoft.com/office/drawing/2014/main" id="{9507DFD0-D83B-EBC4-CEFB-E8BCBC2900C4}"/>
               </a:ext>
             </a:extLst>
           </p:cNvPr>
@@ -2007,7 +2009,7 @@
           <p:cNvPr id="4" name="Date Placeholder 3">
             <a:extLst>
               <a:ext uri="{FF2B5EF4-FFF2-40B4-BE49-F238E27FC236}">
-                <a16:creationId xmlns:a16="http://schemas.microsoft.com/office/drawing/2014/main" xmlns="" id="{FFB329BF-34AB-6B7C-2221-C7471337782A}"/>
+                <a16:creationId xmlns="" xmlns:a16="http://schemas.microsoft.com/office/drawing/2014/main" id="{FFB329BF-34AB-6B7C-2221-C7471337782A}"/>
               </a:ext>
             </a:extLst>
           </p:cNvPr>
@@ -2037,7 +2039,7 @@
           <p:cNvPr id="5" name="Footer Placeholder 4">
             <a:extLst>
               <a:ext uri="{FF2B5EF4-FFF2-40B4-BE49-F238E27FC236}">
-                <a16:creationId xmlns:a16="http://schemas.microsoft.com/office/drawing/2014/main" xmlns="" id="{A755F78E-7794-F036-28F3-88211ACDB6DF}"/>
+                <a16:creationId xmlns="" xmlns:a16="http://schemas.microsoft.com/office/drawing/2014/main" id="{A755F78E-7794-F036-28F3-88211ACDB6DF}"/>
               </a:ext>
             </a:extLst>
           </p:cNvPr>
@@ -2066,7 +2068,7 @@
           <p:cNvPr id="6" name="Slide Number Placeholder 5">
             <a:extLst>
               <a:ext uri="{FF2B5EF4-FFF2-40B4-BE49-F238E27FC236}">
-                <a16:creationId xmlns:a16="http://schemas.microsoft.com/office/drawing/2014/main" xmlns="" id="{81A43C1D-8CA2-9094-5D87-C15A99732603}"/>
+                <a16:creationId xmlns="" xmlns:a16="http://schemas.microsoft.com/office/drawing/2014/main" id="{81A43C1D-8CA2-9094-5D87-C15A99732603}"/>
               </a:ext>
             </a:extLst>
           </p:cNvPr>
@@ -2094,7 +2096,7 @@
     </p:spTree>
     <p:extLst>
       <p:ext uri="{BB962C8B-B14F-4D97-AF65-F5344CB8AC3E}">
-        <p14:creationId xmlns:p14="http://schemas.microsoft.com/office/powerpoint/2010/main" xmlns="" val="441688839"/>
+        <p14:creationId xmlns="" xmlns:p14="http://schemas.microsoft.com/office/powerpoint/2010/main" val="441688839"/>
       </p:ext>
     </p:extLst>
   </p:cSld>
@@ -2126,7 +2128,7 @@
           <p:cNvPr id="2" name="Title 1">
             <a:extLst>
               <a:ext uri="{FF2B5EF4-FFF2-40B4-BE49-F238E27FC236}">
-                <a16:creationId xmlns:a16="http://schemas.microsoft.com/office/drawing/2014/main" xmlns="" id="{557838D7-ED46-1642-DC1A-3A465BB208F1}"/>
+                <a16:creationId xmlns="" xmlns:a16="http://schemas.microsoft.com/office/drawing/2014/main" id="{557838D7-ED46-1642-DC1A-3A465BB208F1}"/>
               </a:ext>
             </a:extLst>
           </p:cNvPr>
@@ -2154,7 +2156,7 @@
           <p:cNvPr id="3" name="Vertical Text Placeholder 2">
             <a:extLst>
               <a:ext uri="{FF2B5EF4-FFF2-40B4-BE49-F238E27FC236}">
-                <a16:creationId xmlns:a16="http://schemas.microsoft.com/office/drawing/2014/main" xmlns="" id="{0E4E15FD-A10E-BAF8-E05C-538407F872FD}"/>
+                <a16:creationId xmlns="" xmlns:a16="http://schemas.microsoft.com/office/drawing/2014/main" id="{0E4E15FD-A10E-BAF8-E05C-538407F872FD}"/>
               </a:ext>
             </a:extLst>
           </p:cNvPr>
@@ -2211,7 +2213,7 @@
           <p:cNvPr id="4" name="Date Placeholder 3">
             <a:extLst>
               <a:ext uri="{FF2B5EF4-FFF2-40B4-BE49-F238E27FC236}">
-                <a16:creationId xmlns:a16="http://schemas.microsoft.com/office/drawing/2014/main" xmlns="" id="{ED4DE2C9-0FB1-E71A-FB85-9648E0180D57}"/>
+                <a16:creationId xmlns="" xmlns:a16="http://schemas.microsoft.com/office/drawing/2014/main" id="{ED4DE2C9-0FB1-E71A-FB85-9648E0180D57}"/>
               </a:ext>
             </a:extLst>
           </p:cNvPr>
@@ -2241,7 +2243,7 @@
           <p:cNvPr id="5" name="Footer Placeholder 4">
             <a:extLst>
               <a:ext uri="{FF2B5EF4-FFF2-40B4-BE49-F238E27FC236}">
-                <a16:creationId xmlns:a16="http://schemas.microsoft.com/office/drawing/2014/main" xmlns="" id="{372025A5-BF35-212A-9794-5B9117B897AC}"/>
+                <a16:creationId xmlns="" xmlns:a16="http://schemas.microsoft.com/office/drawing/2014/main" id="{372025A5-BF35-212A-9794-5B9117B897AC}"/>
               </a:ext>
             </a:extLst>
           </p:cNvPr>
@@ -2270,7 +2272,7 @@
           <p:cNvPr id="6" name="Slide Number Placeholder 5">
             <a:extLst>
               <a:ext uri="{FF2B5EF4-FFF2-40B4-BE49-F238E27FC236}">
-                <a16:creationId xmlns:a16="http://schemas.microsoft.com/office/drawing/2014/main" xmlns="" id="{9322621E-0398-079F-48B0-4E9BF4D85971}"/>
+                <a16:creationId xmlns="" xmlns:a16="http://schemas.microsoft.com/office/drawing/2014/main" id="{9322621E-0398-079F-48B0-4E9BF4D85971}"/>
               </a:ext>
             </a:extLst>
           </p:cNvPr>
@@ -2298,7 +2300,7 @@
     </p:spTree>
     <p:extLst>
       <p:ext uri="{BB962C8B-B14F-4D97-AF65-F5344CB8AC3E}">
-        <p14:creationId xmlns:p14="http://schemas.microsoft.com/office/powerpoint/2010/main" xmlns="" val="3982805076"/>
+        <p14:creationId xmlns="" xmlns:p14="http://schemas.microsoft.com/office/powerpoint/2010/main" val="3982805076"/>
       </p:ext>
     </p:extLst>
   </p:cSld>
@@ -2330,7 +2332,7 @@
           <p:cNvPr id="2" name="Vertical Title 1">
             <a:extLst>
               <a:ext uri="{FF2B5EF4-FFF2-40B4-BE49-F238E27FC236}">
-                <a16:creationId xmlns:a16="http://schemas.microsoft.com/office/drawing/2014/main" xmlns="" id="{70785918-5C87-9CA6-5F8A-9772EFAB8B97}"/>
+                <a16:creationId xmlns="" xmlns:a16="http://schemas.microsoft.com/office/drawing/2014/main" id="{70785918-5C87-9CA6-5F8A-9772EFAB8B97}"/>
               </a:ext>
             </a:extLst>
           </p:cNvPr>
@@ -2363,7 +2365,7 @@
           <p:cNvPr id="3" name="Vertical Text Placeholder 2">
             <a:extLst>
               <a:ext uri="{FF2B5EF4-FFF2-40B4-BE49-F238E27FC236}">
-                <a16:creationId xmlns:a16="http://schemas.microsoft.com/office/drawing/2014/main" xmlns="" id="{0ED2CDE8-2A9D-A636-8E8E-D9BC332C920D}"/>
+                <a16:creationId xmlns="" xmlns:a16="http://schemas.microsoft.com/office/drawing/2014/main" id="{0ED2CDE8-2A9D-A636-8E8E-D9BC332C920D}"/>
               </a:ext>
             </a:extLst>
           </p:cNvPr>
@@ -2425,7 +2427,7 @@
           <p:cNvPr id="4" name="Date Placeholder 3">
             <a:extLst>
               <a:ext uri="{FF2B5EF4-FFF2-40B4-BE49-F238E27FC236}">
-                <a16:creationId xmlns:a16="http://schemas.microsoft.com/office/drawing/2014/main" xmlns="" id="{AE6A6C24-D833-818E-EA16-DF647970307D}"/>
+                <a16:creationId xmlns="" xmlns:a16="http://schemas.microsoft.com/office/drawing/2014/main" id="{AE6A6C24-D833-818E-EA16-DF647970307D}"/>
               </a:ext>
             </a:extLst>
           </p:cNvPr>
@@ -2455,7 +2457,7 @@
           <p:cNvPr id="5" name="Footer Placeholder 4">
             <a:extLst>
               <a:ext uri="{FF2B5EF4-FFF2-40B4-BE49-F238E27FC236}">
-                <a16:creationId xmlns:a16="http://schemas.microsoft.com/office/drawing/2014/main" xmlns="" id="{0D9DE245-B4A4-F43F-404C-840EF95B11CC}"/>
+                <a16:creationId xmlns="" xmlns:a16="http://schemas.microsoft.com/office/drawing/2014/main" id="{0D9DE245-B4A4-F43F-404C-840EF95B11CC}"/>
               </a:ext>
             </a:extLst>
           </p:cNvPr>
@@ -2484,7 +2486,7 @@
           <p:cNvPr id="6" name="Slide Number Placeholder 5">
             <a:extLst>
               <a:ext uri="{FF2B5EF4-FFF2-40B4-BE49-F238E27FC236}">
-                <a16:creationId xmlns:a16="http://schemas.microsoft.com/office/drawing/2014/main" xmlns="" id="{BCB5E3AB-A1E1-E9C0-F70E-E74A4DF44EB7}"/>
+                <a16:creationId xmlns="" xmlns:a16="http://schemas.microsoft.com/office/drawing/2014/main" id="{BCB5E3AB-A1E1-E9C0-F70E-E74A4DF44EB7}"/>
               </a:ext>
             </a:extLst>
           </p:cNvPr>
@@ -2512,7 +2514,7 @@
     </p:spTree>
     <p:extLst>
       <p:ext uri="{BB962C8B-B14F-4D97-AF65-F5344CB8AC3E}">
-        <p14:creationId xmlns:p14="http://schemas.microsoft.com/office/powerpoint/2010/main" xmlns="" val="1403670207"/>
+        <p14:creationId xmlns="" xmlns:p14="http://schemas.microsoft.com/office/powerpoint/2010/main" val="1403670207"/>
       </p:ext>
     </p:extLst>
   </p:cSld>
@@ -2544,7 +2546,7 @@
           <p:cNvPr id="2" name="Title 1">
             <a:extLst>
               <a:ext uri="{FF2B5EF4-FFF2-40B4-BE49-F238E27FC236}">
-                <a16:creationId xmlns:a16="http://schemas.microsoft.com/office/drawing/2014/main" xmlns="" id="{A4629628-5864-D26E-C525-65E3E5BA0AD4}"/>
+                <a16:creationId xmlns="" xmlns:a16="http://schemas.microsoft.com/office/drawing/2014/main" id="{A4629628-5864-D26E-C525-65E3E5BA0AD4}"/>
               </a:ext>
             </a:extLst>
           </p:cNvPr>
@@ -2572,7 +2574,7 @@
           <p:cNvPr id="3" name="Content Placeholder 2">
             <a:extLst>
               <a:ext uri="{FF2B5EF4-FFF2-40B4-BE49-F238E27FC236}">
-                <a16:creationId xmlns:a16="http://schemas.microsoft.com/office/drawing/2014/main" xmlns="" id="{8F047314-70E0-2292-24E3-AB5D75A3E2EC}"/>
+                <a16:creationId xmlns="" xmlns:a16="http://schemas.microsoft.com/office/drawing/2014/main" id="{8F047314-70E0-2292-24E3-AB5D75A3E2EC}"/>
               </a:ext>
             </a:extLst>
           </p:cNvPr>
@@ -2629,7 +2631,7 @@
           <p:cNvPr id="4" name="Date Placeholder 3">
             <a:extLst>
               <a:ext uri="{FF2B5EF4-FFF2-40B4-BE49-F238E27FC236}">
-                <a16:creationId xmlns:a16="http://schemas.microsoft.com/office/drawing/2014/main" xmlns="" id="{2CF1846E-FBFF-1E2E-99A4-BE0E4E060CB2}"/>
+                <a16:creationId xmlns="" xmlns:a16="http://schemas.microsoft.com/office/drawing/2014/main" id="{2CF1846E-FBFF-1E2E-99A4-BE0E4E060CB2}"/>
               </a:ext>
             </a:extLst>
           </p:cNvPr>
@@ -2659,7 +2661,7 @@
           <p:cNvPr id="5" name="Footer Placeholder 4">
             <a:extLst>
               <a:ext uri="{FF2B5EF4-FFF2-40B4-BE49-F238E27FC236}">
-                <a16:creationId xmlns:a16="http://schemas.microsoft.com/office/drawing/2014/main" xmlns="" id="{2194DED9-C0B4-116E-2505-1DBDB66A1F93}"/>
+                <a16:creationId xmlns="" xmlns:a16="http://schemas.microsoft.com/office/drawing/2014/main" id="{2194DED9-C0B4-116E-2505-1DBDB66A1F93}"/>
               </a:ext>
             </a:extLst>
           </p:cNvPr>
@@ -2688,7 +2690,7 @@
           <p:cNvPr id="6" name="Slide Number Placeholder 5">
             <a:extLst>
               <a:ext uri="{FF2B5EF4-FFF2-40B4-BE49-F238E27FC236}">
-                <a16:creationId xmlns:a16="http://schemas.microsoft.com/office/drawing/2014/main" xmlns="" id="{D09532EF-85F9-6967-DAF1-FD8F565314F3}"/>
+                <a16:creationId xmlns="" xmlns:a16="http://schemas.microsoft.com/office/drawing/2014/main" id="{D09532EF-85F9-6967-DAF1-FD8F565314F3}"/>
               </a:ext>
             </a:extLst>
           </p:cNvPr>
@@ -2716,7 +2718,7 @@
     </p:spTree>
     <p:extLst>
       <p:ext uri="{BB962C8B-B14F-4D97-AF65-F5344CB8AC3E}">
-        <p14:creationId xmlns:p14="http://schemas.microsoft.com/office/powerpoint/2010/main" xmlns="" val="183822516"/>
+        <p14:creationId xmlns="" xmlns:p14="http://schemas.microsoft.com/office/powerpoint/2010/main" val="183822516"/>
       </p:ext>
     </p:extLst>
   </p:cSld>
@@ -2748,7 +2750,7 @@
           <p:cNvPr id="2" name="Title 1">
             <a:extLst>
               <a:ext uri="{FF2B5EF4-FFF2-40B4-BE49-F238E27FC236}">
-                <a16:creationId xmlns:a16="http://schemas.microsoft.com/office/drawing/2014/main" xmlns="" id="{B2D54261-5AB7-0C17-0691-FAC0807640FB}"/>
+                <a16:creationId xmlns="" xmlns:a16="http://schemas.microsoft.com/office/drawing/2014/main" id="{B2D54261-5AB7-0C17-0691-FAC0807640FB}"/>
               </a:ext>
             </a:extLst>
           </p:cNvPr>
@@ -2785,7 +2787,7 @@
           <p:cNvPr id="3" name="Text Placeholder 2">
             <a:extLst>
               <a:ext uri="{FF2B5EF4-FFF2-40B4-BE49-F238E27FC236}">
-                <a16:creationId xmlns:a16="http://schemas.microsoft.com/office/drawing/2014/main" xmlns="" id="{E2B323B7-BFB6-CB47-54A2-D9047A013DD9}"/>
+                <a16:creationId xmlns="" xmlns:a16="http://schemas.microsoft.com/office/drawing/2014/main" id="{E2B323B7-BFB6-CB47-54A2-D9047A013DD9}"/>
               </a:ext>
             </a:extLst>
           </p:cNvPr>
@@ -2910,7 +2912,7 @@
           <p:cNvPr id="4" name="Date Placeholder 3">
             <a:extLst>
               <a:ext uri="{FF2B5EF4-FFF2-40B4-BE49-F238E27FC236}">
-                <a16:creationId xmlns:a16="http://schemas.microsoft.com/office/drawing/2014/main" xmlns="" id="{B1F65AF4-438B-B3E9-E401-90F0D5C068FB}"/>
+                <a16:creationId xmlns="" xmlns:a16="http://schemas.microsoft.com/office/drawing/2014/main" id="{B1F65AF4-438B-B3E9-E401-90F0D5C068FB}"/>
               </a:ext>
             </a:extLst>
           </p:cNvPr>
@@ -2940,7 +2942,7 @@
           <p:cNvPr id="5" name="Footer Placeholder 4">
             <a:extLst>
               <a:ext uri="{FF2B5EF4-FFF2-40B4-BE49-F238E27FC236}">
-                <a16:creationId xmlns:a16="http://schemas.microsoft.com/office/drawing/2014/main" xmlns="" id="{74F9C8DE-9A32-A5C0-0E13-05A74F3820C8}"/>
+                <a16:creationId xmlns="" xmlns:a16="http://schemas.microsoft.com/office/drawing/2014/main" id="{74F9C8DE-9A32-A5C0-0E13-05A74F3820C8}"/>
               </a:ext>
             </a:extLst>
           </p:cNvPr>
@@ -2969,7 +2971,7 @@
           <p:cNvPr id="6" name="Slide Number Placeholder 5">
             <a:extLst>
               <a:ext uri="{FF2B5EF4-FFF2-40B4-BE49-F238E27FC236}">
-                <a16:creationId xmlns:a16="http://schemas.microsoft.com/office/drawing/2014/main" xmlns="" id="{9BD8E43D-0D9C-7B2E-C87D-4680F225F552}"/>
+                <a16:creationId xmlns="" xmlns:a16="http://schemas.microsoft.com/office/drawing/2014/main" id="{9BD8E43D-0D9C-7B2E-C87D-4680F225F552}"/>
               </a:ext>
             </a:extLst>
           </p:cNvPr>
@@ -2997,7 +2999,7 @@
     </p:spTree>
     <p:extLst>
       <p:ext uri="{BB962C8B-B14F-4D97-AF65-F5344CB8AC3E}">
-        <p14:creationId xmlns:p14="http://schemas.microsoft.com/office/powerpoint/2010/main" xmlns="" val="1335349187"/>
+        <p14:creationId xmlns="" xmlns:p14="http://schemas.microsoft.com/office/powerpoint/2010/main" val="1335349187"/>
       </p:ext>
     </p:extLst>
   </p:cSld>
@@ -3029,7 +3031,7 @@
           <p:cNvPr id="2" name="Title 1">
             <a:extLst>
               <a:ext uri="{FF2B5EF4-FFF2-40B4-BE49-F238E27FC236}">
-                <a16:creationId xmlns:a16="http://schemas.microsoft.com/office/drawing/2014/main" xmlns="" id="{B4062B64-C63E-44E9-2506-8D19BCE1D18E}"/>
+                <a16:creationId xmlns="" xmlns:a16="http://schemas.microsoft.com/office/drawing/2014/main" id="{B4062B64-C63E-44E9-2506-8D19BCE1D18E}"/>
               </a:ext>
             </a:extLst>
           </p:cNvPr>
@@ -3057,7 +3059,7 @@
           <p:cNvPr id="3" name="Content Placeholder 2">
             <a:extLst>
               <a:ext uri="{FF2B5EF4-FFF2-40B4-BE49-F238E27FC236}">
-                <a16:creationId xmlns:a16="http://schemas.microsoft.com/office/drawing/2014/main" xmlns="" id="{D8152EBF-C5BF-83EF-F061-70599F4F7F7F}"/>
+                <a16:creationId xmlns="" xmlns:a16="http://schemas.microsoft.com/office/drawing/2014/main" id="{D8152EBF-C5BF-83EF-F061-70599F4F7F7F}"/>
               </a:ext>
             </a:extLst>
           </p:cNvPr>
@@ -3119,7 +3121,7 @@
           <p:cNvPr id="4" name="Content Placeholder 3">
             <a:extLst>
               <a:ext uri="{FF2B5EF4-FFF2-40B4-BE49-F238E27FC236}">
-                <a16:creationId xmlns:a16="http://schemas.microsoft.com/office/drawing/2014/main" xmlns="" id="{43BF7818-064D-B14D-C27C-DBFF56D9C404}"/>
+                <a16:creationId xmlns="" xmlns:a16="http://schemas.microsoft.com/office/drawing/2014/main" id="{43BF7818-064D-B14D-C27C-DBFF56D9C404}"/>
               </a:ext>
             </a:extLst>
           </p:cNvPr>
@@ -3181,7 +3183,7 @@
           <p:cNvPr id="5" name="Date Placeholder 4">
             <a:extLst>
               <a:ext uri="{FF2B5EF4-FFF2-40B4-BE49-F238E27FC236}">
-                <a16:creationId xmlns:a16="http://schemas.microsoft.com/office/drawing/2014/main" xmlns="" id="{24598F46-BD53-3CDC-1C65-41CC5EC54929}"/>
+                <a16:creationId xmlns="" xmlns:a16="http://schemas.microsoft.com/office/drawing/2014/main" id="{24598F46-BD53-3CDC-1C65-41CC5EC54929}"/>
               </a:ext>
             </a:extLst>
           </p:cNvPr>
@@ -3211,7 +3213,7 @@
           <p:cNvPr id="6" name="Footer Placeholder 5">
             <a:extLst>
               <a:ext uri="{FF2B5EF4-FFF2-40B4-BE49-F238E27FC236}">
-                <a16:creationId xmlns:a16="http://schemas.microsoft.com/office/drawing/2014/main" xmlns="" id="{20A5A4F0-E8D7-9512-2938-CC32A1098AB5}"/>
+                <a16:creationId xmlns="" xmlns:a16="http://schemas.microsoft.com/office/drawing/2014/main" id="{20A5A4F0-E8D7-9512-2938-CC32A1098AB5}"/>
               </a:ext>
             </a:extLst>
           </p:cNvPr>
@@ -3240,7 +3242,7 @@
           <p:cNvPr id="7" name="Slide Number Placeholder 6">
             <a:extLst>
               <a:ext uri="{FF2B5EF4-FFF2-40B4-BE49-F238E27FC236}">
-                <a16:creationId xmlns:a16="http://schemas.microsoft.com/office/drawing/2014/main" xmlns="" id="{9D68909C-21EB-59DF-39FF-210F6306EE31}"/>
+                <a16:creationId xmlns="" xmlns:a16="http://schemas.microsoft.com/office/drawing/2014/main" id="{9D68909C-21EB-59DF-39FF-210F6306EE31}"/>
               </a:ext>
             </a:extLst>
           </p:cNvPr>
@@ -3268,7 +3270,7 @@
     </p:spTree>
     <p:extLst>
       <p:ext uri="{BB962C8B-B14F-4D97-AF65-F5344CB8AC3E}">
-        <p14:creationId xmlns:p14="http://schemas.microsoft.com/office/powerpoint/2010/main" xmlns="" val="4264663956"/>
+        <p14:creationId xmlns="" xmlns:p14="http://schemas.microsoft.com/office/powerpoint/2010/main" val="4264663956"/>
       </p:ext>
     </p:extLst>
   </p:cSld>
@@ -3300,7 +3302,7 @@
           <p:cNvPr id="2" name="Title 1">
             <a:extLst>
               <a:ext uri="{FF2B5EF4-FFF2-40B4-BE49-F238E27FC236}">
-                <a16:creationId xmlns:a16="http://schemas.microsoft.com/office/drawing/2014/main" xmlns="" id="{E17E6C29-DA86-6F21-8709-CCB3B9486C99}"/>
+                <a16:creationId xmlns="" xmlns:a16="http://schemas.microsoft.com/office/drawing/2014/main" id="{E17E6C29-DA86-6F21-8709-CCB3B9486C99}"/>
               </a:ext>
             </a:extLst>
           </p:cNvPr>
@@ -3333,7 +3335,7 @@
           <p:cNvPr id="3" name="Text Placeholder 2">
             <a:extLst>
               <a:ext uri="{FF2B5EF4-FFF2-40B4-BE49-F238E27FC236}">
-                <a16:creationId xmlns:a16="http://schemas.microsoft.com/office/drawing/2014/main" xmlns="" id="{01F9C9AC-3485-C255-51FE-BF2807C856B3}"/>
+                <a16:creationId xmlns="" xmlns:a16="http://schemas.microsoft.com/office/drawing/2014/main" id="{01F9C9AC-3485-C255-51FE-BF2807C856B3}"/>
               </a:ext>
             </a:extLst>
           </p:cNvPr>
@@ -3404,7 +3406,7 @@
           <p:cNvPr id="4" name="Content Placeholder 3">
             <a:extLst>
               <a:ext uri="{FF2B5EF4-FFF2-40B4-BE49-F238E27FC236}">
-                <a16:creationId xmlns:a16="http://schemas.microsoft.com/office/drawing/2014/main" xmlns="" id="{6454E693-EB5D-0123-AE87-7BEAA5F8DD8F}"/>
+                <a16:creationId xmlns="" xmlns:a16="http://schemas.microsoft.com/office/drawing/2014/main" id="{6454E693-EB5D-0123-AE87-7BEAA5F8DD8F}"/>
               </a:ext>
             </a:extLst>
           </p:cNvPr>
@@ -3466,7 +3468,7 @@
           <p:cNvPr id="5" name="Text Placeholder 4">
             <a:extLst>
               <a:ext uri="{FF2B5EF4-FFF2-40B4-BE49-F238E27FC236}">
-                <a16:creationId xmlns:a16="http://schemas.microsoft.com/office/drawing/2014/main" xmlns="" id="{FA32530E-CA4A-F62C-C8E7-7A271E23F9C1}"/>
+                <a16:creationId xmlns="" xmlns:a16="http://schemas.microsoft.com/office/drawing/2014/main" id="{FA32530E-CA4A-F62C-C8E7-7A271E23F9C1}"/>
               </a:ext>
             </a:extLst>
           </p:cNvPr>
@@ -3537,7 +3539,7 @@
           <p:cNvPr id="6" name="Content Placeholder 5">
             <a:extLst>
               <a:ext uri="{FF2B5EF4-FFF2-40B4-BE49-F238E27FC236}">
-                <a16:creationId xmlns:a16="http://schemas.microsoft.com/office/drawing/2014/main" xmlns="" id="{7452A2CC-C818-7B55-C1D7-E81B96CA0105}"/>
+                <a16:creationId xmlns="" xmlns:a16="http://schemas.microsoft.com/office/drawing/2014/main" id="{7452A2CC-C818-7B55-C1D7-E81B96CA0105}"/>
               </a:ext>
             </a:extLst>
           </p:cNvPr>
@@ -3599,7 +3601,7 @@
           <p:cNvPr id="7" name="Date Placeholder 6">
             <a:extLst>
               <a:ext uri="{FF2B5EF4-FFF2-40B4-BE49-F238E27FC236}">
-                <a16:creationId xmlns:a16="http://schemas.microsoft.com/office/drawing/2014/main" xmlns="" id="{FB0ADFDB-C373-CB11-8A66-84DE595DA065}"/>
+                <a16:creationId xmlns="" xmlns:a16="http://schemas.microsoft.com/office/drawing/2014/main" id="{FB0ADFDB-C373-CB11-8A66-84DE595DA065}"/>
               </a:ext>
             </a:extLst>
           </p:cNvPr>
@@ -3629,7 +3631,7 @@
           <p:cNvPr id="8" name="Footer Placeholder 7">
             <a:extLst>
               <a:ext uri="{FF2B5EF4-FFF2-40B4-BE49-F238E27FC236}">
-                <a16:creationId xmlns:a16="http://schemas.microsoft.com/office/drawing/2014/main" xmlns="" id="{DBF2E257-BED6-EEE0-2F86-D12E9B4C6A8A}"/>
+                <a16:creationId xmlns="" xmlns:a16="http://schemas.microsoft.com/office/drawing/2014/main" id="{DBF2E257-BED6-EEE0-2F86-D12E9B4C6A8A}"/>
               </a:ext>
             </a:extLst>
           </p:cNvPr>
@@ -3658,7 +3660,7 @@
           <p:cNvPr id="9" name="Slide Number Placeholder 8">
             <a:extLst>
               <a:ext uri="{FF2B5EF4-FFF2-40B4-BE49-F238E27FC236}">
-                <a16:creationId xmlns:a16="http://schemas.microsoft.com/office/drawing/2014/main" xmlns="" id="{4846BED7-9CDB-5725-CB58-D080D33C34B5}"/>
+                <a16:creationId xmlns="" xmlns:a16="http://schemas.microsoft.com/office/drawing/2014/main" id="{4846BED7-9CDB-5725-CB58-D080D33C34B5}"/>
               </a:ext>
             </a:extLst>
           </p:cNvPr>
@@ -3686,7 +3688,7 @@
     </p:spTree>
     <p:extLst>
       <p:ext uri="{BB962C8B-B14F-4D97-AF65-F5344CB8AC3E}">
-        <p14:creationId xmlns:p14="http://schemas.microsoft.com/office/powerpoint/2010/main" xmlns="" val="1320172632"/>
+        <p14:creationId xmlns="" xmlns:p14="http://schemas.microsoft.com/office/powerpoint/2010/main" val="1320172632"/>
       </p:ext>
     </p:extLst>
   </p:cSld>
@@ -3718,7 +3720,7 @@
           <p:cNvPr id="2" name="Title 1">
             <a:extLst>
               <a:ext uri="{FF2B5EF4-FFF2-40B4-BE49-F238E27FC236}">
-                <a16:creationId xmlns:a16="http://schemas.microsoft.com/office/drawing/2014/main" xmlns="" id="{97D4BB1D-580F-5132-C23E-B9CD688EEB27}"/>
+                <a16:creationId xmlns="" xmlns:a16="http://schemas.microsoft.com/office/drawing/2014/main" id="{97D4BB1D-580F-5132-C23E-B9CD688EEB27}"/>
               </a:ext>
             </a:extLst>
           </p:cNvPr>
@@ -3746,7 +3748,7 @@
           <p:cNvPr id="3" name="Date Placeholder 2">
             <a:extLst>
               <a:ext uri="{FF2B5EF4-FFF2-40B4-BE49-F238E27FC236}">
-                <a16:creationId xmlns:a16="http://schemas.microsoft.com/office/drawing/2014/main" xmlns="" id="{676580E1-1188-F78F-DBDB-BD60F976B2CD}"/>
+                <a16:creationId xmlns="" xmlns:a16="http://schemas.microsoft.com/office/drawing/2014/main" id="{676580E1-1188-F78F-DBDB-BD60F976B2CD}"/>
               </a:ext>
             </a:extLst>
           </p:cNvPr>
@@ -3776,7 +3778,7 @@
           <p:cNvPr id="4" name="Footer Placeholder 3">
             <a:extLst>
               <a:ext uri="{FF2B5EF4-FFF2-40B4-BE49-F238E27FC236}">
-                <a16:creationId xmlns:a16="http://schemas.microsoft.com/office/drawing/2014/main" xmlns="" id="{A13376EA-12EF-2180-D39D-32B344DD8320}"/>
+                <a16:creationId xmlns="" xmlns:a16="http://schemas.microsoft.com/office/drawing/2014/main" id="{A13376EA-12EF-2180-D39D-32B344DD8320}"/>
               </a:ext>
             </a:extLst>
           </p:cNvPr>
@@ -3805,7 +3807,7 @@
           <p:cNvPr id="5" name="Slide Number Placeholder 4">
             <a:extLst>
               <a:ext uri="{FF2B5EF4-FFF2-40B4-BE49-F238E27FC236}">
-                <a16:creationId xmlns:a16="http://schemas.microsoft.com/office/drawing/2014/main" xmlns="" id="{590EC9DB-DCC3-B1AB-587D-7D5D1DFE032B}"/>
+                <a16:creationId xmlns="" xmlns:a16="http://schemas.microsoft.com/office/drawing/2014/main" id="{590EC9DB-DCC3-B1AB-587D-7D5D1DFE032B}"/>
               </a:ext>
             </a:extLst>
           </p:cNvPr>
@@ -3833,7 +3835,7 @@
     </p:spTree>
     <p:extLst>
       <p:ext uri="{BB962C8B-B14F-4D97-AF65-F5344CB8AC3E}">
-        <p14:creationId xmlns:p14="http://schemas.microsoft.com/office/powerpoint/2010/main" xmlns="" val="1483074268"/>
+        <p14:creationId xmlns="" xmlns:p14="http://schemas.microsoft.com/office/powerpoint/2010/main" val="1483074268"/>
       </p:ext>
     </p:extLst>
   </p:cSld>
@@ -3865,7 +3867,7 @@
           <p:cNvPr id="2" name="Date Placeholder 1">
             <a:extLst>
               <a:ext uri="{FF2B5EF4-FFF2-40B4-BE49-F238E27FC236}">
-                <a16:creationId xmlns:a16="http://schemas.microsoft.com/office/drawing/2014/main" xmlns="" id="{62957248-1ACE-B0B5-9242-19E7C1473CC7}"/>
+                <a16:creationId xmlns="" xmlns:a16="http://schemas.microsoft.com/office/drawing/2014/main" id="{62957248-1ACE-B0B5-9242-19E7C1473CC7}"/>
               </a:ext>
             </a:extLst>
           </p:cNvPr>
@@ -3895,7 +3897,7 @@
           <p:cNvPr id="3" name="Footer Placeholder 2">
             <a:extLst>
               <a:ext uri="{FF2B5EF4-FFF2-40B4-BE49-F238E27FC236}">
-                <a16:creationId xmlns:a16="http://schemas.microsoft.com/office/drawing/2014/main" xmlns="" id="{D2B83C30-0C93-9307-2564-157C44936C29}"/>
+                <a16:creationId xmlns="" xmlns:a16="http://schemas.microsoft.com/office/drawing/2014/main" id="{D2B83C30-0C93-9307-2564-157C44936C29}"/>
               </a:ext>
             </a:extLst>
           </p:cNvPr>
@@ -3924,7 +3926,7 @@
           <p:cNvPr id="4" name="Slide Number Placeholder 3">
             <a:extLst>
               <a:ext uri="{FF2B5EF4-FFF2-40B4-BE49-F238E27FC236}">
-                <a16:creationId xmlns:a16="http://schemas.microsoft.com/office/drawing/2014/main" xmlns="" id="{2AAE16DA-E589-FA88-4D7C-103B1A6AB8AD}"/>
+                <a16:creationId xmlns="" xmlns:a16="http://schemas.microsoft.com/office/drawing/2014/main" id="{2AAE16DA-E589-FA88-4D7C-103B1A6AB8AD}"/>
               </a:ext>
             </a:extLst>
           </p:cNvPr>
@@ -3952,7 +3954,7 @@
     </p:spTree>
     <p:extLst>
       <p:ext uri="{BB962C8B-B14F-4D97-AF65-F5344CB8AC3E}">
-        <p14:creationId xmlns:p14="http://schemas.microsoft.com/office/powerpoint/2010/main" xmlns="" val="4243363830"/>
+        <p14:creationId xmlns="" xmlns:p14="http://schemas.microsoft.com/office/powerpoint/2010/main" val="4243363830"/>
       </p:ext>
     </p:extLst>
   </p:cSld>
@@ -3984,7 +3986,7 @@
           <p:cNvPr id="2" name="Title 1">
             <a:extLst>
               <a:ext uri="{FF2B5EF4-FFF2-40B4-BE49-F238E27FC236}">
-                <a16:creationId xmlns:a16="http://schemas.microsoft.com/office/drawing/2014/main" xmlns="" id="{9B7C4F56-B781-88DE-B5CF-8666E1686F05}"/>
+                <a16:creationId xmlns="" xmlns:a16="http://schemas.microsoft.com/office/drawing/2014/main" id="{9B7C4F56-B781-88DE-B5CF-8666E1686F05}"/>
               </a:ext>
             </a:extLst>
           </p:cNvPr>
@@ -4021,7 +4023,7 @@
           <p:cNvPr id="3" name="Content Placeholder 2">
             <a:extLst>
               <a:ext uri="{FF2B5EF4-FFF2-40B4-BE49-F238E27FC236}">
-                <a16:creationId xmlns:a16="http://schemas.microsoft.com/office/drawing/2014/main" xmlns="" id="{AE048CB4-7C73-57F6-4C1F-6C475FF92531}"/>
+                <a16:creationId xmlns="" xmlns:a16="http://schemas.microsoft.com/office/drawing/2014/main" id="{AE048CB4-7C73-57F6-4C1F-6C475FF92531}"/>
               </a:ext>
             </a:extLst>
           </p:cNvPr>
@@ -4111,7 +4113,7 @@
           <p:cNvPr id="4" name="Text Placeholder 3">
             <a:extLst>
               <a:ext uri="{FF2B5EF4-FFF2-40B4-BE49-F238E27FC236}">
-                <a16:creationId xmlns:a16="http://schemas.microsoft.com/office/drawing/2014/main" xmlns="" id="{19CCB3E8-9234-B7F9-0909-B0DDAA52045E}"/>
+                <a16:creationId xmlns="" xmlns:a16="http://schemas.microsoft.com/office/drawing/2014/main" id="{19CCB3E8-9234-B7F9-0909-B0DDAA52045E}"/>
               </a:ext>
             </a:extLst>
           </p:cNvPr>
@@ -4182,7 +4184,7 @@
           <p:cNvPr id="5" name="Date Placeholder 4">
             <a:extLst>
               <a:ext uri="{FF2B5EF4-FFF2-40B4-BE49-F238E27FC236}">
-                <a16:creationId xmlns:a16="http://schemas.microsoft.com/office/drawing/2014/main" xmlns="" id="{0EA25712-9136-2D26-AB91-5E8C187F0CAD}"/>
+                <a16:creationId xmlns="" xmlns:a16="http://schemas.microsoft.com/office/drawing/2014/main" id="{0EA25712-9136-2D26-AB91-5E8C187F0CAD}"/>
               </a:ext>
             </a:extLst>
           </p:cNvPr>
@@ -4212,7 +4214,7 @@
           <p:cNvPr id="6" name="Footer Placeholder 5">
             <a:extLst>
               <a:ext uri="{FF2B5EF4-FFF2-40B4-BE49-F238E27FC236}">
-                <a16:creationId xmlns:a16="http://schemas.microsoft.com/office/drawing/2014/main" xmlns="" id="{03C51FC2-9B9E-5567-DCBC-97BA5F12D230}"/>
+                <a16:creationId xmlns="" xmlns:a16="http://schemas.microsoft.com/office/drawing/2014/main" id="{03C51FC2-9B9E-5567-DCBC-97BA5F12D230}"/>
               </a:ext>
             </a:extLst>
           </p:cNvPr>
@@ -4241,7 +4243,7 @@
           <p:cNvPr id="7" name="Slide Number Placeholder 6">
             <a:extLst>
               <a:ext uri="{FF2B5EF4-FFF2-40B4-BE49-F238E27FC236}">
-                <a16:creationId xmlns:a16="http://schemas.microsoft.com/office/drawing/2014/main" xmlns="" id="{193D5149-27C1-FBF9-584D-0CDCAADDEA01}"/>
+                <a16:creationId xmlns="" xmlns:a16="http://schemas.microsoft.com/office/drawing/2014/main" id="{193D5149-27C1-FBF9-584D-0CDCAADDEA01}"/>
               </a:ext>
             </a:extLst>
           </p:cNvPr>
@@ -4269,7 +4271,7 @@
     </p:spTree>
     <p:extLst>
       <p:ext uri="{BB962C8B-B14F-4D97-AF65-F5344CB8AC3E}">
-        <p14:creationId xmlns:p14="http://schemas.microsoft.com/office/powerpoint/2010/main" xmlns="" val="2466453198"/>
+        <p14:creationId xmlns="" xmlns:p14="http://schemas.microsoft.com/office/powerpoint/2010/main" val="2466453198"/>
       </p:ext>
     </p:extLst>
   </p:cSld>
@@ -4301,7 +4303,7 @@
           <p:cNvPr id="2" name="Title 1">
             <a:extLst>
               <a:ext uri="{FF2B5EF4-FFF2-40B4-BE49-F238E27FC236}">
-                <a16:creationId xmlns:a16="http://schemas.microsoft.com/office/drawing/2014/main" xmlns="" id="{3090ECB5-0124-E4AB-796D-4DD2001A1E84}"/>
+                <a16:creationId xmlns="" xmlns:a16="http://schemas.microsoft.com/office/drawing/2014/main" id="{3090ECB5-0124-E4AB-796D-4DD2001A1E84}"/>
               </a:ext>
             </a:extLst>
           </p:cNvPr>
@@ -4338,7 +4340,7 @@
           <p:cNvPr id="3" name="Picture Placeholder 2">
             <a:extLst>
               <a:ext uri="{FF2B5EF4-FFF2-40B4-BE49-F238E27FC236}">
-                <a16:creationId xmlns:a16="http://schemas.microsoft.com/office/drawing/2014/main" xmlns="" id="{8DA109C8-FE9F-0C66-9C71-8C3DDAE55F02}"/>
+                <a16:creationId xmlns="" xmlns:a16="http://schemas.microsoft.com/office/drawing/2014/main" id="{8DA109C8-FE9F-0C66-9C71-8C3DDAE55F02}"/>
               </a:ext>
             </a:extLst>
           </p:cNvPr>
@@ -4405,7 +4407,7 @@
           <p:cNvPr id="4" name="Text Placeholder 3">
             <a:extLst>
               <a:ext uri="{FF2B5EF4-FFF2-40B4-BE49-F238E27FC236}">
-                <a16:creationId xmlns:a16="http://schemas.microsoft.com/office/drawing/2014/main" xmlns="" id="{9A2CBBC3-C85A-2A3F-441B-71C12E1B727A}"/>
+                <a16:creationId xmlns="" xmlns:a16="http://schemas.microsoft.com/office/drawing/2014/main" id="{9A2CBBC3-C85A-2A3F-441B-71C12E1B727A}"/>
               </a:ext>
             </a:extLst>
           </p:cNvPr>
@@ -4476,7 +4478,7 @@
           <p:cNvPr id="5" name="Date Placeholder 4">
             <a:extLst>
               <a:ext uri="{FF2B5EF4-FFF2-40B4-BE49-F238E27FC236}">
-                <a16:creationId xmlns:a16="http://schemas.microsoft.com/office/drawing/2014/main" xmlns="" id="{614CC9F9-8D8B-FF83-A7D0-ECAE1A08610D}"/>
+                <a16:creationId xmlns="" xmlns:a16="http://schemas.microsoft.com/office/drawing/2014/main" id="{614CC9F9-8D8B-FF83-A7D0-ECAE1A08610D}"/>
               </a:ext>
             </a:extLst>
           </p:cNvPr>
@@ -4506,7 +4508,7 @@
           <p:cNvPr id="6" name="Footer Placeholder 5">
             <a:extLst>
               <a:ext uri="{FF2B5EF4-FFF2-40B4-BE49-F238E27FC236}">
-                <a16:creationId xmlns:a16="http://schemas.microsoft.com/office/drawing/2014/main" xmlns="" id="{61717425-9B0E-9676-ADA4-8456000AB609}"/>
+                <a16:creationId xmlns="" xmlns:a16="http://schemas.microsoft.com/office/drawing/2014/main" id="{61717425-9B0E-9676-ADA4-8456000AB609}"/>
               </a:ext>
             </a:extLst>
           </p:cNvPr>
@@ -4535,7 +4537,7 @@
           <p:cNvPr id="7" name="Slide Number Placeholder 6">
             <a:extLst>
               <a:ext uri="{FF2B5EF4-FFF2-40B4-BE49-F238E27FC236}">
-                <a16:creationId xmlns:a16="http://schemas.microsoft.com/office/drawing/2014/main" xmlns="" id="{E90C69FA-8AB7-BCF6-F761-4FAE38610825}"/>
+                <a16:creationId xmlns="" xmlns:a16="http://schemas.microsoft.com/office/drawing/2014/main" id="{E90C69FA-8AB7-BCF6-F761-4FAE38610825}"/>
               </a:ext>
             </a:extLst>
           </p:cNvPr>
@@ -4563,7 +4565,7 @@
     </p:spTree>
     <p:extLst>
       <p:ext uri="{BB962C8B-B14F-4D97-AF65-F5344CB8AC3E}">
-        <p14:creationId xmlns:p14="http://schemas.microsoft.com/office/powerpoint/2010/main" xmlns="" val="1115205122"/>
+        <p14:creationId xmlns="" xmlns:p14="http://schemas.microsoft.com/office/powerpoint/2010/main" val="1115205122"/>
       </p:ext>
     </p:extLst>
   </p:cSld>
@@ -4600,7 +4602,7 @@
           <p:cNvPr id="2" name="Title Placeholder 1">
             <a:extLst>
               <a:ext uri="{FF2B5EF4-FFF2-40B4-BE49-F238E27FC236}">
-                <a16:creationId xmlns:a16="http://schemas.microsoft.com/office/drawing/2014/main" xmlns="" id="{9DDC4ECF-2932-CCE3-D471-28AEE158A170}"/>
+                <a16:creationId xmlns="" xmlns:a16="http://schemas.microsoft.com/office/drawing/2014/main" id="{9DDC4ECF-2932-CCE3-D471-28AEE158A170}"/>
               </a:ext>
             </a:extLst>
           </p:cNvPr>
@@ -4638,7 +4640,7 @@
           <p:cNvPr id="3" name="Text Placeholder 2">
             <a:extLst>
               <a:ext uri="{FF2B5EF4-FFF2-40B4-BE49-F238E27FC236}">
-                <a16:creationId xmlns:a16="http://schemas.microsoft.com/office/drawing/2014/main" xmlns="" id="{6BC3F014-55A0-15E8-570C-9924061EAFFE}"/>
+                <a16:creationId xmlns="" xmlns:a16="http://schemas.microsoft.com/office/drawing/2014/main" id="{6BC3F014-55A0-15E8-570C-9924061EAFFE}"/>
               </a:ext>
             </a:extLst>
           </p:cNvPr>
@@ -4705,7 +4707,7 @@
           <p:cNvPr id="4" name="Date Placeholder 3">
             <a:extLst>
               <a:ext uri="{FF2B5EF4-FFF2-40B4-BE49-F238E27FC236}">
-                <a16:creationId xmlns:a16="http://schemas.microsoft.com/office/drawing/2014/main" xmlns="" id="{F28FC8E4-76AA-BD7E-E8F5-883744F5AD9E}"/>
+                <a16:creationId xmlns="" xmlns:a16="http://schemas.microsoft.com/office/drawing/2014/main" id="{F28FC8E4-76AA-BD7E-E8F5-883744F5AD9E}"/>
               </a:ext>
             </a:extLst>
           </p:cNvPr>
@@ -4753,7 +4755,7 @@
           <p:cNvPr id="5" name="Footer Placeholder 4">
             <a:extLst>
               <a:ext uri="{FF2B5EF4-FFF2-40B4-BE49-F238E27FC236}">
-                <a16:creationId xmlns:a16="http://schemas.microsoft.com/office/drawing/2014/main" xmlns="" id="{87FCE52D-3D9F-AC04-8299-E6328C65FE4A}"/>
+                <a16:creationId xmlns="" xmlns:a16="http://schemas.microsoft.com/office/drawing/2014/main" id="{87FCE52D-3D9F-AC04-8299-E6328C65FE4A}"/>
               </a:ext>
             </a:extLst>
           </p:cNvPr>
@@ -4800,7 +4802,7 @@
           <p:cNvPr id="6" name="Slide Number Placeholder 5">
             <a:extLst>
               <a:ext uri="{FF2B5EF4-FFF2-40B4-BE49-F238E27FC236}">
-                <a16:creationId xmlns:a16="http://schemas.microsoft.com/office/drawing/2014/main" xmlns="" id="{8E9F1DD0-ABF1-D159-6BFD-2D7BD5284315}"/>
+                <a16:creationId xmlns="" xmlns:a16="http://schemas.microsoft.com/office/drawing/2014/main" id="{8E9F1DD0-ABF1-D159-6BFD-2D7BD5284315}"/>
               </a:ext>
             </a:extLst>
           </p:cNvPr>
@@ -4846,7 +4848,7 @@
     </p:spTree>
     <p:extLst>
       <p:ext uri="{BB962C8B-B14F-4D97-AF65-F5344CB8AC3E}">
-        <p14:creationId xmlns:p14="http://schemas.microsoft.com/office/powerpoint/2010/main" xmlns="" val="2361909980"/>
+        <p14:creationId xmlns="" xmlns:p14="http://schemas.microsoft.com/office/powerpoint/2010/main" val="2361909980"/>
       </p:ext>
     </p:extLst>
   </p:cSld>
@@ -5170,7 +5172,7 @@
           <p:cNvPr id="3" name="Picture 2" descr="WhatsApp Image 2024-08-23 at 15.43.17">
             <a:extLst>
               <a:ext uri="{FF2B5EF4-FFF2-40B4-BE49-F238E27FC236}">
-                <a16:creationId xmlns:a16="http://schemas.microsoft.com/office/drawing/2014/main" xmlns="" id="{C027CC2F-7B4F-AA9B-4D81-E98F83DF2328}"/>
+                <a16:creationId xmlns="" xmlns:a16="http://schemas.microsoft.com/office/drawing/2014/main" id="{C027CC2F-7B4F-AA9B-4D81-E98F83DF2328}"/>
               </a:ext>
             </a:extLst>
           </p:cNvPr>
@@ -5200,7 +5202,7 @@
           <p:cNvPr id="13" name="Date Placeholder 12">
             <a:extLst>
               <a:ext uri="{FF2B5EF4-FFF2-40B4-BE49-F238E27FC236}">
-                <a16:creationId xmlns:a16="http://schemas.microsoft.com/office/drawing/2014/main" xmlns="" id="{742C3F97-7163-10DB-A067-B3F1568C9564}"/>
+                <a16:creationId xmlns="" xmlns:a16="http://schemas.microsoft.com/office/drawing/2014/main" id="{742C3F97-7163-10DB-A067-B3F1568C9564}"/>
               </a:ext>
             </a:extLst>
           </p:cNvPr>
@@ -5230,7 +5232,7 @@
           <p:cNvPr id="15" name="Slide Number Placeholder 14">
             <a:extLst>
               <a:ext uri="{FF2B5EF4-FFF2-40B4-BE49-F238E27FC236}">
-                <a16:creationId xmlns:a16="http://schemas.microsoft.com/office/drawing/2014/main" xmlns="" id="{B743A2CC-628E-6D6B-CB09-6DD9562DC0FF}"/>
+                <a16:creationId xmlns="" xmlns:a16="http://schemas.microsoft.com/office/drawing/2014/main" id="{B743A2CC-628E-6D6B-CB09-6DD9562DC0FF}"/>
               </a:ext>
             </a:extLst>
           </p:cNvPr>
@@ -5260,7 +5262,7 @@
           <p:cNvPr id="5" name="Group 4">
             <a:extLst>
               <a:ext uri="{FF2B5EF4-FFF2-40B4-BE49-F238E27FC236}">
-                <a16:creationId xmlns:a16="http://schemas.microsoft.com/office/drawing/2014/main" xmlns="" id="{7843BD2A-3656-4EFB-EE81-1532C7D1499D}"/>
+                <a16:creationId xmlns="" xmlns:a16="http://schemas.microsoft.com/office/drawing/2014/main" id="{7843BD2A-3656-4EFB-EE81-1532C7D1499D}"/>
               </a:ext>
             </a:extLst>
           </p:cNvPr>
@@ -5283,7 +5285,7 @@
             <p:cNvPr id="6" name="TextBox 5">
               <a:extLst>
                 <a:ext uri="{FF2B5EF4-FFF2-40B4-BE49-F238E27FC236}">
-                  <a16:creationId xmlns:a16="http://schemas.microsoft.com/office/drawing/2014/main" xmlns="" id="{50A3A666-1D60-C481-FA38-2B6816EEF98A}"/>
+                  <a16:creationId xmlns="" xmlns:a16="http://schemas.microsoft.com/office/drawing/2014/main" id="{50A3A666-1D60-C481-FA38-2B6816EEF98A}"/>
                 </a:ext>
               </a:extLst>
             </p:cNvPr>
@@ -5323,7 +5325,7 @@
             <p:cNvPr id="10" name="TextBox 9">
               <a:extLst>
                 <a:ext uri="{FF2B5EF4-FFF2-40B4-BE49-F238E27FC236}">
-                  <a16:creationId xmlns:a16="http://schemas.microsoft.com/office/drawing/2014/main" xmlns="" id="{3D5B2BB8-BCBA-3DA1-A07C-DCC08FAF71AB}"/>
+                  <a16:creationId xmlns="" xmlns:a16="http://schemas.microsoft.com/office/drawing/2014/main" id="{3D5B2BB8-BCBA-3DA1-A07C-DCC08FAF71AB}"/>
                 </a:ext>
               </a:extLst>
             </p:cNvPr>
@@ -5388,7 +5390,7 @@
           <p:cNvPr id="11" name="TextBox 10">
             <a:extLst>
               <a:ext uri="{FF2B5EF4-FFF2-40B4-BE49-F238E27FC236}">
-                <a16:creationId xmlns:a16="http://schemas.microsoft.com/office/drawing/2014/main" xmlns="" id="{61643550-BC90-31DB-C96C-291D61ED3D0D}"/>
+                <a16:creationId xmlns="" xmlns:a16="http://schemas.microsoft.com/office/drawing/2014/main" id="{61643550-BC90-31DB-C96C-291D61ED3D0D}"/>
               </a:ext>
             </a:extLst>
           </p:cNvPr>
@@ -5455,7 +5457,7 @@
           <p:cNvPr id="19" name="Table 18">
             <a:extLst>
               <a:ext uri="{FF2B5EF4-FFF2-40B4-BE49-F238E27FC236}">
-                <a16:creationId xmlns:a16="http://schemas.microsoft.com/office/drawing/2014/main" xmlns="" id="{B852DD20-2BA1-1097-A1A8-83E90344B53C}"/>
+                <a16:creationId xmlns="" xmlns:a16="http://schemas.microsoft.com/office/drawing/2014/main" id="{B852DD20-2BA1-1097-A1A8-83E90344B53C}"/>
               </a:ext>
             </a:extLst>
           </p:cNvPr>
@@ -5465,7 +5467,7 @@
           <p:nvPr>
             <p:extLst>
               <p:ext uri="{D42A27DB-BD31-4B8C-83A1-F6EECF244321}">
-                <p14:modId xmlns:p14="http://schemas.microsoft.com/office/powerpoint/2010/main" xmlns="" val="237348242"/>
+                <p14:modId xmlns="" xmlns:p14="http://schemas.microsoft.com/office/powerpoint/2010/main" val="237348242"/>
               </p:ext>
             </p:extLst>
           </p:nvPr>
@@ -5484,42 +5486,42 @@
                 <a:gridCol w="1987247">
                   <a:extLst>
                     <a:ext uri="{9D8B030D-6E8A-4147-A177-3AD203B41FA5}">
-                      <a16:colId xmlns:a16="http://schemas.microsoft.com/office/drawing/2014/main" xmlns="" val="1381312057"/>
+                      <a16:colId xmlns="" xmlns:a16="http://schemas.microsoft.com/office/drawing/2014/main" val="1381312057"/>
                     </a:ext>
                   </a:extLst>
                 </a:gridCol>
                 <a:gridCol w="2474464">
                   <a:extLst>
                     <a:ext uri="{9D8B030D-6E8A-4147-A177-3AD203B41FA5}">
-                      <a16:colId xmlns:a16="http://schemas.microsoft.com/office/drawing/2014/main" xmlns="" val="242157776"/>
+                      <a16:colId xmlns="" xmlns:a16="http://schemas.microsoft.com/office/drawing/2014/main" val="242157776"/>
                     </a:ext>
                   </a:extLst>
                 </a:gridCol>
                 <a:gridCol w="265555">
                   <a:extLst>
                     <a:ext uri="{9D8B030D-6E8A-4147-A177-3AD203B41FA5}">
-                      <a16:colId xmlns:a16="http://schemas.microsoft.com/office/drawing/2014/main" xmlns="" val="446022343"/>
+                      <a16:colId xmlns="" xmlns:a16="http://schemas.microsoft.com/office/drawing/2014/main" val="446022343"/>
                     </a:ext>
                   </a:extLst>
                 </a:gridCol>
                 <a:gridCol w="578286">
                   <a:extLst>
                     <a:ext uri="{9D8B030D-6E8A-4147-A177-3AD203B41FA5}">
-                      <a16:colId xmlns:a16="http://schemas.microsoft.com/office/drawing/2014/main" xmlns="" val="3074180346"/>
+                      <a16:colId xmlns="" xmlns:a16="http://schemas.microsoft.com/office/drawing/2014/main" val="3074180346"/>
                     </a:ext>
                   </a:extLst>
                 </a:gridCol>
                 <a:gridCol w="208280">
                   <a:extLst>
                     <a:ext uri="{9D8B030D-6E8A-4147-A177-3AD203B41FA5}">
-                      <a16:colId xmlns:a16="http://schemas.microsoft.com/office/drawing/2014/main" xmlns="" val="2065650034"/>
+                      <a16:colId xmlns="" xmlns:a16="http://schemas.microsoft.com/office/drawing/2014/main" val="2065650034"/>
                     </a:ext>
                   </a:extLst>
                 </a:gridCol>
                 <a:gridCol w="539496">
                   <a:extLst>
                     <a:ext uri="{9D8B030D-6E8A-4147-A177-3AD203B41FA5}">
-                      <a16:colId xmlns:a16="http://schemas.microsoft.com/office/drawing/2014/main" xmlns="" val="4236025598"/>
+                      <a16:colId xmlns="" xmlns:a16="http://schemas.microsoft.com/office/drawing/2014/main" val="4236025598"/>
                     </a:ext>
                   </a:extLst>
                 </a:gridCol>
@@ -5899,7 +5901,7 @@
                 </a:tc>
                 <a:extLst>
                   <a:ext uri="{0D108BD9-81ED-4DB2-BD59-A6C34878D82A}">
-                    <a16:rowId xmlns:a16="http://schemas.microsoft.com/office/drawing/2014/main" xmlns="" val="2754823073"/>
+                    <a16:rowId xmlns="" xmlns:a16="http://schemas.microsoft.com/office/drawing/2014/main" val="2754823073"/>
                   </a:ext>
                 </a:extLst>
               </a:tr>
@@ -6329,7 +6331,7 @@
                 </a:tc>
                 <a:extLst>
                   <a:ext uri="{0D108BD9-81ED-4DB2-BD59-A6C34878D82A}">
-                    <a16:rowId xmlns:a16="http://schemas.microsoft.com/office/drawing/2014/main" xmlns="" val="1526047256"/>
+                    <a16:rowId xmlns="" xmlns:a16="http://schemas.microsoft.com/office/drawing/2014/main" val="1526047256"/>
                   </a:ext>
                 </a:extLst>
               </a:tr>
@@ -6452,7 +6454,7 @@
                 </a:tc>
                 <a:extLst>
                   <a:ext uri="{0D108BD9-81ED-4DB2-BD59-A6C34878D82A}">
-                    <a16:rowId xmlns:a16="http://schemas.microsoft.com/office/drawing/2014/main" xmlns="" val="3025807806"/>
+                    <a16:rowId xmlns="" xmlns:a16="http://schemas.microsoft.com/office/drawing/2014/main" val="3025807806"/>
                   </a:ext>
                 </a:extLst>
               </a:tr>
@@ -6465,7 +6467,7 @@
           <p:cNvPr id="2" name="Table 1">
             <a:extLst>
               <a:ext uri="{FF2B5EF4-FFF2-40B4-BE49-F238E27FC236}">
-                <a16:creationId xmlns:a16="http://schemas.microsoft.com/office/drawing/2014/main" xmlns="" id="{2E9565CE-F940-4E40-840E-05DAAD5EF3AC}"/>
+                <a16:creationId xmlns="" xmlns:a16="http://schemas.microsoft.com/office/drawing/2014/main" id="{2E9565CE-F940-4E40-840E-05DAAD5EF3AC}"/>
               </a:ext>
             </a:extLst>
           </p:cNvPr>
@@ -6475,7 +6477,7 @@
           <p:nvPr>
             <p:extLst>
               <p:ext uri="{D42A27DB-BD31-4B8C-83A1-F6EECF244321}">
-                <p14:modId xmlns:p14="http://schemas.microsoft.com/office/powerpoint/2010/main" xmlns="" val="584604102"/>
+                <p14:modId xmlns="" xmlns:p14="http://schemas.microsoft.com/office/powerpoint/2010/main" val="584604102"/>
               </p:ext>
             </p:extLst>
           </p:nvPr>
@@ -6494,7 +6496,7 @@
                 <a:gridCol w="2994839">
                   <a:extLst>
                     <a:ext uri="{9D8B030D-6E8A-4147-A177-3AD203B41FA5}">
-                      <a16:colId xmlns:a16="http://schemas.microsoft.com/office/drawing/2014/main" xmlns="" val="2443765172"/>
+                      <a16:colId xmlns="" xmlns:a16="http://schemas.microsoft.com/office/drawing/2014/main" val="2443765172"/>
                     </a:ext>
                   </a:extLst>
                 </a:gridCol>
@@ -6585,7 +6587,7 @@
                 </a:tc>
                 <a:extLst>
                   <a:ext uri="{0D108BD9-81ED-4DB2-BD59-A6C34878D82A}">
-                    <a16:rowId xmlns:a16="http://schemas.microsoft.com/office/drawing/2014/main" xmlns="" val="3492592027"/>
+                    <a16:rowId xmlns="" xmlns:a16="http://schemas.microsoft.com/office/drawing/2014/main" val="3492592027"/>
                   </a:ext>
                 </a:extLst>
               </a:tr>
@@ -6598,7 +6600,7 @@
           <p:cNvPr id="4" name="Table 3">
             <a:extLst>
               <a:ext uri="{FF2B5EF4-FFF2-40B4-BE49-F238E27FC236}">
-                <a16:creationId xmlns:a16="http://schemas.microsoft.com/office/drawing/2014/main" xmlns="" id="{1E174C43-2445-5A44-DE5A-BF274237C690}"/>
+                <a16:creationId xmlns="" xmlns:a16="http://schemas.microsoft.com/office/drawing/2014/main" id="{1E174C43-2445-5A44-DE5A-BF274237C690}"/>
               </a:ext>
             </a:extLst>
           </p:cNvPr>
@@ -6608,7 +6610,7 @@
           <p:nvPr>
             <p:extLst>
               <p:ext uri="{D42A27DB-BD31-4B8C-83A1-F6EECF244321}">
-                <p14:modId xmlns:p14="http://schemas.microsoft.com/office/powerpoint/2010/main" xmlns="" val="3303624255"/>
+                <p14:modId xmlns="" xmlns:p14="http://schemas.microsoft.com/office/powerpoint/2010/main" val="3303624255"/>
               </p:ext>
             </p:extLst>
           </p:nvPr>
@@ -6627,7 +6629,7 @@
                 <a:gridCol w="2743200">
                   <a:extLst>
                     <a:ext uri="{9D8B030D-6E8A-4147-A177-3AD203B41FA5}">
-                      <a16:colId xmlns:a16="http://schemas.microsoft.com/office/drawing/2014/main" xmlns="" val="1059976695"/>
+                      <a16:colId xmlns="" xmlns:a16="http://schemas.microsoft.com/office/drawing/2014/main" val="1059976695"/>
                     </a:ext>
                   </a:extLst>
                 </a:gridCol>
@@ -6722,7 +6724,7 @@
                 </a:tc>
                 <a:extLst>
                   <a:ext uri="{0D108BD9-81ED-4DB2-BD59-A6C34878D82A}">
-                    <a16:rowId xmlns:a16="http://schemas.microsoft.com/office/drawing/2014/main" xmlns="" val="3307758912"/>
+                    <a16:rowId xmlns="" xmlns:a16="http://schemas.microsoft.com/office/drawing/2014/main" val="3307758912"/>
                   </a:ext>
                 </a:extLst>
               </a:tr>
@@ -6802,7 +6804,7 @@
                 </a:tc>
                 <a:extLst>
                   <a:ext uri="{0D108BD9-81ED-4DB2-BD59-A6C34878D82A}">
-                    <a16:rowId xmlns:a16="http://schemas.microsoft.com/office/drawing/2014/main" xmlns="" val="3107406387"/>
+                    <a16:rowId xmlns="" xmlns:a16="http://schemas.microsoft.com/office/drawing/2014/main" val="3107406387"/>
                   </a:ext>
                 </a:extLst>
               </a:tr>
@@ -6888,7 +6890,7 @@
                 </a:tc>
                 <a:extLst>
                   <a:ext uri="{0D108BD9-81ED-4DB2-BD59-A6C34878D82A}">
-                    <a16:rowId xmlns:a16="http://schemas.microsoft.com/office/drawing/2014/main" xmlns="" val="1350850909"/>
+                    <a16:rowId xmlns="" xmlns:a16="http://schemas.microsoft.com/office/drawing/2014/main" val="1350850909"/>
                   </a:ext>
                 </a:extLst>
               </a:tr>
@@ -6995,7 +6997,7 @@
                 </a:tc>
                 <a:extLst>
                   <a:ext uri="{0D108BD9-81ED-4DB2-BD59-A6C34878D82A}">
-                    <a16:rowId xmlns:a16="http://schemas.microsoft.com/office/drawing/2014/main" xmlns="" val="8874249"/>
+                    <a16:rowId xmlns="" xmlns:a16="http://schemas.microsoft.com/office/drawing/2014/main" val="8874249"/>
                   </a:ext>
                 </a:extLst>
               </a:tr>
@@ -7161,7 +7163,7 @@
                 </a:tc>
                 <a:extLst>
                   <a:ext uri="{0D108BD9-81ED-4DB2-BD59-A6C34878D82A}">
-                    <a16:rowId xmlns:a16="http://schemas.microsoft.com/office/drawing/2014/main" xmlns="" val="3670986810"/>
+                    <a16:rowId xmlns="" xmlns:a16="http://schemas.microsoft.com/office/drawing/2014/main" val="3670986810"/>
                   </a:ext>
                 </a:extLst>
               </a:tr>
@@ -7236,7 +7238,7 @@
                 </a:tc>
                 <a:extLst>
                   <a:ext uri="{0D108BD9-81ED-4DB2-BD59-A6C34878D82A}">
-                    <a16:rowId xmlns:a16="http://schemas.microsoft.com/office/drawing/2014/main" xmlns="" val="602172010"/>
+                    <a16:rowId xmlns="" xmlns:a16="http://schemas.microsoft.com/office/drawing/2014/main" val="602172010"/>
                   </a:ext>
                 </a:extLst>
               </a:tr>
@@ -7270,7 +7272,7 @@
     </p:spTree>
     <p:extLst>
       <p:ext uri="{BB962C8B-B14F-4D97-AF65-F5344CB8AC3E}">
-        <p14:creationId xmlns:p14="http://schemas.microsoft.com/office/powerpoint/2010/main" xmlns="" val="1434162909"/>
+        <p14:creationId xmlns="" xmlns:p14="http://schemas.microsoft.com/office/powerpoint/2010/main" val="1434162909"/>
       </p:ext>
     </p:extLst>
   </p:cSld>
@@ -7288,7 +7290,7 @@
         <p:cNvPr id="1" name="">
           <a:extLst>
             <a:ext uri="{FF2B5EF4-FFF2-40B4-BE49-F238E27FC236}">
-              <a16:creationId xmlns:a16="http://schemas.microsoft.com/office/drawing/2014/main" xmlns="" id="{84808E20-0F1F-533A-B3E6-5B335EB405BC}"/>
+              <a16:creationId xmlns="" xmlns:a16="http://schemas.microsoft.com/office/drawing/2014/main" id="{84808E20-0F1F-533A-B3E6-5B335EB405BC}"/>
             </a:ext>
           </a:extLst>
         </p:cNvPr>
@@ -7308,7 +7310,7 @@
           <p:cNvPr id="3" name="Picture 2" descr="WhatsApp Image 2024-08-23 at 15.43.17">
             <a:extLst>
               <a:ext uri="{FF2B5EF4-FFF2-40B4-BE49-F238E27FC236}">
-                <a16:creationId xmlns:a16="http://schemas.microsoft.com/office/drawing/2014/main" xmlns="" id="{92479C09-0005-7CFF-38D5-4F524062CA0A}"/>
+                <a16:creationId xmlns="" xmlns:a16="http://schemas.microsoft.com/office/drawing/2014/main" id="{92479C09-0005-7CFF-38D5-4F524062CA0A}"/>
               </a:ext>
             </a:extLst>
           </p:cNvPr>
@@ -7338,7 +7340,7 @@
           <p:cNvPr id="13" name="Date Placeholder 12">
             <a:extLst>
               <a:ext uri="{FF2B5EF4-FFF2-40B4-BE49-F238E27FC236}">
-                <a16:creationId xmlns:a16="http://schemas.microsoft.com/office/drawing/2014/main" xmlns="" id="{AD30255A-D722-9278-6B86-CDC958DBCE76}"/>
+                <a16:creationId xmlns="" xmlns:a16="http://schemas.microsoft.com/office/drawing/2014/main" id="{AD30255A-D722-9278-6B86-CDC958DBCE76}"/>
               </a:ext>
             </a:extLst>
           </p:cNvPr>
@@ -7368,7 +7370,7 @@
           <p:cNvPr id="15" name="Slide Number Placeholder 14">
             <a:extLst>
               <a:ext uri="{FF2B5EF4-FFF2-40B4-BE49-F238E27FC236}">
-                <a16:creationId xmlns:a16="http://schemas.microsoft.com/office/drawing/2014/main" xmlns="" id="{1B162A4D-077F-7925-923D-1DF42476D28D}"/>
+                <a16:creationId xmlns="" xmlns:a16="http://schemas.microsoft.com/office/drawing/2014/main" id="{1B162A4D-077F-7925-923D-1DF42476D28D}"/>
               </a:ext>
             </a:extLst>
           </p:cNvPr>
@@ -7398,7 +7400,7 @@
           <p:cNvPr id="10" name="TextBox 9">
             <a:extLst>
               <a:ext uri="{FF2B5EF4-FFF2-40B4-BE49-F238E27FC236}">
-                <a16:creationId xmlns:a16="http://schemas.microsoft.com/office/drawing/2014/main" xmlns="" id="{486B023D-D17B-9DDF-D346-3B74179C0858}"/>
+                <a16:creationId xmlns="" xmlns:a16="http://schemas.microsoft.com/office/drawing/2014/main" id="{486B023D-D17B-9DDF-D346-3B74179C0858}"/>
               </a:ext>
             </a:extLst>
           </p:cNvPr>
@@ -7439,7 +7441,7 @@
           <p:cNvPr id="2" name="Group 1">
             <a:extLst>
               <a:ext uri="{FF2B5EF4-FFF2-40B4-BE49-F238E27FC236}">
-                <a16:creationId xmlns:a16="http://schemas.microsoft.com/office/drawing/2014/main" xmlns="" id="{0D0112AD-AB0A-FEB7-46DA-462329F16DB6}"/>
+                <a16:creationId xmlns="" xmlns:a16="http://schemas.microsoft.com/office/drawing/2014/main" id="{0D0112AD-AB0A-FEB7-46DA-462329F16DB6}"/>
               </a:ext>
             </a:extLst>
           </p:cNvPr>
@@ -7462,7 +7464,7 @@
             <p:cNvPr id="5" name="TextBox 4">
               <a:extLst>
                 <a:ext uri="{FF2B5EF4-FFF2-40B4-BE49-F238E27FC236}">
-                  <a16:creationId xmlns:a16="http://schemas.microsoft.com/office/drawing/2014/main" xmlns="" id="{C9FA2A23-91A0-84C9-4153-A9CF1165A869}"/>
+                  <a16:creationId xmlns="" xmlns:a16="http://schemas.microsoft.com/office/drawing/2014/main" id="{C9FA2A23-91A0-84C9-4153-A9CF1165A869}"/>
                 </a:ext>
               </a:extLst>
             </p:cNvPr>
@@ -7502,7 +7504,7 @@
             <p:cNvPr id="7" name="TextBox 6">
               <a:extLst>
                 <a:ext uri="{FF2B5EF4-FFF2-40B4-BE49-F238E27FC236}">
-                  <a16:creationId xmlns:a16="http://schemas.microsoft.com/office/drawing/2014/main" xmlns="" id="{61AC8CE0-431A-86E3-F3A3-CE37478C7257}"/>
+                  <a16:creationId xmlns="" xmlns:a16="http://schemas.microsoft.com/office/drawing/2014/main" id="{61AC8CE0-431A-86E3-F3A3-CE37478C7257}"/>
                 </a:ext>
               </a:extLst>
             </p:cNvPr>
@@ -7532,7 +7534,23 @@
                     <a:schemeClr val="bg1"/>
                   </a:solidFill>
                 </a:rPr>
-                <a:t>VS Code Extensions​</a:t>
+                <a:t>VS Code Extensions​ - </a:t>
+              </a:r>
+              <a:r>
+                <a:rPr lang="en-US" sz="2000" b="1" dirty="0" err="1" smtClean="0">
+                  <a:solidFill>
+                    <a:schemeClr val="bg1"/>
+                  </a:solidFill>
+                </a:rPr>
+                <a:t>GitHub</a:t>
+              </a:r>
+              <a:r>
+                <a:rPr lang="en-US" sz="2000" b="1" dirty="0" smtClean="0">
+                  <a:solidFill>
+                    <a:schemeClr val="bg1"/>
+                  </a:solidFill>
+                </a:rPr>
+                <a:t> Copilot</a:t>
               </a:r>
               <a:endParaRPr lang="en-US" sz="2000" dirty="0"/>
             </a:p>
@@ -7923,32 +7941,74 @@
       </p:sp>
       <p:pic>
         <p:nvPicPr>
-          <p:cNvPr id="23" name="Picture 22" descr="Githubcopilot.png"/>
+          <p:cNvPr id="25" name="Picture 1"/>
           <p:cNvPicPr>
-            <a:picLocks noChangeAspect="1"/>
+            <a:picLocks noChangeAspect="1" noChangeArrowheads="1"/>
           </p:cNvPicPr>
           <p:nvPr/>
         </p:nvPicPr>
         <p:blipFill>
           <a:blip r:embed="rId4"/>
+          <a:srcRect/>
           <a:stretch>
             <a:fillRect/>
           </a:stretch>
         </p:blipFill>
-        <p:spPr>
-          <a:xfrm>
-            <a:off x="1276591" y="803777"/>
-            <a:ext cx="10557600" cy="5561296"/>
-          </a:xfrm>
-          <a:prstGeom prst="rect">
-            <a:avLst/>
-          </a:prstGeom>
+        <p:spPr bwMode="auto">
+          <a:xfrm>
+            <a:off x="451402" y="1045748"/>
+            <a:ext cx="5219700" cy="4905375"/>
+          </a:xfrm>
+          <a:prstGeom prst="rect">
+            <a:avLst/>
+          </a:prstGeom>
+          <a:noFill/>
+          <a:ln w="9525">
+            <a:noFill/>
+            <a:miter lim="800000"/>
+            <a:headEnd/>
+            <a:tailEnd/>
+          </a:ln>
+          <a:effectLst/>
+        </p:spPr>
+      </p:pic>
+      <p:pic>
+        <p:nvPicPr>
+          <p:cNvPr id="26" name="Picture 2"/>
+          <p:cNvPicPr>
+            <a:picLocks noChangeAspect="1" noChangeArrowheads="1"/>
+          </p:cNvPicPr>
+          <p:nvPr/>
+        </p:nvPicPr>
+        <p:blipFill>
+          <a:blip r:embed="rId5"/>
+          <a:srcRect/>
+          <a:stretch>
+            <a:fillRect/>
+          </a:stretch>
+        </p:blipFill>
+        <p:spPr bwMode="auto">
+          <a:xfrm>
+            <a:off x="5731223" y="1071180"/>
+            <a:ext cx="6225552" cy="5292553"/>
+          </a:xfrm>
+          <a:prstGeom prst="rect">
+            <a:avLst/>
+          </a:prstGeom>
+          <a:noFill/>
+          <a:ln w="9525">
+            <a:noFill/>
+            <a:miter lim="800000"/>
+            <a:headEnd/>
+            <a:tailEnd/>
+          </a:ln>
+          <a:effectLst/>
         </p:spPr>
       </p:pic>
     </p:spTree>
     <p:extLst>
       <p:ext uri="{BB962C8B-B14F-4D97-AF65-F5344CB8AC3E}">
-        <p14:creationId xmlns:p14="http://schemas.microsoft.com/office/powerpoint/2010/main" xmlns="" val="1062629819"/>
+        <p14:creationId xmlns="" xmlns:p14="http://schemas.microsoft.com/office/powerpoint/2010/main" val="1062629819"/>
       </p:ext>
     </p:extLst>
   </p:cSld>
@@ -7973,7 +8033,7 @@
         <p:cNvPr id="1" name="">
           <a:extLst>
             <a:ext uri="{FF2B5EF4-FFF2-40B4-BE49-F238E27FC236}">
-              <a16:creationId xmlns:a16="http://schemas.microsoft.com/office/drawing/2014/main" xmlns="" id="{84808E20-0F1F-533A-B3E6-5B335EB405BC}"/>
+              <a16:creationId xmlns="" xmlns:a16="http://schemas.microsoft.com/office/drawing/2014/main" id="{84808E20-0F1F-533A-B3E6-5B335EB405BC}"/>
             </a:ext>
           </a:extLst>
         </p:cNvPr>
@@ -7993,7 +8053,7 @@
           <p:cNvPr id="3" name="Picture 2" descr="WhatsApp Image 2024-08-23 at 15.43.17">
             <a:extLst>
               <a:ext uri="{FF2B5EF4-FFF2-40B4-BE49-F238E27FC236}">
-                <a16:creationId xmlns:a16="http://schemas.microsoft.com/office/drawing/2014/main" xmlns="" id="{92479C09-0005-7CFF-38D5-4F524062CA0A}"/>
+                <a16:creationId xmlns="" xmlns:a16="http://schemas.microsoft.com/office/drawing/2014/main" id="{92479C09-0005-7CFF-38D5-4F524062CA0A}"/>
               </a:ext>
             </a:extLst>
           </p:cNvPr>
@@ -8023,7 +8083,7 @@
           <p:cNvPr id="13" name="Date Placeholder 12">
             <a:extLst>
               <a:ext uri="{FF2B5EF4-FFF2-40B4-BE49-F238E27FC236}">
-                <a16:creationId xmlns:a16="http://schemas.microsoft.com/office/drawing/2014/main" xmlns="" id="{AD30255A-D722-9278-6B86-CDC958DBCE76}"/>
+                <a16:creationId xmlns="" xmlns:a16="http://schemas.microsoft.com/office/drawing/2014/main" id="{AD30255A-D722-9278-6B86-CDC958DBCE76}"/>
               </a:ext>
             </a:extLst>
           </p:cNvPr>
@@ -8053,7 +8113,7 @@
           <p:cNvPr id="15" name="Slide Number Placeholder 14">
             <a:extLst>
               <a:ext uri="{FF2B5EF4-FFF2-40B4-BE49-F238E27FC236}">
-                <a16:creationId xmlns:a16="http://schemas.microsoft.com/office/drawing/2014/main" xmlns="" id="{1B162A4D-077F-7925-923D-1DF42476D28D}"/>
+                <a16:creationId xmlns="" xmlns:a16="http://schemas.microsoft.com/office/drawing/2014/main" id="{1B162A4D-077F-7925-923D-1DF42476D28D}"/>
               </a:ext>
             </a:extLst>
           </p:cNvPr>
@@ -8083,7 +8143,7 @@
           <p:cNvPr id="10" name="TextBox 9">
             <a:extLst>
               <a:ext uri="{FF2B5EF4-FFF2-40B4-BE49-F238E27FC236}">
-                <a16:creationId xmlns:a16="http://schemas.microsoft.com/office/drawing/2014/main" xmlns="" id="{486B023D-D17B-9DDF-D346-3B74179C0858}"/>
+                <a16:creationId xmlns="" xmlns:a16="http://schemas.microsoft.com/office/drawing/2014/main" id="{486B023D-D17B-9DDF-D346-3B74179C0858}"/>
               </a:ext>
             </a:extLst>
           </p:cNvPr>
@@ -8124,7 +8184,7 @@
           <p:cNvPr id="2" name="Group 1">
             <a:extLst>
               <a:ext uri="{FF2B5EF4-FFF2-40B4-BE49-F238E27FC236}">
-                <a16:creationId xmlns:a16="http://schemas.microsoft.com/office/drawing/2014/main" xmlns="" id="{0D0112AD-AB0A-FEB7-46DA-462329F16DB6}"/>
+                <a16:creationId xmlns="" xmlns:a16="http://schemas.microsoft.com/office/drawing/2014/main" id="{0D0112AD-AB0A-FEB7-46DA-462329F16DB6}"/>
               </a:ext>
             </a:extLst>
           </p:cNvPr>
@@ -8147,7 +8207,7 @@
             <p:cNvPr id="5" name="TextBox 4">
               <a:extLst>
                 <a:ext uri="{FF2B5EF4-FFF2-40B4-BE49-F238E27FC236}">
-                  <a16:creationId xmlns:a16="http://schemas.microsoft.com/office/drawing/2014/main" xmlns="" id="{C9FA2A23-91A0-84C9-4153-A9CF1165A869}"/>
+                  <a16:creationId xmlns="" xmlns:a16="http://schemas.microsoft.com/office/drawing/2014/main" id="{C9FA2A23-91A0-84C9-4153-A9CF1165A869}"/>
                 </a:ext>
               </a:extLst>
             </p:cNvPr>
@@ -8187,7 +8247,1287 @@
             <p:cNvPr id="7" name="TextBox 6">
               <a:extLst>
                 <a:ext uri="{FF2B5EF4-FFF2-40B4-BE49-F238E27FC236}">
-                  <a16:creationId xmlns:a16="http://schemas.microsoft.com/office/drawing/2014/main" xmlns="" id="{61AC8CE0-431A-86E3-F3A3-CE37478C7257}"/>
+                  <a16:creationId xmlns="" xmlns:a16="http://schemas.microsoft.com/office/drawing/2014/main" id="{61AC8CE0-431A-86E3-F3A3-CE37478C7257}"/>
+                </a:ext>
+              </a:extLst>
+            </p:cNvPr>
+            <p:cNvSpPr txBox="1"/>
+            <p:nvPr/>
+          </p:nvSpPr>
+          <p:spPr>
+            <a:xfrm>
+              <a:off x="2394530" y="273031"/>
+              <a:ext cx="9687560" cy="400110"/>
+            </a:xfrm>
+            <a:prstGeom prst="rect">
+              <a:avLst/>
+            </a:prstGeom>
+            <a:grpFill/>
+          </p:spPr>
+          <p:txBody>
+            <a:bodyPr wrap="square" rtlCol="0">
+              <a:spAutoFit/>
+            </a:bodyPr>
+            <a:lstStyle/>
+            <a:p>
+              <a:pPr algn="ctr"/>
+              <a:r>
+                <a:rPr lang="en-US" sz="2000" b="1" dirty="0" smtClean="0">
+                  <a:solidFill>
+                    <a:schemeClr val="bg1"/>
+                  </a:solidFill>
+                </a:rPr>
+                <a:t>VS Code Extensions​</a:t>
+              </a:r>
+              <a:endParaRPr lang="en-US" sz="2000" dirty="0"/>
+            </a:p>
+          </p:txBody>
+        </p:sp>
+      </p:grpSp>
+      <p:sp>
+        <p:nvSpPr>
+          <p:cNvPr id="18" name="Footer Placeholder 17"/>
+          <p:cNvSpPr>
+            <a:spLocks noGrp="1"/>
+          </p:cNvSpPr>
+          <p:nvPr>
+            <p:ph type="ftr" sz="quarter" idx="11"/>
+          </p:nvPr>
+        </p:nvSpPr>
+        <p:spPr/>
+        <p:txBody>
+          <a:bodyPr/>
+          <a:lstStyle/>
+          <a:p>
+            <a:r>
+              <a:rPr lang="en-US" smtClean="0"/>
+              <a:t>Prof. Venkataramana Veeramsetty</a:t>
+            </a:r>
+            <a:endParaRPr lang="en-US"/>
+          </a:p>
+        </p:txBody>
+      </p:sp>
+      <p:sp>
+        <p:nvSpPr>
+          <p:cNvPr id="3074" name="AutoShape 2" descr="A blue screen with yellow text&#10;&#10;Description automatically generated"/>
+          <p:cNvSpPr>
+            <a:spLocks noChangeAspect="1" noChangeArrowheads="1"/>
+          </p:cNvSpPr>
+          <p:nvPr/>
+        </p:nvSpPr>
+        <p:spPr bwMode="auto">
+          <a:xfrm>
+            <a:off x="212725" y="-144463"/>
+            <a:ext cx="304800" cy="304801"/>
+          </a:xfrm>
+          <a:prstGeom prst="rect">
+            <a:avLst/>
+          </a:prstGeom>
+          <a:noFill/>
+        </p:spPr>
+        <p:txBody>
+          <a:bodyPr vert="horz" wrap="square" lIns="91440" tIns="45720" rIns="91440" bIns="45720" numCol="1" anchor="t" anchorCtr="0" compatLnSpc="1">
+            <a:prstTxWarp prst="textNoShape">
+              <a:avLst/>
+            </a:prstTxWarp>
+          </a:bodyPr>
+          <a:lstStyle/>
+          <a:p>
+            <a:endParaRPr lang="en-US"/>
+          </a:p>
+        </p:txBody>
+      </p:sp>
+      <p:sp>
+        <p:nvSpPr>
+          <p:cNvPr id="3076" name="AutoShape 4" descr="A blue screen with yellow text&#10;&#10;Description automatically generated"/>
+          <p:cNvSpPr>
+            <a:spLocks noChangeAspect="1" noChangeArrowheads="1"/>
+          </p:cNvSpPr>
+          <p:nvPr/>
+        </p:nvSpPr>
+        <p:spPr bwMode="auto">
+          <a:xfrm>
+            <a:off x="212725" y="-144463"/>
+            <a:ext cx="304800" cy="304801"/>
+          </a:xfrm>
+          <a:prstGeom prst="rect">
+            <a:avLst/>
+          </a:prstGeom>
+          <a:noFill/>
+        </p:spPr>
+        <p:txBody>
+          <a:bodyPr vert="horz" wrap="square" lIns="91440" tIns="45720" rIns="91440" bIns="45720" numCol="1" anchor="t" anchorCtr="0" compatLnSpc="1">
+            <a:prstTxWarp prst="textNoShape">
+              <a:avLst/>
+            </a:prstTxWarp>
+          </a:bodyPr>
+          <a:lstStyle/>
+          <a:p>
+            <a:endParaRPr lang="en-US"/>
+          </a:p>
+        </p:txBody>
+      </p:sp>
+      <p:sp>
+        <p:nvSpPr>
+          <p:cNvPr id="17" name="Rectangle 16"/>
+          <p:cNvSpPr/>
+          <p:nvPr/>
+        </p:nvSpPr>
+        <p:spPr>
+          <a:xfrm>
+            <a:off x="5971607" y="3244334"/>
+            <a:ext cx="248786" cy="369332"/>
+          </a:xfrm>
+          <a:prstGeom prst="rect">
+            <a:avLst/>
+          </a:prstGeom>
+        </p:spPr>
+        <p:txBody>
+          <a:bodyPr wrap="none">
+            <a:spAutoFit/>
+          </a:bodyPr>
+          <a:lstStyle/>
+          <a:p>
+            <a:r>
+              <a:rPr lang="en-US" dirty="0" smtClean="0"/>
+              <a:t> </a:t>
+            </a:r>
+            <a:endParaRPr lang="en-US" dirty="0"/>
+          </a:p>
+        </p:txBody>
+      </p:sp>
+      <p:sp>
+        <p:nvSpPr>
+          <p:cNvPr id="20482" name="AutoShape 2" descr="PyCharm's top features. [Hidden] qualities of one of the most… | by Nicolò  Gasparini | Analytics Vidhya | Medium"/>
+          <p:cNvSpPr>
+            <a:spLocks noChangeAspect="1" noChangeArrowheads="1"/>
+          </p:cNvSpPr>
+          <p:nvPr/>
+        </p:nvSpPr>
+        <p:spPr bwMode="auto">
+          <a:xfrm>
+            <a:off x="212725" y="-144463"/>
+            <a:ext cx="304800" cy="304801"/>
+          </a:xfrm>
+          <a:prstGeom prst="rect">
+            <a:avLst/>
+          </a:prstGeom>
+          <a:noFill/>
+        </p:spPr>
+        <p:txBody>
+          <a:bodyPr vert="horz" wrap="square" lIns="91440" tIns="45720" rIns="91440" bIns="45720" numCol="1" anchor="t" anchorCtr="0" compatLnSpc="1">
+            <a:prstTxWarp prst="textNoShape">
+              <a:avLst/>
+            </a:prstTxWarp>
+          </a:bodyPr>
+          <a:lstStyle/>
+          <a:p>
+            <a:endParaRPr lang="en-US"/>
+          </a:p>
+        </p:txBody>
+      </p:sp>
+      <p:sp>
+        <p:nvSpPr>
+          <p:cNvPr id="20484" name="AutoShape 4" descr="PyCharm's top features. [Hidden] qualities of one of the most… | by Nicolò  Gasparini | Analytics Vidhya | Medium"/>
+          <p:cNvSpPr>
+            <a:spLocks noChangeAspect="1" noChangeArrowheads="1"/>
+          </p:cNvSpPr>
+          <p:nvPr/>
+        </p:nvSpPr>
+        <p:spPr bwMode="auto">
+          <a:xfrm>
+            <a:off x="212725" y="-144463"/>
+            <a:ext cx="304800" cy="304801"/>
+          </a:xfrm>
+          <a:prstGeom prst="rect">
+            <a:avLst/>
+          </a:prstGeom>
+          <a:noFill/>
+        </p:spPr>
+        <p:txBody>
+          <a:bodyPr vert="horz" wrap="square" lIns="91440" tIns="45720" rIns="91440" bIns="45720" numCol="1" anchor="t" anchorCtr="0" compatLnSpc="1">
+            <a:prstTxWarp prst="textNoShape">
+              <a:avLst/>
+            </a:prstTxWarp>
+          </a:bodyPr>
+          <a:lstStyle/>
+          <a:p>
+            <a:endParaRPr lang="en-US"/>
+          </a:p>
+        </p:txBody>
+      </p:sp>
+      <p:sp>
+        <p:nvSpPr>
+          <p:cNvPr id="20486" name="AutoShape 6" descr="PyCharm's top features. [Hidden] qualities of one of the most… | by Nicolò  Gasparini | Analytics Vidhya | Medium"/>
+          <p:cNvSpPr>
+            <a:spLocks noChangeAspect="1" noChangeArrowheads="1"/>
+          </p:cNvSpPr>
+          <p:nvPr/>
+        </p:nvSpPr>
+        <p:spPr bwMode="auto">
+          <a:xfrm>
+            <a:off x="212725" y="-144463"/>
+            <a:ext cx="304800" cy="304801"/>
+          </a:xfrm>
+          <a:prstGeom prst="rect">
+            <a:avLst/>
+          </a:prstGeom>
+          <a:noFill/>
+        </p:spPr>
+        <p:txBody>
+          <a:bodyPr vert="horz" wrap="square" lIns="91440" tIns="45720" rIns="91440" bIns="45720" numCol="1" anchor="t" anchorCtr="0" compatLnSpc="1">
+            <a:prstTxWarp prst="textNoShape">
+              <a:avLst/>
+            </a:prstTxWarp>
+          </a:bodyPr>
+          <a:lstStyle/>
+          <a:p>
+            <a:endParaRPr lang="en-US"/>
+          </a:p>
+        </p:txBody>
+      </p:sp>
+      <p:sp>
+        <p:nvSpPr>
+          <p:cNvPr id="20490" name="AutoShape 10" descr="Top 5 Best Python IDE to use in 2024 ..."/>
+          <p:cNvSpPr>
+            <a:spLocks noChangeAspect="1" noChangeArrowheads="1"/>
+          </p:cNvSpPr>
+          <p:nvPr/>
+        </p:nvSpPr>
+        <p:spPr bwMode="auto">
+          <a:xfrm>
+            <a:off x="155575" y="-144463"/>
+            <a:ext cx="304800" cy="304801"/>
+          </a:xfrm>
+          <a:prstGeom prst="rect">
+            <a:avLst/>
+          </a:prstGeom>
+          <a:noFill/>
+        </p:spPr>
+        <p:txBody>
+          <a:bodyPr vert="horz" wrap="square" lIns="91440" tIns="45720" rIns="91440" bIns="45720" numCol="1" anchor="t" anchorCtr="0" compatLnSpc="1">
+            <a:prstTxWarp prst="textNoShape">
+              <a:avLst/>
+            </a:prstTxWarp>
+          </a:bodyPr>
+          <a:lstStyle/>
+          <a:p>
+            <a:endParaRPr lang="en-US"/>
+          </a:p>
+        </p:txBody>
+      </p:sp>
+      <p:sp>
+        <p:nvSpPr>
+          <p:cNvPr id="20492" name="AutoShape 12" descr="Top 5 Best Python IDE to use in 2024 | Keploy Blog"/>
+          <p:cNvSpPr>
+            <a:spLocks noChangeAspect="1" noChangeArrowheads="1"/>
+          </p:cNvSpPr>
+          <p:nvPr/>
+        </p:nvSpPr>
+        <p:spPr bwMode="auto">
+          <a:xfrm>
+            <a:off x="155575" y="-144463"/>
+            <a:ext cx="304800" cy="304801"/>
+          </a:xfrm>
+          <a:prstGeom prst="rect">
+            <a:avLst/>
+          </a:prstGeom>
+          <a:noFill/>
+        </p:spPr>
+        <p:txBody>
+          <a:bodyPr vert="horz" wrap="square" lIns="91440" tIns="45720" rIns="91440" bIns="45720" numCol="1" anchor="t" anchorCtr="0" compatLnSpc="1">
+            <a:prstTxWarp prst="textNoShape">
+              <a:avLst/>
+            </a:prstTxWarp>
+          </a:bodyPr>
+          <a:lstStyle/>
+          <a:p>
+            <a:endParaRPr lang="en-US"/>
+          </a:p>
+        </p:txBody>
+      </p:sp>
+      <p:sp>
+        <p:nvSpPr>
+          <p:cNvPr id="20494" name="AutoShape 14" descr="Top 5 Best Python IDE to use in 2024 | Keploy Blog"/>
+          <p:cNvSpPr>
+            <a:spLocks noChangeAspect="1" noChangeArrowheads="1"/>
+          </p:cNvSpPr>
+          <p:nvPr/>
+        </p:nvSpPr>
+        <p:spPr bwMode="auto">
+          <a:xfrm>
+            <a:off x="155575" y="-144463"/>
+            <a:ext cx="304800" cy="304801"/>
+          </a:xfrm>
+          <a:prstGeom prst="rect">
+            <a:avLst/>
+          </a:prstGeom>
+          <a:noFill/>
+        </p:spPr>
+        <p:txBody>
+          <a:bodyPr vert="horz" wrap="square" lIns="91440" tIns="45720" rIns="91440" bIns="45720" numCol="1" anchor="t" anchorCtr="0" compatLnSpc="1">
+            <a:prstTxWarp prst="textNoShape">
+              <a:avLst/>
+            </a:prstTxWarp>
+          </a:bodyPr>
+          <a:lstStyle/>
+          <a:p>
+            <a:endParaRPr lang="en-US"/>
+          </a:p>
+        </p:txBody>
+      </p:sp>
+      <p:sp>
+        <p:nvSpPr>
+          <p:cNvPr id="20496" name="AutoShape 16" descr="https://wp.keploy.io/wp-content/uploads/2024/10/PyCharm.webp"/>
+          <p:cNvSpPr>
+            <a:spLocks noChangeAspect="1" noChangeArrowheads="1"/>
+          </p:cNvSpPr>
+          <p:nvPr/>
+        </p:nvSpPr>
+        <p:spPr bwMode="auto">
+          <a:xfrm>
+            <a:off x="155575" y="-144463"/>
+            <a:ext cx="304800" cy="304801"/>
+          </a:xfrm>
+          <a:prstGeom prst="rect">
+            <a:avLst/>
+          </a:prstGeom>
+          <a:noFill/>
+        </p:spPr>
+        <p:txBody>
+          <a:bodyPr vert="horz" wrap="square" lIns="91440" tIns="45720" rIns="91440" bIns="45720" numCol="1" anchor="t" anchorCtr="0" compatLnSpc="1">
+            <a:prstTxWarp prst="textNoShape">
+              <a:avLst/>
+            </a:prstTxWarp>
+          </a:bodyPr>
+          <a:lstStyle/>
+          <a:p>
+            <a:endParaRPr lang="en-US"/>
+          </a:p>
+        </p:txBody>
+      </p:sp>
+      <p:sp>
+        <p:nvSpPr>
+          <p:cNvPr id="20503" name="AutoShape 23" descr="Thonny Python Editor gets major 4.0.0 ..."/>
+          <p:cNvSpPr>
+            <a:spLocks noChangeAspect="1" noChangeArrowheads="1"/>
+          </p:cNvSpPr>
+          <p:nvPr/>
+        </p:nvSpPr>
+        <p:spPr bwMode="auto">
+          <a:xfrm>
+            <a:off x="155575" y="-144463"/>
+            <a:ext cx="304800" cy="304801"/>
+          </a:xfrm>
+          <a:prstGeom prst="rect">
+            <a:avLst/>
+          </a:prstGeom>
+          <a:noFill/>
+        </p:spPr>
+        <p:txBody>
+          <a:bodyPr vert="horz" wrap="square" lIns="91440" tIns="45720" rIns="91440" bIns="45720" numCol="1" anchor="t" anchorCtr="0" compatLnSpc="1">
+            <a:prstTxWarp prst="textNoShape">
+              <a:avLst/>
+            </a:prstTxWarp>
+          </a:bodyPr>
+          <a:lstStyle/>
+          <a:p>
+            <a:endParaRPr lang="en-US"/>
+          </a:p>
+        </p:txBody>
+      </p:sp>
+      <p:sp>
+        <p:nvSpPr>
+          <p:cNvPr id="20505" name="AutoShape 25" descr="Thonny Python Editor gets major 4.0.0 ..."/>
+          <p:cNvSpPr>
+            <a:spLocks noChangeAspect="1" noChangeArrowheads="1"/>
+          </p:cNvSpPr>
+          <p:nvPr/>
+        </p:nvSpPr>
+        <p:spPr bwMode="auto">
+          <a:xfrm>
+            <a:off x="155575" y="-144463"/>
+            <a:ext cx="304800" cy="304801"/>
+          </a:xfrm>
+          <a:prstGeom prst="rect">
+            <a:avLst/>
+          </a:prstGeom>
+          <a:noFill/>
+        </p:spPr>
+        <p:txBody>
+          <a:bodyPr vert="horz" wrap="square" lIns="91440" tIns="45720" rIns="91440" bIns="45720" numCol="1" anchor="t" anchorCtr="0" compatLnSpc="1">
+            <a:prstTxWarp prst="textNoShape">
+              <a:avLst/>
+            </a:prstTxWarp>
+          </a:bodyPr>
+          <a:lstStyle/>
+          <a:p>
+            <a:endParaRPr lang="en-US"/>
+          </a:p>
+        </p:txBody>
+      </p:sp>
+      <p:pic>
+        <p:nvPicPr>
+          <p:cNvPr id="23" name="Picture 22" descr="Githubcopilot.png"/>
+          <p:cNvPicPr>
+            <a:picLocks noChangeAspect="1"/>
+          </p:cNvPicPr>
+          <p:nvPr/>
+        </p:nvPicPr>
+        <p:blipFill>
+          <a:blip r:embed="rId4"/>
+          <a:stretch>
+            <a:fillRect/>
+          </a:stretch>
+        </p:blipFill>
+        <p:spPr>
+          <a:xfrm>
+            <a:off x="1276591" y="803777"/>
+            <a:ext cx="10557600" cy="5561296"/>
+          </a:xfrm>
+          <a:prstGeom prst="rect">
+            <a:avLst/>
+          </a:prstGeom>
+        </p:spPr>
+      </p:pic>
+    </p:spTree>
+    <p:extLst>
+      <p:ext uri="{BB962C8B-B14F-4D97-AF65-F5344CB8AC3E}">
+        <p14:creationId xmlns="" xmlns:p14="http://schemas.microsoft.com/office/powerpoint/2010/main" val="1062629819"/>
+      </p:ext>
+    </p:extLst>
+  </p:cSld>
+  <p:clrMapOvr>
+    <a:masterClrMapping/>
+  </p:clrMapOvr>
+  <p:timing>
+    <p:tnLst>
+      <p:par>
+        <p:cTn id="1" dur="indefinite" restart="never" nodeType="tmRoot"/>
+      </p:par>
+    </p:tnLst>
+  </p:timing>
+</p:sld>
+</file>
+
+<file path=ppt/slides/slide12.xml><?xml version="1.0" encoding="utf-8"?>
+<p:sld xmlns:a="http://schemas.openxmlformats.org/drawingml/2006/main" xmlns:r="http://schemas.openxmlformats.org/officeDocument/2006/relationships" xmlns:p="http://schemas.openxmlformats.org/presentationml/2006/main">
+  <p:cSld>
+    <p:spTree>
+      <p:nvGrpSpPr>
+        <p:cNvPr id="1" name=""/>
+        <p:cNvGrpSpPr/>
+        <p:nvPr/>
+      </p:nvGrpSpPr>
+      <p:grpSpPr>
+        <a:xfrm>
+          <a:off x="0" y="0"/>
+          <a:ext cx="0" cy="0"/>
+          <a:chOff x="0" y="0"/>
+          <a:chExt cx="0" cy="0"/>
+        </a:xfrm>
+      </p:grpSpPr>
+      <p:sp>
+        <p:nvSpPr>
+          <p:cNvPr id="4" name="Date Placeholder 3">
+            <a:extLst>
+              <a:ext uri="{FF2B5EF4-FFF2-40B4-BE49-F238E27FC236}">
+                <a16:creationId xmlns:a16="http://schemas.microsoft.com/office/drawing/2014/main" xmlns="" id="{12AE1696-2964-F1F4-1573-518A46074C10}"/>
+              </a:ext>
+            </a:extLst>
+          </p:cNvPr>
+          <p:cNvSpPr>
+            <a:spLocks noGrp="1"/>
+          </p:cNvSpPr>
+          <p:nvPr>
+            <p:ph type="dt" sz="half" idx="10"/>
+          </p:nvPr>
+        </p:nvSpPr>
+        <p:spPr/>
+        <p:txBody>
+          <a:bodyPr/>
+          <a:lstStyle/>
+          <a:p>
+            <a:fld id="{BF90CC30-37F6-49DC-8F97-9FC4C90ABBE4}" type="datetime1">
+              <a:rPr lang="en-US" smtClean="0"/>
+              <a:pPr/>
+              <a:t>7/8/2025</a:t>
+            </a:fld>
+            <a:endParaRPr lang="en-US"/>
+          </a:p>
+        </p:txBody>
+      </p:sp>
+      <p:sp>
+        <p:nvSpPr>
+          <p:cNvPr id="5" name="Slide Number Placeholder 4">
+            <a:extLst>
+              <a:ext uri="{FF2B5EF4-FFF2-40B4-BE49-F238E27FC236}">
+                <a16:creationId xmlns:a16="http://schemas.microsoft.com/office/drawing/2014/main" xmlns="" id="{712725FA-48C6-EAC3-A426-7532DE2D7BF1}"/>
+              </a:ext>
+            </a:extLst>
+          </p:cNvPr>
+          <p:cNvSpPr>
+            <a:spLocks noGrp="1"/>
+          </p:cNvSpPr>
+          <p:nvPr>
+            <p:ph type="sldNum" sz="quarter" idx="12"/>
+          </p:nvPr>
+        </p:nvSpPr>
+        <p:spPr/>
+        <p:txBody>
+          <a:bodyPr/>
+          <a:lstStyle/>
+          <a:p>
+            <a:fld id="{6EFE7C99-B088-4EBB-BFF6-BECCC96D5DD8}" type="slidenum">
+              <a:rPr lang="en-US" smtClean="0"/>
+              <a:pPr/>
+              <a:t>12</a:t>
+            </a:fld>
+            <a:endParaRPr lang="en-US"/>
+          </a:p>
+        </p:txBody>
+      </p:sp>
+      <p:sp>
+        <p:nvSpPr>
+          <p:cNvPr id="8" name="TextBox 7">
+            <a:extLst>
+              <a:ext uri="{FF2B5EF4-FFF2-40B4-BE49-F238E27FC236}">
+                <a16:creationId xmlns:a16="http://schemas.microsoft.com/office/drawing/2014/main" xmlns="" id="{DB0BC6A5-D00A-5C2C-B928-48141F3D1438}"/>
+              </a:ext>
+            </a:extLst>
+          </p:cNvPr>
+          <p:cNvSpPr txBox="1"/>
+          <p:nvPr/>
+        </p:nvSpPr>
+        <p:spPr>
+          <a:xfrm>
+            <a:off x="653144" y="1822494"/>
+            <a:ext cx="10896600" cy="3323987"/>
+          </a:xfrm>
+          <a:prstGeom prst="rect">
+            <a:avLst/>
+          </a:prstGeom>
+          <a:noFill/>
+        </p:spPr>
+        <p:txBody>
+          <a:bodyPr wrap="square">
+            <a:spAutoFit/>
+          </a:bodyPr>
+          <a:lstStyle/>
+          <a:p>
+            <a:r>
+              <a:rPr lang="en-US" sz="3000" b="1" dirty="0"/>
+              <a:t>/explain </a:t>
+            </a:r>
+            <a:r>
+              <a:rPr lang="en-US" sz="3000" dirty="0"/>
+              <a:t>- Provides an explanation of the selected code.</a:t>
+            </a:r>
+          </a:p>
+          <a:p>
+            <a:endParaRPr lang="en-US" sz="3000" dirty="0"/>
+          </a:p>
+          <a:p>
+            <a:r>
+              <a:rPr lang="en-US" sz="3000" b="1" dirty="0"/>
+              <a:t>/suggest </a:t>
+            </a:r>
+            <a:r>
+              <a:rPr lang="en-US" sz="3000" dirty="0"/>
+              <a:t>- Offers code suggestions based on the current context.</a:t>
+            </a:r>
+          </a:p>
+          <a:p>
+            <a:endParaRPr lang="en-US" sz="3000" dirty="0"/>
+          </a:p>
+          <a:p>
+            <a:r>
+              <a:rPr lang="en-US" sz="3000" b="1" dirty="0"/>
+              <a:t>/tests </a:t>
+            </a:r>
+            <a:r>
+              <a:rPr lang="en-US" sz="3000" dirty="0"/>
+              <a:t>- Generates unit tests for the selected function or class.</a:t>
+            </a:r>
+          </a:p>
+          <a:p>
+            <a:endParaRPr lang="en-US" sz="3000" dirty="0"/>
+          </a:p>
+          <a:p>
+            <a:r>
+              <a:rPr lang="en-US" sz="3000" b="1" dirty="0"/>
+              <a:t>/comment </a:t>
+            </a:r>
+            <a:r>
+              <a:rPr lang="en-US" sz="3000" dirty="0"/>
+              <a:t>- Converts comments into code snippets.</a:t>
+            </a:r>
+          </a:p>
+        </p:txBody>
+      </p:sp>
+      <p:pic>
+        <p:nvPicPr>
+          <p:cNvPr id="9" name="Picture 8" descr="WhatsApp Image 2024-08-23 at 15.43.17">
+            <a:extLst>
+              <a:ext uri="{FF2B5EF4-FFF2-40B4-BE49-F238E27FC236}">
+                <a16:creationId xmlns:a16="http://schemas.microsoft.com/office/drawing/2014/main" xmlns="" id="{C665A061-CE78-7F10-23CC-B0E36CFE138D}"/>
+              </a:ext>
+            </a:extLst>
+          </p:cNvPr>
+          <p:cNvPicPr>
+            <a:picLocks noChangeAspect="1"/>
+          </p:cNvPicPr>
+          <p:nvPr/>
+        </p:nvPicPr>
+        <p:blipFill>
+          <a:blip r:embed="rId2"/>
+          <a:stretch>
+            <a:fillRect/>
+          </a:stretch>
+        </p:blipFill>
+        <p:spPr>
+          <a:xfrm>
+            <a:off x="317643" y="111601"/>
+            <a:ext cx="1719435" cy="677445"/>
+          </a:xfrm>
+          <a:prstGeom prst="rect">
+            <a:avLst/>
+          </a:prstGeom>
+        </p:spPr>
+      </p:pic>
+      <p:sp>
+        <p:nvSpPr>
+          <p:cNvPr id="10" name="Title 1">
+            <a:extLst>
+              <a:ext uri="{FF2B5EF4-FFF2-40B4-BE49-F238E27FC236}">
+                <a16:creationId xmlns:a16="http://schemas.microsoft.com/office/drawing/2014/main" xmlns="" id="{032FAB78-4EF0-E490-AE12-081AE062E1FD}"/>
+              </a:ext>
+            </a:extLst>
+          </p:cNvPr>
+          <p:cNvSpPr txBox="1">
+            <a:spLocks/>
+          </p:cNvSpPr>
+          <p:nvPr/>
+        </p:nvSpPr>
+        <p:spPr>
+          <a:xfrm>
+            <a:off x="2120464" y="53218"/>
+            <a:ext cx="9102708" cy="710385"/>
+          </a:xfrm>
+          <a:prstGeom prst="rect">
+            <a:avLst/>
+          </a:prstGeom>
+          <a:solidFill>
+            <a:srgbClr val="0070C0"/>
+          </a:solidFill>
+        </p:spPr>
+        <p:txBody>
+          <a:bodyPr vert="horz" lIns="91440" tIns="45720" rIns="91440" bIns="45720" rtlCol="0" anchor="ctr">
+            <a:normAutofit fontScale="85000" lnSpcReduction="10000"/>
+          </a:bodyPr>
+          <a:lstStyle>
+            <a:lvl1pPr algn="l" defTabSz="914400" rtl="0" eaLnBrk="1" latinLnBrk="0" hangingPunct="1">
+              <a:lnSpc>
+                <a:spcPct val="90000"/>
+              </a:lnSpc>
+              <a:spcBef>
+                <a:spcPct val="0"/>
+              </a:spcBef>
+              <a:buNone/>
+              <a:defRPr sz="4400" kern="1200">
+                <a:solidFill>
+                  <a:schemeClr val="tx1"/>
+                </a:solidFill>
+                <a:latin typeface="+mj-lt"/>
+                <a:ea typeface="+mj-ea"/>
+                <a:cs typeface="+mj-cs"/>
+              </a:defRPr>
+            </a:lvl1pPr>
+          </a:lstStyle>
+          <a:p>
+            <a:pPr algn="ctr"/>
+            <a:r>
+              <a:rPr lang="en-US" sz="4000" dirty="0"/>
+              <a:t>Common slash commands and their usage</a:t>
+            </a:r>
+            <a:endParaRPr lang="en-US" sz="4000" b="1" dirty="0">
+              <a:solidFill>
+                <a:schemeClr val="bg1"/>
+              </a:solidFill>
+            </a:endParaRPr>
+          </a:p>
+        </p:txBody>
+      </p:sp>
+    </p:spTree>
+    <p:extLst>
+      <p:ext uri="{BB962C8B-B14F-4D97-AF65-F5344CB8AC3E}">
+        <p14:creationId xmlns:p14="http://schemas.microsoft.com/office/powerpoint/2010/main" xmlns="" val="215630897"/>
+      </p:ext>
+    </p:extLst>
+  </p:cSld>
+  <p:clrMapOvr>
+    <a:masterClrMapping/>
+  </p:clrMapOvr>
+  <p:timing>
+    <p:tnLst>
+      <p:par>
+        <p:cTn id="1" dur="indefinite" restart="never" nodeType="tmRoot">
+          <p:childTnLst>
+            <p:seq concurrent="1" nextAc="seek">
+              <p:cTn id="2" dur="indefinite" nodeType="mainSeq">
+                <p:childTnLst>
+                  <p:par>
+                    <p:cTn id="3" fill="hold">
+                      <p:stCondLst>
+                        <p:cond delay="indefinite"/>
+                      </p:stCondLst>
+                      <p:childTnLst>
+                        <p:par>
+                          <p:cTn id="4" fill="hold">
+                            <p:stCondLst>
+                              <p:cond delay="0"/>
+                            </p:stCondLst>
+                            <p:childTnLst>
+                              <p:par>
+                                <p:cTn id="5" presetID="1" presetClass="entr" presetSubtype="0" fill="hold" nodeType="clickEffect">
+                                  <p:stCondLst>
+                                    <p:cond delay="0"/>
+                                  </p:stCondLst>
+                                  <p:childTnLst>
+                                    <p:set>
+                                      <p:cBhvr>
+                                        <p:cTn id="6" dur="1" fill="hold">
+                                          <p:stCondLst>
+                                            <p:cond delay="0"/>
+                                          </p:stCondLst>
+                                        </p:cTn>
+                                        <p:tgtEl>
+                                          <p:spTgt spid="8">
+                                            <p:txEl>
+                                              <p:pRg st="0" end="0"/>
+                                            </p:txEl>
+                                          </p:spTgt>
+                                        </p:tgtEl>
+                                        <p:attrNameLst>
+                                          <p:attrName>style.visibility</p:attrName>
+                                        </p:attrNameLst>
+                                      </p:cBhvr>
+                                      <p:to>
+                                        <p:strVal val="visible"/>
+                                      </p:to>
+                                    </p:set>
+                                  </p:childTnLst>
+                                </p:cTn>
+                              </p:par>
+                            </p:childTnLst>
+                          </p:cTn>
+                        </p:par>
+                      </p:childTnLst>
+                    </p:cTn>
+                  </p:par>
+                  <p:par>
+                    <p:cTn id="7" fill="hold">
+                      <p:stCondLst>
+                        <p:cond delay="indefinite"/>
+                      </p:stCondLst>
+                      <p:childTnLst>
+                        <p:par>
+                          <p:cTn id="8" fill="hold">
+                            <p:stCondLst>
+                              <p:cond delay="0"/>
+                            </p:stCondLst>
+                            <p:childTnLst>
+                              <p:par>
+                                <p:cTn id="9" presetID="2" presetClass="entr" presetSubtype="4" fill="hold" nodeType="clickEffect">
+                                  <p:stCondLst>
+                                    <p:cond delay="0"/>
+                                  </p:stCondLst>
+                                  <p:childTnLst>
+                                    <p:set>
+                                      <p:cBhvr>
+                                        <p:cTn id="10" dur="1" fill="hold">
+                                          <p:stCondLst>
+                                            <p:cond delay="0"/>
+                                          </p:stCondLst>
+                                        </p:cTn>
+                                        <p:tgtEl>
+                                          <p:spTgt spid="8">
+                                            <p:txEl>
+                                              <p:pRg st="2" end="2"/>
+                                            </p:txEl>
+                                          </p:spTgt>
+                                        </p:tgtEl>
+                                        <p:attrNameLst>
+                                          <p:attrName>style.visibility</p:attrName>
+                                        </p:attrNameLst>
+                                      </p:cBhvr>
+                                      <p:to>
+                                        <p:strVal val="visible"/>
+                                      </p:to>
+                                    </p:set>
+                                    <p:anim calcmode="lin" valueType="num">
+                                      <p:cBhvr additive="base">
+                                        <p:cTn id="11" dur="500" fill="hold"/>
+                                        <p:tgtEl>
+                                          <p:spTgt spid="8">
+                                            <p:txEl>
+                                              <p:pRg st="2" end="2"/>
+                                            </p:txEl>
+                                          </p:spTgt>
+                                        </p:tgtEl>
+                                        <p:attrNameLst>
+                                          <p:attrName>ppt_x</p:attrName>
+                                        </p:attrNameLst>
+                                      </p:cBhvr>
+                                      <p:tavLst>
+                                        <p:tav tm="0">
+                                          <p:val>
+                                            <p:strVal val="#ppt_x"/>
+                                          </p:val>
+                                        </p:tav>
+                                        <p:tav tm="100000">
+                                          <p:val>
+                                            <p:strVal val="#ppt_x"/>
+                                          </p:val>
+                                        </p:tav>
+                                      </p:tavLst>
+                                    </p:anim>
+                                    <p:anim calcmode="lin" valueType="num">
+                                      <p:cBhvr additive="base">
+                                        <p:cTn id="12" dur="500" fill="hold"/>
+                                        <p:tgtEl>
+                                          <p:spTgt spid="8">
+                                            <p:txEl>
+                                              <p:pRg st="2" end="2"/>
+                                            </p:txEl>
+                                          </p:spTgt>
+                                        </p:tgtEl>
+                                        <p:attrNameLst>
+                                          <p:attrName>ppt_y</p:attrName>
+                                        </p:attrNameLst>
+                                      </p:cBhvr>
+                                      <p:tavLst>
+                                        <p:tav tm="0">
+                                          <p:val>
+                                            <p:strVal val="1+#ppt_h/2"/>
+                                          </p:val>
+                                        </p:tav>
+                                        <p:tav tm="100000">
+                                          <p:val>
+                                            <p:strVal val="#ppt_y"/>
+                                          </p:val>
+                                        </p:tav>
+                                      </p:tavLst>
+                                    </p:anim>
+                                  </p:childTnLst>
+                                </p:cTn>
+                              </p:par>
+                            </p:childTnLst>
+                          </p:cTn>
+                        </p:par>
+                      </p:childTnLst>
+                    </p:cTn>
+                  </p:par>
+                  <p:par>
+                    <p:cTn id="13" fill="hold">
+                      <p:stCondLst>
+                        <p:cond delay="indefinite"/>
+                      </p:stCondLst>
+                      <p:childTnLst>
+                        <p:par>
+                          <p:cTn id="14" fill="hold">
+                            <p:stCondLst>
+                              <p:cond delay="0"/>
+                            </p:stCondLst>
+                            <p:childTnLst>
+                              <p:par>
+                                <p:cTn id="15" presetID="1" presetClass="entr" presetSubtype="0" fill="hold" nodeType="clickEffect">
+                                  <p:stCondLst>
+                                    <p:cond delay="0"/>
+                                  </p:stCondLst>
+                                  <p:childTnLst>
+                                    <p:set>
+                                      <p:cBhvr>
+                                        <p:cTn id="16" dur="1" fill="hold">
+                                          <p:stCondLst>
+                                            <p:cond delay="0"/>
+                                          </p:stCondLst>
+                                        </p:cTn>
+                                        <p:tgtEl>
+                                          <p:spTgt spid="8">
+                                            <p:txEl>
+                                              <p:pRg st="4" end="4"/>
+                                            </p:txEl>
+                                          </p:spTgt>
+                                        </p:tgtEl>
+                                        <p:attrNameLst>
+                                          <p:attrName>style.visibility</p:attrName>
+                                        </p:attrNameLst>
+                                      </p:cBhvr>
+                                      <p:to>
+                                        <p:strVal val="visible"/>
+                                      </p:to>
+                                    </p:set>
+                                  </p:childTnLst>
+                                </p:cTn>
+                              </p:par>
+                            </p:childTnLst>
+                          </p:cTn>
+                        </p:par>
+                      </p:childTnLst>
+                    </p:cTn>
+                  </p:par>
+                  <p:par>
+                    <p:cTn id="17" fill="hold">
+                      <p:stCondLst>
+                        <p:cond delay="indefinite"/>
+                      </p:stCondLst>
+                      <p:childTnLst>
+                        <p:par>
+                          <p:cTn id="18" fill="hold">
+                            <p:stCondLst>
+                              <p:cond delay="0"/>
+                            </p:stCondLst>
+                            <p:childTnLst>
+                              <p:par>
+                                <p:cTn id="19" presetID="2" presetClass="entr" presetSubtype="4" fill="hold" nodeType="clickEffect">
+                                  <p:stCondLst>
+                                    <p:cond delay="0"/>
+                                  </p:stCondLst>
+                                  <p:childTnLst>
+                                    <p:set>
+                                      <p:cBhvr>
+                                        <p:cTn id="20" dur="1" fill="hold">
+                                          <p:stCondLst>
+                                            <p:cond delay="0"/>
+                                          </p:stCondLst>
+                                        </p:cTn>
+                                        <p:tgtEl>
+                                          <p:spTgt spid="8">
+                                            <p:txEl>
+                                              <p:pRg st="6" end="6"/>
+                                            </p:txEl>
+                                          </p:spTgt>
+                                        </p:tgtEl>
+                                        <p:attrNameLst>
+                                          <p:attrName>style.visibility</p:attrName>
+                                        </p:attrNameLst>
+                                      </p:cBhvr>
+                                      <p:to>
+                                        <p:strVal val="visible"/>
+                                      </p:to>
+                                    </p:set>
+                                    <p:anim calcmode="lin" valueType="num">
+                                      <p:cBhvr additive="base">
+                                        <p:cTn id="21" dur="500" fill="hold"/>
+                                        <p:tgtEl>
+                                          <p:spTgt spid="8">
+                                            <p:txEl>
+                                              <p:pRg st="6" end="6"/>
+                                            </p:txEl>
+                                          </p:spTgt>
+                                        </p:tgtEl>
+                                        <p:attrNameLst>
+                                          <p:attrName>ppt_x</p:attrName>
+                                        </p:attrNameLst>
+                                      </p:cBhvr>
+                                      <p:tavLst>
+                                        <p:tav tm="0">
+                                          <p:val>
+                                            <p:strVal val="#ppt_x"/>
+                                          </p:val>
+                                        </p:tav>
+                                        <p:tav tm="100000">
+                                          <p:val>
+                                            <p:strVal val="#ppt_x"/>
+                                          </p:val>
+                                        </p:tav>
+                                      </p:tavLst>
+                                    </p:anim>
+                                    <p:anim calcmode="lin" valueType="num">
+                                      <p:cBhvr additive="base">
+                                        <p:cTn id="22" dur="500" fill="hold"/>
+                                        <p:tgtEl>
+                                          <p:spTgt spid="8">
+                                            <p:txEl>
+                                              <p:pRg st="6" end="6"/>
+                                            </p:txEl>
+                                          </p:spTgt>
+                                        </p:tgtEl>
+                                        <p:attrNameLst>
+                                          <p:attrName>ppt_y</p:attrName>
+                                        </p:attrNameLst>
+                                      </p:cBhvr>
+                                      <p:tavLst>
+                                        <p:tav tm="0">
+                                          <p:val>
+                                            <p:strVal val="1+#ppt_h/2"/>
+                                          </p:val>
+                                        </p:tav>
+                                        <p:tav tm="100000">
+                                          <p:val>
+                                            <p:strVal val="#ppt_y"/>
+                                          </p:val>
+                                        </p:tav>
+                                      </p:tavLst>
+                                    </p:anim>
+                                  </p:childTnLst>
+                                </p:cTn>
+                              </p:par>
+                            </p:childTnLst>
+                          </p:cTn>
+                        </p:par>
+                      </p:childTnLst>
+                    </p:cTn>
+                  </p:par>
+                </p:childTnLst>
+              </p:cTn>
+              <p:prevCondLst>
+                <p:cond evt="onPrev" delay="0">
+                  <p:tgtEl>
+                    <p:sldTgt/>
+                  </p:tgtEl>
+                </p:cond>
+              </p:prevCondLst>
+              <p:nextCondLst>
+                <p:cond evt="onNext" delay="0">
+                  <p:tgtEl>
+                    <p:sldTgt/>
+                  </p:tgtEl>
+                </p:cond>
+              </p:nextCondLst>
+            </p:seq>
+          </p:childTnLst>
+        </p:cTn>
+      </p:par>
+    </p:tnLst>
+  </p:timing>
+</p:sld>
+</file>
+
+<file path=ppt/slides/slide13.xml><?xml version="1.0" encoding="utf-8"?>
+<p:sld xmlns:a="http://schemas.openxmlformats.org/drawingml/2006/main" xmlns:r="http://schemas.openxmlformats.org/officeDocument/2006/relationships" xmlns:p="http://schemas.openxmlformats.org/presentationml/2006/main">
+  <p:cSld>
+    <p:spTree>
+      <p:nvGrpSpPr>
+        <p:cNvPr id="1" name="">
+          <a:extLst>
+            <a:ext uri="{FF2B5EF4-FFF2-40B4-BE49-F238E27FC236}">
+              <a16:creationId xmlns="" xmlns:a16="http://schemas.microsoft.com/office/drawing/2014/main" id="{84808E20-0F1F-533A-B3E6-5B335EB405BC}"/>
+            </a:ext>
+          </a:extLst>
+        </p:cNvPr>
+        <p:cNvGrpSpPr/>
+        <p:nvPr/>
+      </p:nvGrpSpPr>
+      <p:grpSpPr>
+        <a:xfrm>
+          <a:off x="0" y="0"/>
+          <a:ext cx="0" cy="0"/>
+          <a:chOff x="0" y="0"/>
+          <a:chExt cx="0" cy="0"/>
+        </a:xfrm>
+      </p:grpSpPr>
+      <p:pic>
+        <p:nvPicPr>
+          <p:cNvPr id="3" name="Picture 2" descr="WhatsApp Image 2024-08-23 at 15.43.17">
+            <a:extLst>
+              <a:ext uri="{FF2B5EF4-FFF2-40B4-BE49-F238E27FC236}">
+                <a16:creationId xmlns="" xmlns:a16="http://schemas.microsoft.com/office/drawing/2014/main" id="{92479C09-0005-7CFF-38D5-4F524062CA0A}"/>
+              </a:ext>
+            </a:extLst>
+          </p:cNvPr>
+          <p:cNvPicPr>
+            <a:picLocks noChangeAspect="1"/>
+          </p:cNvPicPr>
+          <p:nvPr/>
+        </p:nvPicPr>
+        <p:blipFill>
+          <a:blip r:embed="rId3"/>
+          <a:stretch>
+            <a:fillRect/>
+          </a:stretch>
+        </p:blipFill>
+        <p:spPr>
+          <a:xfrm>
+            <a:off x="317643" y="144259"/>
+            <a:ext cx="1719435" cy="677445"/>
+          </a:xfrm>
+          <a:prstGeom prst="rect">
+            <a:avLst/>
+          </a:prstGeom>
+        </p:spPr>
+      </p:pic>
+      <p:sp>
+        <p:nvSpPr>
+          <p:cNvPr id="13" name="Date Placeholder 12">
+            <a:extLst>
+              <a:ext uri="{FF2B5EF4-FFF2-40B4-BE49-F238E27FC236}">
+                <a16:creationId xmlns="" xmlns:a16="http://schemas.microsoft.com/office/drawing/2014/main" id="{AD30255A-D722-9278-6B86-CDC958DBCE76}"/>
+              </a:ext>
+            </a:extLst>
+          </p:cNvPr>
+          <p:cNvSpPr>
+            <a:spLocks noGrp="1"/>
+          </p:cNvSpPr>
+          <p:nvPr>
+            <p:ph type="dt" sz="half" idx="10"/>
+          </p:nvPr>
+        </p:nvSpPr>
+        <p:spPr/>
+        <p:txBody>
+          <a:bodyPr/>
+          <a:lstStyle/>
+          <a:p>
+            <a:fld id="{4F9ED619-C22D-46D8-B505-1861FC119B25}" type="datetime1">
+              <a:rPr lang="en-US" smtClean="0"/>
+              <a:pPr/>
+              <a:t>7/8/2025</a:t>
+            </a:fld>
+            <a:endParaRPr lang="en-US" dirty="0"/>
+          </a:p>
+        </p:txBody>
+      </p:sp>
+      <p:sp>
+        <p:nvSpPr>
+          <p:cNvPr id="15" name="Slide Number Placeholder 14">
+            <a:extLst>
+              <a:ext uri="{FF2B5EF4-FFF2-40B4-BE49-F238E27FC236}">
+                <a16:creationId xmlns="" xmlns:a16="http://schemas.microsoft.com/office/drawing/2014/main" id="{1B162A4D-077F-7925-923D-1DF42476D28D}"/>
+              </a:ext>
+            </a:extLst>
+          </p:cNvPr>
+          <p:cNvSpPr>
+            <a:spLocks noGrp="1"/>
+          </p:cNvSpPr>
+          <p:nvPr>
+            <p:ph type="sldNum" sz="quarter" idx="12"/>
+          </p:nvPr>
+        </p:nvSpPr>
+        <p:spPr/>
+        <p:txBody>
+          <a:bodyPr/>
+          <a:lstStyle/>
+          <a:p>
+            <a:fld id="{6EFE7C99-B088-4EBB-BFF6-BECCC96D5DD8}" type="slidenum">
+              <a:rPr lang="en-US" smtClean="0"/>
+              <a:pPr/>
+              <a:t>13</a:t>
+            </a:fld>
+            <a:endParaRPr lang="en-US"/>
+          </a:p>
+        </p:txBody>
+      </p:sp>
+      <p:sp>
+        <p:nvSpPr>
+          <p:cNvPr id="10" name="TextBox 9">
+            <a:extLst>
+              <a:ext uri="{FF2B5EF4-FFF2-40B4-BE49-F238E27FC236}">
+                <a16:creationId xmlns="" xmlns:a16="http://schemas.microsoft.com/office/drawing/2014/main" id="{486B023D-D17B-9DDF-D346-3B74179C0858}"/>
+              </a:ext>
+            </a:extLst>
+          </p:cNvPr>
+          <p:cNvSpPr txBox="1"/>
+          <p:nvPr/>
+        </p:nvSpPr>
+        <p:spPr>
+          <a:xfrm>
+            <a:off x="2337283" y="199722"/>
+            <a:ext cx="9687560" cy="461665"/>
+          </a:xfrm>
+          <a:prstGeom prst="rect">
+            <a:avLst/>
+          </a:prstGeom>
+          <a:noFill/>
+        </p:spPr>
+        <p:txBody>
+          <a:bodyPr wrap="square" rtlCol="0">
+            <a:spAutoFit/>
+          </a:bodyPr>
+          <a:lstStyle/>
+          <a:p>
+            <a:pPr algn="ctr"/>
+            <a:r>
+              <a:rPr lang="en-US" sz="2400" b="1" dirty="0">
+                <a:solidFill>
+                  <a:schemeClr val="bg1"/>
+                </a:solidFill>
+              </a:rPr>
+              <a:t>Slide Title</a:t>
+            </a:r>
+            <a:endParaRPr lang="en-US" sz="2400" dirty="0"/>
+          </a:p>
+        </p:txBody>
+      </p:sp>
+      <p:grpSp>
+        <p:nvGrpSpPr>
+          <p:cNvPr id="2" name="Group 1">
+            <a:extLst>
+              <a:ext uri="{FF2B5EF4-FFF2-40B4-BE49-F238E27FC236}">
+                <a16:creationId xmlns="" xmlns:a16="http://schemas.microsoft.com/office/drawing/2014/main" id="{0D0112AD-AB0A-FEB7-46DA-462329F16DB6}"/>
+              </a:ext>
+            </a:extLst>
+          </p:cNvPr>
+          <p:cNvGrpSpPr/>
+          <p:nvPr/>
+        </p:nvGrpSpPr>
+        <p:grpSpPr>
+          <a:xfrm>
+            <a:off x="2336800" y="134364"/>
+            <a:ext cx="9745291" cy="677445"/>
+            <a:chOff x="2336800" y="134364"/>
+            <a:chExt cx="9745291" cy="677445"/>
+          </a:xfrm>
+          <a:solidFill>
+            <a:srgbClr val="194E91"/>
+          </a:solidFill>
+        </p:grpSpPr>
+        <p:sp>
+          <p:nvSpPr>
+            <p:cNvPr id="5" name="TextBox 4">
+              <a:extLst>
+                <a:ext uri="{FF2B5EF4-FFF2-40B4-BE49-F238E27FC236}">
+                  <a16:creationId xmlns="" xmlns:a16="http://schemas.microsoft.com/office/drawing/2014/main" id="{C9FA2A23-91A0-84C9-4153-A9CF1165A869}"/>
+                </a:ext>
+              </a:extLst>
+            </p:cNvPr>
+            <p:cNvSpPr txBox="1"/>
+            <p:nvPr/>
+          </p:nvSpPr>
+          <p:spPr>
+            <a:xfrm>
+              <a:off x="2336800" y="134364"/>
+              <a:ext cx="9745291" cy="677445"/>
+            </a:xfrm>
+            <a:prstGeom prst="rect">
+              <a:avLst/>
+            </a:prstGeom>
+            <a:grpFill/>
+            <a:effectLst>
+              <a:softEdge rad="0"/>
+            </a:effectLst>
+          </p:spPr>
+          <p:txBody>
+            <a:bodyPr wrap="square" rtlCol="0">
+              <a:spAutoFit/>
+            </a:bodyPr>
+            <a:lstStyle/>
+            <a:p>
+              <a:pPr algn="ctr"/>
+              <a:endParaRPr lang="en-US" sz="2400" b="1" dirty="0">
+                <a:solidFill>
+                  <a:schemeClr val="bg1"/>
+                </a:solidFill>
+              </a:endParaRPr>
+            </a:p>
+          </p:txBody>
+        </p:sp>
+        <p:sp>
+          <p:nvSpPr>
+            <p:cNvPr id="7" name="TextBox 6">
+              <a:extLst>
+                <a:ext uri="{FF2B5EF4-FFF2-40B4-BE49-F238E27FC236}">
+                  <a16:creationId xmlns="" xmlns:a16="http://schemas.microsoft.com/office/drawing/2014/main" id="{61AC8CE0-431A-86E3-F3A3-CE37478C7257}"/>
                 </a:ext>
               </a:extLst>
             </p:cNvPr>
@@ -8680,7 +10020,7 @@
     </p:spTree>
     <p:extLst>
       <p:ext uri="{BB962C8B-B14F-4D97-AF65-F5344CB8AC3E}">
-        <p14:creationId xmlns:p14="http://schemas.microsoft.com/office/powerpoint/2010/main" xmlns="" val="1062629819"/>
+        <p14:creationId xmlns="" xmlns:p14="http://schemas.microsoft.com/office/powerpoint/2010/main" val="1062629819"/>
       </p:ext>
     </p:extLst>
   </p:cSld>
@@ -8697,7 +10037,7 @@
 </p:sld>
 </file>
 
-<file path=ppt/slides/slide12.xml><?xml version="1.0" encoding="utf-8"?>
+<file path=ppt/slides/slide14.xml><?xml version="1.0" encoding="utf-8"?>
 <p:sld xmlns:a="http://schemas.openxmlformats.org/drawingml/2006/main" xmlns:r="http://schemas.openxmlformats.org/officeDocument/2006/relationships" xmlns:p="http://schemas.openxmlformats.org/presentationml/2006/main">
   <p:cSld>
     <p:spTree>
@@ -8705,7 +10045,7 @@
         <p:cNvPr id="1" name="">
           <a:extLst>
             <a:ext uri="{FF2B5EF4-FFF2-40B4-BE49-F238E27FC236}">
-              <a16:creationId xmlns:a16="http://schemas.microsoft.com/office/drawing/2014/main" xmlns="" id="{84808E20-0F1F-533A-B3E6-5B335EB405BC}"/>
+              <a16:creationId xmlns="" xmlns:a16="http://schemas.microsoft.com/office/drawing/2014/main" id="{84808E20-0F1F-533A-B3E6-5B335EB405BC}"/>
             </a:ext>
           </a:extLst>
         </p:cNvPr>
@@ -8725,7 +10065,7 @@
           <p:cNvPr id="3" name="Picture 2" descr="WhatsApp Image 2024-08-23 at 15.43.17">
             <a:extLst>
               <a:ext uri="{FF2B5EF4-FFF2-40B4-BE49-F238E27FC236}">
-                <a16:creationId xmlns:a16="http://schemas.microsoft.com/office/drawing/2014/main" xmlns="" id="{92479C09-0005-7CFF-38D5-4F524062CA0A}"/>
+                <a16:creationId xmlns="" xmlns:a16="http://schemas.microsoft.com/office/drawing/2014/main" id="{92479C09-0005-7CFF-38D5-4F524062CA0A}"/>
               </a:ext>
             </a:extLst>
           </p:cNvPr>
@@ -8755,7 +10095,7 @@
           <p:cNvPr id="13" name="Date Placeholder 12">
             <a:extLst>
               <a:ext uri="{FF2B5EF4-FFF2-40B4-BE49-F238E27FC236}">
-                <a16:creationId xmlns:a16="http://schemas.microsoft.com/office/drawing/2014/main" xmlns="" id="{AD30255A-D722-9278-6B86-CDC958DBCE76}"/>
+                <a16:creationId xmlns="" xmlns:a16="http://schemas.microsoft.com/office/drawing/2014/main" id="{AD30255A-D722-9278-6B86-CDC958DBCE76}"/>
               </a:ext>
             </a:extLst>
           </p:cNvPr>
@@ -8785,7 +10125,7 @@
           <p:cNvPr id="15" name="Slide Number Placeholder 14">
             <a:extLst>
               <a:ext uri="{FF2B5EF4-FFF2-40B4-BE49-F238E27FC236}">
-                <a16:creationId xmlns:a16="http://schemas.microsoft.com/office/drawing/2014/main" xmlns="" id="{1B162A4D-077F-7925-923D-1DF42476D28D}"/>
+                <a16:creationId xmlns="" xmlns:a16="http://schemas.microsoft.com/office/drawing/2014/main" id="{1B162A4D-077F-7925-923D-1DF42476D28D}"/>
               </a:ext>
             </a:extLst>
           </p:cNvPr>
@@ -8804,7 +10144,7 @@
             <a:fld id="{6EFE7C99-B088-4EBB-BFF6-BECCC96D5DD8}" type="slidenum">
               <a:rPr lang="en-US" smtClean="0"/>
               <a:pPr/>
-              <a:t>12</a:t>
+              <a:t>14</a:t>
             </a:fld>
             <a:endParaRPr lang="en-US"/>
           </a:p>
@@ -8815,7 +10155,7 @@
           <p:cNvPr id="10" name="TextBox 9">
             <a:extLst>
               <a:ext uri="{FF2B5EF4-FFF2-40B4-BE49-F238E27FC236}">
-                <a16:creationId xmlns:a16="http://schemas.microsoft.com/office/drawing/2014/main" xmlns="" id="{486B023D-D17B-9DDF-D346-3B74179C0858}"/>
+                <a16:creationId xmlns="" xmlns:a16="http://schemas.microsoft.com/office/drawing/2014/main" id="{486B023D-D17B-9DDF-D346-3B74179C0858}"/>
               </a:ext>
             </a:extLst>
           </p:cNvPr>
@@ -8856,7 +10196,7 @@
           <p:cNvPr id="2" name="Group 1">
             <a:extLst>
               <a:ext uri="{FF2B5EF4-FFF2-40B4-BE49-F238E27FC236}">
-                <a16:creationId xmlns:a16="http://schemas.microsoft.com/office/drawing/2014/main" xmlns="" id="{0D0112AD-AB0A-FEB7-46DA-462329F16DB6}"/>
+                <a16:creationId xmlns="" xmlns:a16="http://schemas.microsoft.com/office/drawing/2014/main" id="{0D0112AD-AB0A-FEB7-46DA-462329F16DB6}"/>
               </a:ext>
             </a:extLst>
           </p:cNvPr>
@@ -8879,7 +10219,7 @@
             <p:cNvPr id="5" name="TextBox 4">
               <a:extLst>
                 <a:ext uri="{FF2B5EF4-FFF2-40B4-BE49-F238E27FC236}">
-                  <a16:creationId xmlns:a16="http://schemas.microsoft.com/office/drawing/2014/main" xmlns="" id="{C9FA2A23-91A0-84C9-4153-A9CF1165A869}"/>
+                  <a16:creationId xmlns="" xmlns:a16="http://schemas.microsoft.com/office/drawing/2014/main" id="{C9FA2A23-91A0-84C9-4153-A9CF1165A869}"/>
                 </a:ext>
               </a:extLst>
             </p:cNvPr>
@@ -8919,7 +10259,7 @@
             <p:cNvPr id="7" name="TextBox 6">
               <a:extLst>
                 <a:ext uri="{FF2B5EF4-FFF2-40B4-BE49-F238E27FC236}">
-                  <a16:creationId xmlns:a16="http://schemas.microsoft.com/office/drawing/2014/main" xmlns="" id="{61AC8CE0-431A-86E3-F3A3-CE37478C7257}"/>
+                  <a16:creationId xmlns="" xmlns:a16="http://schemas.microsoft.com/office/drawing/2014/main" id="{61AC8CE0-431A-86E3-F3A3-CE37478C7257}"/>
                 </a:ext>
               </a:extLst>
             </p:cNvPr>
@@ -9424,7 +10764,7 @@
     </p:spTree>
     <p:extLst>
       <p:ext uri="{BB962C8B-B14F-4D97-AF65-F5344CB8AC3E}">
-        <p14:creationId xmlns:p14="http://schemas.microsoft.com/office/powerpoint/2010/main" xmlns="" val="1062629819"/>
+        <p14:creationId xmlns="" xmlns:p14="http://schemas.microsoft.com/office/powerpoint/2010/main" val="1062629819"/>
       </p:ext>
     </p:extLst>
   </p:cSld>
@@ -9441,7 +10781,7 @@
 </p:sld>
 </file>
 
-<file path=ppt/slides/slide13.xml><?xml version="1.0" encoding="utf-8"?>
+<file path=ppt/slides/slide15.xml><?xml version="1.0" encoding="utf-8"?>
 <p:sld xmlns:a="http://schemas.openxmlformats.org/drawingml/2006/main" xmlns:r="http://schemas.openxmlformats.org/officeDocument/2006/relationships" xmlns:p="http://schemas.openxmlformats.org/presentationml/2006/main">
   <p:cSld>
     <p:spTree>
@@ -9449,7 +10789,7 @@
         <p:cNvPr id="1" name="">
           <a:extLst>
             <a:ext uri="{FF2B5EF4-FFF2-40B4-BE49-F238E27FC236}">
-              <a16:creationId xmlns:a16="http://schemas.microsoft.com/office/drawing/2014/main" xmlns="" id="{84808E20-0F1F-533A-B3E6-5B335EB405BC}"/>
+              <a16:creationId xmlns="" xmlns:a16="http://schemas.microsoft.com/office/drawing/2014/main" id="{84808E20-0F1F-533A-B3E6-5B335EB405BC}"/>
             </a:ext>
           </a:extLst>
         </p:cNvPr>
@@ -9469,7 +10809,7 @@
           <p:cNvPr id="3" name="Picture 2" descr="WhatsApp Image 2024-08-23 at 15.43.17">
             <a:extLst>
               <a:ext uri="{FF2B5EF4-FFF2-40B4-BE49-F238E27FC236}">
-                <a16:creationId xmlns:a16="http://schemas.microsoft.com/office/drawing/2014/main" xmlns="" id="{92479C09-0005-7CFF-38D5-4F524062CA0A}"/>
+                <a16:creationId xmlns="" xmlns:a16="http://schemas.microsoft.com/office/drawing/2014/main" id="{92479C09-0005-7CFF-38D5-4F524062CA0A}"/>
               </a:ext>
             </a:extLst>
           </p:cNvPr>
@@ -9499,7 +10839,7 @@
           <p:cNvPr id="13" name="Date Placeholder 12">
             <a:extLst>
               <a:ext uri="{FF2B5EF4-FFF2-40B4-BE49-F238E27FC236}">
-                <a16:creationId xmlns:a16="http://schemas.microsoft.com/office/drawing/2014/main" xmlns="" id="{AD30255A-D722-9278-6B86-CDC958DBCE76}"/>
+                <a16:creationId xmlns="" xmlns:a16="http://schemas.microsoft.com/office/drawing/2014/main" id="{AD30255A-D722-9278-6B86-CDC958DBCE76}"/>
               </a:ext>
             </a:extLst>
           </p:cNvPr>
@@ -9529,7 +10869,7 @@
           <p:cNvPr id="15" name="Slide Number Placeholder 14">
             <a:extLst>
               <a:ext uri="{FF2B5EF4-FFF2-40B4-BE49-F238E27FC236}">
-                <a16:creationId xmlns:a16="http://schemas.microsoft.com/office/drawing/2014/main" xmlns="" id="{1B162A4D-077F-7925-923D-1DF42476D28D}"/>
+                <a16:creationId xmlns="" xmlns:a16="http://schemas.microsoft.com/office/drawing/2014/main" id="{1B162A4D-077F-7925-923D-1DF42476D28D}"/>
               </a:ext>
             </a:extLst>
           </p:cNvPr>
@@ -9548,7 +10888,7 @@
             <a:fld id="{6EFE7C99-B088-4EBB-BFF6-BECCC96D5DD8}" type="slidenum">
               <a:rPr lang="en-US" smtClean="0"/>
               <a:pPr/>
-              <a:t>13</a:t>
+              <a:t>15</a:t>
             </a:fld>
             <a:endParaRPr lang="en-US"/>
           </a:p>
@@ -9559,7 +10899,7 @@
           <p:cNvPr id="10" name="TextBox 9">
             <a:extLst>
               <a:ext uri="{FF2B5EF4-FFF2-40B4-BE49-F238E27FC236}">
-                <a16:creationId xmlns:a16="http://schemas.microsoft.com/office/drawing/2014/main" xmlns="" id="{486B023D-D17B-9DDF-D346-3B74179C0858}"/>
+                <a16:creationId xmlns="" xmlns:a16="http://schemas.microsoft.com/office/drawing/2014/main" id="{486B023D-D17B-9DDF-D346-3B74179C0858}"/>
               </a:ext>
             </a:extLst>
           </p:cNvPr>
@@ -9600,7 +10940,7 @@
           <p:cNvPr id="2" name="Group 1">
             <a:extLst>
               <a:ext uri="{FF2B5EF4-FFF2-40B4-BE49-F238E27FC236}">
-                <a16:creationId xmlns:a16="http://schemas.microsoft.com/office/drawing/2014/main" xmlns="" id="{0D0112AD-AB0A-FEB7-46DA-462329F16DB6}"/>
+                <a16:creationId xmlns="" xmlns:a16="http://schemas.microsoft.com/office/drawing/2014/main" id="{0D0112AD-AB0A-FEB7-46DA-462329F16DB6}"/>
               </a:ext>
             </a:extLst>
           </p:cNvPr>
@@ -9623,7 +10963,7 @@
             <p:cNvPr id="5" name="TextBox 4">
               <a:extLst>
                 <a:ext uri="{FF2B5EF4-FFF2-40B4-BE49-F238E27FC236}">
-                  <a16:creationId xmlns:a16="http://schemas.microsoft.com/office/drawing/2014/main" xmlns="" id="{C9FA2A23-91A0-84C9-4153-A9CF1165A869}"/>
+                  <a16:creationId xmlns="" xmlns:a16="http://schemas.microsoft.com/office/drawing/2014/main" id="{C9FA2A23-91A0-84C9-4153-A9CF1165A869}"/>
                 </a:ext>
               </a:extLst>
             </p:cNvPr>
@@ -9663,7 +11003,7 @@
             <p:cNvPr id="7" name="TextBox 6">
               <a:extLst>
                 <a:ext uri="{FF2B5EF4-FFF2-40B4-BE49-F238E27FC236}">
-                  <a16:creationId xmlns:a16="http://schemas.microsoft.com/office/drawing/2014/main" xmlns="" id="{61AC8CE0-431A-86E3-F3A3-CE37478C7257}"/>
+                  <a16:creationId xmlns="" xmlns:a16="http://schemas.microsoft.com/office/drawing/2014/main" id="{61AC8CE0-431A-86E3-F3A3-CE37478C7257}"/>
                 </a:ext>
               </a:extLst>
             </p:cNvPr>
@@ -10160,7 +11500,7 @@
     </p:spTree>
     <p:extLst>
       <p:ext uri="{BB962C8B-B14F-4D97-AF65-F5344CB8AC3E}">
-        <p14:creationId xmlns:p14="http://schemas.microsoft.com/office/powerpoint/2010/main" xmlns="" val="1062629819"/>
+        <p14:creationId xmlns="" xmlns:p14="http://schemas.microsoft.com/office/powerpoint/2010/main" val="1062629819"/>
       </p:ext>
     </p:extLst>
   </p:cSld>
@@ -10177,7 +11517,7 @@
 </p:sld>
 </file>
 
-<file path=ppt/slides/slide14.xml><?xml version="1.0" encoding="utf-8"?>
+<file path=ppt/slides/slide16.xml><?xml version="1.0" encoding="utf-8"?>
 <p:sld xmlns:a="http://schemas.openxmlformats.org/drawingml/2006/main" xmlns:r="http://schemas.openxmlformats.org/officeDocument/2006/relationships" xmlns:p="http://schemas.openxmlformats.org/presentationml/2006/main">
   <p:cSld>
     <p:spTree>
@@ -10185,7 +11525,7 @@
         <p:cNvPr id="1" name="">
           <a:extLst>
             <a:ext uri="{FF2B5EF4-FFF2-40B4-BE49-F238E27FC236}">
-              <a16:creationId xmlns:a16="http://schemas.microsoft.com/office/drawing/2014/main" xmlns="" id="{84808E20-0F1F-533A-B3E6-5B335EB405BC}"/>
+              <a16:creationId xmlns="" xmlns:a16="http://schemas.microsoft.com/office/drawing/2014/main" id="{84808E20-0F1F-533A-B3E6-5B335EB405BC}"/>
             </a:ext>
           </a:extLst>
         </p:cNvPr>
@@ -10205,7 +11545,7 @@
           <p:cNvPr id="3" name="Picture 2" descr="WhatsApp Image 2024-08-23 at 15.43.17">
             <a:extLst>
               <a:ext uri="{FF2B5EF4-FFF2-40B4-BE49-F238E27FC236}">
-                <a16:creationId xmlns:a16="http://schemas.microsoft.com/office/drawing/2014/main" xmlns="" id="{92479C09-0005-7CFF-38D5-4F524062CA0A}"/>
+                <a16:creationId xmlns="" xmlns:a16="http://schemas.microsoft.com/office/drawing/2014/main" id="{92479C09-0005-7CFF-38D5-4F524062CA0A}"/>
               </a:ext>
             </a:extLst>
           </p:cNvPr>
@@ -10235,7 +11575,7 @@
           <p:cNvPr id="13" name="Date Placeholder 12">
             <a:extLst>
               <a:ext uri="{FF2B5EF4-FFF2-40B4-BE49-F238E27FC236}">
-                <a16:creationId xmlns:a16="http://schemas.microsoft.com/office/drawing/2014/main" xmlns="" id="{AD30255A-D722-9278-6B86-CDC958DBCE76}"/>
+                <a16:creationId xmlns="" xmlns:a16="http://schemas.microsoft.com/office/drawing/2014/main" id="{AD30255A-D722-9278-6B86-CDC958DBCE76}"/>
               </a:ext>
             </a:extLst>
           </p:cNvPr>
@@ -10265,7 +11605,7 @@
           <p:cNvPr id="15" name="Slide Number Placeholder 14">
             <a:extLst>
               <a:ext uri="{FF2B5EF4-FFF2-40B4-BE49-F238E27FC236}">
-                <a16:creationId xmlns:a16="http://schemas.microsoft.com/office/drawing/2014/main" xmlns="" id="{1B162A4D-077F-7925-923D-1DF42476D28D}"/>
+                <a16:creationId xmlns="" xmlns:a16="http://schemas.microsoft.com/office/drawing/2014/main" id="{1B162A4D-077F-7925-923D-1DF42476D28D}"/>
               </a:ext>
             </a:extLst>
           </p:cNvPr>
@@ -10284,7 +11624,7 @@
             <a:fld id="{6EFE7C99-B088-4EBB-BFF6-BECCC96D5DD8}" type="slidenum">
               <a:rPr lang="en-US" smtClean="0"/>
               <a:pPr/>
-              <a:t>14</a:t>
+              <a:t>16</a:t>
             </a:fld>
             <a:endParaRPr lang="en-US"/>
           </a:p>
@@ -10295,7 +11635,7 @@
           <p:cNvPr id="10" name="TextBox 9">
             <a:extLst>
               <a:ext uri="{FF2B5EF4-FFF2-40B4-BE49-F238E27FC236}">
-                <a16:creationId xmlns:a16="http://schemas.microsoft.com/office/drawing/2014/main" xmlns="" id="{486B023D-D17B-9DDF-D346-3B74179C0858}"/>
+                <a16:creationId xmlns="" xmlns:a16="http://schemas.microsoft.com/office/drawing/2014/main" id="{486B023D-D17B-9DDF-D346-3B74179C0858}"/>
               </a:ext>
             </a:extLst>
           </p:cNvPr>
@@ -10336,7 +11676,7 @@
           <p:cNvPr id="2" name="Group 1">
             <a:extLst>
               <a:ext uri="{FF2B5EF4-FFF2-40B4-BE49-F238E27FC236}">
-                <a16:creationId xmlns:a16="http://schemas.microsoft.com/office/drawing/2014/main" xmlns="" id="{0D0112AD-AB0A-FEB7-46DA-462329F16DB6}"/>
+                <a16:creationId xmlns="" xmlns:a16="http://schemas.microsoft.com/office/drawing/2014/main" id="{0D0112AD-AB0A-FEB7-46DA-462329F16DB6}"/>
               </a:ext>
             </a:extLst>
           </p:cNvPr>
@@ -10359,7 +11699,7 @@
             <p:cNvPr id="5" name="TextBox 4">
               <a:extLst>
                 <a:ext uri="{FF2B5EF4-FFF2-40B4-BE49-F238E27FC236}">
-                  <a16:creationId xmlns:a16="http://schemas.microsoft.com/office/drawing/2014/main" xmlns="" id="{C9FA2A23-91A0-84C9-4153-A9CF1165A869}"/>
+                  <a16:creationId xmlns="" xmlns:a16="http://schemas.microsoft.com/office/drawing/2014/main" id="{C9FA2A23-91A0-84C9-4153-A9CF1165A869}"/>
                 </a:ext>
               </a:extLst>
             </p:cNvPr>
@@ -10399,7 +11739,7 @@
             <p:cNvPr id="7" name="TextBox 6">
               <a:extLst>
                 <a:ext uri="{FF2B5EF4-FFF2-40B4-BE49-F238E27FC236}">
-                  <a16:creationId xmlns:a16="http://schemas.microsoft.com/office/drawing/2014/main" xmlns="" id="{61AC8CE0-431A-86E3-F3A3-CE37478C7257}"/>
+                  <a16:creationId xmlns="" xmlns:a16="http://schemas.microsoft.com/office/drawing/2014/main" id="{61AC8CE0-431A-86E3-F3A3-CE37478C7257}"/>
                 </a:ext>
               </a:extLst>
             </p:cNvPr>
@@ -10895,7 +12235,7 @@
     </p:spTree>
     <p:extLst>
       <p:ext uri="{BB962C8B-B14F-4D97-AF65-F5344CB8AC3E}">
-        <p14:creationId xmlns:p14="http://schemas.microsoft.com/office/powerpoint/2010/main" xmlns="" val="1062629819"/>
+        <p14:creationId xmlns="" xmlns:p14="http://schemas.microsoft.com/office/powerpoint/2010/main" val="1062629819"/>
       </p:ext>
     </p:extLst>
   </p:cSld>
@@ -10912,7 +12252,7 @@
 </p:sld>
 </file>
 
-<file path=ppt/slides/slide15.xml><?xml version="1.0" encoding="utf-8"?>
+<file path=ppt/slides/slide17.xml><?xml version="1.0" encoding="utf-8"?>
 <p:sld xmlns:a="http://schemas.openxmlformats.org/drawingml/2006/main" xmlns:r="http://schemas.openxmlformats.org/officeDocument/2006/relationships" xmlns:p="http://schemas.openxmlformats.org/presentationml/2006/main">
   <p:cSld>
     <p:spTree>
@@ -10920,7 +12260,7 @@
         <p:cNvPr id="1" name="">
           <a:extLst>
             <a:ext uri="{FF2B5EF4-FFF2-40B4-BE49-F238E27FC236}">
-              <a16:creationId xmlns:a16="http://schemas.microsoft.com/office/drawing/2014/main" xmlns="" id="{84808E20-0F1F-533A-B3E6-5B335EB405BC}"/>
+              <a16:creationId xmlns="" xmlns:a16="http://schemas.microsoft.com/office/drawing/2014/main" id="{84808E20-0F1F-533A-B3E6-5B335EB405BC}"/>
             </a:ext>
           </a:extLst>
         </p:cNvPr>
@@ -10940,7 +12280,7 @@
           <p:cNvPr id="3" name="Picture 2" descr="WhatsApp Image 2024-08-23 at 15.43.17">
             <a:extLst>
               <a:ext uri="{FF2B5EF4-FFF2-40B4-BE49-F238E27FC236}">
-                <a16:creationId xmlns:a16="http://schemas.microsoft.com/office/drawing/2014/main" xmlns="" id="{92479C09-0005-7CFF-38D5-4F524062CA0A}"/>
+                <a16:creationId xmlns="" xmlns:a16="http://schemas.microsoft.com/office/drawing/2014/main" id="{92479C09-0005-7CFF-38D5-4F524062CA0A}"/>
               </a:ext>
             </a:extLst>
           </p:cNvPr>
@@ -10970,7 +12310,7 @@
           <p:cNvPr id="13" name="Date Placeholder 12">
             <a:extLst>
               <a:ext uri="{FF2B5EF4-FFF2-40B4-BE49-F238E27FC236}">
-                <a16:creationId xmlns:a16="http://schemas.microsoft.com/office/drawing/2014/main" xmlns="" id="{AD30255A-D722-9278-6B86-CDC958DBCE76}"/>
+                <a16:creationId xmlns="" xmlns:a16="http://schemas.microsoft.com/office/drawing/2014/main" id="{AD30255A-D722-9278-6B86-CDC958DBCE76}"/>
               </a:ext>
             </a:extLst>
           </p:cNvPr>
@@ -11000,7 +12340,7 @@
           <p:cNvPr id="15" name="Slide Number Placeholder 14">
             <a:extLst>
               <a:ext uri="{FF2B5EF4-FFF2-40B4-BE49-F238E27FC236}">
-                <a16:creationId xmlns:a16="http://schemas.microsoft.com/office/drawing/2014/main" xmlns="" id="{1B162A4D-077F-7925-923D-1DF42476D28D}"/>
+                <a16:creationId xmlns="" xmlns:a16="http://schemas.microsoft.com/office/drawing/2014/main" id="{1B162A4D-077F-7925-923D-1DF42476D28D}"/>
               </a:ext>
             </a:extLst>
           </p:cNvPr>
@@ -11019,7 +12359,7 @@
             <a:fld id="{6EFE7C99-B088-4EBB-BFF6-BECCC96D5DD8}" type="slidenum">
               <a:rPr lang="en-US" smtClean="0"/>
               <a:pPr/>
-              <a:t>15</a:t>
+              <a:t>17</a:t>
             </a:fld>
             <a:endParaRPr lang="en-US"/>
           </a:p>
@@ -11030,7 +12370,7 @@
           <p:cNvPr id="10" name="TextBox 9">
             <a:extLst>
               <a:ext uri="{FF2B5EF4-FFF2-40B4-BE49-F238E27FC236}">
-                <a16:creationId xmlns:a16="http://schemas.microsoft.com/office/drawing/2014/main" xmlns="" id="{486B023D-D17B-9DDF-D346-3B74179C0858}"/>
+                <a16:creationId xmlns="" xmlns:a16="http://schemas.microsoft.com/office/drawing/2014/main" id="{486B023D-D17B-9DDF-D346-3B74179C0858}"/>
               </a:ext>
             </a:extLst>
           </p:cNvPr>
@@ -11071,7 +12411,7 @@
           <p:cNvPr id="2" name="Group 1">
             <a:extLst>
               <a:ext uri="{FF2B5EF4-FFF2-40B4-BE49-F238E27FC236}">
-                <a16:creationId xmlns:a16="http://schemas.microsoft.com/office/drawing/2014/main" xmlns="" id="{0D0112AD-AB0A-FEB7-46DA-462329F16DB6}"/>
+                <a16:creationId xmlns="" xmlns:a16="http://schemas.microsoft.com/office/drawing/2014/main" id="{0D0112AD-AB0A-FEB7-46DA-462329F16DB6}"/>
               </a:ext>
             </a:extLst>
           </p:cNvPr>
@@ -11094,7 +12434,7 @@
             <p:cNvPr id="5" name="TextBox 4">
               <a:extLst>
                 <a:ext uri="{FF2B5EF4-FFF2-40B4-BE49-F238E27FC236}">
-                  <a16:creationId xmlns:a16="http://schemas.microsoft.com/office/drawing/2014/main" xmlns="" id="{C9FA2A23-91A0-84C9-4153-A9CF1165A869}"/>
+                  <a16:creationId xmlns="" xmlns:a16="http://schemas.microsoft.com/office/drawing/2014/main" id="{C9FA2A23-91A0-84C9-4153-A9CF1165A869}"/>
                 </a:ext>
               </a:extLst>
             </p:cNvPr>
@@ -11134,7 +12474,7 @@
             <p:cNvPr id="7" name="TextBox 6">
               <a:extLst>
                 <a:ext uri="{FF2B5EF4-FFF2-40B4-BE49-F238E27FC236}">
-                  <a16:creationId xmlns:a16="http://schemas.microsoft.com/office/drawing/2014/main" xmlns="" id="{61AC8CE0-431A-86E3-F3A3-CE37478C7257}"/>
+                  <a16:creationId xmlns="" xmlns:a16="http://schemas.microsoft.com/office/drawing/2014/main" id="{61AC8CE0-431A-86E3-F3A3-CE37478C7257}"/>
                 </a:ext>
               </a:extLst>
             </p:cNvPr>
@@ -11663,7 +13003,7 @@
     </p:spTree>
     <p:extLst>
       <p:ext uri="{BB962C8B-B14F-4D97-AF65-F5344CB8AC3E}">
-        <p14:creationId xmlns:p14="http://schemas.microsoft.com/office/powerpoint/2010/main" xmlns="" val="1062629819"/>
+        <p14:creationId xmlns="" xmlns:p14="http://schemas.microsoft.com/office/powerpoint/2010/main" val="1062629819"/>
       </p:ext>
     </p:extLst>
   </p:cSld>
@@ -11680,7 +13020,7 @@
 </p:sld>
 </file>
 
-<file path=ppt/slides/slide16.xml><?xml version="1.0" encoding="utf-8"?>
+<file path=ppt/slides/slide18.xml><?xml version="1.0" encoding="utf-8"?>
 <p:sld xmlns:a="http://schemas.openxmlformats.org/drawingml/2006/main" xmlns:r="http://schemas.openxmlformats.org/officeDocument/2006/relationships" xmlns:p="http://schemas.openxmlformats.org/presentationml/2006/main">
   <p:cSld>
     <p:spTree>
@@ -11688,7 +13028,7 @@
         <p:cNvPr id="1" name="">
           <a:extLst>
             <a:ext uri="{FF2B5EF4-FFF2-40B4-BE49-F238E27FC236}">
-              <a16:creationId xmlns:a16="http://schemas.microsoft.com/office/drawing/2014/main" xmlns="" id="{84808E20-0F1F-533A-B3E6-5B335EB405BC}"/>
+              <a16:creationId xmlns="" xmlns:a16="http://schemas.microsoft.com/office/drawing/2014/main" id="{84808E20-0F1F-533A-B3E6-5B335EB405BC}"/>
             </a:ext>
           </a:extLst>
         </p:cNvPr>
@@ -11708,7 +13048,7 @@
           <p:cNvPr id="3" name="Picture 2" descr="WhatsApp Image 2024-08-23 at 15.43.17">
             <a:extLst>
               <a:ext uri="{FF2B5EF4-FFF2-40B4-BE49-F238E27FC236}">
-                <a16:creationId xmlns:a16="http://schemas.microsoft.com/office/drawing/2014/main" xmlns="" id="{92479C09-0005-7CFF-38D5-4F524062CA0A}"/>
+                <a16:creationId xmlns="" xmlns:a16="http://schemas.microsoft.com/office/drawing/2014/main" id="{92479C09-0005-7CFF-38D5-4F524062CA0A}"/>
               </a:ext>
             </a:extLst>
           </p:cNvPr>
@@ -11738,7 +13078,7 @@
           <p:cNvPr id="13" name="Date Placeholder 12">
             <a:extLst>
               <a:ext uri="{FF2B5EF4-FFF2-40B4-BE49-F238E27FC236}">
-                <a16:creationId xmlns:a16="http://schemas.microsoft.com/office/drawing/2014/main" xmlns="" id="{AD30255A-D722-9278-6B86-CDC958DBCE76}"/>
+                <a16:creationId xmlns="" xmlns:a16="http://schemas.microsoft.com/office/drawing/2014/main" id="{AD30255A-D722-9278-6B86-CDC958DBCE76}"/>
               </a:ext>
             </a:extLst>
           </p:cNvPr>
@@ -11768,7 +13108,7 @@
           <p:cNvPr id="15" name="Slide Number Placeholder 14">
             <a:extLst>
               <a:ext uri="{FF2B5EF4-FFF2-40B4-BE49-F238E27FC236}">
-                <a16:creationId xmlns:a16="http://schemas.microsoft.com/office/drawing/2014/main" xmlns="" id="{1B162A4D-077F-7925-923D-1DF42476D28D}"/>
+                <a16:creationId xmlns="" xmlns:a16="http://schemas.microsoft.com/office/drawing/2014/main" id="{1B162A4D-077F-7925-923D-1DF42476D28D}"/>
               </a:ext>
             </a:extLst>
           </p:cNvPr>
@@ -11787,7 +13127,7 @@
             <a:fld id="{6EFE7C99-B088-4EBB-BFF6-BECCC96D5DD8}" type="slidenum">
               <a:rPr lang="en-US" smtClean="0"/>
               <a:pPr/>
-              <a:t>16</a:t>
+              <a:t>18</a:t>
             </a:fld>
             <a:endParaRPr lang="en-US"/>
           </a:p>
@@ -11798,7 +13138,7 @@
           <p:cNvPr id="10" name="TextBox 9">
             <a:extLst>
               <a:ext uri="{FF2B5EF4-FFF2-40B4-BE49-F238E27FC236}">
-                <a16:creationId xmlns:a16="http://schemas.microsoft.com/office/drawing/2014/main" xmlns="" id="{486B023D-D17B-9DDF-D346-3B74179C0858}"/>
+                <a16:creationId xmlns="" xmlns:a16="http://schemas.microsoft.com/office/drawing/2014/main" id="{486B023D-D17B-9DDF-D346-3B74179C0858}"/>
               </a:ext>
             </a:extLst>
           </p:cNvPr>
@@ -11839,7 +13179,7 @@
           <p:cNvPr id="2" name="Group 1">
             <a:extLst>
               <a:ext uri="{FF2B5EF4-FFF2-40B4-BE49-F238E27FC236}">
-                <a16:creationId xmlns:a16="http://schemas.microsoft.com/office/drawing/2014/main" xmlns="" id="{0D0112AD-AB0A-FEB7-46DA-462329F16DB6}"/>
+                <a16:creationId xmlns="" xmlns:a16="http://schemas.microsoft.com/office/drawing/2014/main" id="{0D0112AD-AB0A-FEB7-46DA-462329F16DB6}"/>
               </a:ext>
             </a:extLst>
           </p:cNvPr>
@@ -11862,7 +13202,7 @@
             <p:cNvPr id="5" name="TextBox 4">
               <a:extLst>
                 <a:ext uri="{FF2B5EF4-FFF2-40B4-BE49-F238E27FC236}">
-                  <a16:creationId xmlns:a16="http://schemas.microsoft.com/office/drawing/2014/main" xmlns="" id="{C9FA2A23-91A0-84C9-4153-A9CF1165A869}"/>
+                  <a16:creationId xmlns="" xmlns:a16="http://schemas.microsoft.com/office/drawing/2014/main" id="{C9FA2A23-91A0-84C9-4153-A9CF1165A869}"/>
                 </a:ext>
               </a:extLst>
             </p:cNvPr>
@@ -11902,7 +13242,7 @@
             <p:cNvPr id="7" name="TextBox 6">
               <a:extLst>
                 <a:ext uri="{FF2B5EF4-FFF2-40B4-BE49-F238E27FC236}">
-                  <a16:creationId xmlns:a16="http://schemas.microsoft.com/office/drawing/2014/main" xmlns="" id="{61AC8CE0-431A-86E3-F3A3-CE37478C7257}"/>
+                  <a16:creationId xmlns="" xmlns:a16="http://schemas.microsoft.com/office/drawing/2014/main" id="{61AC8CE0-431A-86E3-F3A3-CE37478C7257}"/>
                 </a:ext>
               </a:extLst>
             </p:cNvPr>
@@ -12398,7 +13738,7 @@
     </p:spTree>
     <p:extLst>
       <p:ext uri="{BB962C8B-B14F-4D97-AF65-F5344CB8AC3E}">
-        <p14:creationId xmlns:p14="http://schemas.microsoft.com/office/powerpoint/2010/main" xmlns="" val="1062629819"/>
+        <p14:creationId xmlns="" xmlns:p14="http://schemas.microsoft.com/office/powerpoint/2010/main" val="1062629819"/>
       </p:ext>
     </p:extLst>
   </p:cSld>
@@ -12415,7 +13755,7 @@
 </p:sld>
 </file>
 
-<file path=ppt/slides/slide17.xml><?xml version="1.0" encoding="utf-8"?>
+<file path=ppt/slides/slide19.xml><?xml version="1.0" encoding="utf-8"?>
 <p:sld xmlns:a="http://schemas.openxmlformats.org/drawingml/2006/main" xmlns:r="http://schemas.openxmlformats.org/officeDocument/2006/relationships" xmlns:p="http://schemas.openxmlformats.org/presentationml/2006/main">
   <p:cSld>
     <p:spTree>
@@ -12423,7 +13763,7 @@
         <p:cNvPr id="1" name="">
           <a:extLst>
             <a:ext uri="{FF2B5EF4-FFF2-40B4-BE49-F238E27FC236}">
-              <a16:creationId xmlns:a16="http://schemas.microsoft.com/office/drawing/2014/main" xmlns="" id="{84808E20-0F1F-533A-B3E6-5B335EB405BC}"/>
+              <a16:creationId xmlns="" xmlns:a16="http://schemas.microsoft.com/office/drawing/2014/main" id="{84808E20-0F1F-533A-B3E6-5B335EB405BC}"/>
             </a:ext>
           </a:extLst>
         </p:cNvPr>
@@ -12443,7 +13783,7 @@
           <p:cNvPr id="3" name="Picture 2" descr="WhatsApp Image 2024-08-23 at 15.43.17">
             <a:extLst>
               <a:ext uri="{FF2B5EF4-FFF2-40B4-BE49-F238E27FC236}">
-                <a16:creationId xmlns:a16="http://schemas.microsoft.com/office/drawing/2014/main" xmlns="" id="{92479C09-0005-7CFF-38D5-4F524062CA0A}"/>
+                <a16:creationId xmlns="" xmlns:a16="http://schemas.microsoft.com/office/drawing/2014/main" id="{92479C09-0005-7CFF-38D5-4F524062CA0A}"/>
               </a:ext>
             </a:extLst>
           </p:cNvPr>
@@ -12473,7 +13813,7 @@
           <p:cNvPr id="13" name="Date Placeholder 12">
             <a:extLst>
               <a:ext uri="{FF2B5EF4-FFF2-40B4-BE49-F238E27FC236}">
-                <a16:creationId xmlns:a16="http://schemas.microsoft.com/office/drawing/2014/main" xmlns="" id="{AD30255A-D722-9278-6B86-CDC958DBCE76}"/>
+                <a16:creationId xmlns="" xmlns:a16="http://schemas.microsoft.com/office/drawing/2014/main" id="{AD30255A-D722-9278-6B86-CDC958DBCE76}"/>
               </a:ext>
             </a:extLst>
           </p:cNvPr>
@@ -12503,7 +13843,7 @@
           <p:cNvPr id="15" name="Slide Number Placeholder 14">
             <a:extLst>
               <a:ext uri="{FF2B5EF4-FFF2-40B4-BE49-F238E27FC236}">
-                <a16:creationId xmlns:a16="http://schemas.microsoft.com/office/drawing/2014/main" xmlns="" id="{1B162A4D-077F-7925-923D-1DF42476D28D}"/>
+                <a16:creationId xmlns="" xmlns:a16="http://schemas.microsoft.com/office/drawing/2014/main" id="{1B162A4D-077F-7925-923D-1DF42476D28D}"/>
               </a:ext>
             </a:extLst>
           </p:cNvPr>
@@ -12522,7 +13862,7 @@
             <a:fld id="{6EFE7C99-B088-4EBB-BFF6-BECCC96D5DD8}" type="slidenum">
               <a:rPr lang="en-US" smtClean="0"/>
               <a:pPr/>
-              <a:t>17</a:t>
+              <a:t>19</a:t>
             </a:fld>
             <a:endParaRPr lang="en-US"/>
           </a:p>
@@ -12533,7 +13873,7 @@
           <p:cNvPr id="10" name="TextBox 9">
             <a:extLst>
               <a:ext uri="{FF2B5EF4-FFF2-40B4-BE49-F238E27FC236}">
-                <a16:creationId xmlns:a16="http://schemas.microsoft.com/office/drawing/2014/main" xmlns="" id="{486B023D-D17B-9DDF-D346-3B74179C0858}"/>
+                <a16:creationId xmlns="" xmlns:a16="http://schemas.microsoft.com/office/drawing/2014/main" id="{486B023D-D17B-9DDF-D346-3B74179C0858}"/>
               </a:ext>
             </a:extLst>
           </p:cNvPr>
@@ -12574,7 +13914,7 @@
           <p:cNvPr id="2" name="Group 1">
             <a:extLst>
               <a:ext uri="{FF2B5EF4-FFF2-40B4-BE49-F238E27FC236}">
-                <a16:creationId xmlns:a16="http://schemas.microsoft.com/office/drawing/2014/main" xmlns="" id="{0D0112AD-AB0A-FEB7-46DA-462329F16DB6}"/>
+                <a16:creationId xmlns="" xmlns:a16="http://schemas.microsoft.com/office/drawing/2014/main" id="{0D0112AD-AB0A-FEB7-46DA-462329F16DB6}"/>
               </a:ext>
             </a:extLst>
           </p:cNvPr>
@@ -12597,7 +13937,7 @@
             <p:cNvPr id="5" name="TextBox 4">
               <a:extLst>
                 <a:ext uri="{FF2B5EF4-FFF2-40B4-BE49-F238E27FC236}">
-                  <a16:creationId xmlns:a16="http://schemas.microsoft.com/office/drawing/2014/main" xmlns="" id="{C9FA2A23-91A0-84C9-4153-A9CF1165A869}"/>
+                  <a16:creationId xmlns="" xmlns:a16="http://schemas.microsoft.com/office/drawing/2014/main" id="{C9FA2A23-91A0-84C9-4153-A9CF1165A869}"/>
                 </a:ext>
               </a:extLst>
             </p:cNvPr>
@@ -12637,7 +13977,7 @@
             <p:cNvPr id="7" name="TextBox 6">
               <a:extLst>
                 <a:ext uri="{FF2B5EF4-FFF2-40B4-BE49-F238E27FC236}">
-                  <a16:creationId xmlns:a16="http://schemas.microsoft.com/office/drawing/2014/main" xmlns="" id="{61AC8CE0-431A-86E3-F3A3-CE37478C7257}"/>
+                  <a16:creationId xmlns="" xmlns:a16="http://schemas.microsoft.com/office/drawing/2014/main" id="{61AC8CE0-431A-86E3-F3A3-CE37478C7257}"/>
                 </a:ext>
               </a:extLst>
             </p:cNvPr>
@@ -13133,7 +14473,7 @@
     </p:spTree>
     <p:extLst>
       <p:ext uri="{BB962C8B-B14F-4D97-AF65-F5344CB8AC3E}">
-        <p14:creationId xmlns:p14="http://schemas.microsoft.com/office/powerpoint/2010/main" xmlns="" val="1062629819"/>
+        <p14:creationId xmlns="" xmlns:p14="http://schemas.microsoft.com/office/powerpoint/2010/main" val="1062629819"/>
       </p:ext>
     </p:extLst>
   </p:cSld>
@@ -13150,7 +14490,7 @@
 </p:sld>
 </file>
 
-<file path=ppt/slides/slide18.xml><?xml version="1.0" encoding="utf-8"?>
+<file path=ppt/slides/slide2.xml><?xml version="1.0" encoding="utf-8"?>
 <p:sld xmlns:a="http://schemas.openxmlformats.org/drawingml/2006/main" xmlns:r="http://schemas.openxmlformats.org/officeDocument/2006/relationships" xmlns:p="http://schemas.openxmlformats.org/presentationml/2006/main">
   <p:cSld>
     <p:spTree>
@@ -13158,7 +14498,7 @@
         <p:cNvPr id="1" name="">
           <a:extLst>
             <a:ext uri="{FF2B5EF4-FFF2-40B4-BE49-F238E27FC236}">
-              <a16:creationId xmlns:a16="http://schemas.microsoft.com/office/drawing/2014/main" xmlns="" id="{84808E20-0F1F-533A-B3E6-5B335EB405BC}"/>
+              <a16:creationId xmlns="" xmlns:a16="http://schemas.microsoft.com/office/drawing/2014/main" id="{902AD16C-EACE-807C-AB29-6D4BBE7ACF17}"/>
             </a:ext>
           </a:extLst>
         </p:cNvPr>
@@ -13178,7 +14518,7 @@
           <p:cNvPr id="3" name="Picture 2" descr="WhatsApp Image 2024-08-23 at 15.43.17">
             <a:extLst>
               <a:ext uri="{FF2B5EF4-FFF2-40B4-BE49-F238E27FC236}">
-                <a16:creationId xmlns:a16="http://schemas.microsoft.com/office/drawing/2014/main" xmlns="" id="{92479C09-0005-7CFF-38D5-4F524062CA0A}"/>
+                <a16:creationId xmlns="" xmlns:a16="http://schemas.microsoft.com/office/drawing/2014/main" id="{DA9BF963-A14E-0D23-3CC5-2A29AECF7B77}"/>
               </a:ext>
             </a:extLst>
           </p:cNvPr>
@@ -13208,7 +14548,7 @@
           <p:cNvPr id="13" name="Date Placeholder 12">
             <a:extLst>
               <a:ext uri="{FF2B5EF4-FFF2-40B4-BE49-F238E27FC236}">
-                <a16:creationId xmlns:a16="http://schemas.microsoft.com/office/drawing/2014/main" xmlns="" id="{AD30255A-D722-9278-6B86-CDC958DBCE76}"/>
+                <a16:creationId xmlns="" xmlns:a16="http://schemas.microsoft.com/office/drawing/2014/main" id="{BDB5567E-5927-9983-2116-CA7232D43C30}"/>
               </a:ext>
             </a:extLst>
           </p:cNvPr>
@@ -13224,7 +14564,7 @@
           <a:bodyPr/>
           <a:lstStyle/>
           <a:p>
-            <a:fld id="{4F9ED619-C22D-46D8-B505-1861FC119B25}" type="datetime1">
+            <a:fld id="{957F14D1-DE72-476D-8447-65A714EC83A2}" type="datetime1">
               <a:rPr lang="en-US" smtClean="0"/>
               <a:pPr/>
               <a:t>7/8/2025</a:t>
@@ -13238,7 +14578,7 @@
           <p:cNvPr id="15" name="Slide Number Placeholder 14">
             <a:extLst>
               <a:ext uri="{FF2B5EF4-FFF2-40B4-BE49-F238E27FC236}">
-                <a16:creationId xmlns:a16="http://schemas.microsoft.com/office/drawing/2014/main" xmlns="" id="{1B162A4D-077F-7925-923D-1DF42476D28D}"/>
+                <a16:creationId xmlns="" xmlns:a16="http://schemas.microsoft.com/office/drawing/2014/main" id="{FC1B7CF2-B14D-6BDA-CD4A-D84A5D3F6B49}"/>
               </a:ext>
             </a:extLst>
           </p:cNvPr>
@@ -13257,7 +14597,7 @@
             <a:fld id="{6EFE7C99-B088-4EBB-BFF6-BECCC96D5DD8}" type="slidenum">
               <a:rPr lang="en-US" smtClean="0"/>
               <a:pPr/>
-              <a:t>18</a:t>
+              <a:t>2</a:t>
             </a:fld>
             <a:endParaRPr lang="en-US"/>
           </a:p>
@@ -13268,7 +14608,7 @@
           <p:cNvPr id="10" name="TextBox 9">
             <a:extLst>
               <a:ext uri="{FF2B5EF4-FFF2-40B4-BE49-F238E27FC236}">
-                <a16:creationId xmlns:a16="http://schemas.microsoft.com/office/drawing/2014/main" xmlns="" id="{486B023D-D17B-9DDF-D346-3B74179C0858}"/>
+                <a16:creationId xmlns="" xmlns:a16="http://schemas.microsoft.com/office/drawing/2014/main" id="{A2F9E1E2-9AD9-535D-2D69-ACE96CF7B40B}"/>
               </a:ext>
             </a:extLst>
           </p:cNvPr>
@@ -13309,7 +14649,7 @@
           <p:cNvPr id="2" name="Group 1">
             <a:extLst>
               <a:ext uri="{FF2B5EF4-FFF2-40B4-BE49-F238E27FC236}">
-                <a16:creationId xmlns:a16="http://schemas.microsoft.com/office/drawing/2014/main" xmlns="" id="{0D0112AD-AB0A-FEB7-46DA-462329F16DB6}"/>
+                <a16:creationId xmlns="" xmlns:a16="http://schemas.microsoft.com/office/drawing/2014/main" id="{1014FCD0-21EB-628F-6257-153596366AD3}"/>
               </a:ext>
             </a:extLst>
           </p:cNvPr>
@@ -13332,7 +14672,7 @@
             <p:cNvPr id="5" name="TextBox 4">
               <a:extLst>
                 <a:ext uri="{FF2B5EF4-FFF2-40B4-BE49-F238E27FC236}">
-                  <a16:creationId xmlns:a16="http://schemas.microsoft.com/office/drawing/2014/main" xmlns="" id="{C9FA2A23-91A0-84C9-4153-A9CF1165A869}"/>
+                  <a16:creationId xmlns="" xmlns:a16="http://schemas.microsoft.com/office/drawing/2014/main" id="{3A4B850F-806B-BBFF-1AF4-974F9A13EA87}"/>
                 </a:ext>
               </a:extLst>
             </p:cNvPr>
@@ -13372,7 +14712,335 @@
             <p:cNvPr id="7" name="TextBox 6">
               <a:extLst>
                 <a:ext uri="{FF2B5EF4-FFF2-40B4-BE49-F238E27FC236}">
-                  <a16:creationId xmlns:a16="http://schemas.microsoft.com/office/drawing/2014/main" xmlns="" id="{61AC8CE0-431A-86E3-F3A3-CE37478C7257}"/>
+                  <a16:creationId xmlns="" xmlns:a16="http://schemas.microsoft.com/office/drawing/2014/main" id="{A41B9311-EB0F-91C5-AE6F-9C882E10B2F6}"/>
+                </a:ext>
+              </a:extLst>
+            </p:cNvPr>
+            <p:cNvSpPr txBox="1"/>
+            <p:nvPr/>
+          </p:nvSpPr>
+          <p:spPr>
+            <a:xfrm>
+              <a:off x="2394530" y="273031"/>
+              <a:ext cx="9687560" cy="400110"/>
+            </a:xfrm>
+            <a:prstGeom prst="rect">
+              <a:avLst/>
+            </a:prstGeom>
+            <a:grpFill/>
+          </p:spPr>
+          <p:txBody>
+            <a:bodyPr wrap="square" rtlCol="0">
+              <a:spAutoFit/>
+            </a:bodyPr>
+            <a:lstStyle/>
+            <a:p>
+              <a:pPr algn="ctr"/>
+              <a:r>
+                <a:rPr lang="en-US" sz="2000" b="1" dirty="0" smtClean="0">
+                  <a:solidFill>
+                    <a:schemeClr val="bg1"/>
+                  </a:solidFill>
+                </a:rPr>
+                <a:t>Python Installation</a:t>
+              </a:r>
+              <a:endParaRPr lang="en-US" sz="2000" dirty="0"/>
+            </a:p>
+          </p:txBody>
+        </p:sp>
+      </p:grpSp>
+      <p:sp>
+        <p:nvSpPr>
+          <p:cNvPr id="16" name="Footer Placeholder 15"/>
+          <p:cNvSpPr>
+            <a:spLocks noGrp="1"/>
+          </p:cNvSpPr>
+          <p:nvPr>
+            <p:ph type="ftr" sz="quarter" idx="11"/>
+          </p:nvPr>
+        </p:nvSpPr>
+        <p:spPr/>
+        <p:txBody>
+          <a:bodyPr/>
+          <a:lstStyle/>
+          <a:p>
+            <a:r>
+              <a:rPr lang="en-US" smtClean="0"/>
+              <a:t>Prof. Venkataramana Veeramsetty</a:t>
+            </a:r>
+            <a:endParaRPr lang="en-US"/>
+          </a:p>
+        </p:txBody>
+      </p:sp>
+      <p:pic>
+        <p:nvPicPr>
+          <p:cNvPr id="1026" name="Picture 2"/>
+          <p:cNvPicPr>
+            <a:picLocks noChangeAspect="1" noChangeArrowheads="1"/>
+          </p:cNvPicPr>
+          <p:nvPr/>
+        </p:nvPicPr>
+        <p:blipFill>
+          <a:blip r:embed="rId4"/>
+          <a:srcRect/>
+          <a:stretch>
+            <a:fillRect/>
+          </a:stretch>
+        </p:blipFill>
+        <p:spPr bwMode="auto">
+          <a:xfrm>
+            <a:off x="450850" y="1217613"/>
+            <a:ext cx="11330333" cy="4878387"/>
+          </a:xfrm>
+          <a:prstGeom prst="rect">
+            <a:avLst/>
+          </a:prstGeom>
+          <a:noFill/>
+          <a:ln w="9525">
+            <a:noFill/>
+            <a:miter lim="800000"/>
+            <a:headEnd/>
+            <a:tailEnd/>
+          </a:ln>
+          <a:effectLst/>
+        </p:spPr>
+      </p:pic>
+    </p:spTree>
+    <p:extLst>
+      <p:ext uri="{BB962C8B-B14F-4D97-AF65-F5344CB8AC3E}">
+        <p14:creationId xmlns="" xmlns:p14="http://schemas.microsoft.com/office/powerpoint/2010/main" val="717232139"/>
+      </p:ext>
+    </p:extLst>
+  </p:cSld>
+  <p:clrMapOvr>
+    <a:masterClrMapping/>
+  </p:clrMapOvr>
+</p:sld>
+</file>
+
+<file path=ppt/slides/slide20.xml><?xml version="1.0" encoding="utf-8"?>
+<p:sld xmlns:a="http://schemas.openxmlformats.org/drawingml/2006/main" xmlns:r="http://schemas.openxmlformats.org/officeDocument/2006/relationships" xmlns:p="http://schemas.openxmlformats.org/presentationml/2006/main">
+  <p:cSld>
+    <p:spTree>
+      <p:nvGrpSpPr>
+        <p:cNvPr id="1" name="">
+          <a:extLst>
+            <a:ext uri="{FF2B5EF4-FFF2-40B4-BE49-F238E27FC236}">
+              <a16:creationId xmlns="" xmlns:a16="http://schemas.microsoft.com/office/drawing/2014/main" id="{84808E20-0F1F-533A-B3E6-5B335EB405BC}"/>
+            </a:ext>
+          </a:extLst>
+        </p:cNvPr>
+        <p:cNvGrpSpPr/>
+        <p:nvPr/>
+      </p:nvGrpSpPr>
+      <p:grpSpPr>
+        <a:xfrm>
+          <a:off x="0" y="0"/>
+          <a:ext cx="0" cy="0"/>
+          <a:chOff x="0" y="0"/>
+          <a:chExt cx="0" cy="0"/>
+        </a:xfrm>
+      </p:grpSpPr>
+      <p:pic>
+        <p:nvPicPr>
+          <p:cNvPr id="3" name="Picture 2" descr="WhatsApp Image 2024-08-23 at 15.43.17">
+            <a:extLst>
+              <a:ext uri="{FF2B5EF4-FFF2-40B4-BE49-F238E27FC236}">
+                <a16:creationId xmlns="" xmlns:a16="http://schemas.microsoft.com/office/drawing/2014/main" id="{92479C09-0005-7CFF-38D5-4F524062CA0A}"/>
+              </a:ext>
+            </a:extLst>
+          </p:cNvPr>
+          <p:cNvPicPr>
+            <a:picLocks noChangeAspect="1"/>
+          </p:cNvPicPr>
+          <p:nvPr/>
+        </p:nvPicPr>
+        <p:blipFill>
+          <a:blip r:embed="rId3"/>
+          <a:stretch>
+            <a:fillRect/>
+          </a:stretch>
+        </p:blipFill>
+        <p:spPr>
+          <a:xfrm>
+            <a:off x="317643" y="144259"/>
+            <a:ext cx="1719435" cy="677445"/>
+          </a:xfrm>
+          <a:prstGeom prst="rect">
+            <a:avLst/>
+          </a:prstGeom>
+        </p:spPr>
+      </p:pic>
+      <p:sp>
+        <p:nvSpPr>
+          <p:cNvPr id="13" name="Date Placeholder 12">
+            <a:extLst>
+              <a:ext uri="{FF2B5EF4-FFF2-40B4-BE49-F238E27FC236}">
+                <a16:creationId xmlns="" xmlns:a16="http://schemas.microsoft.com/office/drawing/2014/main" id="{AD30255A-D722-9278-6B86-CDC958DBCE76}"/>
+              </a:ext>
+            </a:extLst>
+          </p:cNvPr>
+          <p:cNvSpPr>
+            <a:spLocks noGrp="1"/>
+          </p:cNvSpPr>
+          <p:nvPr>
+            <p:ph type="dt" sz="half" idx="10"/>
+          </p:nvPr>
+        </p:nvSpPr>
+        <p:spPr/>
+        <p:txBody>
+          <a:bodyPr/>
+          <a:lstStyle/>
+          <a:p>
+            <a:fld id="{4F9ED619-C22D-46D8-B505-1861FC119B25}" type="datetime1">
+              <a:rPr lang="en-US" smtClean="0"/>
+              <a:pPr/>
+              <a:t>7/8/2025</a:t>
+            </a:fld>
+            <a:endParaRPr lang="en-US" dirty="0"/>
+          </a:p>
+        </p:txBody>
+      </p:sp>
+      <p:sp>
+        <p:nvSpPr>
+          <p:cNvPr id="15" name="Slide Number Placeholder 14">
+            <a:extLst>
+              <a:ext uri="{FF2B5EF4-FFF2-40B4-BE49-F238E27FC236}">
+                <a16:creationId xmlns="" xmlns:a16="http://schemas.microsoft.com/office/drawing/2014/main" id="{1B162A4D-077F-7925-923D-1DF42476D28D}"/>
+              </a:ext>
+            </a:extLst>
+          </p:cNvPr>
+          <p:cNvSpPr>
+            <a:spLocks noGrp="1"/>
+          </p:cNvSpPr>
+          <p:nvPr>
+            <p:ph type="sldNum" sz="quarter" idx="12"/>
+          </p:nvPr>
+        </p:nvSpPr>
+        <p:spPr/>
+        <p:txBody>
+          <a:bodyPr/>
+          <a:lstStyle/>
+          <a:p>
+            <a:fld id="{6EFE7C99-B088-4EBB-BFF6-BECCC96D5DD8}" type="slidenum">
+              <a:rPr lang="en-US" smtClean="0"/>
+              <a:pPr/>
+              <a:t>20</a:t>
+            </a:fld>
+            <a:endParaRPr lang="en-US"/>
+          </a:p>
+        </p:txBody>
+      </p:sp>
+      <p:sp>
+        <p:nvSpPr>
+          <p:cNvPr id="10" name="TextBox 9">
+            <a:extLst>
+              <a:ext uri="{FF2B5EF4-FFF2-40B4-BE49-F238E27FC236}">
+                <a16:creationId xmlns="" xmlns:a16="http://schemas.microsoft.com/office/drawing/2014/main" id="{486B023D-D17B-9DDF-D346-3B74179C0858}"/>
+              </a:ext>
+            </a:extLst>
+          </p:cNvPr>
+          <p:cNvSpPr txBox="1"/>
+          <p:nvPr/>
+        </p:nvSpPr>
+        <p:spPr>
+          <a:xfrm>
+            <a:off x="2337283" y="199722"/>
+            <a:ext cx="9687560" cy="461665"/>
+          </a:xfrm>
+          <a:prstGeom prst="rect">
+            <a:avLst/>
+          </a:prstGeom>
+          <a:noFill/>
+        </p:spPr>
+        <p:txBody>
+          <a:bodyPr wrap="square" rtlCol="0">
+            <a:spAutoFit/>
+          </a:bodyPr>
+          <a:lstStyle/>
+          <a:p>
+            <a:pPr algn="ctr"/>
+            <a:r>
+              <a:rPr lang="en-US" sz="2400" b="1" dirty="0">
+                <a:solidFill>
+                  <a:schemeClr val="bg1"/>
+                </a:solidFill>
+              </a:rPr>
+              <a:t>Slide Title</a:t>
+            </a:r>
+            <a:endParaRPr lang="en-US" sz="2400" dirty="0"/>
+          </a:p>
+        </p:txBody>
+      </p:sp>
+      <p:grpSp>
+        <p:nvGrpSpPr>
+          <p:cNvPr id="2" name="Group 1">
+            <a:extLst>
+              <a:ext uri="{FF2B5EF4-FFF2-40B4-BE49-F238E27FC236}">
+                <a16:creationId xmlns="" xmlns:a16="http://schemas.microsoft.com/office/drawing/2014/main" id="{0D0112AD-AB0A-FEB7-46DA-462329F16DB6}"/>
+              </a:ext>
+            </a:extLst>
+          </p:cNvPr>
+          <p:cNvGrpSpPr/>
+          <p:nvPr/>
+        </p:nvGrpSpPr>
+        <p:grpSpPr>
+          <a:xfrm>
+            <a:off x="2336800" y="134364"/>
+            <a:ext cx="9745291" cy="677445"/>
+            <a:chOff x="2336800" y="134364"/>
+            <a:chExt cx="9745291" cy="677445"/>
+          </a:xfrm>
+          <a:solidFill>
+            <a:srgbClr val="194E91"/>
+          </a:solidFill>
+        </p:grpSpPr>
+        <p:sp>
+          <p:nvSpPr>
+            <p:cNvPr id="5" name="TextBox 4">
+              <a:extLst>
+                <a:ext uri="{FF2B5EF4-FFF2-40B4-BE49-F238E27FC236}">
+                  <a16:creationId xmlns="" xmlns:a16="http://schemas.microsoft.com/office/drawing/2014/main" id="{C9FA2A23-91A0-84C9-4153-A9CF1165A869}"/>
+                </a:ext>
+              </a:extLst>
+            </p:cNvPr>
+            <p:cNvSpPr txBox="1"/>
+            <p:nvPr/>
+          </p:nvSpPr>
+          <p:spPr>
+            <a:xfrm>
+              <a:off x="2336800" y="134364"/>
+              <a:ext cx="9745291" cy="677445"/>
+            </a:xfrm>
+            <a:prstGeom prst="rect">
+              <a:avLst/>
+            </a:prstGeom>
+            <a:grpFill/>
+            <a:effectLst>
+              <a:softEdge rad="0"/>
+            </a:effectLst>
+          </p:spPr>
+          <p:txBody>
+            <a:bodyPr wrap="square" rtlCol="0">
+              <a:spAutoFit/>
+            </a:bodyPr>
+            <a:lstStyle/>
+            <a:p>
+              <a:pPr algn="ctr"/>
+              <a:endParaRPr lang="en-US" sz="2400" b="1" dirty="0">
+                <a:solidFill>
+                  <a:schemeClr val="bg1"/>
+                </a:solidFill>
+              </a:endParaRPr>
+            </a:p>
+          </p:txBody>
+        </p:sp>
+        <p:sp>
+          <p:nvSpPr>
+            <p:cNvPr id="7" name="TextBox 6">
+              <a:extLst>
+                <a:ext uri="{FF2B5EF4-FFF2-40B4-BE49-F238E27FC236}">
+                  <a16:creationId xmlns="" xmlns:a16="http://schemas.microsoft.com/office/drawing/2014/main" id="{61AC8CE0-431A-86E3-F3A3-CE37478C7257}"/>
                 </a:ext>
               </a:extLst>
             </p:cNvPr>
@@ -13901,7 +15569,7 @@
     </p:spTree>
     <p:extLst>
       <p:ext uri="{BB962C8B-B14F-4D97-AF65-F5344CB8AC3E}">
-        <p14:creationId xmlns:p14="http://schemas.microsoft.com/office/powerpoint/2010/main" xmlns="" val="1062629819"/>
+        <p14:creationId xmlns="" xmlns:p14="http://schemas.microsoft.com/office/powerpoint/2010/main" val="1062629819"/>
       </p:ext>
     </p:extLst>
   </p:cSld>
@@ -13918,7 +15586,7 @@
 </p:sld>
 </file>
 
-<file path=ppt/slides/slide19.xml><?xml version="1.0" encoding="utf-8"?>
+<file path=ppt/slides/slide21.xml><?xml version="1.0" encoding="utf-8"?>
 <p:sld xmlns:a="http://schemas.openxmlformats.org/drawingml/2006/main" xmlns:r="http://schemas.openxmlformats.org/officeDocument/2006/relationships" xmlns:p="http://schemas.openxmlformats.org/presentationml/2006/main">
   <p:cSld>
     <p:spTree>
@@ -14000,7 +15668,7 @@
             <a:fld id="{6EFE7C99-B088-4EBB-BFF6-BECCC96D5DD8}" type="slidenum">
               <a:rPr lang="en-US" smtClean="0"/>
               <a:pPr/>
-              <a:t>19</a:t>
+              <a:t>21</a:t>
             </a:fld>
             <a:endParaRPr lang="en-US"/>
           </a:p>
@@ -14127,7 +15795,7 @@
 </p:sld>
 </file>
 
-<file path=ppt/slides/slide2.xml><?xml version="1.0" encoding="utf-8"?>
+<file path=ppt/slides/slide3.xml><?xml version="1.0" encoding="utf-8"?>
 <p:sld xmlns:a="http://schemas.openxmlformats.org/drawingml/2006/main" xmlns:r="http://schemas.openxmlformats.org/officeDocument/2006/relationships" xmlns:p="http://schemas.openxmlformats.org/presentationml/2006/main">
   <p:cSld>
     <p:spTree>
@@ -14135,7 +15803,7 @@
         <p:cNvPr id="1" name="">
           <a:extLst>
             <a:ext uri="{FF2B5EF4-FFF2-40B4-BE49-F238E27FC236}">
-              <a16:creationId xmlns:a16="http://schemas.microsoft.com/office/drawing/2014/main" xmlns="" id="{902AD16C-EACE-807C-AB29-6D4BBE7ACF17}"/>
+              <a16:creationId xmlns="" xmlns:a16="http://schemas.microsoft.com/office/drawing/2014/main" id="{84808E20-0F1F-533A-B3E6-5B335EB405BC}"/>
             </a:ext>
           </a:extLst>
         </p:cNvPr>
@@ -14155,7 +15823,7 @@
           <p:cNvPr id="3" name="Picture 2" descr="WhatsApp Image 2024-08-23 at 15.43.17">
             <a:extLst>
               <a:ext uri="{FF2B5EF4-FFF2-40B4-BE49-F238E27FC236}">
-                <a16:creationId xmlns:a16="http://schemas.microsoft.com/office/drawing/2014/main" xmlns="" id="{DA9BF963-A14E-0D23-3CC5-2A29AECF7B77}"/>
+                <a16:creationId xmlns="" xmlns:a16="http://schemas.microsoft.com/office/drawing/2014/main" id="{92479C09-0005-7CFF-38D5-4F524062CA0A}"/>
               </a:ext>
             </a:extLst>
           </p:cNvPr>
@@ -14185,7 +15853,7 @@
           <p:cNvPr id="13" name="Date Placeholder 12">
             <a:extLst>
               <a:ext uri="{FF2B5EF4-FFF2-40B4-BE49-F238E27FC236}">
-                <a16:creationId xmlns:a16="http://schemas.microsoft.com/office/drawing/2014/main" xmlns="" id="{BDB5567E-5927-9983-2116-CA7232D43C30}"/>
+                <a16:creationId xmlns="" xmlns:a16="http://schemas.microsoft.com/office/drawing/2014/main" id="{AD30255A-D722-9278-6B86-CDC958DBCE76}"/>
               </a:ext>
             </a:extLst>
           </p:cNvPr>
@@ -14201,7 +15869,7 @@
           <a:bodyPr/>
           <a:lstStyle/>
           <a:p>
-            <a:fld id="{957F14D1-DE72-476D-8447-65A714EC83A2}" type="datetime1">
+            <a:fld id="{4F9ED619-C22D-46D8-B505-1861FC119B25}" type="datetime1">
               <a:rPr lang="en-US" smtClean="0"/>
               <a:pPr/>
               <a:t>7/8/2025</a:t>
@@ -14215,7 +15883,7 @@
           <p:cNvPr id="15" name="Slide Number Placeholder 14">
             <a:extLst>
               <a:ext uri="{FF2B5EF4-FFF2-40B4-BE49-F238E27FC236}">
-                <a16:creationId xmlns:a16="http://schemas.microsoft.com/office/drawing/2014/main" xmlns="" id="{FC1B7CF2-B14D-6BDA-CD4A-D84A5D3F6B49}"/>
+                <a16:creationId xmlns="" xmlns:a16="http://schemas.microsoft.com/office/drawing/2014/main" id="{1B162A4D-077F-7925-923D-1DF42476D28D}"/>
               </a:ext>
             </a:extLst>
           </p:cNvPr>
@@ -14234,7 +15902,7 @@
             <a:fld id="{6EFE7C99-B088-4EBB-BFF6-BECCC96D5DD8}" type="slidenum">
               <a:rPr lang="en-US" smtClean="0"/>
               <a:pPr/>
-              <a:t>2</a:t>
+              <a:t>3</a:t>
             </a:fld>
             <a:endParaRPr lang="en-US"/>
           </a:p>
@@ -14245,7 +15913,7 @@
           <p:cNvPr id="10" name="TextBox 9">
             <a:extLst>
               <a:ext uri="{FF2B5EF4-FFF2-40B4-BE49-F238E27FC236}">
-                <a16:creationId xmlns:a16="http://schemas.microsoft.com/office/drawing/2014/main" xmlns="" id="{A2F9E1E2-9AD9-535D-2D69-ACE96CF7B40B}"/>
+                <a16:creationId xmlns="" xmlns:a16="http://schemas.microsoft.com/office/drawing/2014/main" id="{486B023D-D17B-9DDF-D346-3B74179C0858}"/>
               </a:ext>
             </a:extLst>
           </p:cNvPr>
@@ -14286,7 +15954,7 @@
           <p:cNvPr id="2" name="Group 1">
             <a:extLst>
               <a:ext uri="{FF2B5EF4-FFF2-40B4-BE49-F238E27FC236}">
-                <a16:creationId xmlns:a16="http://schemas.microsoft.com/office/drawing/2014/main" xmlns="" id="{1014FCD0-21EB-628F-6257-153596366AD3}"/>
+                <a16:creationId xmlns="" xmlns:a16="http://schemas.microsoft.com/office/drawing/2014/main" id="{0D0112AD-AB0A-FEB7-46DA-462329F16DB6}"/>
               </a:ext>
             </a:extLst>
           </p:cNvPr>
@@ -14309,7 +15977,7 @@
             <p:cNvPr id="5" name="TextBox 4">
               <a:extLst>
                 <a:ext uri="{FF2B5EF4-FFF2-40B4-BE49-F238E27FC236}">
-                  <a16:creationId xmlns:a16="http://schemas.microsoft.com/office/drawing/2014/main" xmlns="" id="{3A4B850F-806B-BBFF-1AF4-974F9A13EA87}"/>
+                  <a16:creationId xmlns="" xmlns:a16="http://schemas.microsoft.com/office/drawing/2014/main" id="{C9FA2A23-91A0-84C9-4153-A9CF1165A869}"/>
                 </a:ext>
               </a:extLst>
             </p:cNvPr>
@@ -14349,7 +16017,7 @@
             <p:cNvPr id="7" name="TextBox 6">
               <a:extLst>
                 <a:ext uri="{FF2B5EF4-FFF2-40B4-BE49-F238E27FC236}">
-                  <a16:creationId xmlns:a16="http://schemas.microsoft.com/office/drawing/2014/main" xmlns="" id="{A41B9311-EB0F-91C5-AE6F-9C882E10B2F6}"/>
+                  <a16:creationId xmlns="" xmlns:a16="http://schemas.microsoft.com/office/drawing/2014/main" id="{61AC8CE0-431A-86E3-F3A3-CE37478C7257}"/>
                 </a:ext>
               </a:extLst>
             </p:cNvPr>
@@ -14388,7 +16056,7 @@
       </p:grpSp>
       <p:sp>
         <p:nvSpPr>
-          <p:cNvPr id="16" name="Footer Placeholder 15"/>
+          <p:cNvPr id="18" name="Footer Placeholder 17"/>
           <p:cNvSpPr>
             <a:spLocks noGrp="1"/>
           </p:cNvSpPr>
@@ -14409,16 +16077,107 @@
           </a:p>
         </p:txBody>
       </p:sp>
+      <p:sp>
+        <p:nvSpPr>
+          <p:cNvPr id="11" name="Rectangle 10"/>
+          <p:cNvSpPr/>
+          <p:nvPr/>
+        </p:nvSpPr>
+        <p:spPr>
+          <a:xfrm>
+            <a:off x="3797026" y="1017968"/>
+            <a:ext cx="4697618" cy="369332"/>
+          </a:xfrm>
+          <a:prstGeom prst="rect">
+            <a:avLst/>
+          </a:prstGeom>
+        </p:spPr>
+        <p:txBody>
+          <a:bodyPr wrap="square">
+            <a:spAutoFit/>
+          </a:bodyPr>
+          <a:lstStyle/>
+          <a:p>
+            <a:r>
+              <a:rPr lang="en-US" b="1" dirty="0" smtClean="0">
+                <a:hlinkClick r:id="rId4"/>
+              </a:rPr>
+              <a:t>https://www.python.org/downloads/</a:t>
+            </a:r>
+            <a:endParaRPr lang="en-US" b="1" dirty="0"/>
+          </a:p>
+        </p:txBody>
+      </p:sp>
+      <p:sp>
+        <p:nvSpPr>
+          <p:cNvPr id="3074" name="AutoShape 2" descr="A blue screen with yellow text&#10;&#10;Description automatically generated"/>
+          <p:cNvSpPr>
+            <a:spLocks noChangeAspect="1" noChangeArrowheads="1"/>
+          </p:cNvSpPr>
+          <p:nvPr/>
+        </p:nvSpPr>
+        <p:spPr bwMode="auto">
+          <a:xfrm>
+            <a:off x="212725" y="-144463"/>
+            <a:ext cx="304800" cy="304801"/>
+          </a:xfrm>
+          <a:prstGeom prst="rect">
+            <a:avLst/>
+          </a:prstGeom>
+          <a:noFill/>
+        </p:spPr>
+        <p:txBody>
+          <a:bodyPr vert="horz" wrap="square" lIns="91440" tIns="45720" rIns="91440" bIns="45720" numCol="1" anchor="t" anchorCtr="0" compatLnSpc="1">
+            <a:prstTxWarp prst="textNoShape">
+              <a:avLst/>
+            </a:prstTxWarp>
+          </a:bodyPr>
+          <a:lstStyle/>
+          <a:p>
+            <a:endParaRPr lang="en-US"/>
+          </a:p>
+        </p:txBody>
+      </p:sp>
+      <p:sp>
+        <p:nvSpPr>
+          <p:cNvPr id="3076" name="AutoShape 4" descr="A blue screen with yellow text&#10;&#10;Description automatically generated"/>
+          <p:cNvSpPr>
+            <a:spLocks noChangeAspect="1" noChangeArrowheads="1"/>
+          </p:cNvSpPr>
+          <p:nvPr/>
+        </p:nvSpPr>
+        <p:spPr bwMode="auto">
+          <a:xfrm>
+            <a:off x="212725" y="-144463"/>
+            <a:ext cx="304800" cy="304801"/>
+          </a:xfrm>
+          <a:prstGeom prst="rect">
+            <a:avLst/>
+          </a:prstGeom>
+          <a:noFill/>
+        </p:spPr>
+        <p:txBody>
+          <a:bodyPr vert="horz" wrap="square" lIns="91440" tIns="45720" rIns="91440" bIns="45720" numCol="1" anchor="t" anchorCtr="0" compatLnSpc="1">
+            <a:prstTxWarp prst="textNoShape">
+              <a:avLst/>
+            </a:prstTxWarp>
+          </a:bodyPr>
+          <a:lstStyle/>
+          <a:p>
+            <a:endParaRPr lang="en-US"/>
+          </a:p>
+        </p:txBody>
+      </p:sp>
       <p:pic>
         <p:nvPicPr>
-          <p:cNvPr id="1026" name="Picture 2"/>
+          <p:cNvPr id="3077" name="Picture 5"/>
           <p:cNvPicPr>
             <a:picLocks noChangeAspect="1" noChangeArrowheads="1"/>
           </p:cNvPicPr>
           <p:nvPr/>
         </p:nvPicPr>
         <p:blipFill>
-          <a:blip r:embed="rId4"/>
+          <a:blip r:embed="rId5"/>
           <a:srcRect/>
           <a:stretch>
             <a:fillRect/>
@@ -14426,8 +16185,8 @@
         </p:blipFill>
         <p:spPr bwMode="auto">
           <a:xfrm>
-            <a:off x="450850" y="1217613"/>
-            <a:ext cx="11330333" cy="4878387"/>
+            <a:off x="250620" y="2054087"/>
+            <a:ext cx="5593590" cy="4134678"/>
           </a:xfrm>
           <a:prstGeom prst="rect">
             <a:avLst/>
@@ -14442,20 +16201,60 @@
           <a:effectLst/>
         </p:spPr>
       </p:pic>
+      <p:pic>
+        <p:nvPicPr>
+          <p:cNvPr id="3078" name="Picture 6"/>
+          <p:cNvPicPr>
+            <a:picLocks noChangeAspect="1" noChangeArrowheads="1"/>
+          </p:cNvPicPr>
+          <p:nvPr/>
+        </p:nvPicPr>
+        <p:blipFill>
+          <a:blip r:embed="rId6"/>
+          <a:srcRect/>
+          <a:stretch>
+            <a:fillRect/>
+          </a:stretch>
+        </p:blipFill>
+        <p:spPr bwMode="auto">
+          <a:xfrm>
+            <a:off x="6135757" y="1722781"/>
+            <a:ext cx="5857461" cy="4585254"/>
+          </a:xfrm>
+          <a:prstGeom prst="rect">
+            <a:avLst/>
+          </a:prstGeom>
+          <a:noFill/>
+          <a:ln w="9525">
+            <a:noFill/>
+            <a:miter lim="800000"/>
+            <a:headEnd/>
+            <a:tailEnd/>
+          </a:ln>
+          <a:effectLst/>
+        </p:spPr>
+      </p:pic>
     </p:spTree>
     <p:extLst>
       <p:ext uri="{BB962C8B-B14F-4D97-AF65-F5344CB8AC3E}">
-        <p14:creationId xmlns:p14="http://schemas.microsoft.com/office/powerpoint/2010/main" xmlns="" val="717232139"/>
+        <p14:creationId xmlns="" xmlns:p14="http://schemas.microsoft.com/office/powerpoint/2010/main" val="1062629819"/>
       </p:ext>
     </p:extLst>
   </p:cSld>
   <p:clrMapOvr>
     <a:masterClrMapping/>
   </p:clrMapOvr>
+  <p:timing>
+    <p:tnLst>
+      <p:par>
+        <p:cTn id="1" dur="indefinite" restart="never" nodeType="tmRoot"/>
+      </p:par>
+    </p:tnLst>
+  </p:timing>
 </p:sld>
 </file>
 
-<file path=ppt/slides/slide3.xml><?xml version="1.0" encoding="utf-8"?>
+<file path=ppt/slides/slide4.xml><?xml version="1.0" encoding="utf-8"?>
 <p:sld xmlns:a="http://schemas.openxmlformats.org/drawingml/2006/main" xmlns:r="http://schemas.openxmlformats.org/officeDocument/2006/relationships" xmlns:p="http://schemas.openxmlformats.org/presentationml/2006/main">
   <p:cSld>
     <p:spTree>
@@ -14463,7 +16262,7 @@
         <p:cNvPr id="1" name="">
           <a:extLst>
             <a:ext uri="{FF2B5EF4-FFF2-40B4-BE49-F238E27FC236}">
-              <a16:creationId xmlns:a16="http://schemas.microsoft.com/office/drawing/2014/main" xmlns="" id="{84808E20-0F1F-533A-B3E6-5B335EB405BC}"/>
+              <a16:creationId xmlns="" xmlns:a16="http://schemas.microsoft.com/office/drawing/2014/main" id="{84808E20-0F1F-533A-B3E6-5B335EB405BC}"/>
             </a:ext>
           </a:extLst>
         </p:cNvPr>
@@ -14483,7 +16282,7 @@
           <p:cNvPr id="3" name="Picture 2" descr="WhatsApp Image 2024-08-23 at 15.43.17">
             <a:extLst>
               <a:ext uri="{FF2B5EF4-FFF2-40B4-BE49-F238E27FC236}">
-                <a16:creationId xmlns:a16="http://schemas.microsoft.com/office/drawing/2014/main" xmlns="" id="{92479C09-0005-7CFF-38D5-4F524062CA0A}"/>
+                <a16:creationId xmlns="" xmlns:a16="http://schemas.microsoft.com/office/drawing/2014/main" id="{92479C09-0005-7CFF-38D5-4F524062CA0A}"/>
               </a:ext>
             </a:extLst>
           </p:cNvPr>
@@ -14513,7 +16312,7 @@
           <p:cNvPr id="13" name="Date Placeholder 12">
             <a:extLst>
               <a:ext uri="{FF2B5EF4-FFF2-40B4-BE49-F238E27FC236}">
-                <a16:creationId xmlns:a16="http://schemas.microsoft.com/office/drawing/2014/main" xmlns="" id="{AD30255A-D722-9278-6B86-CDC958DBCE76}"/>
+                <a16:creationId xmlns="" xmlns:a16="http://schemas.microsoft.com/office/drawing/2014/main" id="{AD30255A-D722-9278-6B86-CDC958DBCE76}"/>
               </a:ext>
             </a:extLst>
           </p:cNvPr>
@@ -14543,7 +16342,7 @@
           <p:cNvPr id="15" name="Slide Number Placeholder 14">
             <a:extLst>
               <a:ext uri="{FF2B5EF4-FFF2-40B4-BE49-F238E27FC236}">
-                <a16:creationId xmlns:a16="http://schemas.microsoft.com/office/drawing/2014/main" xmlns="" id="{1B162A4D-077F-7925-923D-1DF42476D28D}"/>
+                <a16:creationId xmlns="" xmlns:a16="http://schemas.microsoft.com/office/drawing/2014/main" id="{1B162A4D-077F-7925-923D-1DF42476D28D}"/>
               </a:ext>
             </a:extLst>
           </p:cNvPr>
@@ -14562,7 +16361,7 @@
             <a:fld id="{6EFE7C99-B088-4EBB-BFF6-BECCC96D5DD8}" type="slidenum">
               <a:rPr lang="en-US" smtClean="0"/>
               <a:pPr/>
-              <a:t>3</a:t>
+              <a:t>4</a:t>
             </a:fld>
             <a:endParaRPr lang="en-US"/>
           </a:p>
@@ -14573,7 +16372,7 @@
           <p:cNvPr id="10" name="TextBox 9">
             <a:extLst>
               <a:ext uri="{FF2B5EF4-FFF2-40B4-BE49-F238E27FC236}">
-                <a16:creationId xmlns:a16="http://schemas.microsoft.com/office/drawing/2014/main" xmlns="" id="{486B023D-D17B-9DDF-D346-3B74179C0858}"/>
+                <a16:creationId xmlns="" xmlns:a16="http://schemas.microsoft.com/office/drawing/2014/main" id="{486B023D-D17B-9DDF-D346-3B74179C0858}"/>
               </a:ext>
             </a:extLst>
           </p:cNvPr>
@@ -14614,7 +16413,7 @@
           <p:cNvPr id="2" name="Group 1">
             <a:extLst>
               <a:ext uri="{FF2B5EF4-FFF2-40B4-BE49-F238E27FC236}">
-                <a16:creationId xmlns:a16="http://schemas.microsoft.com/office/drawing/2014/main" xmlns="" id="{0D0112AD-AB0A-FEB7-46DA-462329F16DB6}"/>
+                <a16:creationId xmlns="" xmlns:a16="http://schemas.microsoft.com/office/drawing/2014/main" id="{0D0112AD-AB0A-FEB7-46DA-462329F16DB6}"/>
               </a:ext>
             </a:extLst>
           </p:cNvPr>
@@ -14637,7 +16436,7 @@
             <p:cNvPr id="5" name="TextBox 4">
               <a:extLst>
                 <a:ext uri="{FF2B5EF4-FFF2-40B4-BE49-F238E27FC236}">
-                  <a16:creationId xmlns:a16="http://schemas.microsoft.com/office/drawing/2014/main" xmlns="" id="{C9FA2A23-91A0-84C9-4153-A9CF1165A869}"/>
+                  <a16:creationId xmlns="" xmlns:a16="http://schemas.microsoft.com/office/drawing/2014/main" id="{C9FA2A23-91A0-84C9-4153-A9CF1165A869}"/>
                 </a:ext>
               </a:extLst>
             </p:cNvPr>
@@ -14677,7 +16476,7 @@
             <p:cNvPr id="7" name="TextBox 6">
               <a:extLst>
                 <a:ext uri="{FF2B5EF4-FFF2-40B4-BE49-F238E27FC236}">
-                  <a16:creationId xmlns:a16="http://schemas.microsoft.com/office/drawing/2014/main" xmlns="" id="{61AC8CE0-431A-86E3-F3A3-CE37478C7257}"/>
+                  <a16:creationId xmlns="" xmlns:a16="http://schemas.microsoft.com/office/drawing/2014/main" id="{61AC8CE0-431A-86E3-F3A3-CE37478C7257}"/>
                 </a:ext>
               </a:extLst>
             </p:cNvPr>
@@ -14707,7 +16506,7 @@
                     <a:schemeClr val="bg1"/>
                   </a:solidFill>
                 </a:rPr>
-                <a:t>Python Installation</a:t>
+                <a:t>Python Editors &amp; IDE​</a:t>
               </a:r>
               <a:endParaRPr lang="en-US" sz="2000" dirty="0"/>
             </a:p>
@@ -14739,37 +16538,6 @@
       </p:sp>
       <p:sp>
         <p:nvSpPr>
-          <p:cNvPr id="11" name="Rectangle 10"/>
-          <p:cNvSpPr/>
-          <p:nvPr/>
-        </p:nvSpPr>
-        <p:spPr>
-          <a:xfrm>
-            <a:off x="3797026" y="1017968"/>
-            <a:ext cx="4697618" cy="369332"/>
-          </a:xfrm>
-          <a:prstGeom prst="rect">
-            <a:avLst/>
-          </a:prstGeom>
-        </p:spPr>
-        <p:txBody>
-          <a:bodyPr wrap="square">
-            <a:spAutoFit/>
-          </a:bodyPr>
-          <a:lstStyle/>
-          <a:p>
-            <a:r>
-              <a:rPr lang="en-US" b="1" dirty="0" smtClean="0">
-                <a:hlinkClick r:id="rId4"/>
-              </a:rPr>
-              <a:t>https://www.python.org/downloads/</a:t>
-            </a:r>
-            <a:endParaRPr lang="en-US" b="1" dirty="0"/>
-          </a:p>
-        </p:txBody>
-      </p:sp>
-      <p:sp>
-        <p:nvSpPr>
           <p:cNvPr id="3074" name="AutoShape 2" descr="A blue screen with yellow text&#10;&#10;Description automatically generated"/>
           <p:cNvSpPr>
             <a:spLocks noChangeAspect="1" noChangeArrowheads="1"/>
@@ -14828,9 +16596,281 @@
           </a:p>
         </p:txBody>
       </p:sp>
+      <p:sp>
+        <p:nvSpPr>
+          <p:cNvPr id="17" name="Rectangle 16"/>
+          <p:cNvSpPr/>
+          <p:nvPr/>
+        </p:nvSpPr>
+        <p:spPr>
+          <a:xfrm>
+            <a:off x="5971607" y="3244334"/>
+            <a:ext cx="248786" cy="369332"/>
+          </a:xfrm>
+          <a:prstGeom prst="rect">
+            <a:avLst/>
+          </a:prstGeom>
+        </p:spPr>
+        <p:txBody>
+          <a:bodyPr wrap="none">
+            <a:spAutoFit/>
+          </a:bodyPr>
+          <a:lstStyle/>
+          <a:p>
+            <a:r>
+              <a:rPr lang="en-US" dirty="0" smtClean="0"/>
+              <a:t> </a:t>
+            </a:r>
+            <a:endParaRPr lang="en-US" dirty="0"/>
+          </a:p>
+        </p:txBody>
+      </p:sp>
+      <p:sp>
+        <p:nvSpPr>
+          <p:cNvPr id="20482" name="AutoShape 2" descr="PyCharm's top features. [Hidden] qualities of one of the most… | by Nicolò  Gasparini | Analytics Vidhya | Medium"/>
+          <p:cNvSpPr>
+            <a:spLocks noChangeAspect="1" noChangeArrowheads="1"/>
+          </p:cNvSpPr>
+          <p:nvPr/>
+        </p:nvSpPr>
+        <p:spPr bwMode="auto">
+          <a:xfrm>
+            <a:off x="212725" y="-144463"/>
+            <a:ext cx="304800" cy="304801"/>
+          </a:xfrm>
+          <a:prstGeom prst="rect">
+            <a:avLst/>
+          </a:prstGeom>
+          <a:noFill/>
+        </p:spPr>
+        <p:txBody>
+          <a:bodyPr vert="horz" wrap="square" lIns="91440" tIns="45720" rIns="91440" bIns="45720" numCol="1" anchor="t" anchorCtr="0" compatLnSpc="1">
+            <a:prstTxWarp prst="textNoShape">
+              <a:avLst/>
+            </a:prstTxWarp>
+          </a:bodyPr>
+          <a:lstStyle/>
+          <a:p>
+            <a:endParaRPr lang="en-US"/>
+          </a:p>
+        </p:txBody>
+      </p:sp>
+      <p:sp>
+        <p:nvSpPr>
+          <p:cNvPr id="20484" name="AutoShape 4" descr="PyCharm's top features. [Hidden] qualities of one of the most… | by Nicolò  Gasparini | Analytics Vidhya | Medium"/>
+          <p:cNvSpPr>
+            <a:spLocks noChangeAspect="1" noChangeArrowheads="1"/>
+          </p:cNvSpPr>
+          <p:nvPr/>
+        </p:nvSpPr>
+        <p:spPr bwMode="auto">
+          <a:xfrm>
+            <a:off x="212725" y="-144463"/>
+            <a:ext cx="304800" cy="304801"/>
+          </a:xfrm>
+          <a:prstGeom prst="rect">
+            <a:avLst/>
+          </a:prstGeom>
+          <a:noFill/>
+        </p:spPr>
+        <p:txBody>
+          <a:bodyPr vert="horz" wrap="square" lIns="91440" tIns="45720" rIns="91440" bIns="45720" numCol="1" anchor="t" anchorCtr="0" compatLnSpc="1">
+            <a:prstTxWarp prst="textNoShape">
+              <a:avLst/>
+            </a:prstTxWarp>
+          </a:bodyPr>
+          <a:lstStyle/>
+          <a:p>
+            <a:endParaRPr lang="en-US"/>
+          </a:p>
+        </p:txBody>
+      </p:sp>
+      <p:sp>
+        <p:nvSpPr>
+          <p:cNvPr id="20486" name="AutoShape 6" descr="PyCharm's top features. [Hidden] qualities of one of the most… | by Nicolò  Gasparini | Analytics Vidhya | Medium"/>
+          <p:cNvSpPr>
+            <a:spLocks noChangeAspect="1" noChangeArrowheads="1"/>
+          </p:cNvSpPr>
+          <p:nvPr/>
+        </p:nvSpPr>
+        <p:spPr bwMode="auto">
+          <a:xfrm>
+            <a:off x="212725" y="-144463"/>
+            <a:ext cx="304800" cy="304801"/>
+          </a:xfrm>
+          <a:prstGeom prst="rect">
+            <a:avLst/>
+          </a:prstGeom>
+          <a:noFill/>
+        </p:spPr>
+        <p:txBody>
+          <a:bodyPr vert="horz" wrap="square" lIns="91440" tIns="45720" rIns="91440" bIns="45720" numCol="1" anchor="t" anchorCtr="0" compatLnSpc="1">
+            <a:prstTxWarp prst="textNoShape">
+              <a:avLst/>
+            </a:prstTxWarp>
+          </a:bodyPr>
+          <a:lstStyle/>
+          <a:p>
+            <a:endParaRPr lang="en-US"/>
+          </a:p>
+        </p:txBody>
+      </p:sp>
+      <p:sp>
+        <p:nvSpPr>
+          <p:cNvPr id="20490" name="AutoShape 10" descr="Top 5 Best Python IDE to use in 2024 ..."/>
+          <p:cNvSpPr>
+            <a:spLocks noChangeAspect="1" noChangeArrowheads="1"/>
+          </p:cNvSpPr>
+          <p:nvPr/>
+        </p:nvSpPr>
+        <p:spPr bwMode="auto">
+          <a:xfrm>
+            <a:off x="155575" y="-144463"/>
+            <a:ext cx="304800" cy="304801"/>
+          </a:xfrm>
+          <a:prstGeom prst="rect">
+            <a:avLst/>
+          </a:prstGeom>
+          <a:noFill/>
+        </p:spPr>
+        <p:txBody>
+          <a:bodyPr vert="horz" wrap="square" lIns="91440" tIns="45720" rIns="91440" bIns="45720" numCol="1" anchor="t" anchorCtr="0" compatLnSpc="1">
+            <a:prstTxWarp prst="textNoShape">
+              <a:avLst/>
+            </a:prstTxWarp>
+          </a:bodyPr>
+          <a:lstStyle/>
+          <a:p>
+            <a:endParaRPr lang="en-US"/>
+          </a:p>
+        </p:txBody>
+      </p:sp>
+      <p:sp>
+        <p:nvSpPr>
+          <p:cNvPr id="20492" name="AutoShape 12" descr="Top 5 Best Python IDE to use in 2024 | Keploy Blog"/>
+          <p:cNvSpPr>
+            <a:spLocks noChangeAspect="1" noChangeArrowheads="1"/>
+          </p:cNvSpPr>
+          <p:nvPr/>
+        </p:nvSpPr>
+        <p:spPr bwMode="auto">
+          <a:xfrm>
+            <a:off x="155575" y="-144463"/>
+            <a:ext cx="304800" cy="304801"/>
+          </a:xfrm>
+          <a:prstGeom prst="rect">
+            <a:avLst/>
+          </a:prstGeom>
+          <a:noFill/>
+        </p:spPr>
+        <p:txBody>
+          <a:bodyPr vert="horz" wrap="square" lIns="91440" tIns="45720" rIns="91440" bIns="45720" numCol="1" anchor="t" anchorCtr="0" compatLnSpc="1">
+            <a:prstTxWarp prst="textNoShape">
+              <a:avLst/>
+            </a:prstTxWarp>
+          </a:bodyPr>
+          <a:lstStyle/>
+          <a:p>
+            <a:endParaRPr lang="en-US"/>
+          </a:p>
+        </p:txBody>
+      </p:sp>
+      <p:sp>
+        <p:nvSpPr>
+          <p:cNvPr id="20494" name="AutoShape 14" descr="Top 5 Best Python IDE to use in 2024 | Keploy Blog"/>
+          <p:cNvSpPr>
+            <a:spLocks noChangeAspect="1" noChangeArrowheads="1"/>
+          </p:cNvSpPr>
+          <p:nvPr/>
+        </p:nvSpPr>
+        <p:spPr bwMode="auto">
+          <a:xfrm>
+            <a:off x="155575" y="-144463"/>
+            <a:ext cx="304800" cy="304801"/>
+          </a:xfrm>
+          <a:prstGeom prst="rect">
+            <a:avLst/>
+          </a:prstGeom>
+          <a:noFill/>
+        </p:spPr>
+        <p:txBody>
+          <a:bodyPr vert="horz" wrap="square" lIns="91440" tIns="45720" rIns="91440" bIns="45720" numCol="1" anchor="t" anchorCtr="0" compatLnSpc="1">
+            <a:prstTxWarp prst="textNoShape">
+              <a:avLst/>
+            </a:prstTxWarp>
+          </a:bodyPr>
+          <a:lstStyle/>
+          <a:p>
+            <a:endParaRPr lang="en-US"/>
+          </a:p>
+        </p:txBody>
+      </p:sp>
+      <p:sp>
+        <p:nvSpPr>
+          <p:cNvPr id="20496" name="AutoShape 16" descr="https://wp.keploy.io/wp-content/uploads/2024/10/PyCharm.webp"/>
+          <p:cNvSpPr>
+            <a:spLocks noChangeAspect="1" noChangeArrowheads="1"/>
+          </p:cNvSpPr>
+          <p:nvPr/>
+        </p:nvSpPr>
+        <p:spPr bwMode="auto">
+          <a:xfrm>
+            <a:off x="155575" y="-144463"/>
+            <a:ext cx="304800" cy="304801"/>
+          </a:xfrm>
+          <a:prstGeom prst="rect">
+            <a:avLst/>
+          </a:prstGeom>
+          <a:noFill/>
+        </p:spPr>
+        <p:txBody>
+          <a:bodyPr vert="horz" wrap="square" lIns="91440" tIns="45720" rIns="91440" bIns="45720" numCol="1" anchor="t" anchorCtr="0" compatLnSpc="1">
+            <a:prstTxWarp prst="textNoShape">
+              <a:avLst/>
+            </a:prstTxWarp>
+          </a:bodyPr>
+          <a:lstStyle/>
+          <a:p>
+            <a:endParaRPr lang="en-US"/>
+          </a:p>
+        </p:txBody>
+      </p:sp>
       <p:pic>
         <p:nvPicPr>
-          <p:cNvPr id="3077" name="Picture 5"/>
+          <p:cNvPr id="20497" name="Picture 17"/>
+          <p:cNvPicPr>
+            <a:picLocks noChangeAspect="1" noChangeArrowheads="1"/>
+          </p:cNvPicPr>
+          <p:nvPr/>
+        </p:nvPicPr>
+        <p:blipFill>
+          <a:blip r:embed="rId4" cstate="print"/>
+          <a:srcRect/>
+          <a:stretch>
+            <a:fillRect/>
+          </a:stretch>
+        </p:blipFill>
+        <p:spPr bwMode="auto">
+          <a:xfrm>
+            <a:off x="1465263" y="1603512"/>
+            <a:ext cx="3623571" cy="982683"/>
+          </a:xfrm>
+          <a:prstGeom prst="rect">
+            <a:avLst/>
+          </a:prstGeom>
+          <a:noFill/>
+          <a:ln w="9525">
+            <a:noFill/>
+            <a:miter lim="800000"/>
+            <a:headEnd/>
+            <a:tailEnd/>
+          </a:ln>
+          <a:effectLst/>
+        </p:spPr>
+      </p:pic>
+      <p:pic>
+        <p:nvPicPr>
+          <p:cNvPr id="20501" name="Picture 21" descr="Spyder - DESOSA 2020"/>
           <p:cNvPicPr>
             <a:picLocks noChangeAspect="1" noChangeArrowheads="1"/>
           </p:cNvPicPr>
@@ -14845,25 +16885,78 @@
         </p:blipFill>
         <p:spPr bwMode="auto">
           <a:xfrm>
-            <a:off x="250620" y="2054087"/>
-            <a:ext cx="5593590" cy="4134678"/>
+            <a:off x="1219200" y="2925160"/>
+            <a:ext cx="4306957" cy="2627262"/>
           </a:xfrm>
           <a:prstGeom prst="rect">
             <a:avLst/>
           </a:prstGeom>
           <a:noFill/>
-          <a:ln w="9525">
-            <a:noFill/>
-            <a:miter lim="800000"/>
-            <a:headEnd/>
-            <a:tailEnd/>
-          </a:ln>
-          <a:effectLst/>
         </p:spPr>
       </p:pic>
+      <p:sp>
+        <p:nvSpPr>
+          <p:cNvPr id="20503" name="AutoShape 23" descr="Thonny Python Editor gets major 4.0.0 ..."/>
+          <p:cNvSpPr>
+            <a:spLocks noChangeAspect="1" noChangeArrowheads="1"/>
+          </p:cNvSpPr>
+          <p:nvPr/>
+        </p:nvSpPr>
+        <p:spPr bwMode="auto">
+          <a:xfrm>
+            <a:off x="155575" y="-144463"/>
+            <a:ext cx="304800" cy="304801"/>
+          </a:xfrm>
+          <a:prstGeom prst="rect">
+            <a:avLst/>
+          </a:prstGeom>
+          <a:noFill/>
+        </p:spPr>
+        <p:txBody>
+          <a:bodyPr vert="horz" wrap="square" lIns="91440" tIns="45720" rIns="91440" bIns="45720" numCol="1" anchor="t" anchorCtr="0" compatLnSpc="1">
+            <a:prstTxWarp prst="textNoShape">
+              <a:avLst/>
+            </a:prstTxWarp>
+          </a:bodyPr>
+          <a:lstStyle/>
+          <a:p>
+            <a:endParaRPr lang="en-US"/>
+          </a:p>
+        </p:txBody>
+      </p:sp>
+      <p:sp>
+        <p:nvSpPr>
+          <p:cNvPr id="20505" name="AutoShape 25" descr="Thonny Python Editor gets major 4.0.0 ..."/>
+          <p:cNvSpPr>
+            <a:spLocks noChangeAspect="1" noChangeArrowheads="1"/>
+          </p:cNvSpPr>
+          <p:nvPr/>
+        </p:nvSpPr>
+        <p:spPr bwMode="auto">
+          <a:xfrm>
+            <a:off x="155575" y="-144463"/>
+            <a:ext cx="304800" cy="304801"/>
+          </a:xfrm>
+          <a:prstGeom prst="rect">
+            <a:avLst/>
+          </a:prstGeom>
+          <a:noFill/>
+        </p:spPr>
+        <p:txBody>
+          <a:bodyPr vert="horz" wrap="square" lIns="91440" tIns="45720" rIns="91440" bIns="45720" numCol="1" anchor="t" anchorCtr="0" compatLnSpc="1">
+            <a:prstTxWarp prst="textNoShape">
+              <a:avLst/>
+            </a:prstTxWarp>
+          </a:bodyPr>
+          <a:lstStyle/>
+          <a:p>
+            <a:endParaRPr lang="en-US"/>
+          </a:p>
+        </p:txBody>
+      </p:sp>
       <p:pic>
         <p:nvPicPr>
-          <p:cNvPr id="3078" name="Picture 6"/>
+          <p:cNvPr id="20507" name="Picture 27" descr="Thonny Python Editor gets major 4.0.0 Beta Release #Python #MicroPython «  Adafruit Industries – Makers, hackers, artists, designers and engineers!"/>
           <p:cNvPicPr>
             <a:picLocks noChangeAspect="1" noChangeArrowheads="1"/>
           </p:cNvPicPr>
@@ -14878,26 +16971,45 @@
         </p:blipFill>
         <p:spPr bwMode="auto">
           <a:xfrm>
-            <a:off x="6135757" y="1722781"/>
-            <a:ext cx="5857461" cy="4585254"/>
+            <a:off x="6702149" y="1014136"/>
+            <a:ext cx="4638675" cy="2638426"/>
           </a:xfrm>
           <a:prstGeom prst="rect">
             <a:avLst/>
           </a:prstGeom>
           <a:noFill/>
-          <a:ln w="9525">
-            <a:noFill/>
-            <a:miter lim="800000"/>
-            <a:headEnd/>
-            <a:tailEnd/>
-          </a:ln>
-          <a:effectLst/>
+        </p:spPr>
+      </p:pic>
+      <p:pic>
+        <p:nvPicPr>
+          <p:cNvPr id="20509" name="Picture 29" descr="Visual Studio Code brand resources: accessing high-guality vector logo SVG,  brand colors, and more."/>
+          <p:cNvPicPr>
+            <a:picLocks noChangeAspect="1" noChangeArrowheads="1"/>
+          </p:cNvPicPr>
+          <p:nvPr/>
+        </p:nvPicPr>
+        <p:blipFill>
+          <a:blip r:embed="rId7"/>
+          <a:srcRect/>
+          <a:stretch>
+            <a:fillRect/>
+          </a:stretch>
+        </p:blipFill>
+        <p:spPr bwMode="auto">
+          <a:xfrm>
+            <a:off x="8318914" y="3955428"/>
+            <a:ext cx="2533650" cy="1809751"/>
+          </a:xfrm>
+          <a:prstGeom prst="rect">
+            <a:avLst/>
+          </a:prstGeom>
+          <a:noFill/>
         </p:spPr>
       </p:pic>
     </p:spTree>
     <p:extLst>
       <p:ext uri="{BB962C8B-B14F-4D97-AF65-F5344CB8AC3E}">
-        <p14:creationId xmlns:p14="http://schemas.microsoft.com/office/powerpoint/2010/main" xmlns="" val="1062629819"/>
+        <p14:creationId xmlns="" xmlns:p14="http://schemas.microsoft.com/office/powerpoint/2010/main" val="1062629819"/>
       </p:ext>
     </p:extLst>
   </p:cSld>
@@ -14914,7 +17026,7 @@
 </p:sld>
 </file>
 
-<file path=ppt/slides/slide4.xml><?xml version="1.0" encoding="utf-8"?>
+<file path=ppt/slides/slide5.xml><?xml version="1.0" encoding="utf-8"?>
 <p:sld xmlns:a="http://schemas.openxmlformats.org/drawingml/2006/main" xmlns:r="http://schemas.openxmlformats.org/officeDocument/2006/relationships" xmlns:p="http://schemas.openxmlformats.org/presentationml/2006/main">
   <p:cSld>
     <p:spTree>
@@ -14922,7 +17034,7 @@
         <p:cNvPr id="1" name="">
           <a:extLst>
             <a:ext uri="{FF2B5EF4-FFF2-40B4-BE49-F238E27FC236}">
-              <a16:creationId xmlns:a16="http://schemas.microsoft.com/office/drawing/2014/main" xmlns="" id="{84808E20-0F1F-533A-B3E6-5B335EB405BC}"/>
+              <a16:creationId xmlns="" xmlns:a16="http://schemas.microsoft.com/office/drawing/2014/main" id="{84808E20-0F1F-533A-B3E6-5B335EB405BC}"/>
             </a:ext>
           </a:extLst>
         </p:cNvPr>
@@ -14942,7 +17054,7 @@
           <p:cNvPr id="3" name="Picture 2" descr="WhatsApp Image 2024-08-23 at 15.43.17">
             <a:extLst>
               <a:ext uri="{FF2B5EF4-FFF2-40B4-BE49-F238E27FC236}">
-                <a16:creationId xmlns:a16="http://schemas.microsoft.com/office/drawing/2014/main" xmlns="" id="{92479C09-0005-7CFF-38D5-4F524062CA0A}"/>
+                <a16:creationId xmlns="" xmlns:a16="http://schemas.microsoft.com/office/drawing/2014/main" id="{92479C09-0005-7CFF-38D5-4F524062CA0A}"/>
               </a:ext>
             </a:extLst>
           </p:cNvPr>
@@ -14972,7 +17084,7 @@
           <p:cNvPr id="13" name="Date Placeholder 12">
             <a:extLst>
               <a:ext uri="{FF2B5EF4-FFF2-40B4-BE49-F238E27FC236}">
-                <a16:creationId xmlns:a16="http://schemas.microsoft.com/office/drawing/2014/main" xmlns="" id="{AD30255A-D722-9278-6B86-CDC958DBCE76}"/>
+                <a16:creationId xmlns="" xmlns:a16="http://schemas.microsoft.com/office/drawing/2014/main" id="{AD30255A-D722-9278-6B86-CDC958DBCE76}"/>
               </a:ext>
             </a:extLst>
           </p:cNvPr>
@@ -15002,7 +17114,7 @@
           <p:cNvPr id="15" name="Slide Number Placeholder 14">
             <a:extLst>
               <a:ext uri="{FF2B5EF4-FFF2-40B4-BE49-F238E27FC236}">
-                <a16:creationId xmlns:a16="http://schemas.microsoft.com/office/drawing/2014/main" xmlns="" id="{1B162A4D-077F-7925-923D-1DF42476D28D}"/>
+                <a16:creationId xmlns="" xmlns:a16="http://schemas.microsoft.com/office/drawing/2014/main" id="{1B162A4D-077F-7925-923D-1DF42476D28D}"/>
               </a:ext>
             </a:extLst>
           </p:cNvPr>
@@ -15021,7 +17133,7 @@
             <a:fld id="{6EFE7C99-B088-4EBB-BFF6-BECCC96D5DD8}" type="slidenum">
               <a:rPr lang="en-US" smtClean="0"/>
               <a:pPr/>
-              <a:t>4</a:t>
+              <a:t>5</a:t>
             </a:fld>
             <a:endParaRPr lang="en-US"/>
           </a:p>
@@ -15032,7 +17144,7 @@
           <p:cNvPr id="10" name="TextBox 9">
             <a:extLst>
               <a:ext uri="{FF2B5EF4-FFF2-40B4-BE49-F238E27FC236}">
-                <a16:creationId xmlns:a16="http://schemas.microsoft.com/office/drawing/2014/main" xmlns="" id="{486B023D-D17B-9DDF-D346-3B74179C0858}"/>
+                <a16:creationId xmlns="" xmlns:a16="http://schemas.microsoft.com/office/drawing/2014/main" id="{486B023D-D17B-9DDF-D346-3B74179C0858}"/>
               </a:ext>
             </a:extLst>
           </p:cNvPr>
@@ -15073,7 +17185,7 @@
           <p:cNvPr id="2" name="Group 1">
             <a:extLst>
               <a:ext uri="{FF2B5EF4-FFF2-40B4-BE49-F238E27FC236}">
-                <a16:creationId xmlns:a16="http://schemas.microsoft.com/office/drawing/2014/main" xmlns="" id="{0D0112AD-AB0A-FEB7-46DA-462329F16DB6}"/>
+                <a16:creationId xmlns="" xmlns:a16="http://schemas.microsoft.com/office/drawing/2014/main" id="{0D0112AD-AB0A-FEB7-46DA-462329F16DB6}"/>
               </a:ext>
             </a:extLst>
           </p:cNvPr>
@@ -15096,7 +17208,7 @@
             <p:cNvPr id="5" name="TextBox 4">
               <a:extLst>
                 <a:ext uri="{FF2B5EF4-FFF2-40B4-BE49-F238E27FC236}">
-                  <a16:creationId xmlns:a16="http://schemas.microsoft.com/office/drawing/2014/main" xmlns="" id="{C9FA2A23-91A0-84C9-4153-A9CF1165A869}"/>
+                  <a16:creationId xmlns="" xmlns:a16="http://schemas.microsoft.com/office/drawing/2014/main" id="{C9FA2A23-91A0-84C9-4153-A9CF1165A869}"/>
                 </a:ext>
               </a:extLst>
             </p:cNvPr>
@@ -15136,7 +17248,7 @@
             <p:cNvPr id="7" name="TextBox 6">
               <a:extLst>
                 <a:ext uri="{FF2B5EF4-FFF2-40B4-BE49-F238E27FC236}">
-                  <a16:creationId xmlns:a16="http://schemas.microsoft.com/office/drawing/2014/main" xmlns="" id="{61AC8CE0-431A-86E3-F3A3-CE37478C7257}"/>
+                  <a16:creationId xmlns="" xmlns:a16="http://schemas.microsoft.com/office/drawing/2014/main" id="{61AC8CE0-431A-86E3-F3A3-CE37478C7257}"/>
                 </a:ext>
               </a:extLst>
             </p:cNvPr>
@@ -15166,7 +17278,7 @@
                     <a:schemeClr val="bg1"/>
                   </a:solidFill>
                 </a:rPr>
-                <a:t>Python Editors &amp; IDE​</a:t>
+                <a:t>VS Code Installation​</a:t>
               </a:r>
               <a:endParaRPr lang="en-US" sz="2000" dirty="0"/>
             </a:p>
@@ -15495,42 +17607,100 @@
           </a:p>
         </p:txBody>
       </p:sp>
+      <p:sp>
+        <p:nvSpPr>
+          <p:cNvPr id="20503" name="AutoShape 23" descr="Thonny Python Editor gets major 4.0.0 ..."/>
+          <p:cNvSpPr>
+            <a:spLocks noChangeAspect="1" noChangeArrowheads="1"/>
+          </p:cNvSpPr>
+          <p:nvPr/>
+        </p:nvSpPr>
+        <p:spPr bwMode="auto">
+          <a:xfrm>
+            <a:off x="155575" y="-144463"/>
+            <a:ext cx="304800" cy="304801"/>
+          </a:xfrm>
+          <a:prstGeom prst="rect">
+            <a:avLst/>
+          </a:prstGeom>
+          <a:noFill/>
+        </p:spPr>
+        <p:txBody>
+          <a:bodyPr vert="horz" wrap="square" lIns="91440" tIns="45720" rIns="91440" bIns="45720" numCol="1" anchor="t" anchorCtr="0" compatLnSpc="1">
+            <a:prstTxWarp prst="textNoShape">
+              <a:avLst/>
+            </a:prstTxWarp>
+          </a:bodyPr>
+          <a:lstStyle/>
+          <a:p>
+            <a:endParaRPr lang="en-US"/>
+          </a:p>
+        </p:txBody>
+      </p:sp>
+      <p:sp>
+        <p:nvSpPr>
+          <p:cNvPr id="20505" name="AutoShape 25" descr="Thonny Python Editor gets major 4.0.0 ..."/>
+          <p:cNvSpPr>
+            <a:spLocks noChangeAspect="1" noChangeArrowheads="1"/>
+          </p:cNvSpPr>
+          <p:nvPr/>
+        </p:nvSpPr>
+        <p:spPr bwMode="auto">
+          <a:xfrm>
+            <a:off x="155575" y="-144463"/>
+            <a:ext cx="304800" cy="304801"/>
+          </a:xfrm>
+          <a:prstGeom prst="rect">
+            <a:avLst/>
+          </a:prstGeom>
+          <a:noFill/>
+        </p:spPr>
+        <p:txBody>
+          <a:bodyPr vert="horz" wrap="square" lIns="91440" tIns="45720" rIns="91440" bIns="45720" numCol="1" anchor="t" anchorCtr="0" compatLnSpc="1">
+            <a:prstTxWarp prst="textNoShape">
+              <a:avLst/>
+            </a:prstTxWarp>
+          </a:bodyPr>
+          <a:lstStyle/>
+          <a:p>
+            <a:endParaRPr lang="en-US"/>
+          </a:p>
+        </p:txBody>
+      </p:sp>
+      <p:sp>
+        <p:nvSpPr>
+          <p:cNvPr id="26" name="Rectangle 25"/>
+          <p:cNvSpPr/>
+          <p:nvPr/>
+        </p:nvSpPr>
+        <p:spPr>
+          <a:xfrm>
+            <a:off x="630655" y="1799847"/>
+            <a:ext cx="4583306" cy="369332"/>
+          </a:xfrm>
+          <a:prstGeom prst="rect">
+            <a:avLst/>
+          </a:prstGeom>
+        </p:spPr>
+        <p:txBody>
+          <a:bodyPr wrap="none">
+            <a:spAutoFit/>
+          </a:bodyPr>
+          <a:lstStyle/>
+          <a:p>
+            <a:r>
+              <a:rPr lang="en-US" b="1" u="sng" dirty="0" smtClean="0">
+                <a:hlinkClick r:id="rId4"/>
+              </a:rPr>
+              <a:t>https://code.visualstudio.com/download</a:t>
+            </a:r>
+            <a:endParaRPr lang="en-US" b="1" dirty="0"/>
+          </a:p>
+        </p:txBody>
+      </p:sp>
       <p:pic>
         <p:nvPicPr>
-          <p:cNvPr id="20497" name="Picture 17"/>
-          <p:cNvPicPr>
-            <a:picLocks noChangeAspect="1" noChangeArrowheads="1"/>
-          </p:cNvPicPr>
-          <p:nvPr/>
-        </p:nvPicPr>
-        <p:blipFill>
-          <a:blip r:embed="rId4" cstate="print"/>
-          <a:srcRect/>
-          <a:stretch>
-            <a:fillRect/>
-          </a:stretch>
-        </p:blipFill>
-        <p:spPr bwMode="auto">
-          <a:xfrm>
-            <a:off x="1465263" y="1603512"/>
-            <a:ext cx="3623571" cy="982683"/>
-          </a:xfrm>
-          <a:prstGeom prst="rect">
-            <a:avLst/>
-          </a:prstGeom>
-          <a:noFill/>
-          <a:ln w="9525">
-            <a:noFill/>
-            <a:miter lim="800000"/>
-            <a:headEnd/>
-            <a:tailEnd/>
-          </a:ln>
-          <a:effectLst/>
-        </p:spPr>
-      </p:pic>
-      <p:pic>
-        <p:nvPicPr>
-          <p:cNvPr id="20501" name="Picture 21" descr="Spyder - DESOSA 2020"/>
+          <p:cNvPr id="22530" name="Picture 2"/>
           <p:cNvPicPr>
             <a:picLocks noChangeAspect="1" noChangeArrowheads="1"/>
           </p:cNvPicPr>
@@ -15545,131 +17715,26 @@
         </p:blipFill>
         <p:spPr bwMode="auto">
           <a:xfrm>
-            <a:off x="1219200" y="2925160"/>
-            <a:ext cx="4306957" cy="2627262"/>
+            <a:off x="1672662" y="2160104"/>
+            <a:ext cx="9578434" cy="4280935"/>
           </a:xfrm>
           <a:prstGeom prst="rect">
             <a:avLst/>
           </a:prstGeom>
           <a:noFill/>
-        </p:spPr>
-      </p:pic>
-      <p:sp>
-        <p:nvSpPr>
-          <p:cNvPr id="20503" name="AutoShape 23" descr="Thonny Python Editor gets major 4.0.0 ..."/>
-          <p:cNvSpPr>
-            <a:spLocks noChangeAspect="1" noChangeArrowheads="1"/>
-          </p:cNvSpPr>
-          <p:nvPr/>
-        </p:nvSpPr>
-        <p:spPr bwMode="auto">
-          <a:xfrm>
-            <a:off x="155575" y="-144463"/>
-            <a:ext cx="304800" cy="304801"/>
-          </a:xfrm>
-          <a:prstGeom prst="rect">
-            <a:avLst/>
-          </a:prstGeom>
-          <a:noFill/>
-        </p:spPr>
-        <p:txBody>
-          <a:bodyPr vert="horz" wrap="square" lIns="91440" tIns="45720" rIns="91440" bIns="45720" numCol="1" anchor="t" anchorCtr="0" compatLnSpc="1">
-            <a:prstTxWarp prst="textNoShape">
-              <a:avLst/>
-            </a:prstTxWarp>
-          </a:bodyPr>
-          <a:lstStyle/>
-          <a:p>
-            <a:endParaRPr lang="en-US"/>
-          </a:p>
-        </p:txBody>
-      </p:sp>
-      <p:sp>
-        <p:nvSpPr>
-          <p:cNvPr id="20505" name="AutoShape 25" descr="Thonny Python Editor gets major 4.0.0 ..."/>
-          <p:cNvSpPr>
-            <a:spLocks noChangeAspect="1" noChangeArrowheads="1"/>
-          </p:cNvSpPr>
-          <p:nvPr/>
-        </p:nvSpPr>
-        <p:spPr bwMode="auto">
-          <a:xfrm>
-            <a:off x="155575" y="-144463"/>
-            <a:ext cx="304800" cy="304801"/>
-          </a:xfrm>
-          <a:prstGeom prst="rect">
-            <a:avLst/>
-          </a:prstGeom>
-          <a:noFill/>
-        </p:spPr>
-        <p:txBody>
-          <a:bodyPr vert="horz" wrap="square" lIns="91440" tIns="45720" rIns="91440" bIns="45720" numCol="1" anchor="t" anchorCtr="0" compatLnSpc="1">
-            <a:prstTxWarp prst="textNoShape">
-              <a:avLst/>
-            </a:prstTxWarp>
-          </a:bodyPr>
-          <a:lstStyle/>
-          <a:p>
-            <a:endParaRPr lang="en-US"/>
-          </a:p>
-        </p:txBody>
-      </p:sp>
-      <p:pic>
-        <p:nvPicPr>
-          <p:cNvPr id="20507" name="Picture 27" descr="Thonny Python Editor gets major 4.0.0 Beta Release #Python #MicroPython «  Adafruit Industries – Makers, hackers, artists, designers and engineers!"/>
-          <p:cNvPicPr>
-            <a:picLocks noChangeAspect="1" noChangeArrowheads="1"/>
-          </p:cNvPicPr>
-          <p:nvPr/>
-        </p:nvPicPr>
-        <p:blipFill>
-          <a:blip r:embed="rId6"/>
-          <a:srcRect/>
-          <a:stretch>
-            <a:fillRect/>
-          </a:stretch>
-        </p:blipFill>
-        <p:spPr bwMode="auto">
-          <a:xfrm>
-            <a:off x="6702149" y="1014136"/>
-            <a:ext cx="4638675" cy="2638426"/>
-          </a:xfrm>
-          <a:prstGeom prst="rect">
-            <a:avLst/>
-          </a:prstGeom>
-          <a:noFill/>
-        </p:spPr>
-      </p:pic>
-      <p:pic>
-        <p:nvPicPr>
-          <p:cNvPr id="20509" name="Picture 29" descr="Visual Studio Code brand resources: accessing high-guality vector logo SVG,  brand colors, and more."/>
-          <p:cNvPicPr>
-            <a:picLocks noChangeAspect="1" noChangeArrowheads="1"/>
-          </p:cNvPicPr>
-          <p:nvPr/>
-        </p:nvPicPr>
-        <p:blipFill>
-          <a:blip r:embed="rId7"/>
-          <a:srcRect/>
-          <a:stretch>
-            <a:fillRect/>
-          </a:stretch>
-        </p:blipFill>
-        <p:spPr bwMode="auto">
-          <a:xfrm>
-            <a:off x="8318914" y="3955428"/>
-            <a:ext cx="2533650" cy="1809751"/>
-          </a:xfrm>
-          <a:prstGeom prst="rect">
-            <a:avLst/>
-          </a:prstGeom>
-          <a:noFill/>
+          <a:ln w="9525">
+            <a:noFill/>
+            <a:miter lim="800000"/>
+            <a:headEnd/>
+            <a:tailEnd/>
+          </a:ln>
+          <a:effectLst/>
         </p:spPr>
       </p:pic>
     </p:spTree>
     <p:extLst>
       <p:ext uri="{BB962C8B-B14F-4D97-AF65-F5344CB8AC3E}">
-        <p14:creationId xmlns:p14="http://schemas.microsoft.com/office/powerpoint/2010/main" xmlns="" val="1062629819"/>
+        <p14:creationId xmlns="" xmlns:p14="http://schemas.microsoft.com/office/powerpoint/2010/main" val="1062629819"/>
       </p:ext>
     </p:extLst>
   </p:cSld>
@@ -15686,7 +17751,7 @@
 </p:sld>
 </file>
 
-<file path=ppt/slides/slide5.xml><?xml version="1.0" encoding="utf-8"?>
+<file path=ppt/slides/slide6.xml><?xml version="1.0" encoding="utf-8"?>
 <p:sld xmlns:a="http://schemas.openxmlformats.org/drawingml/2006/main" xmlns:r="http://schemas.openxmlformats.org/officeDocument/2006/relationships" xmlns:p="http://schemas.openxmlformats.org/presentationml/2006/main">
   <p:cSld>
     <p:spTree>
@@ -15694,7 +17759,7 @@
         <p:cNvPr id="1" name="">
           <a:extLst>
             <a:ext uri="{FF2B5EF4-FFF2-40B4-BE49-F238E27FC236}">
-              <a16:creationId xmlns:a16="http://schemas.microsoft.com/office/drawing/2014/main" xmlns="" id="{84808E20-0F1F-533A-B3E6-5B335EB405BC}"/>
+              <a16:creationId xmlns="" xmlns:a16="http://schemas.microsoft.com/office/drawing/2014/main" id="{84808E20-0F1F-533A-B3E6-5B335EB405BC}"/>
             </a:ext>
           </a:extLst>
         </p:cNvPr>
@@ -15714,7 +17779,7 @@
           <p:cNvPr id="3" name="Picture 2" descr="WhatsApp Image 2024-08-23 at 15.43.17">
             <a:extLst>
               <a:ext uri="{FF2B5EF4-FFF2-40B4-BE49-F238E27FC236}">
-                <a16:creationId xmlns:a16="http://schemas.microsoft.com/office/drawing/2014/main" xmlns="" id="{92479C09-0005-7CFF-38D5-4F524062CA0A}"/>
+                <a16:creationId xmlns="" xmlns:a16="http://schemas.microsoft.com/office/drawing/2014/main" id="{92479C09-0005-7CFF-38D5-4F524062CA0A}"/>
               </a:ext>
             </a:extLst>
           </p:cNvPr>
@@ -15744,7 +17809,7 @@
           <p:cNvPr id="13" name="Date Placeholder 12">
             <a:extLst>
               <a:ext uri="{FF2B5EF4-FFF2-40B4-BE49-F238E27FC236}">
-                <a16:creationId xmlns:a16="http://schemas.microsoft.com/office/drawing/2014/main" xmlns="" id="{AD30255A-D722-9278-6B86-CDC958DBCE76}"/>
+                <a16:creationId xmlns="" xmlns:a16="http://schemas.microsoft.com/office/drawing/2014/main" id="{AD30255A-D722-9278-6B86-CDC958DBCE76}"/>
               </a:ext>
             </a:extLst>
           </p:cNvPr>
@@ -15774,7 +17839,7 @@
           <p:cNvPr id="15" name="Slide Number Placeholder 14">
             <a:extLst>
               <a:ext uri="{FF2B5EF4-FFF2-40B4-BE49-F238E27FC236}">
-                <a16:creationId xmlns:a16="http://schemas.microsoft.com/office/drawing/2014/main" xmlns="" id="{1B162A4D-077F-7925-923D-1DF42476D28D}"/>
+                <a16:creationId xmlns="" xmlns:a16="http://schemas.microsoft.com/office/drawing/2014/main" id="{1B162A4D-077F-7925-923D-1DF42476D28D}"/>
               </a:ext>
             </a:extLst>
           </p:cNvPr>
@@ -15793,7 +17858,7 @@
             <a:fld id="{6EFE7C99-B088-4EBB-BFF6-BECCC96D5DD8}" type="slidenum">
               <a:rPr lang="en-US" smtClean="0"/>
               <a:pPr/>
-              <a:t>5</a:t>
+              <a:t>6</a:t>
             </a:fld>
             <a:endParaRPr lang="en-US"/>
           </a:p>
@@ -15804,7 +17869,7 @@
           <p:cNvPr id="10" name="TextBox 9">
             <a:extLst>
               <a:ext uri="{FF2B5EF4-FFF2-40B4-BE49-F238E27FC236}">
-                <a16:creationId xmlns:a16="http://schemas.microsoft.com/office/drawing/2014/main" xmlns="" id="{486B023D-D17B-9DDF-D346-3B74179C0858}"/>
+                <a16:creationId xmlns="" xmlns:a16="http://schemas.microsoft.com/office/drawing/2014/main" id="{486B023D-D17B-9DDF-D346-3B74179C0858}"/>
               </a:ext>
             </a:extLst>
           </p:cNvPr>
@@ -15845,7 +17910,7 @@
           <p:cNvPr id="2" name="Group 1">
             <a:extLst>
               <a:ext uri="{FF2B5EF4-FFF2-40B4-BE49-F238E27FC236}">
-                <a16:creationId xmlns:a16="http://schemas.microsoft.com/office/drawing/2014/main" xmlns="" id="{0D0112AD-AB0A-FEB7-46DA-462329F16DB6}"/>
+                <a16:creationId xmlns="" xmlns:a16="http://schemas.microsoft.com/office/drawing/2014/main" id="{0D0112AD-AB0A-FEB7-46DA-462329F16DB6}"/>
               </a:ext>
             </a:extLst>
           </p:cNvPr>
@@ -15868,7 +17933,7 @@
             <p:cNvPr id="5" name="TextBox 4">
               <a:extLst>
                 <a:ext uri="{FF2B5EF4-FFF2-40B4-BE49-F238E27FC236}">
-                  <a16:creationId xmlns:a16="http://schemas.microsoft.com/office/drawing/2014/main" xmlns="" id="{C9FA2A23-91A0-84C9-4153-A9CF1165A869}"/>
+                  <a16:creationId xmlns="" xmlns:a16="http://schemas.microsoft.com/office/drawing/2014/main" id="{C9FA2A23-91A0-84C9-4153-A9CF1165A869}"/>
                 </a:ext>
               </a:extLst>
             </p:cNvPr>
@@ -15908,732 +17973,7 @@
             <p:cNvPr id="7" name="TextBox 6">
               <a:extLst>
                 <a:ext uri="{FF2B5EF4-FFF2-40B4-BE49-F238E27FC236}">
-                  <a16:creationId xmlns:a16="http://schemas.microsoft.com/office/drawing/2014/main" xmlns="" id="{61AC8CE0-431A-86E3-F3A3-CE37478C7257}"/>
-                </a:ext>
-              </a:extLst>
-            </p:cNvPr>
-            <p:cNvSpPr txBox="1"/>
-            <p:nvPr/>
-          </p:nvSpPr>
-          <p:spPr>
-            <a:xfrm>
-              <a:off x="2394530" y="273031"/>
-              <a:ext cx="9687560" cy="400110"/>
-            </a:xfrm>
-            <a:prstGeom prst="rect">
-              <a:avLst/>
-            </a:prstGeom>
-            <a:grpFill/>
-          </p:spPr>
-          <p:txBody>
-            <a:bodyPr wrap="square" rtlCol="0">
-              <a:spAutoFit/>
-            </a:bodyPr>
-            <a:lstStyle/>
-            <a:p>
-              <a:pPr algn="ctr"/>
-              <a:r>
-                <a:rPr lang="en-US" sz="2000" b="1" dirty="0" smtClean="0">
-                  <a:solidFill>
-                    <a:schemeClr val="bg1"/>
-                  </a:solidFill>
-                </a:rPr>
-                <a:t>VS Code Installation​</a:t>
-              </a:r>
-              <a:endParaRPr lang="en-US" sz="2000" dirty="0"/>
-            </a:p>
-          </p:txBody>
-        </p:sp>
-      </p:grpSp>
-      <p:sp>
-        <p:nvSpPr>
-          <p:cNvPr id="18" name="Footer Placeholder 17"/>
-          <p:cNvSpPr>
-            <a:spLocks noGrp="1"/>
-          </p:cNvSpPr>
-          <p:nvPr>
-            <p:ph type="ftr" sz="quarter" idx="11"/>
-          </p:nvPr>
-        </p:nvSpPr>
-        <p:spPr/>
-        <p:txBody>
-          <a:bodyPr/>
-          <a:lstStyle/>
-          <a:p>
-            <a:r>
-              <a:rPr lang="en-US" smtClean="0"/>
-              <a:t>Prof. Venkataramana Veeramsetty</a:t>
-            </a:r>
-            <a:endParaRPr lang="en-US"/>
-          </a:p>
-        </p:txBody>
-      </p:sp>
-      <p:sp>
-        <p:nvSpPr>
-          <p:cNvPr id="3074" name="AutoShape 2" descr="A blue screen with yellow text&#10;&#10;Description automatically generated"/>
-          <p:cNvSpPr>
-            <a:spLocks noChangeAspect="1" noChangeArrowheads="1"/>
-          </p:cNvSpPr>
-          <p:nvPr/>
-        </p:nvSpPr>
-        <p:spPr bwMode="auto">
-          <a:xfrm>
-            <a:off x="212725" y="-144463"/>
-            <a:ext cx="304800" cy="304801"/>
-          </a:xfrm>
-          <a:prstGeom prst="rect">
-            <a:avLst/>
-          </a:prstGeom>
-          <a:noFill/>
-        </p:spPr>
-        <p:txBody>
-          <a:bodyPr vert="horz" wrap="square" lIns="91440" tIns="45720" rIns="91440" bIns="45720" numCol="1" anchor="t" anchorCtr="0" compatLnSpc="1">
-            <a:prstTxWarp prst="textNoShape">
-              <a:avLst/>
-            </a:prstTxWarp>
-          </a:bodyPr>
-          <a:lstStyle/>
-          <a:p>
-            <a:endParaRPr lang="en-US"/>
-          </a:p>
-        </p:txBody>
-      </p:sp>
-      <p:sp>
-        <p:nvSpPr>
-          <p:cNvPr id="3076" name="AutoShape 4" descr="A blue screen with yellow text&#10;&#10;Description automatically generated"/>
-          <p:cNvSpPr>
-            <a:spLocks noChangeAspect="1" noChangeArrowheads="1"/>
-          </p:cNvSpPr>
-          <p:nvPr/>
-        </p:nvSpPr>
-        <p:spPr bwMode="auto">
-          <a:xfrm>
-            <a:off x="212725" y="-144463"/>
-            <a:ext cx="304800" cy="304801"/>
-          </a:xfrm>
-          <a:prstGeom prst="rect">
-            <a:avLst/>
-          </a:prstGeom>
-          <a:noFill/>
-        </p:spPr>
-        <p:txBody>
-          <a:bodyPr vert="horz" wrap="square" lIns="91440" tIns="45720" rIns="91440" bIns="45720" numCol="1" anchor="t" anchorCtr="0" compatLnSpc="1">
-            <a:prstTxWarp prst="textNoShape">
-              <a:avLst/>
-            </a:prstTxWarp>
-          </a:bodyPr>
-          <a:lstStyle/>
-          <a:p>
-            <a:endParaRPr lang="en-US"/>
-          </a:p>
-        </p:txBody>
-      </p:sp>
-      <p:sp>
-        <p:nvSpPr>
-          <p:cNvPr id="17" name="Rectangle 16"/>
-          <p:cNvSpPr/>
-          <p:nvPr/>
-        </p:nvSpPr>
-        <p:spPr>
-          <a:xfrm>
-            <a:off x="5971607" y="3244334"/>
-            <a:ext cx="248786" cy="369332"/>
-          </a:xfrm>
-          <a:prstGeom prst="rect">
-            <a:avLst/>
-          </a:prstGeom>
-        </p:spPr>
-        <p:txBody>
-          <a:bodyPr wrap="none">
-            <a:spAutoFit/>
-          </a:bodyPr>
-          <a:lstStyle/>
-          <a:p>
-            <a:r>
-              <a:rPr lang="en-US" dirty="0" smtClean="0"/>
-              <a:t> </a:t>
-            </a:r>
-            <a:endParaRPr lang="en-US" dirty="0"/>
-          </a:p>
-        </p:txBody>
-      </p:sp>
-      <p:sp>
-        <p:nvSpPr>
-          <p:cNvPr id="20482" name="AutoShape 2" descr="PyCharm's top features. [Hidden] qualities of one of the most… | by Nicolò  Gasparini | Analytics Vidhya | Medium"/>
-          <p:cNvSpPr>
-            <a:spLocks noChangeAspect="1" noChangeArrowheads="1"/>
-          </p:cNvSpPr>
-          <p:nvPr/>
-        </p:nvSpPr>
-        <p:spPr bwMode="auto">
-          <a:xfrm>
-            <a:off x="212725" y="-144463"/>
-            <a:ext cx="304800" cy="304801"/>
-          </a:xfrm>
-          <a:prstGeom prst="rect">
-            <a:avLst/>
-          </a:prstGeom>
-          <a:noFill/>
-        </p:spPr>
-        <p:txBody>
-          <a:bodyPr vert="horz" wrap="square" lIns="91440" tIns="45720" rIns="91440" bIns="45720" numCol="1" anchor="t" anchorCtr="0" compatLnSpc="1">
-            <a:prstTxWarp prst="textNoShape">
-              <a:avLst/>
-            </a:prstTxWarp>
-          </a:bodyPr>
-          <a:lstStyle/>
-          <a:p>
-            <a:endParaRPr lang="en-US"/>
-          </a:p>
-        </p:txBody>
-      </p:sp>
-      <p:sp>
-        <p:nvSpPr>
-          <p:cNvPr id="20484" name="AutoShape 4" descr="PyCharm's top features. [Hidden] qualities of one of the most… | by Nicolò  Gasparini | Analytics Vidhya | Medium"/>
-          <p:cNvSpPr>
-            <a:spLocks noChangeAspect="1" noChangeArrowheads="1"/>
-          </p:cNvSpPr>
-          <p:nvPr/>
-        </p:nvSpPr>
-        <p:spPr bwMode="auto">
-          <a:xfrm>
-            <a:off x="212725" y="-144463"/>
-            <a:ext cx="304800" cy="304801"/>
-          </a:xfrm>
-          <a:prstGeom prst="rect">
-            <a:avLst/>
-          </a:prstGeom>
-          <a:noFill/>
-        </p:spPr>
-        <p:txBody>
-          <a:bodyPr vert="horz" wrap="square" lIns="91440" tIns="45720" rIns="91440" bIns="45720" numCol="1" anchor="t" anchorCtr="0" compatLnSpc="1">
-            <a:prstTxWarp prst="textNoShape">
-              <a:avLst/>
-            </a:prstTxWarp>
-          </a:bodyPr>
-          <a:lstStyle/>
-          <a:p>
-            <a:endParaRPr lang="en-US"/>
-          </a:p>
-        </p:txBody>
-      </p:sp>
-      <p:sp>
-        <p:nvSpPr>
-          <p:cNvPr id="20486" name="AutoShape 6" descr="PyCharm's top features. [Hidden] qualities of one of the most… | by Nicolò  Gasparini | Analytics Vidhya | Medium"/>
-          <p:cNvSpPr>
-            <a:spLocks noChangeAspect="1" noChangeArrowheads="1"/>
-          </p:cNvSpPr>
-          <p:nvPr/>
-        </p:nvSpPr>
-        <p:spPr bwMode="auto">
-          <a:xfrm>
-            <a:off x="212725" y="-144463"/>
-            <a:ext cx="304800" cy="304801"/>
-          </a:xfrm>
-          <a:prstGeom prst="rect">
-            <a:avLst/>
-          </a:prstGeom>
-          <a:noFill/>
-        </p:spPr>
-        <p:txBody>
-          <a:bodyPr vert="horz" wrap="square" lIns="91440" tIns="45720" rIns="91440" bIns="45720" numCol="1" anchor="t" anchorCtr="0" compatLnSpc="1">
-            <a:prstTxWarp prst="textNoShape">
-              <a:avLst/>
-            </a:prstTxWarp>
-          </a:bodyPr>
-          <a:lstStyle/>
-          <a:p>
-            <a:endParaRPr lang="en-US"/>
-          </a:p>
-        </p:txBody>
-      </p:sp>
-      <p:sp>
-        <p:nvSpPr>
-          <p:cNvPr id="20490" name="AutoShape 10" descr="Top 5 Best Python IDE to use in 2024 ..."/>
-          <p:cNvSpPr>
-            <a:spLocks noChangeAspect="1" noChangeArrowheads="1"/>
-          </p:cNvSpPr>
-          <p:nvPr/>
-        </p:nvSpPr>
-        <p:spPr bwMode="auto">
-          <a:xfrm>
-            <a:off x="155575" y="-144463"/>
-            <a:ext cx="304800" cy="304801"/>
-          </a:xfrm>
-          <a:prstGeom prst="rect">
-            <a:avLst/>
-          </a:prstGeom>
-          <a:noFill/>
-        </p:spPr>
-        <p:txBody>
-          <a:bodyPr vert="horz" wrap="square" lIns="91440" tIns="45720" rIns="91440" bIns="45720" numCol="1" anchor="t" anchorCtr="0" compatLnSpc="1">
-            <a:prstTxWarp prst="textNoShape">
-              <a:avLst/>
-            </a:prstTxWarp>
-          </a:bodyPr>
-          <a:lstStyle/>
-          <a:p>
-            <a:endParaRPr lang="en-US"/>
-          </a:p>
-        </p:txBody>
-      </p:sp>
-      <p:sp>
-        <p:nvSpPr>
-          <p:cNvPr id="20492" name="AutoShape 12" descr="Top 5 Best Python IDE to use in 2024 | Keploy Blog"/>
-          <p:cNvSpPr>
-            <a:spLocks noChangeAspect="1" noChangeArrowheads="1"/>
-          </p:cNvSpPr>
-          <p:nvPr/>
-        </p:nvSpPr>
-        <p:spPr bwMode="auto">
-          <a:xfrm>
-            <a:off x="155575" y="-144463"/>
-            <a:ext cx="304800" cy="304801"/>
-          </a:xfrm>
-          <a:prstGeom prst="rect">
-            <a:avLst/>
-          </a:prstGeom>
-          <a:noFill/>
-        </p:spPr>
-        <p:txBody>
-          <a:bodyPr vert="horz" wrap="square" lIns="91440" tIns="45720" rIns="91440" bIns="45720" numCol="1" anchor="t" anchorCtr="0" compatLnSpc="1">
-            <a:prstTxWarp prst="textNoShape">
-              <a:avLst/>
-            </a:prstTxWarp>
-          </a:bodyPr>
-          <a:lstStyle/>
-          <a:p>
-            <a:endParaRPr lang="en-US"/>
-          </a:p>
-        </p:txBody>
-      </p:sp>
-      <p:sp>
-        <p:nvSpPr>
-          <p:cNvPr id="20494" name="AutoShape 14" descr="Top 5 Best Python IDE to use in 2024 | Keploy Blog"/>
-          <p:cNvSpPr>
-            <a:spLocks noChangeAspect="1" noChangeArrowheads="1"/>
-          </p:cNvSpPr>
-          <p:nvPr/>
-        </p:nvSpPr>
-        <p:spPr bwMode="auto">
-          <a:xfrm>
-            <a:off x="155575" y="-144463"/>
-            <a:ext cx="304800" cy="304801"/>
-          </a:xfrm>
-          <a:prstGeom prst="rect">
-            <a:avLst/>
-          </a:prstGeom>
-          <a:noFill/>
-        </p:spPr>
-        <p:txBody>
-          <a:bodyPr vert="horz" wrap="square" lIns="91440" tIns="45720" rIns="91440" bIns="45720" numCol="1" anchor="t" anchorCtr="0" compatLnSpc="1">
-            <a:prstTxWarp prst="textNoShape">
-              <a:avLst/>
-            </a:prstTxWarp>
-          </a:bodyPr>
-          <a:lstStyle/>
-          <a:p>
-            <a:endParaRPr lang="en-US"/>
-          </a:p>
-        </p:txBody>
-      </p:sp>
-      <p:sp>
-        <p:nvSpPr>
-          <p:cNvPr id="20496" name="AutoShape 16" descr="https://wp.keploy.io/wp-content/uploads/2024/10/PyCharm.webp"/>
-          <p:cNvSpPr>
-            <a:spLocks noChangeAspect="1" noChangeArrowheads="1"/>
-          </p:cNvSpPr>
-          <p:nvPr/>
-        </p:nvSpPr>
-        <p:spPr bwMode="auto">
-          <a:xfrm>
-            <a:off x="155575" y="-144463"/>
-            <a:ext cx="304800" cy="304801"/>
-          </a:xfrm>
-          <a:prstGeom prst="rect">
-            <a:avLst/>
-          </a:prstGeom>
-          <a:noFill/>
-        </p:spPr>
-        <p:txBody>
-          <a:bodyPr vert="horz" wrap="square" lIns="91440" tIns="45720" rIns="91440" bIns="45720" numCol="1" anchor="t" anchorCtr="0" compatLnSpc="1">
-            <a:prstTxWarp prst="textNoShape">
-              <a:avLst/>
-            </a:prstTxWarp>
-          </a:bodyPr>
-          <a:lstStyle/>
-          <a:p>
-            <a:endParaRPr lang="en-US"/>
-          </a:p>
-        </p:txBody>
-      </p:sp>
-      <p:sp>
-        <p:nvSpPr>
-          <p:cNvPr id="20503" name="AutoShape 23" descr="Thonny Python Editor gets major 4.0.0 ..."/>
-          <p:cNvSpPr>
-            <a:spLocks noChangeAspect="1" noChangeArrowheads="1"/>
-          </p:cNvSpPr>
-          <p:nvPr/>
-        </p:nvSpPr>
-        <p:spPr bwMode="auto">
-          <a:xfrm>
-            <a:off x="155575" y="-144463"/>
-            <a:ext cx="304800" cy="304801"/>
-          </a:xfrm>
-          <a:prstGeom prst="rect">
-            <a:avLst/>
-          </a:prstGeom>
-          <a:noFill/>
-        </p:spPr>
-        <p:txBody>
-          <a:bodyPr vert="horz" wrap="square" lIns="91440" tIns="45720" rIns="91440" bIns="45720" numCol="1" anchor="t" anchorCtr="0" compatLnSpc="1">
-            <a:prstTxWarp prst="textNoShape">
-              <a:avLst/>
-            </a:prstTxWarp>
-          </a:bodyPr>
-          <a:lstStyle/>
-          <a:p>
-            <a:endParaRPr lang="en-US"/>
-          </a:p>
-        </p:txBody>
-      </p:sp>
-      <p:sp>
-        <p:nvSpPr>
-          <p:cNvPr id="20505" name="AutoShape 25" descr="Thonny Python Editor gets major 4.0.0 ..."/>
-          <p:cNvSpPr>
-            <a:spLocks noChangeAspect="1" noChangeArrowheads="1"/>
-          </p:cNvSpPr>
-          <p:nvPr/>
-        </p:nvSpPr>
-        <p:spPr bwMode="auto">
-          <a:xfrm>
-            <a:off x="155575" y="-144463"/>
-            <a:ext cx="304800" cy="304801"/>
-          </a:xfrm>
-          <a:prstGeom prst="rect">
-            <a:avLst/>
-          </a:prstGeom>
-          <a:noFill/>
-        </p:spPr>
-        <p:txBody>
-          <a:bodyPr vert="horz" wrap="square" lIns="91440" tIns="45720" rIns="91440" bIns="45720" numCol="1" anchor="t" anchorCtr="0" compatLnSpc="1">
-            <a:prstTxWarp prst="textNoShape">
-              <a:avLst/>
-            </a:prstTxWarp>
-          </a:bodyPr>
-          <a:lstStyle/>
-          <a:p>
-            <a:endParaRPr lang="en-US"/>
-          </a:p>
-        </p:txBody>
-      </p:sp>
-      <p:sp>
-        <p:nvSpPr>
-          <p:cNvPr id="26" name="Rectangle 25"/>
-          <p:cNvSpPr/>
-          <p:nvPr/>
-        </p:nvSpPr>
-        <p:spPr>
-          <a:xfrm>
-            <a:off x="630655" y="1799847"/>
-            <a:ext cx="4583306" cy="369332"/>
-          </a:xfrm>
-          <a:prstGeom prst="rect">
-            <a:avLst/>
-          </a:prstGeom>
-        </p:spPr>
-        <p:txBody>
-          <a:bodyPr wrap="none">
-            <a:spAutoFit/>
-          </a:bodyPr>
-          <a:lstStyle/>
-          <a:p>
-            <a:r>
-              <a:rPr lang="en-US" b="1" u="sng" dirty="0" smtClean="0">
-                <a:hlinkClick r:id="rId4"/>
-              </a:rPr>
-              <a:t>https://code.visualstudio.com/download</a:t>
-            </a:r>
-            <a:endParaRPr lang="en-US" b="1" dirty="0"/>
-          </a:p>
-        </p:txBody>
-      </p:sp>
-      <p:pic>
-        <p:nvPicPr>
-          <p:cNvPr id="22530" name="Picture 2"/>
-          <p:cNvPicPr>
-            <a:picLocks noChangeAspect="1" noChangeArrowheads="1"/>
-          </p:cNvPicPr>
-          <p:nvPr/>
-        </p:nvPicPr>
-        <p:blipFill>
-          <a:blip r:embed="rId5"/>
-          <a:srcRect/>
-          <a:stretch>
-            <a:fillRect/>
-          </a:stretch>
-        </p:blipFill>
-        <p:spPr bwMode="auto">
-          <a:xfrm>
-            <a:off x="1672662" y="2160104"/>
-            <a:ext cx="9578434" cy="4280935"/>
-          </a:xfrm>
-          <a:prstGeom prst="rect">
-            <a:avLst/>
-          </a:prstGeom>
-          <a:noFill/>
-          <a:ln w="9525">
-            <a:noFill/>
-            <a:miter lim="800000"/>
-            <a:headEnd/>
-            <a:tailEnd/>
-          </a:ln>
-          <a:effectLst/>
-        </p:spPr>
-      </p:pic>
-    </p:spTree>
-    <p:extLst>
-      <p:ext uri="{BB962C8B-B14F-4D97-AF65-F5344CB8AC3E}">
-        <p14:creationId xmlns:p14="http://schemas.microsoft.com/office/powerpoint/2010/main" xmlns="" val="1062629819"/>
-      </p:ext>
-    </p:extLst>
-  </p:cSld>
-  <p:clrMapOvr>
-    <a:masterClrMapping/>
-  </p:clrMapOvr>
-  <p:timing>
-    <p:tnLst>
-      <p:par>
-        <p:cTn id="1" dur="indefinite" restart="never" nodeType="tmRoot"/>
-      </p:par>
-    </p:tnLst>
-  </p:timing>
-</p:sld>
-</file>
-
-<file path=ppt/slides/slide6.xml><?xml version="1.0" encoding="utf-8"?>
-<p:sld xmlns:a="http://schemas.openxmlformats.org/drawingml/2006/main" xmlns:r="http://schemas.openxmlformats.org/officeDocument/2006/relationships" xmlns:p="http://schemas.openxmlformats.org/presentationml/2006/main">
-  <p:cSld>
-    <p:spTree>
-      <p:nvGrpSpPr>
-        <p:cNvPr id="1" name="">
-          <a:extLst>
-            <a:ext uri="{FF2B5EF4-FFF2-40B4-BE49-F238E27FC236}">
-              <a16:creationId xmlns:a16="http://schemas.microsoft.com/office/drawing/2014/main" xmlns="" id="{84808E20-0F1F-533A-B3E6-5B335EB405BC}"/>
-            </a:ext>
-          </a:extLst>
-        </p:cNvPr>
-        <p:cNvGrpSpPr/>
-        <p:nvPr/>
-      </p:nvGrpSpPr>
-      <p:grpSpPr>
-        <a:xfrm>
-          <a:off x="0" y="0"/>
-          <a:ext cx="0" cy="0"/>
-          <a:chOff x="0" y="0"/>
-          <a:chExt cx="0" cy="0"/>
-        </a:xfrm>
-      </p:grpSpPr>
-      <p:pic>
-        <p:nvPicPr>
-          <p:cNvPr id="3" name="Picture 2" descr="WhatsApp Image 2024-08-23 at 15.43.17">
-            <a:extLst>
-              <a:ext uri="{FF2B5EF4-FFF2-40B4-BE49-F238E27FC236}">
-                <a16:creationId xmlns:a16="http://schemas.microsoft.com/office/drawing/2014/main" xmlns="" id="{92479C09-0005-7CFF-38D5-4F524062CA0A}"/>
-              </a:ext>
-            </a:extLst>
-          </p:cNvPr>
-          <p:cNvPicPr>
-            <a:picLocks noChangeAspect="1"/>
-          </p:cNvPicPr>
-          <p:nvPr/>
-        </p:nvPicPr>
-        <p:blipFill>
-          <a:blip r:embed="rId3"/>
-          <a:stretch>
-            <a:fillRect/>
-          </a:stretch>
-        </p:blipFill>
-        <p:spPr>
-          <a:xfrm>
-            <a:off x="317643" y="144259"/>
-            <a:ext cx="1719435" cy="677445"/>
-          </a:xfrm>
-          <a:prstGeom prst="rect">
-            <a:avLst/>
-          </a:prstGeom>
-        </p:spPr>
-      </p:pic>
-      <p:sp>
-        <p:nvSpPr>
-          <p:cNvPr id="13" name="Date Placeholder 12">
-            <a:extLst>
-              <a:ext uri="{FF2B5EF4-FFF2-40B4-BE49-F238E27FC236}">
-                <a16:creationId xmlns:a16="http://schemas.microsoft.com/office/drawing/2014/main" xmlns="" id="{AD30255A-D722-9278-6B86-CDC958DBCE76}"/>
-              </a:ext>
-            </a:extLst>
-          </p:cNvPr>
-          <p:cNvSpPr>
-            <a:spLocks noGrp="1"/>
-          </p:cNvSpPr>
-          <p:nvPr>
-            <p:ph type="dt" sz="half" idx="10"/>
-          </p:nvPr>
-        </p:nvSpPr>
-        <p:spPr/>
-        <p:txBody>
-          <a:bodyPr/>
-          <a:lstStyle/>
-          <a:p>
-            <a:fld id="{4F9ED619-C22D-46D8-B505-1861FC119B25}" type="datetime1">
-              <a:rPr lang="en-US" smtClean="0"/>
-              <a:pPr/>
-              <a:t>7/8/2025</a:t>
-            </a:fld>
-            <a:endParaRPr lang="en-US" dirty="0"/>
-          </a:p>
-        </p:txBody>
-      </p:sp>
-      <p:sp>
-        <p:nvSpPr>
-          <p:cNvPr id="15" name="Slide Number Placeholder 14">
-            <a:extLst>
-              <a:ext uri="{FF2B5EF4-FFF2-40B4-BE49-F238E27FC236}">
-                <a16:creationId xmlns:a16="http://schemas.microsoft.com/office/drawing/2014/main" xmlns="" id="{1B162A4D-077F-7925-923D-1DF42476D28D}"/>
-              </a:ext>
-            </a:extLst>
-          </p:cNvPr>
-          <p:cNvSpPr>
-            <a:spLocks noGrp="1"/>
-          </p:cNvSpPr>
-          <p:nvPr>
-            <p:ph type="sldNum" sz="quarter" idx="12"/>
-          </p:nvPr>
-        </p:nvSpPr>
-        <p:spPr/>
-        <p:txBody>
-          <a:bodyPr/>
-          <a:lstStyle/>
-          <a:p>
-            <a:fld id="{6EFE7C99-B088-4EBB-BFF6-BECCC96D5DD8}" type="slidenum">
-              <a:rPr lang="en-US" smtClean="0"/>
-              <a:pPr/>
-              <a:t>6</a:t>
-            </a:fld>
-            <a:endParaRPr lang="en-US"/>
-          </a:p>
-        </p:txBody>
-      </p:sp>
-      <p:sp>
-        <p:nvSpPr>
-          <p:cNvPr id="10" name="TextBox 9">
-            <a:extLst>
-              <a:ext uri="{FF2B5EF4-FFF2-40B4-BE49-F238E27FC236}">
-                <a16:creationId xmlns:a16="http://schemas.microsoft.com/office/drawing/2014/main" xmlns="" id="{486B023D-D17B-9DDF-D346-3B74179C0858}"/>
-              </a:ext>
-            </a:extLst>
-          </p:cNvPr>
-          <p:cNvSpPr txBox="1"/>
-          <p:nvPr/>
-        </p:nvSpPr>
-        <p:spPr>
-          <a:xfrm>
-            <a:off x="2337283" y="199722"/>
-            <a:ext cx="9687560" cy="461665"/>
-          </a:xfrm>
-          <a:prstGeom prst="rect">
-            <a:avLst/>
-          </a:prstGeom>
-          <a:noFill/>
-        </p:spPr>
-        <p:txBody>
-          <a:bodyPr wrap="square" rtlCol="0">
-            <a:spAutoFit/>
-          </a:bodyPr>
-          <a:lstStyle/>
-          <a:p>
-            <a:pPr algn="ctr"/>
-            <a:r>
-              <a:rPr lang="en-US" sz="2400" b="1" dirty="0">
-                <a:solidFill>
-                  <a:schemeClr val="bg1"/>
-                </a:solidFill>
-              </a:rPr>
-              <a:t>Slide Title</a:t>
-            </a:r>
-            <a:endParaRPr lang="en-US" sz="2400" dirty="0"/>
-          </a:p>
-        </p:txBody>
-      </p:sp>
-      <p:grpSp>
-        <p:nvGrpSpPr>
-          <p:cNvPr id="2" name="Group 1">
-            <a:extLst>
-              <a:ext uri="{FF2B5EF4-FFF2-40B4-BE49-F238E27FC236}">
-                <a16:creationId xmlns:a16="http://schemas.microsoft.com/office/drawing/2014/main" xmlns="" id="{0D0112AD-AB0A-FEB7-46DA-462329F16DB6}"/>
-              </a:ext>
-            </a:extLst>
-          </p:cNvPr>
-          <p:cNvGrpSpPr/>
-          <p:nvPr/>
-        </p:nvGrpSpPr>
-        <p:grpSpPr>
-          <a:xfrm>
-            <a:off x="2336800" y="134364"/>
-            <a:ext cx="9745291" cy="677445"/>
-            <a:chOff x="2336800" y="134364"/>
-            <a:chExt cx="9745291" cy="677445"/>
-          </a:xfrm>
-          <a:solidFill>
-            <a:srgbClr val="194E91"/>
-          </a:solidFill>
-        </p:grpSpPr>
-        <p:sp>
-          <p:nvSpPr>
-            <p:cNvPr id="5" name="TextBox 4">
-              <a:extLst>
-                <a:ext uri="{FF2B5EF4-FFF2-40B4-BE49-F238E27FC236}">
-                  <a16:creationId xmlns:a16="http://schemas.microsoft.com/office/drawing/2014/main" xmlns="" id="{C9FA2A23-91A0-84C9-4153-A9CF1165A869}"/>
-                </a:ext>
-              </a:extLst>
-            </p:cNvPr>
-            <p:cNvSpPr txBox="1"/>
-            <p:nvPr/>
-          </p:nvSpPr>
-          <p:spPr>
-            <a:xfrm>
-              <a:off x="2336800" y="134364"/>
-              <a:ext cx="9745291" cy="677445"/>
-            </a:xfrm>
-            <a:prstGeom prst="rect">
-              <a:avLst/>
-            </a:prstGeom>
-            <a:grpFill/>
-            <a:effectLst>
-              <a:softEdge rad="0"/>
-            </a:effectLst>
-          </p:spPr>
-          <p:txBody>
-            <a:bodyPr wrap="square" rtlCol="0">
-              <a:spAutoFit/>
-            </a:bodyPr>
-            <a:lstStyle/>
-            <a:p>
-              <a:pPr algn="ctr"/>
-              <a:endParaRPr lang="en-US" sz="2400" b="1" dirty="0">
-                <a:solidFill>
-                  <a:schemeClr val="bg1"/>
-                </a:solidFill>
-              </a:endParaRPr>
-            </a:p>
-          </p:txBody>
-        </p:sp>
-        <p:sp>
-          <p:nvSpPr>
-            <p:cNvPr id="7" name="TextBox 6">
-              <a:extLst>
-                <a:ext uri="{FF2B5EF4-FFF2-40B4-BE49-F238E27FC236}">
-                  <a16:creationId xmlns:a16="http://schemas.microsoft.com/office/drawing/2014/main" xmlns="" id="{61AC8CE0-431A-86E3-F3A3-CE37478C7257}"/>
+                  <a16:creationId xmlns="" xmlns:a16="http://schemas.microsoft.com/office/drawing/2014/main" id="{61AC8CE0-431A-86E3-F3A3-CE37478C7257}"/>
                 </a:ext>
               </a:extLst>
             </p:cNvPr>
@@ -17181,7 +18521,7 @@
     </p:spTree>
     <p:extLst>
       <p:ext uri="{BB962C8B-B14F-4D97-AF65-F5344CB8AC3E}">
-        <p14:creationId xmlns:p14="http://schemas.microsoft.com/office/powerpoint/2010/main" xmlns="" val="1062629819"/>
+        <p14:creationId xmlns="" xmlns:p14="http://schemas.microsoft.com/office/powerpoint/2010/main" val="1062629819"/>
       </p:ext>
     </p:extLst>
   </p:cSld>
@@ -17206,7 +18546,7 @@
         <p:cNvPr id="1" name="">
           <a:extLst>
             <a:ext uri="{FF2B5EF4-FFF2-40B4-BE49-F238E27FC236}">
-              <a16:creationId xmlns:a16="http://schemas.microsoft.com/office/drawing/2014/main" xmlns="" id="{84808E20-0F1F-533A-B3E6-5B335EB405BC}"/>
+              <a16:creationId xmlns="" xmlns:a16="http://schemas.microsoft.com/office/drawing/2014/main" id="{84808E20-0F1F-533A-B3E6-5B335EB405BC}"/>
             </a:ext>
           </a:extLst>
         </p:cNvPr>
@@ -17226,7 +18566,7 @@
           <p:cNvPr id="3" name="Picture 2" descr="WhatsApp Image 2024-08-23 at 15.43.17">
             <a:extLst>
               <a:ext uri="{FF2B5EF4-FFF2-40B4-BE49-F238E27FC236}">
-                <a16:creationId xmlns:a16="http://schemas.microsoft.com/office/drawing/2014/main" xmlns="" id="{92479C09-0005-7CFF-38D5-4F524062CA0A}"/>
+                <a16:creationId xmlns="" xmlns:a16="http://schemas.microsoft.com/office/drawing/2014/main" id="{92479C09-0005-7CFF-38D5-4F524062CA0A}"/>
               </a:ext>
             </a:extLst>
           </p:cNvPr>
@@ -17256,7 +18596,7 @@
           <p:cNvPr id="13" name="Date Placeholder 12">
             <a:extLst>
               <a:ext uri="{FF2B5EF4-FFF2-40B4-BE49-F238E27FC236}">
-                <a16:creationId xmlns:a16="http://schemas.microsoft.com/office/drawing/2014/main" xmlns="" id="{AD30255A-D722-9278-6B86-CDC958DBCE76}"/>
+                <a16:creationId xmlns="" xmlns:a16="http://schemas.microsoft.com/office/drawing/2014/main" id="{AD30255A-D722-9278-6B86-CDC958DBCE76}"/>
               </a:ext>
             </a:extLst>
           </p:cNvPr>
@@ -17286,7 +18626,7 @@
           <p:cNvPr id="15" name="Slide Number Placeholder 14">
             <a:extLst>
               <a:ext uri="{FF2B5EF4-FFF2-40B4-BE49-F238E27FC236}">
-                <a16:creationId xmlns:a16="http://schemas.microsoft.com/office/drawing/2014/main" xmlns="" id="{1B162A4D-077F-7925-923D-1DF42476D28D}"/>
+                <a16:creationId xmlns="" xmlns:a16="http://schemas.microsoft.com/office/drawing/2014/main" id="{1B162A4D-077F-7925-923D-1DF42476D28D}"/>
               </a:ext>
             </a:extLst>
           </p:cNvPr>
@@ -17316,7 +18656,7 @@
           <p:cNvPr id="10" name="TextBox 9">
             <a:extLst>
               <a:ext uri="{FF2B5EF4-FFF2-40B4-BE49-F238E27FC236}">
-                <a16:creationId xmlns:a16="http://schemas.microsoft.com/office/drawing/2014/main" xmlns="" id="{486B023D-D17B-9DDF-D346-3B74179C0858}"/>
+                <a16:creationId xmlns="" xmlns:a16="http://schemas.microsoft.com/office/drawing/2014/main" id="{486B023D-D17B-9DDF-D346-3B74179C0858}"/>
               </a:ext>
             </a:extLst>
           </p:cNvPr>
@@ -17357,7 +18697,7 @@
           <p:cNvPr id="2" name="Group 1">
             <a:extLst>
               <a:ext uri="{FF2B5EF4-FFF2-40B4-BE49-F238E27FC236}">
-                <a16:creationId xmlns:a16="http://schemas.microsoft.com/office/drawing/2014/main" xmlns="" id="{0D0112AD-AB0A-FEB7-46DA-462329F16DB6}"/>
+                <a16:creationId xmlns="" xmlns:a16="http://schemas.microsoft.com/office/drawing/2014/main" id="{0D0112AD-AB0A-FEB7-46DA-462329F16DB6}"/>
               </a:ext>
             </a:extLst>
           </p:cNvPr>
@@ -17380,7 +18720,7 @@
             <p:cNvPr id="5" name="TextBox 4">
               <a:extLst>
                 <a:ext uri="{FF2B5EF4-FFF2-40B4-BE49-F238E27FC236}">
-                  <a16:creationId xmlns:a16="http://schemas.microsoft.com/office/drawing/2014/main" xmlns="" id="{C9FA2A23-91A0-84C9-4153-A9CF1165A869}"/>
+                  <a16:creationId xmlns="" xmlns:a16="http://schemas.microsoft.com/office/drawing/2014/main" id="{C9FA2A23-91A0-84C9-4153-A9CF1165A869}"/>
                 </a:ext>
               </a:extLst>
             </p:cNvPr>
@@ -17420,7 +18760,7 @@
             <p:cNvPr id="7" name="TextBox 6">
               <a:extLst>
                 <a:ext uri="{FF2B5EF4-FFF2-40B4-BE49-F238E27FC236}">
-                  <a16:creationId xmlns:a16="http://schemas.microsoft.com/office/drawing/2014/main" xmlns="" id="{61AC8CE0-431A-86E3-F3A3-CE37478C7257}"/>
+                  <a16:creationId xmlns="" xmlns:a16="http://schemas.microsoft.com/office/drawing/2014/main" id="{61AC8CE0-431A-86E3-F3A3-CE37478C7257}"/>
                 </a:ext>
               </a:extLst>
             </p:cNvPr>
@@ -17882,7 +19222,7 @@
     </p:spTree>
     <p:extLst>
       <p:ext uri="{BB962C8B-B14F-4D97-AF65-F5344CB8AC3E}">
-        <p14:creationId xmlns:p14="http://schemas.microsoft.com/office/powerpoint/2010/main" xmlns="" val="1062629819"/>
+        <p14:creationId xmlns="" xmlns:p14="http://schemas.microsoft.com/office/powerpoint/2010/main" val="1062629819"/>
       </p:ext>
     </p:extLst>
   </p:cSld>
@@ -17907,7 +19247,7 @@
         <p:cNvPr id="1" name="">
           <a:extLst>
             <a:ext uri="{FF2B5EF4-FFF2-40B4-BE49-F238E27FC236}">
-              <a16:creationId xmlns:a16="http://schemas.microsoft.com/office/drawing/2014/main" xmlns="" id="{84808E20-0F1F-533A-B3E6-5B335EB405BC}"/>
+              <a16:creationId xmlns="" xmlns:a16="http://schemas.microsoft.com/office/drawing/2014/main" id="{84808E20-0F1F-533A-B3E6-5B335EB405BC}"/>
             </a:ext>
           </a:extLst>
         </p:cNvPr>
@@ -17927,7 +19267,7 @@
           <p:cNvPr id="3" name="Picture 2" descr="WhatsApp Image 2024-08-23 at 15.43.17">
             <a:extLst>
               <a:ext uri="{FF2B5EF4-FFF2-40B4-BE49-F238E27FC236}">
-                <a16:creationId xmlns:a16="http://schemas.microsoft.com/office/drawing/2014/main" xmlns="" id="{92479C09-0005-7CFF-38D5-4F524062CA0A}"/>
+                <a16:creationId xmlns="" xmlns:a16="http://schemas.microsoft.com/office/drawing/2014/main" id="{92479C09-0005-7CFF-38D5-4F524062CA0A}"/>
               </a:ext>
             </a:extLst>
           </p:cNvPr>
@@ -17957,7 +19297,7 @@
           <p:cNvPr id="13" name="Date Placeholder 12">
             <a:extLst>
               <a:ext uri="{FF2B5EF4-FFF2-40B4-BE49-F238E27FC236}">
-                <a16:creationId xmlns:a16="http://schemas.microsoft.com/office/drawing/2014/main" xmlns="" id="{AD30255A-D722-9278-6B86-CDC958DBCE76}"/>
+                <a16:creationId xmlns="" xmlns:a16="http://schemas.microsoft.com/office/drawing/2014/main" id="{AD30255A-D722-9278-6B86-CDC958DBCE76}"/>
               </a:ext>
             </a:extLst>
           </p:cNvPr>
@@ -17987,7 +19327,7 @@
           <p:cNvPr id="15" name="Slide Number Placeholder 14">
             <a:extLst>
               <a:ext uri="{FF2B5EF4-FFF2-40B4-BE49-F238E27FC236}">
-                <a16:creationId xmlns:a16="http://schemas.microsoft.com/office/drawing/2014/main" xmlns="" id="{1B162A4D-077F-7925-923D-1DF42476D28D}"/>
+                <a16:creationId xmlns="" xmlns:a16="http://schemas.microsoft.com/office/drawing/2014/main" id="{1B162A4D-077F-7925-923D-1DF42476D28D}"/>
               </a:ext>
             </a:extLst>
           </p:cNvPr>
@@ -18017,7 +19357,7 @@
           <p:cNvPr id="10" name="TextBox 9">
             <a:extLst>
               <a:ext uri="{FF2B5EF4-FFF2-40B4-BE49-F238E27FC236}">
-                <a16:creationId xmlns:a16="http://schemas.microsoft.com/office/drawing/2014/main" xmlns="" id="{486B023D-D17B-9DDF-D346-3B74179C0858}"/>
+                <a16:creationId xmlns="" xmlns:a16="http://schemas.microsoft.com/office/drawing/2014/main" id="{486B023D-D17B-9DDF-D346-3B74179C0858}"/>
               </a:ext>
             </a:extLst>
           </p:cNvPr>
@@ -18058,7 +19398,7 @@
           <p:cNvPr id="2" name="Group 1">
             <a:extLst>
               <a:ext uri="{FF2B5EF4-FFF2-40B4-BE49-F238E27FC236}">
-                <a16:creationId xmlns:a16="http://schemas.microsoft.com/office/drawing/2014/main" xmlns="" id="{0D0112AD-AB0A-FEB7-46DA-462329F16DB6}"/>
+                <a16:creationId xmlns="" xmlns:a16="http://schemas.microsoft.com/office/drawing/2014/main" id="{0D0112AD-AB0A-FEB7-46DA-462329F16DB6}"/>
               </a:ext>
             </a:extLst>
           </p:cNvPr>
@@ -18081,7 +19421,7 @@
             <p:cNvPr id="5" name="TextBox 4">
               <a:extLst>
                 <a:ext uri="{FF2B5EF4-FFF2-40B4-BE49-F238E27FC236}">
-                  <a16:creationId xmlns:a16="http://schemas.microsoft.com/office/drawing/2014/main" xmlns="" id="{C9FA2A23-91A0-84C9-4153-A9CF1165A869}"/>
+                  <a16:creationId xmlns="" xmlns:a16="http://schemas.microsoft.com/office/drawing/2014/main" id="{C9FA2A23-91A0-84C9-4153-A9CF1165A869}"/>
                 </a:ext>
               </a:extLst>
             </p:cNvPr>
@@ -18121,7 +19461,7 @@
             <p:cNvPr id="7" name="TextBox 6">
               <a:extLst>
                 <a:ext uri="{FF2B5EF4-FFF2-40B4-BE49-F238E27FC236}">
-                  <a16:creationId xmlns:a16="http://schemas.microsoft.com/office/drawing/2014/main" xmlns="" id="{61AC8CE0-431A-86E3-F3A3-CE37478C7257}"/>
+                  <a16:creationId xmlns="" xmlns:a16="http://schemas.microsoft.com/office/drawing/2014/main" id="{61AC8CE0-431A-86E3-F3A3-CE37478C7257}"/>
                 </a:ext>
               </a:extLst>
             </p:cNvPr>
@@ -18146,14 +19486,6 @@
             <a:p>
               <a:pPr algn="ctr"/>
               <a:r>
-                <a:rPr lang="en-US" sz="2000" b="1" dirty="0" smtClean="0">
-                  <a:solidFill>
-                    <a:schemeClr val="bg1"/>
-                  </a:solidFill>
-                </a:rPr>
-                <a:t>VS Code Extensions​ - </a:t>
-              </a:r>
-              <a:r>
                 <a:rPr lang="en-US" sz="2000" b="1" dirty="0" err="1" smtClean="0">
                   <a:solidFill>
                     <a:schemeClr val="bg1"/>
@@ -18167,7 +19499,15 @@
                     <a:schemeClr val="bg1"/>
                   </a:solidFill>
                 </a:rPr>
-                <a:t> Copilot Account Details</a:t>
+                <a:t> </a:t>
+              </a:r>
+              <a:r>
+                <a:rPr lang="en-US" sz="2000" b="1" dirty="0" smtClean="0">
+                  <a:solidFill>
+                    <a:schemeClr val="bg1"/>
+                  </a:solidFill>
+                </a:rPr>
+                <a:t>Copilot Account Details</a:t>
               </a:r>
               <a:endParaRPr lang="en-US" sz="2000" dirty="0"/>
             </a:p>
@@ -18625,7 +19965,7 @@
     </p:spTree>
     <p:extLst>
       <p:ext uri="{BB962C8B-B14F-4D97-AF65-F5344CB8AC3E}">
-        <p14:creationId xmlns:p14="http://schemas.microsoft.com/office/powerpoint/2010/main" xmlns="" val="1062629819"/>
+        <p14:creationId xmlns="" xmlns:p14="http://schemas.microsoft.com/office/powerpoint/2010/main" val="1062629819"/>
       </p:ext>
     </p:extLst>
   </p:cSld>
@@ -18647,13 +19987,7 @@
   <p:cSld>
     <p:spTree>
       <p:nvGrpSpPr>
-        <p:cNvPr id="1" name="">
-          <a:extLst>
-            <a:ext uri="{FF2B5EF4-FFF2-40B4-BE49-F238E27FC236}">
-              <a16:creationId xmlns:a16="http://schemas.microsoft.com/office/drawing/2014/main" xmlns="" id="{84808E20-0F1F-533A-B3E6-5B335EB405BC}"/>
-            </a:ext>
-          </a:extLst>
-        </p:cNvPr>
+        <p:cNvPr id="1" name=""/>
         <p:cNvGrpSpPr/>
         <p:nvPr/>
       </p:nvGrpSpPr>
@@ -18665,12 +19999,2648 @@
           <a:chExt cx="0" cy="0"/>
         </a:xfrm>
       </p:grpSpPr>
+      <p:sp useBgFill="1">
+        <p:nvSpPr>
+          <p:cNvPr id="52" name="Rectangle 51">
+            <a:extLst>
+              <a:ext uri="{FF2B5EF4-FFF2-40B4-BE49-F238E27FC236}">
+                <a16:creationId xmlns:a16="http://schemas.microsoft.com/office/drawing/2014/main" xmlns="" id="{643A7A40-1AE6-4218-A8E0-8248174A5377}"/>
+              </a:ext>
+              <a:ext uri="{C183D7F6-B498-43B3-948B-1728B52AA6E4}">
+                <adec:decorative xmlns:adec="http://schemas.microsoft.com/office/drawing/2017/decorative" xmlns="" val="1"/>
+              </a:ext>
+            </a:extLst>
+          </p:cNvPr>
+          <p:cNvSpPr>
+            <a:spLocks noGrp="1" noRot="1" noChangeAspect="1" noMove="1" noResize="1" noEditPoints="1" noAdjustHandles="1" noChangeArrowheads="1" noChangeShapeType="1" noTextEdit="1"/>
+          </p:cNvSpPr>
+          <p:nvPr>
+            <p:extLst>
+              <p:ext uri="{386F3935-93C4-4BCD-93E2-E3B085C9AB24}">
+                <p16:designElem xmlns:p16="http://schemas.microsoft.com/office/powerpoint/2015/main" xmlns="" val="1"/>
+              </p:ext>
+            </p:extLst>
+          </p:nvPr>
+        </p:nvSpPr>
+        <p:spPr>
+          <a:xfrm>
+            <a:off x="-1" y="0"/>
+            <a:ext cx="12192000" cy="6858000"/>
+          </a:xfrm>
+          <a:prstGeom prst="rect">
+            <a:avLst/>
+          </a:prstGeom>
+          <a:ln>
+            <a:noFill/>
+          </a:ln>
+        </p:spPr>
+        <p:style>
+          <a:lnRef idx="2">
+            <a:schemeClr val="accent1">
+              <a:shade val="50000"/>
+            </a:schemeClr>
+          </a:lnRef>
+          <a:fillRef idx="1">
+            <a:schemeClr val="accent1"/>
+          </a:fillRef>
+          <a:effectRef idx="0">
+            <a:schemeClr val="accent1"/>
+          </a:effectRef>
+          <a:fontRef idx="minor">
+            <a:schemeClr val="lt1"/>
+          </a:fontRef>
+        </p:style>
+        <p:txBody>
+          <a:bodyPr rtlCol="0" anchor="ctr"/>
+          <a:lstStyle/>
+          <a:p>
+            <a:pPr algn="ctr"/>
+            <a:endParaRPr lang="en-US"/>
+          </a:p>
+        </p:txBody>
+      </p:sp>
+      <p:sp>
+        <p:nvSpPr>
+          <p:cNvPr id="54" name="Rectangle 53">
+            <a:extLst>
+              <a:ext uri="{FF2B5EF4-FFF2-40B4-BE49-F238E27FC236}">
+                <a16:creationId xmlns:a16="http://schemas.microsoft.com/office/drawing/2014/main" xmlns="" id="{BD8AB40A-4374-4897-B5EE-9F8913476E47}"/>
+              </a:ext>
+              <a:ext uri="{C183D7F6-B498-43B3-948B-1728B52AA6E4}">
+                <adec:decorative xmlns:adec="http://schemas.microsoft.com/office/drawing/2017/decorative" xmlns="" val="1"/>
+              </a:ext>
+            </a:extLst>
+          </p:cNvPr>
+          <p:cNvSpPr>
+            <a:spLocks noGrp="1" noRot="1" noChangeAspect="1" noMove="1" noResize="1" noEditPoints="1" noAdjustHandles="1" noChangeArrowheads="1" noChangeShapeType="1" noTextEdit="1"/>
+          </p:cNvSpPr>
+          <p:nvPr>
+            <p:extLst>
+              <p:ext uri="{386F3935-93C4-4BCD-93E2-E3B085C9AB24}">
+                <p16:designElem xmlns:p16="http://schemas.microsoft.com/office/powerpoint/2015/main" xmlns="" val="1"/>
+              </p:ext>
+            </p:extLst>
+          </p:nvPr>
+        </p:nvSpPr>
+        <p:spPr>
+          <a:xfrm>
+            <a:off x="-3046" y="0"/>
+            <a:ext cx="12192000" cy="6858000"/>
+          </a:xfrm>
+          <a:prstGeom prst="rect">
+            <a:avLst/>
+          </a:prstGeom>
+          <a:solidFill>
+            <a:schemeClr val="bg1"/>
+          </a:solidFill>
+          <a:ln>
+            <a:noFill/>
+          </a:ln>
+        </p:spPr>
+        <p:style>
+          <a:lnRef idx="2">
+            <a:schemeClr val="accent1">
+              <a:shade val="50000"/>
+            </a:schemeClr>
+          </a:lnRef>
+          <a:fillRef idx="1">
+            <a:schemeClr val="accent1"/>
+          </a:fillRef>
+          <a:effectRef idx="0">
+            <a:schemeClr val="accent1"/>
+          </a:effectRef>
+          <a:fontRef idx="minor">
+            <a:schemeClr val="lt1"/>
+          </a:fontRef>
+        </p:style>
+        <p:txBody>
+          <a:bodyPr rtlCol="0" anchor="ctr"/>
+          <a:lstStyle/>
+          <a:p>
+            <a:pPr algn="ctr"/>
+            <a:endParaRPr lang="en-US"/>
+          </a:p>
+        </p:txBody>
+      </p:sp>
+      <p:sp>
+        <p:nvSpPr>
+          <p:cNvPr id="2" name="Title 1">
+            <a:extLst>
+              <a:ext uri="{FF2B5EF4-FFF2-40B4-BE49-F238E27FC236}">
+                <a16:creationId xmlns:a16="http://schemas.microsoft.com/office/drawing/2014/main" xmlns="" id="{74AF2E52-7C44-6021-EB4C-760EB25755E4}"/>
+              </a:ext>
+            </a:extLst>
+          </p:cNvPr>
+          <p:cNvSpPr>
+            <a:spLocks noGrp="1"/>
+          </p:cNvSpPr>
+          <p:nvPr>
+            <p:ph type="title"/>
+          </p:nvPr>
+        </p:nvSpPr>
+        <p:spPr>
+          <a:xfrm>
+            <a:off x="9239892" y="249688"/>
+            <a:ext cx="2855734" cy="2585555"/>
+          </a:xfrm>
+        </p:spPr>
+        <p:txBody>
+          <a:bodyPr vert="horz" lIns="91440" tIns="45720" rIns="91440" bIns="45720" rtlCol="0" anchor="b">
+            <a:normAutofit/>
+          </a:bodyPr>
+          <a:lstStyle/>
+          <a:p>
+            <a:pPr algn="ctr"/>
+            <a:r>
+              <a:rPr lang="en-US" sz="4000" kern="1200" dirty="0">
+                <a:solidFill>
+                  <a:schemeClr val="tx2"/>
+                </a:solidFill>
+                <a:latin typeface="+mj-lt"/>
+                <a:ea typeface="+mj-ea"/>
+                <a:cs typeface="+mj-cs"/>
+              </a:rPr>
+              <a:t>GitHub Copilot Plans</a:t>
+            </a:r>
+          </a:p>
+        </p:txBody>
+      </p:sp>
+      <p:grpSp>
+        <p:nvGrpSpPr>
+          <p:cNvPr id="3" name="Group 55">
+            <a:extLst>
+              <a:ext uri="{FF2B5EF4-FFF2-40B4-BE49-F238E27FC236}">
+                <a16:creationId xmlns:a16="http://schemas.microsoft.com/office/drawing/2014/main" xmlns="" id="{2783379C-045E-4010-ABDC-A270A0AA1068}"/>
+              </a:ext>
+              <a:ext uri="{C183D7F6-B498-43B3-948B-1728B52AA6E4}">
+                <adec:decorative xmlns:adec="http://schemas.microsoft.com/office/drawing/2017/decorative" xmlns="" val="1"/>
+              </a:ext>
+            </a:extLst>
+          </p:cNvPr>
+          <p:cNvGrpSpPr>
+            <a:grpSpLocks noGrp="1" noUngrp="1" noRot="1" noChangeAspect="1" noMove="1" noResize="1"/>
+          </p:cNvGrpSpPr>
+          <p:nvPr>
+            <p:extLst>
+              <p:ext uri="{386F3935-93C4-4BCD-93E2-E3B085C9AB24}">
+                <p16:designElem xmlns:p16="http://schemas.microsoft.com/office/powerpoint/2015/main" xmlns="" val="1"/>
+              </p:ext>
+            </p:extLst>
+          </p:nvPr>
+        </p:nvGrpSpPr>
+        <p:grpSpPr>
+          <a:xfrm rot="16200000" flipH="1">
+            <a:off x="-176401" y="170308"/>
+            <a:ext cx="2514948" cy="2174333"/>
+            <a:chOff x="-305" y="-4155"/>
+            <a:chExt cx="2514948" cy="2174333"/>
+          </a:xfrm>
+        </p:grpSpPr>
+        <p:sp>
+          <p:nvSpPr>
+            <p:cNvPr id="57" name="Freeform: Shape 56">
+              <a:extLst>
+                <a:ext uri="{FF2B5EF4-FFF2-40B4-BE49-F238E27FC236}">
+                  <a16:creationId xmlns:a16="http://schemas.microsoft.com/office/drawing/2014/main" xmlns="" id="{0B0AB1BF-11AE-4CFF-85EC-E51DBD316A03}"/>
+                </a:ext>
+                <a:ext uri="{C183D7F6-B498-43B3-948B-1728B52AA6E4}">
+                  <adec:decorative xmlns:adec="http://schemas.microsoft.com/office/drawing/2017/decorative" xmlns="" val="1"/>
+                </a:ext>
+              </a:extLst>
+            </p:cNvPr>
+            <p:cNvSpPr/>
+            <p:nvPr>
+              <p:extLst>
+                <p:ext uri="{386F3935-93C4-4BCD-93E2-E3B085C9AB24}">
+                  <p16:designElem xmlns:p16="http://schemas.microsoft.com/office/powerpoint/2015/main" xmlns="" val="1"/>
+                </p:ext>
+              </p:extLst>
+            </p:nvPr>
+          </p:nvSpPr>
+          <p:spPr>
+            <a:xfrm>
+              <a:off x="-305" y="0"/>
+              <a:ext cx="2514948" cy="2170178"/>
+            </a:xfrm>
+            <a:custGeom>
+              <a:avLst/>
+              <a:gdLst>
+                <a:gd name="connsiteX0" fmla="*/ 2466091 w 2514948"/>
+                <a:gd name="connsiteY0" fmla="*/ 0 h 2170178"/>
+                <a:gd name="connsiteX1" fmla="*/ 2514948 w 2514948"/>
+                <a:gd name="connsiteY1" fmla="*/ 0 h 2170178"/>
+                <a:gd name="connsiteX2" fmla="*/ 2512286 w 2514948"/>
+                <a:gd name="connsiteY2" fmla="*/ 12375 h 2170178"/>
+                <a:gd name="connsiteX3" fmla="*/ 2394961 w 2514948"/>
+                <a:gd name="connsiteY3" fmla="*/ 368660 h 2170178"/>
+                <a:gd name="connsiteX4" fmla="*/ 2289734 w 2514948"/>
+                <a:gd name="connsiteY4" fmla="*/ 598078 h 2170178"/>
+                <a:gd name="connsiteX5" fmla="*/ 2163747 w 2514948"/>
+                <a:gd name="connsiteY5" fmla="*/ 819078 h 2170178"/>
+                <a:gd name="connsiteX6" fmla="*/ 1852241 w 2514948"/>
+                <a:gd name="connsiteY6" fmla="*/ 1228932 h 2170178"/>
+                <a:gd name="connsiteX7" fmla="*/ 1668235 w 2514948"/>
+                <a:gd name="connsiteY7" fmla="*/ 1413844 h 2170178"/>
+                <a:gd name="connsiteX8" fmla="*/ 1619510 w 2514948"/>
+                <a:gd name="connsiteY8" fmla="*/ 1457722 h 2170178"/>
+                <a:gd name="connsiteX9" fmla="*/ 1569835 w 2514948"/>
+                <a:gd name="connsiteY9" fmla="*/ 1500704 h 2170178"/>
+                <a:gd name="connsiteX10" fmla="*/ 1467169 w 2514948"/>
+                <a:gd name="connsiteY10" fmla="*/ 1583266 h 2170178"/>
+                <a:gd name="connsiteX11" fmla="*/ 1018393 w 2514948"/>
+                <a:gd name="connsiteY11" fmla="*/ 1867576 h 2170178"/>
+                <a:gd name="connsiteX12" fmla="*/ 255857 w 2514948"/>
+                <a:gd name="connsiteY12" fmla="*/ 2133049 h 2170178"/>
+                <a:gd name="connsiteX13" fmla="*/ 0 w 2514948"/>
+                <a:gd name="connsiteY13" fmla="*/ 2170178 h 2170178"/>
+                <a:gd name="connsiteX14" fmla="*/ 0 w 2514948"/>
+                <a:gd name="connsiteY14" fmla="*/ 1940056 h 2170178"/>
+                <a:gd name="connsiteX15" fmla="*/ 201609 w 2514948"/>
+                <a:gd name="connsiteY15" fmla="*/ 1902856 h 2170178"/>
+                <a:gd name="connsiteX16" fmla="*/ 440974 w 2514948"/>
+                <a:gd name="connsiteY16" fmla="*/ 1838472 h 2170178"/>
+                <a:gd name="connsiteX17" fmla="*/ 674558 w 2514948"/>
+                <a:gd name="connsiteY17" fmla="*/ 1756359 h 2170178"/>
+                <a:gd name="connsiteX18" fmla="*/ 901222 w 2514948"/>
+                <a:gd name="connsiteY18" fmla="*/ 1657142 h 2170178"/>
+                <a:gd name="connsiteX19" fmla="*/ 1330943 w 2514948"/>
+                <a:gd name="connsiteY19" fmla="*/ 1413396 h 2170178"/>
+                <a:gd name="connsiteX20" fmla="*/ 1432566 w 2514948"/>
+                <a:gd name="connsiteY20" fmla="*/ 1343193 h 2170178"/>
+                <a:gd name="connsiteX21" fmla="*/ 1482527 w 2514948"/>
+                <a:gd name="connsiteY21" fmla="*/ 1306926 h 2170178"/>
+                <a:gd name="connsiteX22" fmla="*/ 1531821 w 2514948"/>
+                <a:gd name="connsiteY22" fmla="*/ 1269765 h 2170178"/>
+                <a:gd name="connsiteX23" fmla="*/ 1721986 w 2514948"/>
+                <a:gd name="connsiteY23" fmla="*/ 1112073 h 2170178"/>
+                <a:gd name="connsiteX24" fmla="*/ 2061460 w 2514948"/>
+                <a:gd name="connsiteY24" fmla="*/ 754336 h 2170178"/>
+                <a:gd name="connsiteX25" fmla="*/ 2206218 w 2514948"/>
+                <a:gd name="connsiteY25" fmla="*/ 554827 h 2170178"/>
+                <a:gd name="connsiteX26" fmla="*/ 2329455 w 2514948"/>
+                <a:gd name="connsiteY26" fmla="*/ 341886 h 2170178"/>
+                <a:gd name="connsiteX27" fmla="*/ 2356757 w 2514948"/>
+                <a:gd name="connsiteY27" fmla="*/ 286815 h 2170178"/>
+                <a:gd name="connsiteX28" fmla="*/ 2370030 w 2514948"/>
+                <a:gd name="connsiteY28" fmla="*/ 259056 h 2170178"/>
+                <a:gd name="connsiteX29" fmla="*/ 2382637 w 2514948"/>
+                <a:gd name="connsiteY29" fmla="*/ 231028 h 2170178"/>
+                <a:gd name="connsiteX30" fmla="*/ 2406716 w 2514948"/>
+                <a:gd name="connsiteY30" fmla="*/ 174525 h 2170178"/>
+                <a:gd name="connsiteX31" fmla="*/ 2429278 w 2514948"/>
+                <a:gd name="connsiteY31" fmla="*/ 117393 h 2170178"/>
+              </a:gdLst>
+              <a:ahLst/>
+              <a:cxnLst>
+                <a:cxn ang="0">
+                  <a:pos x="connsiteX0" y="connsiteY0"/>
+                </a:cxn>
+                <a:cxn ang="0">
+                  <a:pos x="connsiteX1" y="connsiteY1"/>
+                </a:cxn>
+                <a:cxn ang="0">
+                  <a:pos x="connsiteX2" y="connsiteY2"/>
+                </a:cxn>
+                <a:cxn ang="0">
+                  <a:pos x="connsiteX3" y="connsiteY3"/>
+                </a:cxn>
+                <a:cxn ang="0">
+                  <a:pos x="connsiteX4" y="connsiteY4"/>
+                </a:cxn>
+                <a:cxn ang="0">
+                  <a:pos x="connsiteX5" y="connsiteY5"/>
+                </a:cxn>
+                <a:cxn ang="0">
+                  <a:pos x="connsiteX6" y="connsiteY6"/>
+                </a:cxn>
+                <a:cxn ang="0">
+                  <a:pos x="connsiteX7" y="connsiteY7"/>
+                </a:cxn>
+                <a:cxn ang="0">
+                  <a:pos x="connsiteX8" y="connsiteY8"/>
+                </a:cxn>
+                <a:cxn ang="0">
+                  <a:pos x="connsiteX9" y="connsiteY9"/>
+                </a:cxn>
+                <a:cxn ang="0">
+                  <a:pos x="connsiteX10" y="connsiteY10"/>
+                </a:cxn>
+                <a:cxn ang="0">
+                  <a:pos x="connsiteX11" y="connsiteY11"/>
+                </a:cxn>
+                <a:cxn ang="0">
+                  <a:pos x="connsiteX12" y="connsiteY12"/>
+                </a:cxn>
+                <a:cxn ang="0">
+                  <a:pos x="connsiteX13" y="connsiteY13"/>
+                </a:cxn>
+                <a:cxn ang="0">
+                  <a:pos x="connsiteX14" y="connsiteY14"/>
+                </a:cxn>
+                <a:cxn ang="0">
+                  <a:pos x="connsiteX15" y="connsiteY15"/>
+                </a:cxn>
+                <a:cxn ang="0">
+                  <a:pos x="connsiteX16" y="connsiteY16"/>
+                </a:cxn>
+                <a:cxn ang="0">
+                  <a:pos x="connsiteX17" y="connsiteY17"/>
+                </a:cxn>
+                <a:cxn ang="0">
+                  <a:pos x="connsiteX18" y="connsiteY18"/>
+                </a:cxn>
+                <a:cxn ang="0">
+                  <a:pos x="connsiteX19" y="connsiteY19"/>
+                </a:cxn>
+                <a:cxn ang="0">
+                  <a:pos x="connsiteX20" y="connsiteY20"/>
+                </a:cxn>
+                <a:cxn ang="0">
+                  <a:pos x="connsiteX21" y="connsiteY21"/>
+                </a:cxn>
+                <a:cxn ang="0">
+                  <a:pos x="connsiteX22" y="connsiteY22"/>
+                </a:cxn>
+                <a:cxn ang="0">
+                  <a:pos x="connsiteX23" y="connsiteY23"/>
+                </a:cxn>
+                <a:cxn ang="0">
+                  <a:pos x="connsiteX24" y="connsiteY24"/>
+                </a:cxn>
+                <a:cxn ang="0">
+                  <a:pos x="connsiteX25" y="connsiteY25"/>
+                </a:cxn>
+                <a:cxn ang="0">
+                  <a:pos x="connsiteX26" y="connsiteY26"/>
+                </a:cxn>
+                <a:cxn ang="0">
+                  <a:pos x="connsiteX27" y="connsiteY27"/>
+                </a:cxn>
+                <a:cxn ang="0">
+                  <a:pos x="connsiteX28" y="connsiteY28"/>
+                </a:cxn>
+                <a:cxn ang="0">
+                  <a:pos x="connsiteX29" y="connsiteY29"/>
+                </a:cxn>
+                <a:cxn ang="0">
+                  <a:pos x="connsiteX30" y="connsiteY30"/>
+                </a:cxn>
+                <a:cxn ang="0">
+                  <a:pos x="connsiteX31" y="connsiteY31"/>
+                </a:cxn>
+              </a:cxnLst>
+              <a:rect l="l" t="t" r="r" b="b"/>
+              <a:pathLst>
+                <a:path w="2514948" h="2170178">
+                  <a:moveTo>
+                    <a:pt x="2466091" y="0"/>
+                  </a:moveTo>
+                  <a:lnTo>
+                    <a:pt x="2514948" y="0"/>
+                  </a:lnTo>
+                  <a:lnTo>
+                    <a:pt x="2512286" y="12375"/>
+                  </a:lnTo>
+                  <a:cubicBezTo>
+                    <a:pt x="2481760" y="133161"/>
+                    <a:pt x="2442526" y="252239"/>
+                    <a:pt x="2394961" y="368660"/>
+                  </a:cubicBezTo>
+                  <a:cubicBezTo>
+                    <a:pt x="2363109" y="446208"/>
+                    <a:pt x="2328603" y="523039"/>
+                    <a:pt x="2289734" y="598078"/>
+                  </a:cubicBezTo>
+                  <a:cubicBezTo>
+                    <a:pt x="2251436" y="673387"/>
+                    <a:pt x="2209251" y="747083"/>
+                    <a:pt x="2163747" y="819078"/>
+                  </a:cubicBezTo>
+                  <a:cubicBezTo>
+                    <a:pt x="2072646" y="962979"/>
+                    <a:pt x="1968652" y="1100611"/>
+                    <a:pt x="1852241" y="1228932"/>
+                  </a:cubicBezTo>
+                  <a:cubicBezTo>
+                    <a:pt x="1793748" y="1292868"/>
+                    <a:pt x="1732698" y="1354923"/>
+                    <a:pt x="1668235" y="1413844"/>
+                  </a:cubicBezTo>
+                  <a:cubicBezTo>
+                    <a:pt x="1652214" y="1428709"/>
+                    <a:pt x="1636100" y="1443395"/>
+                    <a:pt x="1619510" y="1457722"/>
+                  </a:cubicBezTo>
+                  <a:cubicBezTo>
+                    <a:pt x="1603015" y="1472140"/>
+                    <a:pt x="1586805" y="1486825"/>
+                    <a:pt x="1569835" y="1500704"/>
+                  </a:cubicBezTo>
+                  <a:cubicBezTo>
+                    <a:pt x="1536276" y="1528911"/>
+                    <a:pt x="1501865" y="1556223"/>
+                    <a:pt x="1467169" y="1583266"/>
+                  </a:cubicBezTo>
+                  <a:cubicBezTo>
+                    <a:pt x="1327719" y="1690722"/>
+                    <a:pt x="1177085" y="1785910"/>
+                    <a:pt x="1018393" y="1867576"/>
+                  </a:cubicBezTo>
+                  <a:cubicBezTo>
+                    <a:pt x="780425" y="1990142"/>
+                    <a:pt x="522567" y="2080875"/>
+                    <a:pt x="255857" y="2133049"/>
+                  </a:cubicBezTo>
+                  <a:lnTo>
+                    <a:pt x="0" y="2170178"/>
+                  </a:lnTo>
+                  <a:lnTo>
+                    <a:pt x="0" y="1940056"/>
+                  </a:lnTo>
+                  <a:lnTo>
+                    <a:pt x="201609" y="1902856"/>
+                  </a:lnTo>
+                  <a:cubicBezTo>
+                    <a:pt x="282186" y="1884231"/>
+                    <a:pt x="362102" y="1863008"/>
+                    <a:pt x="440974" y="1838472"/>
+                  </a:cubicBezTo>
+                  <a:cubicBezTo>
+                    <a:pt x="519848" y="1814027"/>
+                    <a:pt x="597771" y="1786627"/>
+                    <a:pt x="674558" y="1756359"/>
+                  </a:cubicBezTo>
+                  <a:cubicBezTo>
+                    <a:pt x="751250" y="1726003"/>
+                    <a:pt x="826900" y="1692870"/>
+                    <a:pt x="901222" y="1657142"/>
+                  </a:cubicBezTo>
+                  <a:cubicBezTo>
+                    <a:pt x="1049865" y="1585774"/>
+                    <a:pt x="1193581" y="1504376"/>
+                    <a:pt x="1330943" y="1413396"/>
+                  </a:cubicBezTo>
+                  <a:cubicBezTo>
+                    <a:pt x="1365165" y="1390563"/>
+                    <a:pt x="1399293" y="1367370"/>
+                    <a:pt x="1432566" y="1343193"/>
+                  </a:cubicBezTo>
+                  <a:cubicBezTo>
+                    <a:pt x="1449441" y="1331373"/>
+                    <a:pt x="1465936" y="1319104"/>
+                    <a:pt x="1482527" y="1306926"/>
+                  </a:cubicBezTo>
+                  <a:cubicBezTo>
+                    <a:pt x="1499210" y="1294837"/>
+                    <a:pt x="1515611" y="1282391"/>
+                    <a:pt x="1531821" y="1269765"/>
+                  </a:cubicBezTo>
+                  <a:cubicBezTo>
+                    <a:pt x="1596947" y="1219350"/>
+                    <a:pt x="1660652" y="1167055"/>
+                    <a:pt x="1721986" y="1112073"/>
+                  </a:cubicBezTo>
+                  <a:cubicBezTo>
+                    <a:pt x="1844940" y="1002469"/>
+                    <a:pt x="1958983" y="882926"/>
+                    <a:pt x="2061460" y="754336"/>
+                  </a:cubicBezTo>
+                  <a:cubicBezTo>
+                    <a:pt x="2112652" y="690042"/>
+                    <a:pt x="2161094" y="623510"/>
+                    <a:pt x="2206218" y="554827"/>
+                  </a:cubicBezTo>
+                  <a:cubicBezTo>
+                    <a:pt x="2250583" y="485787"/>
+                    <a:pt x="2292484" y="415046"/>
+                    <a:pt x="2329455" y="341886"/>
+                  </a:cubicBezTo>
+                  <a:cubicBezTo>
+                    <a:pt x="2339030" y="323709"/>
+                    <a:pt x="2347941" y="305261"/>
+                    <a:pt x="2356757" y="286815"/>
+                  </a:cubicBezTo>
+                  <a:lnTo>
+                    <a:pt x="2370030" y="259056"/>
+                  </a:lnTo>
+                  <a:lnTo>
+                    <a:pt x="2382637" y="231028"/>
+                  </a:lnTo>
+                  <a:cubicBezTo>
+                    <a:pt x="2390885" y="212312"/>
+                    <a:pt x="2399227" y="193598"/>
+                    <a:pt x="2406716" y="174525"/>
+                  </a:cubicBezTo>
+                  <a:cubicBezTo>
+                    <a:pt x="2414206" y="155452"/>
+                    <a:pt x="2422453" y="136646"/>
+                    <a:pt x="2429278" y="117393"/>
+                  </a:cubicBezTo>
+                  <a:close/>
+                </a:path>
+              </a:pathLst>
+            </a:custGeom>
+            <a:gradFill>
+              <a:gsLst>
+                <a:gs pos="2000">
+                  <a:schemeClr val="bg1">
+                    <a:alpha val="10000"/>
+                  </a:schemeClr>
+                </a:gs>
+                <a:gs pos="16000">
+                  <a:schemeClr val="accent6">
+                    <a:alpha val="10000"/>
+                  </a:schemeClr>
+                </a:gs>
+                <a:gs pos="100000">
+                  <a:schemeClr val="bg1">
+                    <a:alpha val="10000"/>
+                  </a:schemeClr>
+                </a:gs>
+                <a:gs pos="85000">
+                  <a:schemeClr val="accent1">
+                    <a:alpha val="10000"/>
+                  </a:schemeClr>
+                </a:gs>
+              </a:gsLst>
+              <a:lin ang="12000000" scaled="0"/>
+            </a:gradFill>
+            <a:ln>
+              <a:noFill/>
+            </a:ln>
+          </p:spPr>
+          <p:style>
+            <a:lnRef idx="2">
+              <a:schemeClr val="accent1">
+                <a:shade val="50000"/>
+              </a:schemeClr>
+            </a:lnRef>
+            <a:fillRef idx="1">
+              <a:schemeClr val="accent1"/>
+            </a:fillRef>
+            <a:effectRef idx="0">
+              <a:schemeClr val="accent1"/>
+            </a:effectRef>
+            <a:fontRef idx="minor">
+              <a:schemeClr val="lt1"/>
+            </a:fontRef>
+          </p:style>
+          <p:txBody>
+            <a:bodyPr rtlCol="0" anchor="ctr"/>
+            <a:lstStyle/>
+            <a:p>
+              <a:pPr algn="ctr"/>
+              <a:endParaRPr lang="en-US"/>
+            </a:p>
+          </p:txBody>
+        </p:sp>
+        <p:sp>
+          <p:nvSpPr>
+            <p:cNvPr id="58" name="Freeform: Shape 57">
+              <a:extLst>
+                <a:ext uri="{FF2B5EF4-FFF2-40B4-BE49-F238E27FC236}">
+                  <a16:creationId xmlns:a16="http://schemas.microsoft.com/office/drawing/2014/main" xmlns="" id="{526548A0-953E-4FBA-97A5-592ACAF42A36}"/>
+                </a:ext>
+                <a:ext uri="{C183D7F6-B498-43B3-948B-1728B52AA6E4}">
+                  <adec:decorative xmlns:adec="http://schemas.microsoft.com/office/drawing/2017/decorative" xmlns="" val="1"/>
+                </a:ext>
+              </a:extLst>
+            </p:cNvPr>
+            <p:cNvSpPr/>
+            <p:nvPr>
+              <p:extLst>
+                <p:ext uri="{386F3935-93C4-4BCD-93E2-E3B085C9AB24}">
+                  <p16:designElem xmlns:p16="http://schemas.microsoft.com/office/powerpoint/2015/main" xmlns="" val="1"/>
+                </p:ext>
+              </p:extLst>
+            </p:nvPr>
+          </p:nvSpPr>
+          <p:spPr>
+            <a:xfrm>
+              <a:off x="-305" y="-4155"/>
+              <a:ext cx="2493062" cy="1947896"/>
+            </a:xfrm>
+            <a:custGeom>
+              <a:avLst/>
+              <a:gdLst>
+                <a:gd name="connsiteX0" fmla="*/ 1896911 w 2493062"/>
+                <a:gd name="connsiteY0" fmla="*/ 0 h 1947896"/>
+                <a:gd name="connsiteX1" fmla="*/ 2493062 w 2493062"/>
+                <a:gd name="connsiteY1" fmla="*/ 0 h 1947896"/>
+                <a:gd name="connsiteX2" fmla="*/ 2435315 w 2493062"/>
+                <a:gd name="connsiteY2" fmla="*/ 178165 h 1947896"/>
+                <a:gd name="connsiteX3" fmla="*/ 93066 w 2493062"/>
+                <a:gd name="connsiteY3" fmla="*/ 1935859 h 1947896"/>
+                <a:gd name="connsiteX4" fmla="*/ 0 w 2493062"/>
+                <a:gd name="connsiteY4" fmla="*/ 1947896 h 1947896"/>
+                <a:gd name="connsiteX5" fmla="*/ 0 w 2493062"/>
+                <a:gd name="connsiteY5" fmla="*/ 1404756 h 1947896"/>
+                <a:gd name="connsiteX6" fmla="*/ 17392 w 2493062"/>
+                <a:gd name="connsiteY6" fmla="*/ 1402364 h 1947896"/>
+                <a:gd name="connsiteX7" fmla="*/ 464249 w 2493062"/>
+                <a:gd name="connsiteY7" fmla="*/ 1281208 h 1947896"/>
+                <a:gd name="connsiteX8" fmla="*/ 1260556 w 2493062"/>
+                <a:gd name="connsiteY8" fmla="*/ 833835 h 1947896"/>
+                <a:gd name="connsiteX9" fmla="*/ 1807924 w 2493062"/>
+                <a:gd name="connsiteY9" fmla="*/ 193222 h 1947896"/>
+                <a:gd name="connsiteX10" fmla="*/ 1874357 w 2493062"/>
+                <a:gd name="connsiteY10" fmla="*/ 58333 h 1947896"/>
+              </a:gdLst>
+              <a:ahLst/>
+              <a:cxnLst>
+                <a:cxn ang="0">
+                  <a:pos x="connsiteX0" y="connsiteY0"/>
+                </a:cxn>
+                <a:cxn ang="0">
+                  <a:pos x="connsiteX1" y="connsiteY1"/>
+                </a:cxn>
+                <a:cxn ang="0">
+                  <a:pos x="connsiteX2" y="connsiteY2"/>
+                </a:cxn>
+                <a:cxn ang="0">
+                  <a:pos x="connsiteX3" y="connsiteY3"/>
+                </a:cxn>
+                <a:cxn ang="0">
+                  <a:pos x="connsiteX4" y="connsiteY4"/>
+                </a:cxn>
+                <a:cxn ang="0">
+                  <a:pos x="connsiteX5" y="connsiteY5"/>
+                </a:cxn>
+                <a:cxn ang="0">
+                  <a:pos x="connsiteX6" y="connsiteY6"/>
+                </a:cxn>
+                <a:cxn ang="0">
+                  <a:pos x="connsiteX7" y="connsiteY7"/>
+                </a:cxn>
+                <a:cxn ang="0">
+                  <a:pos x="connsiteX8" y="connsiteY8"/>
+                </a:cxn>
+                <a:cxn ang="0">
+                  <a:pos x="connsiteX9" y="connsiteY9"/>
+                </a:cxn>
+                <a:cxn ang="0">
+                  <a:pos x="connsiteX10" y="connsiteY10"/>
+                </a:cxn>
+              </a:cxnLst>
+              <a:rect l="l" t="t" r="r" b="b"/>
+              <a:pathLst>
+                <a:path w="2493062" h="1947896">
+                  <a:moveTo>
+                    <a:pt x="1896911" y="0"/>
+                  </a:moveTo>
+                  <a:lnTo>
+                    <a:pt x="2493062" y="0"/>
+                  </a:lnTo>
+                  <a:lnTo>
+                    <a:pt x="2435315" y="178165"/>
+                  </a:lnTo>
+                  <a:cubicBezTo>
+                    <a:pt x="2088122" y="1071812"/>
+                    <a:pt x="1129732" y="1758033"/>
+                    <a:pt x="93066" y="1935859"/>
+                  </a:cubicBezTo>
+                  <a:lnTo>
+                    <a:pt x="0" y="1947896"/>
+                  </a:lnTo>
+                  <a:lnTo>
+                    <a:pt x="0" y="1404756"/>
+                  </a:lnTo>
+                  <a:lnTo>
+                    <a:pt x="17392" y="1402364"/>
+                  </a:lnTo>
+                  <a:cubicBezTo>
+                    <a:pt x="167719" y="1375030"/>
+                    <a:pt x="318070" y="1334398"/>
+                    <a:pt x="464249" y="1281208"/>
+                  </a:cubicBezTo>
+                  <a:cubicBezTo>
+                    <a:pt x="753480" y="1176081"/>
+                    <a:pt x="1028869" y="1021346"/>
+                    <a:pt x="1260556" y="833835"/>
+                  </a:cubicBezTo>
+                  <a:cubicBezTo>
+                    <a:pt x="1491960" y="646594"/>
+                    <a:pt x="1681177" y="425056"/>
+                    <a:pt x="1807924" y="193222"/>
+                  </a:cubicBezTo>
+                  <a:cubicBezTo>
+                    <a:pt x="1832328" y="148578"/>
+                    <a:pt x="1854477" y="103599"/>
+                    <a:pt x="1874357" y="58333"/>
+                  </a:cubicBezTo>
+                  <a:close/>
+                </a:path>
+              </a:pathLst>
+            </a:custGeom>
+            <a:gradFill>
+              <a:gsLst>
+                <a:gs pos="2000">
+                  <a:schemeClr val="bg1">
+                    <a:alpha val="10000"/>
+                  </a:schemeClr>
+                </a:gs>
+                <a:gs pos="16000">
+                  <a:schemeClr val="accent6">
+                    <a:alpha val="10000"/>
+                  </a:schemeClr>
+                </a:gs>
+                <a:gs pos="100000">
+                  <a:schemeClr val="bg1">
+                    <a:alpha val="10000"/>
+                  </a:schemeClr>
+                </a:gs>
+                <a:gs pos="85000">
+                  <a:schemeClr val="accent1">
+                    <a:alpha val="10000"/>
+                  </a:schemeClr>
+                </a:gs>
+              </a:gsLst>
+              <a:lin ang="12000000" scaled="0"/>
+            </a:gradFill>
+            <a:ln>
+              <a:noFill/>
+            </a:ln>
+          </p:spPr>
+          <p:style>
+            <a:lnRef idx="2">
+              <a:schemeClr val="accent1">
+                <a:shade val="50000"/>
+              </a:schemeClr>
+            </a:lnRef>
+            <a:fillRef idx="1">
+              <a:schemeClr val="accent1"/>
+            </a:fillRef>
+            <a:effectRef idx="0">
+              <a:schemeClr val="accent1"/>
+            </a:effectRef>
+            <a:fontRef idx="minor">
+              <a:schemeClr val="lt1"/>
+            </a:fontRef>
+          </p:style>
+          <p:txBody>
+            <a:bodyPr rtlCol="0" anchor="ctr"/>
+            <a:lstStyle/>
+            <a:p>
+              <a:pPr algn="ctr"/>
+              <a:endParaRPr lang="en-US"/>
+            </a:p>
+          </p:txBody>
+        </p:sp>
+        <p:sp>
+          <p:nvSpPr>
+            <p:cNvPr id="59" name="Freeform: Shape 58">
+              <a:extLst>
+                <a:ext uri="{FF2B5EF4-FFF2-40B4-BE49-F238E27FC236}">
+                  <a16:creationId xmlns:a16="http://schemas.microsoft.com/office/drawing/2014/main" xmlns="" id="{F84FA27B-CD1F-421B-BB4F-B141F02FF471}"/>
+                </a:ext>
+                <a:ext uri="{C183D7F6-B498-43B3-948B-1728B52AA6E4}">
+                  <adec:decorative xmlns:adec="http://schemas.microsoft.com/office/drawing/2017/decorative" xmlns="" val="1"/>
+                </a:ext>
+              </a:extLst>
+            </p:cNvPr>
+            <p:cNvSpPr/>
+            <p:nvPr>
+              <p:extLst>
+                <p:ext uri="{386F3935-93C4-4BCD-93E2-E3B085C9AB24}">
+                  <p16:designElem xmlns:p16="http://schemas.microsoft.com/office/powerpoint/2015/main" xmlns="" val="1"/>
+                </p:ext>
+              </p:extLst>
+            </p:nvPr>
+          </p:nvSpPr>
+          <p:spPr>
+            <a:xfrm>
+              <a:off x="-305" y="0"/>
+              <a:ext cx="2501089" cy="1972702"/>
+            </a:xfrm>
+            <a:custGeom>
+              <a:avLst/>
+              <a:gdLst>
+                <a:gd name="connsiteX0" fmla="*/ 2318728 w 2501089"/>
+                <a:gd name="connsiteY0" fmla="*/ 0 h 1972702"/>
+                <a:gd name="connsiteX1" fmla="*/ 2501089 w 2501089"/>
+                <a:gd name="connsiteY1" fmla="*/ 0 h 1972702"/>
+                <a:gd name="connsiteX2" fmla="*/ 2453909 w 2501089"/>
+                <a:gd name="connsiteY2" fmla="*/ 167837 h 1972702"/>
+                <a:gd name="connsiteX3" fmla="*/ 2361125 w 2501089"/>
+                <a:gd name="connsiteY3" fmla="*/ 392084 h 1972702"/>
+                <a:gd name="connsiteX4" fmla="*/ 1768255 w 2501089"/>
+                <a:gd name="connsiteY4" fmla="*/ 1167644 h 1972702"/>
+                <a:gd name="connsiteX5" fmla="*/ 1375125 w 2501089"/>
+                <a:gd name="connsiteY5" fmla="*/ 1471474 h 1972702"/>
+                <a:gd name="connsiteX6" fmla="*/ 935735 w 2501089"/>
+                <a:gd name="connsiteY6" fmla="*/ 1712713 h 1972702"/>
+                <a:gd name="connsiteX7" fmla="*/ 212353 w 2501089"/>
+                <a:gd name="connsiteY7" fmla="*/ 1940294 h 1972702"/>
+                <a:gd name="connsiteX8" fmla="*/ 0 w 2501089"/>
+                <a:gd name="connsiteY8" fmla="*/ 1972702 h 1972702"/>
+                <a:gd name="connsiteX9" fmla="*/ 0 w 2501089"/>
+                <a:gd name="connsiteY9" fmla="*/ 1732181 h 1972702"/>
+                <a:gd name="connsiteX10" fmla="*/ 161195 w 2501089"/>
+                <a:gd name="connsiteY10" fmla="*/ 1706590 h 1972702"/>
+                <a:gd name="connsiteX11" fmla="*/ 388463 w 2501089"/>
+                <a:gd name="connsiteY11" fmla="*/ 1652268 h 1972702"/>
+                <a:gd name="connsiteX12" fmla="*/ 826716 w 2501089"/>
+                <a:gd name="connsiteY12" fmla="*/ 1493950 h 1972702"/>
+                <a:gd name="connsiteX13" fmla="*/ 1609847 w 2501089"/>
+                <a:gd name="connsiteY13" fmla="*/ 1007535 h 1972702"/>
+                <a:gd name="connsiteX14" fmla="*/ 1929982 w 2501089"/>
+                <a:gd name="connsiteY14" fmla="*/ 682930 h 1972702"/>
+                <a:gd name="connsiteX15" fmla="*/ 2183093 w 2501089"/>
+                <a:gd name="connsiteY15" fmla="*/ 310149 h 1972702"/>
+                <a:gd name="connsiteX16" fmla="*/ 2280286 w 2501089"/>
+                <a:gd name="connsiteY16" fmla="*/ 108435 h 1972702"/>
+              </a:gdLst>
+              <a:ahLst/>
+              <a:cxnLst>
+                <a:cxn ang="0">
+                  <a:pos x="connsiteX0" y="connsiteY0"/>
+                </a:cxn>
+                <a:cxn ang="0">
+                  <a:pos x="connsiteX1" y="connsiteY1"/>
+                </a:cxn>
+                <a:cxn ang="0">
+                  <a:pos x="connsiteX2" y="connsiteY2"/>
+                </a:cxn>
+                <a:cxn ang="0">
+                  <a:pos x="connsiteX3" y="connsiteY3"/>
+                </a:cxn>
+                <a:cxn ang="0">
+                  <a:pos x="connsiteX4" y="connsiteY4"/>
+                </a:cxn>
+                <a:cxn ang="0">
+                  <a:pos x="connsiteX5" y="connsiteY5"/>
+                </a:cxn>
+                <a:cxn ang="0">
+                  <a:pos x="connsiteX6" y="connsiteY6"/>
+                </a:cxn>
+                <a:cxn ang="0">
+                  <a:pos x="connsiteX7" y="connsiteY7"/>
+                </a:cxn>
+                <a:cxn ang="0">
+                  <a:pos x="connsiteX8" y="connsiteY8"/>
+                </a:cxn>
+                <a:cxn ang="0">
+                  <a:pos x="connsiteX9" y="connsiteY9"/>
+                </a:cxn>
+                <a:cxn ang="0">
+                  <a:pos x="connsiteX10" y="connsiteY10"/>
+                </a:cxn>
+                <a:cxn ang="0">
+                  <a:pos x="connsiteX11" y="connsiteY11"/>
+                </a:cxn>
+                <a:cxn ang="0">
+                  <a:pos x="connsiteX12" y="connsiteY12"/>
+                </a:cxn>
+                <a:cxn ang="0">
+                  <a:pos x="connsiteX13" y="connsiteY13"/>
+                </a:cxn>
+                <a:cxn ang="0">
+                  <a:pos x="connsiteX14" y="connsiteY14"/>
+                </a:cxn>
+                <a:cxn ang="0">
+                  <a:pos x="connsiteX15" y="connsiteY15"/>
+                </a:cxn>
+                <a:cxn ang="0">
+                  <a:pos x="connsiteX16" y="connsiteY16"/>
+                </a:cxn>
+              </a:cxnLst>
+              <a:rect l="l" t="t" r="r" b="b"/>
+              <a:pathLst>
+                <a:path w="2501089" h="1972702">
+                  <a:moveTo>
+                    <a:pt x="2318728" y="0"/>
+                  </a:moveTo>
+                  <a:lnTo>
+                    <a:pt x="2501089" y="0"/>
+                  </a:lnTo>
+                  <a:lnTo>
+                    <a:pt x="2453909" y="167837"/>
+                  </a:lnTo>
+                  <a:cubicBezTo>
+                    <a:pt x="2427555" y="244153"/>
+                    <a:pt x="2396627" y="319103"/>
+                    <a:pt x="2361125" y="392084"/>
+                  </a:cubicBezTo>
+                  <a:cubicBezTo>
+                    <a:pt x="2218453" y="684005"/>
+                    <a:pt x="2011698" y="945211"/>
+                    <a:pt x="1768255" y="1167644"/>
+                  </a:cubicBezTo>
+                  <a:cubicBezTo>
+                    <a:pt x="1646250" y="1278860"/>
+                    <a:pt x="1514385" y="1380316"/>
+                    <a:pt x="1375125" y="1471474"/>
+                  </a:cubicBezTo>
+                  <a:cubicBezTo>
+                    <a:pt x="1235677" y="1562542"/>
+                    <a:pt x="1088928" y="1643672"/>
+                    <a:pt x="935735" y="1712713"/>
+                  </a:cubicBezTo>
+                  <a:cubicBezTo>
+                    <a:pt x="705659" y="1815533"/>
+                    <a:pt x="462359" y="1892212"/>
+                    <a:pt x="212353" y="1940294"/>
+                  </a:cubicBezTo>
+                  <a:lnTo>
+                    <a:pt x="0" y="1972702"/>
+                  </a:lnTo>
+                  <a:lnTo>
+                    <a:pt x="0" y="1732181"/>
+                  </a:lnTo>
+                  <a:lnTo>
+                    <a:pt x="161195" y="1706590"/>
+                  </a:lnTo>
+                  <a:cubicBezTo>
+                    <a:pt x="237638" y="1691378"/>
+                    <a:pt x="313477" y="1673222"/>
+                    <a:pt x="388463" y="1652268"/>
+                  </a:cubicBezTo>
+                  <a:cubicBezTo>
+                    <a:pt x="538529" y="1610539"/>
+                    <a:pt x="684898" y="1556543"/>
+                    <a:pt x="826716" y="1493950"/>
+                  </a:cubicBezTo>
+                  <a:cubicBezTo>
+                    <a:pt x="1111207" y="1370107"/>
+                    <a:pt x="1376832" y="1205881"/>
+                    <a:pt x="1609847" y="1007535"/>
+                  </a:cubicBezTo>
+                  <a:cubicBezTo>
+                    <a:pt x="1725975" y="908049"/>
+                    <a:pt x="1833571" y="799519"/>
+                    <a:pt x="1929982" y="682930"/>
+                  </a:cubicBezTo>
+                  <a:cubicBezTo>
+                    <a:pt x="2026581" y="566520"/>
+                    <a:pt x="2111806" y="441692"/>
+                    <a:pt x="2183093" y="310149"/>
+                  </a:cubicBezTo>
+                  <a:cubicBezTo>
+                    <a:pt x="2218738" y="244422"/>
+                    <a:pt x="2251396" y="177150"/>
+                    <a:pt x="2280286" y="108435"/>
+                  </a:cubicBezTo>
+                  <a:close/>
+                </a:path>
+              </a:pathLst>
+            </a:custGeom>
+            <a:gradFill>
+              <a:gsLst>
+                <a:gs pos="2000">
+                  <a:schemeClr val="bg1">
+                    <a:alpha val="10000"/>
+                  </a:schemeClr>
+                </a:gs>
+                <a:gs pos="16000">
+                  <a:schemeClr val="accent6">
+                    <a:alpha val="10000"/>
+                  </a:schemeClr>
+                </a:gs>
+                <a:gs pos="100000">
+                  <a:schemeClr val="bg1">
+                    <a:alpha val="10000"/>
+                  </a:schemeClr>
+                </a:gs>
+                <a:gs pos="85000">
+                  <a:schemeClr val="accent1">
+                    <a:alpha val="10000"/>
+                  </a:schemeClr>
+                </a:gs>
+              </a:gsLst>
+              <a:lin ang="12000000" scaled="0"/>
+            </a:gradFill>
+            <a:ln>
+              <a:noFill/>
+            </a:ln>
+          </p:spPr>
+          <p:style>
+            <a:lnRef idx="2">
+              <a:schemeClr val="accent1">
+                <a:shade val="50000"/>
+              </a:schemeClr>
+            </a:lnRef>
+            <a:fillRef idx="1">
+              <a:schemeClr val="accent1"/>
+            </a:fillRef>
+            <a:effectRef idx="0">
+              <a:schemeClr val="accent1"/>
+            </a:effectRef>
+            <a:fontRef idx="minor">
+              <a:schemeClr val="lt1"/>
+            </a:fontRef>
+          </p:style>
+          <p:txBody>
+            <a:bodyPr wrap="square" rtlCol="0" anchor="ctr">
+              <a:noAutofit/>
+            </a:bodyPr>
+            <a:lstStyle/>
+            <a:p>
+              <a:pPr algn="ctr"/>
+              <a:endParaRPr lang="en-US" sz="800"/>
+            </a:p>
+          </p:txBody>
+        </p:sp>
+        <p:sp>
+          <p:nvSpPr>
+            <p:cNvPr id="60" name="Freeform: Shape 59">
+              <a:extLst>
+                <a:ext uri="{FF2B5EF4-FFF2-40B4-BE49-F238E27FC236}">
+                  <a16:creationId xmlns:a16="http://schemas.microsoft.com/office/drawing/2014/main" xmlns="" id="{3CDBD6AB-1AC7-4807-9C34-01139BB7C22A}"/>
+                </a:ext>
+                <a:ext uri="{C183D7F6-B498-43B3-948B-1728B52AA6E4}">
+                  <adec:decorative xmlns:adec="http://schemas.microsoft.com/office/drawing/2017/decorative" xmlns="" val="1"/>
+                </a:ext>
+              </a:extLst>
+            </p:cNvPr>
+            <p:cNvSpPr/>
+            <p:nvPr>
+              <p:extLst>
+                <p:ext uri="{386F3935-93C4-4BCD-93E2-E3B085C9AB24}">
+                  <p16:designElem xmlns:p16="http://schemas.microsoft.com/office/powerpoint/2015/main" xmlns="" val="1"/>
+                </p:ext>
+              </p:extLst>
+            </p:nvPr>
+          </p:nvSpPr>
+          <p:spPr>
+            <a:xfrm>
+              <a:off x="305" y="1"/>
+              <a:ext cx="2491105" cy="1943661"/>
+            </a:xfrm>
+            <a:custGeom>
+              <a:avLst/>
+              <a:gdLst>
+                <a:gd name="connsiteX0" fmla="*/ 1995408 w 2491105"/>
+                <a:gd name="connsiteY0" fmla="*/ 0 h 1943661"/>
+                <a:gd name="connsiteX1" fmla="*/ 2491105 w 2491105"/>
+                <a:gd name="connsiteY1" fmla="*/ 0 h 1943661"/>
+                <a:gd name="connsiteX2" fmla="*/ 2434705 w 2491105"/>
+                <a:gd name="connsiteY2" fmla="*/ 174009 h 1943661"/>
+                <a:gd name="connsiteX3" fmla="*/ 92457 w 2491105"/>
+                <a:gd name="connsiteY3" fmla="*/ 1931703 h 1943661"/>
+                <a:gd name="connsiteX4" fmla="*/ 0 w 2491105"/>
+                <a:gd name="connsiteY4" fmla="*/ 1943661 h 1943661"/>
+                <a:gd name="connsiteX5" fmla="*/ 0 w 2491105"/>
+                <a:gd name="connsiteY5" fmla="*/ 1491489 h 1943661"/>
+                <a:gd name="connsiteX6" fmla="*/ 34107 w 2491105"/>
+                <a:gd name="connsiteY6" fmla="*/ 1486836 h 1943661"/>
+                <a:gd name="connsiteX7" fmla="*/ 497577 w 2491105"/>
+                <a:gd name="connsiteY7" fmla="*/ 1360598 h 1943661"/>
+                <a:gd name="connsiteX8" fmla="*/ 1321566 w 2491105"/>
+                <a:gd name="connsiteY8" fmla="*/ 897645 h 1943661"/>
+                <a:gd name="connsiteX9" fmla="*/ 1891495 w 2491105"/>
+                <a:gd name="connsiteY9" fmla="*/ 230078 h 1943661"/>
+                <a:gd name="connsiteX10" fmla="*/ 1961469 w 2491105"/>
+                <a:gd name="connsiteY10" fmla="*/ 87885 h 1943661"/>
+              </a:gdLst>
+              <a:ahLst/>
+              <a:cxnLst>
+                <a:cxn ang="0">
+                  <a:pos x="connsiteX0" y="connsiteY0"/>
+                </a:cxn>
+                <a:cxn ang="0">
+                  <a:pos x="connsiteX1" y="connsiteY1"/>
+                </a:cxn>
+                <a:cxn ang="0">
+                  <a:pos x="connsiteX2" y="connsiteY2"/>
+                </a:cxn>
+                <a:cxn ang="0">
+                  <a:pos x="connsiteX3" y="connsiteY3"/>
+                </a:cxn>
+                <a:cxn ang="0">
+                  <a:pos x="connsiteX4" y="connsiteY4"/>
+                </a:cxn>
+                <a:cxn ang="0">
+                  <a:pos x="connsiteX5" y="connsiteY5"/>
+                </a:cxn>
+                <a:cxn ang="0">
+                  <a:pos x="connsiteX6" y="connsiteY6"/>
+                </a:cxn>
+                <a:cxn ang="0">
+                  <a:pos x="connsiteX7" y="connsiteY7"/>
+                </a:cxn>
+                <a:cxn ang="0">
+                  <a:pos x="connsiteX8" y="connsiteY8"/>
+                </a:cxn>
+                <a:cxn ang="0">
+                  <a:pos x="connsiteX9" y="connsiteY9"/>
+                </a:cxn>
+                <a:cxn ang="0">
+                  <a:pos x="connsiteX10" y="connsiteY10"/>
+                </a:cxn>
+              </a:cxnLst>
+              <a:rect l="l" t="t" r="r" b="b"/>
+              <a:pathLst>
+                <a:path w="2491105" h="1943661">
+                  <a:moveTo>
+                    <a:pt x="1995408" y="0"/>
+                  </a:moveTo>
+                  <a:lnTo>
+                    <a:pt x="2491105" y="0"/>
+                  </a:lnTo>
+                  <a:lnTo>
+                    <a:pt x="2434705" y="174009"/>
+                  </a:lnTo>
+                  <a:cubicBezTo>
+                    <a:pt x="2087512" y="1067655"/>
+                    <a:pt x="1129122" y="1753877"/>
+                    <a:pt x="92457" y="1931703"/>
+                  </a:cubicBezTo>
+                  <a:lnTo>
+                    <a:pt x="0" y="1943661"/>
+                  </a:lnTo>
+                  <a:lnTo>
+                    <a:pt x="0" y="1491489"/>
+                  </a:lnTo>
+                  <a:lnTo>
+                    <a:pt x="34107" y="1486836"/>
+                  </a:lnTo>
+                  <a:cubicBezTo>
+                    <a:pt x="189055" y="1458696"/>
+                    <a:pt x="343908" y="1416565"/>
+                    <a:pt x="497577" y="1360598"/>
+                  </a:cubicBezTo>
+                  <a:cubicBezTo>
+                    <a:pt x="796856" y="1251889"/>
+                    <a:pt x="1081725" y="1091781"/>
+                    <a:pt x="1321566" y="897645"/>
+                  </a:cubicBezTo>
+                  <a:cubicBezTo>
+                    <a:pt x="1565577" y="700195"/>
+                    <a:pt x="1757355" y="475523"/>
+                    <a:pt x="1891495" y="230078"/>
+                  </a:cubicBezTo>
+                  <a:cubicBezTo>
+                    <a:pt x="1917197" y="183033"/>
+                    <a:pt x="1940526" y="135619"/>
+                    <a:pt x="1961469" y="87885"/>
+                  </a:cubicBezTo>
+                  <a:close/>
+                </a:path>
+              </a:pathLst>
+            </a:custGeom>
+            <a:gradFill>
+              <a:gsLst>
+                <a:gs pos="2000">
+                  <a:schemeClr val="bg1">
+                    <a:alpha val="10000"/>
+                  </a:schemeClr>
+                </a:gs>
+                <a:gs pos="16000">
+                  <a:schemeClr val="accent6">
+                    <a:alpha val="10000"/>
+                  </a:schemeClr>
+                </a:gs>
+                <a:gs pos="100000">
+                  <a:schemeClr val="bg1">
+                    <a:alpha val="10000"/>
+                  </a:schemeClr>
+                </a:gs>
+                <a:gs pos="85000">
+                  <a:schemeClr val="accent1">
+                    <a:alpha val="10000"/>
+                  </a:schemeClr>
+                </a:gs>
+              </a:gsLst>
+              <a:lin ang="12000000" scaled="0"/>
+            </a:gradFill>
+            <a:ln>
+              <a:noFill/>
+            </a:ln>
+          </p:spPr>
+          <p:style>
+            <a:lnRef idx="2">
+              <a:schemeClr val="accent1">
+                <a:shade val="50000"/>
+              </a:schemeClr>
+            </a:lnRef>
+            <a:fillRef idx="1">
+              <a:schemeClr val="accent1"/>
+            </a:fillRef>
+            <a:effectRef idx="0">
+              <a:schemeClr val="accent1"/>
+            </a:effectRef>
+            <a:fontRef idx="minor">
+              <a:schemeClr val="lt1"/>
+            </a:fontRef>
+          </p:style>
+          <p:txBody>
+            <a:bodyPr rtlCol="0" anchor="ctr"/>
+            <a:lstStyle/>
+            <a:p>
+              <a:pPr algn="ctr"/>
+              <a:endParaRPr lang="en-US" dirty="0"/>
+            </a:p>
+          </p:txBody>
+        </p:sp>
+      </p:grpSp>
       <p:pic>
         <p:nvPicPr>
-          <p:cNvPr id="3" name="Picture 2" descr="WhatsApp Image 2024-08-23 at 15.43.17">
+          <p:cNvPr id="7" name="Picture 6">
             <a:extLst>
               <a:ext uri="{FF2B5EF4-FFF2-40B4-BE49-F238E27FC236}">
-                <a16:creationId xmlns:a16="http://schemas.microsoft.com/office/drawing/2014/main" xmlns="" id="{92479C09-0005-7CFF-38D5-4F524062CA0A}"/>
+                <a16:creationId xmlns:a16="http://schemas.microsoft.com/office/drawing/2014/main" xmlns="" id="{F46BE87A-9B4E-5CFA-12FD-E48AB689AC35}"/>
+              </a:ext>
+            </a:extLst>
+          </p:cNvPr>
+          <p:cNvPicPr>
+            <a:picLocks noChangeAspect="1"/>
+          </p:cNvPicPr>
+          <p:nvPr/>
+        </p:nvPicPr>
+        <p:blipFill>
+          <a:blip r:embed="rId2"/>
+          <a:stretch>
+            <a:fillRect/>
+          </a:stretch>
+        </p:blipFill>
+        <p:spPr>
+          <a:xfrm>
+            <a:off x="1894398" y="703248"/>
+            <a:ext cx="7619336" cy="5962130"/>
+          </a:xfrm>
+          <a:prstGeom prst="rect">
+            <a:avLst/>
+          </a:prstGeom>
+        </p:spPr>
+      </p:pic>
+      <p:sp>
+        <p:nvSpPr>
+          <p:cNvPr id="4" name="Date Placeholder 3">
+            <a:extLst>
+              <a:ext uri="{FF2B5EF4-FFF2-40B4-BE49-F238E27FC236}">
+                <a16:creationId xmlns:a16="http://schemas.microsoft.com/office/drawing/2014/main" xmlns="" id="{A81B80C2-A431-FCC1-90EC-141D768EAFC8}"/>
+              </a:ext>
+            </a:extLst>
+          </p:cNvPr>
+          <p:cNvSpPr>
+            <a:spLocks noGrp="1"/>
+          </p:cNvSpPr>
+          <p:nvPr>
+            <p:ph type="dt" sz="half" idx="10"/>
+          </p:nvPr>
+        </p:nvSpPr>
+        <p:spPr>
+          <a:xfrm>
+            <a:off x="804672" y="6356350"/>
+            <a:ext cx="2743200" cy="365125"/>
+          </a:xfrm>
+        </p:spPr>
+        <p:txBody>
+          <a:bodyPr vert="horz" lIns="91440" tIns="45720" rIns="91440" bIns="45720" rtlCol="0" anchor="ctr">
+            <a:normAutofit/>
+          </a:bodyPr>
+          <a:lstStyle/>
+          <a:p>
+            <a:pPr>
+              <a:spcAft>
+                <a:spcPts val="600"/>
+              </a:spcAft>
+            </a:pPr>
+            <a:fld id="{BF90CC30-37F6-49DC-8F97-9FC4C90ABBE4}" type="datetime1">
+              <a:rPr lang="en-US">
+                <a:solidFill>
+                  <a:schemeClr val="tx1">
+                    <a:tint val="75000"/>
+                  </a:schemeClr>
+                </a:solidFill>
+              </a:rPr>
+              <a:pPr>
+                <a:spcAft>
+                  <a:spcPts val="600"/>
+                </a:spcAft>
+              </a:pPr>
+              <a:t>7/8/2025</a:t>
+            </a:fld>
+            <a:endParaRPr lang="en-US">
+              <a:solidFill>
+                <a:schemeClr val="tx1">
+                  <a:tint val="75000"/>
+                </a:schemeClr>
+              </a:solidFill>
+            </a:endParaRPr>
+          </a:p>
+        </p:txBody>
+      </p:sp>
+      <p:sp>
+        <p:nvSpPr>
+          <p:cNvPr id="5" name="Slide Number Placeholder 4">
+            <a:extLst>
+              <a:ext uri="{FF2B5EF4-FFF2-40B4-BE49-F238E27FC236}">
+                <a16:creationId xmlns:a16="http://schemas.microsoft.com/office/drawing/2014/main" xmlns="" id="{1484EB93-5340-14C2-8239-0476CA23BEB9}"/>
+              </a:ext>
+            </a:extLst>
+          </p:cNvPr>
+          <p:cNvSpPr>
+            <a:spLocks noGrp="1"/>
+          </p:cNvSpPr>
+          <p:nvPr>
+            <p:ph type="sldNum" sz="quarter" idx="12"/>
+          </p:nvPr>
+        </p:nvSpPr>
+        <p:spPr>
+          <a:xfrm>
+            <a:off x="8610600" y="6356350"/>
+            <a:ext cx="2743200" cy="365125"/>
+          </a:xfrm>
+        </p:spPr>
+        <p:txBody>
+          <a:bodyPr vert="horz" lIns="91440" tIns="45720" rIns="91440" bIns="45720" rtlCol="0" anchor="ctr">
+            <a:normAutofit/>
+          </a:bodyPr>
+          <a:lstStyle/>
+          <a:p>
+            <a:pPr>
+              <a:spcAft>
+                <a:spcPts val="600"/>
+              </a:spcAft>
+            </a:pPr>
+            <a:fld id="{6EFE7C99-B088-4EBB-BFF6-BECCC96D5DD8}" type="slidenum">
+              <a:rPr lang="en-US">
+                <a:solidFill>
+                  <a:schemeClr val="tx1">
+                    <a:tint val="75000"/>
+                  </a:schemeClr>
+                </a:solidFill>
+              </a:rPr>
+              <a:pPr>
+                <a:spcAft>
+                  <a:spcPts val="600"/>
+                </a:spcAft>
+              </a:pPr>
+              <a:t>9</a:t>
+            </a:fld>
+            <a:endParaRPr lang="en-US">
+              <a:solidFill>
+                <a:schemeClr val="tx1">
+                  <a:tint val="75000"/>
+                </a:schemeClr>
+              </a:solidFill>
+            </a:endParaRPr>
+          </a:p>
+        </p:txBody>
+      </p:sp>
+      <p:grpSp>
+        <p:nvGrpSpPr>
+          <p:cNvPr id="6" name="Group 61">
+            <a:extLst>
+              <a:ext uri="{FF2B5EF4-FFF2-40B4-BE49-F238E27FC236}">
+                <a16:creationId xmlns:a16="http://schemas.microsoft.com/office/drawing/2014/main" xmlns="" id="{F5FDDF18-F156-4D2D-82C6-F55008E338B5}"/>
+              </a:ext>
+              <a:ext uri="{C183D7F6-B498-43B3-948B-1728B52AA6E4}">
+                <adec:decorative xmlns:adec="http://schemas.microsoft.com/office/drawing/2017/decorative" xmlns="" val="1"/>
+              </a:ext>
+            </a:extLst>
+          </p:cNvPr>
+          <p:cNvGrpSpPr>
+            <a:grpSpLocks noGrp="1" noUngrp="1" noRot="1" noChangeAspect="1" noMove="1" noResize="1"/>
+          </p:cNvGrpSpPr>
+          <p:nvPr>
+            <p:extLst>
+              <p:ext uri="{386F3935-93C4-4BCD-93E2-E3B085C9AB24}">
+                <p16:designElem xmlns:p16="http://schemas.microsoft.com/office/powerpoint/2015/main" xmlns="" val="1"/>
+              </p:ext>
+            </p:extLst>
+          </p:nvPr>
+        </p:nvGrpSpPr>
+        <p:grpSpPr>
+          <a:xfrm rot="10800000">
+            <a:off x="9130553" y="4560734"/>
+            <a:ext cx="3061446" cy="2297265"/>
+            <a:chOff x="-305" y="-1"/>
+            <a:chExt cx="3832880" cy="2876136"/>
+          </a:xfrm>
+        </p:grpSpPr>
+        <p:sp>
+          <p:nvSpPr>
+            <p:cNvPr id="63" name="Freeform: Shape 62">
+              <a:extLst>
+                <a:ext uri="{FF2B5EF4-FFF2-40B4-BE49-F238E27FC236}">
+                  <a16:creationId xmlns:a16="http://schemas.microsoft.com/office/drawing/2014/main" xmlns="" id="{3822C29E-FFDD-45BC-A286-9C00C8E2D2F4}"/>
+                </a:ext>
+                <a:ext uri="{C183D7F6-B498-43B3-948B-1728B52AA6E4}">
+                  <adec:decorative xmlns:adec="http://schemas.microsoft.com/office/drawing/2017/decorative" xmlns="" val="1"/>
+                </a:ext>
+              </a:extLst>
+            </p:cNvPr>
+            <p:cNvSpPr/>
+            <p:nvPr>
+              <p:extLst>
+                <p:ext uri="{386F3935-93C4-4BCD-93E2-E3B085C9AB24}">
+                  <p16:designElem xmlns:p16="http://schemas.microsoft.com/office/powerpoint/2015/main" xmlns="" val="1"/>
+                </p:ext>
+              </p:extLst>
+            </p:nvPr>
+          </p:nvSpPr>
+          <p:spPr>
+            <a:xfrm>
+              <a:off x="305" y="1"/>
+              <a:ext cx="3815424" cy="2653659"/>
+            </a:xfrm>
+            <a:custGeom>
+              <a:avLst/>
+              <a:gdLst>
+                <a:gd name="connsiteX0" fmla="*/ 3203055 w 3815424"/>
+                <a:gd name="connsiteY0" fmla="*/ 0 h 2653659"/>
+                <a:gd name="connsiteX1" fmla="*/ 3815424 w 3815424"/>
+                <a:gd name="connsiteY1" fmla="*/ 0 h 2653659"/>
+                <a:gd name="connsiteX2" fmla="*/ 3801025 w 3815424"/>
+                <a:gd name="connsiteY2" fmla="*/ 214243 h 2653659"/>
+                <a:gd name="connsiteX3" fmla="*/ 587142 w 3815424"/>
+                <a:gd name="connsiteY3" fmla="*/ 2653659 h 2653659"/>
+                <a:gd name="connsiteX4" fmla="*/ 53389 w 3815424"/>
+                <a:gd name="connsiteY4" fmla="*/ 2605041 h 2653659"/>
+                <a:gd name="connsiteX5" fmla="*/ 0 w 3815424"/>
+                <a:gd name="connsiteY5" fmla="*/ 2593136 h 2653659"/>
+                <a:gd name="connsiteX6" fmla="*/ 0 w 3815424"/>
+                <a:gd name="connsiteY6" fmla="*/ 1994836 h 2653659"/>
+                <a:gd name="connsiteX7" fmla="*/ 159710 w 3815424"/>
+                <a:gd name="connsiteY7" fmla="*/ 2035054 h 2653659"/>
+                <a:gd name="connsiteX8" fmla="*/ 587142 w 3815424"/>
+                <a:gd name="connsiteY8" fmla="*/ 2075152 h 2653659"/>
+                <a:gd name="connsiteX9" fmla="*/ 1549283 w 3815424"/>
+                <a:gd name="connsiteY9" fmla="*/ 1900153 h 2653659"/>
+                <a:gd name="connsiteX10" fmla="*/ 2406698 w 3815424"/>
+                <a:gd name="connsiteY10" fmla="*/ 1418450 h 2653659"/>
+                <a:gd name="connsiteX11" fmla="*/ 2996069 w 3815424"/>
+                <a:gd name="connsiteY11" fmla="*/ 728678 h 2653659"/>
+                <a:gd name="connsiteX12" fmla="*/ 3193967 w 3815424"/>
+                <a:gd name="connsiteY12" fmla="*/ 137719 h 2653659"/>
+              </a:gdLst>
+              <a:ahLst/>
+              <a:cxnLst>
+                <a:cxn ang="0">
+                  <a:pos x="connsiteX0" y="connsiteY0"/>
+                </a:cxn>
+                <a:cxn ang="0">
+                  <a:pos x="connsiteX1" y="connsiteY1"/>
+                </a:cxn>
+                <a:cxn ang="0">
+                  <a:pos x="connsiteX2" y="connsiteY2"/>
+                </a:cxn>
+                <a:cxn ang="0">
+                  <a:pos x="connsiteX3" y="connsiteY3"/>
+                </a:cxn>
+                <a:cxn ang="0">
+                  <a:pos x="connsiteX4" y="connsiteY4"/>
+                </a:cxn>
+                <a:cxn ang="0">
+                  <a:pos x="connsiteX5" y="connsiteY5"/>
+                </a:cxn>
+                <a:cxn ang="0">
+                  <a:pos x="connsiteX6" y="connsiteY6"/>
+                </a:cxn>
+                <a:cxn ang="0">
+                  <a:pos x="connsiteX7" y="connsiteY7"/>
+                </a:cxn>
+                <a:cxn ang="0">
+                  <a:pos x="connsiteX8" y="connsiteY8"/>
+                </a:cxn>
+                <a:cxn ang="0">
+                  <a:pos x="connsiteX9" y="connsiteY9"/>
+                </a:cxn>
+                <a:cxn ang="0">
+                  <a:pos x="connsiteX10" y="connsiteY10"/>
+                </a:cxn>
+                <a:cxn ang="0">
+                  <a:pos x="connsiteX11" y="connsiteY11"/>
+                </a:cxn>
+                <a:cxn ang="0">
+                  <a:pos x="connsiteX12" y="connsiteY12"/>
+                </a:cxn>
+              </a:cxnLst>
+              <a:rect l="l" t="t" r="r" b="b"/>
+              <a:pathLst>
+                <a:path w="3815424" h="2653659">
+                  <a:moveTo>
+                    <a:pt x="3203055" y="0"/>
+                  </a:moveTo>
+                  <a:lnTo>
+                    <a:pt x="3815424" y="0"/>
+                  </a:lnTo>
+                  <a:lnTo>
+                    <a:pt x="3801025" y="214243"/>
+                  </a:lnTo>
+                  <a:cubicBezTo>
+                    <a:pt x="3616317" y="1584467"/>
+                    <a:pt x="2091637" y="2653659"/>
+                    <a:pt x="587142" y="2653659"/>
+                  </a:cubicBezTo>
+                  <a:cubicBezTo>
+                    <a:pt x="400192" y="2653659"/>
+                    <a:pt x="222112" y="2636953"/>
+                    <a:pt x="53389" y="2605041"/>
+                  </a:cubicBezTo>
+                  <a:lnTo>
+                    <a:pt x="0" y="2593136"/>
+                  </a:lnTo>
+                  <a:lnTo>
+                    <a:pt x="0" y="1994836"/>
+                  </a:lnTo>
+                  <a:lnTo>
+                    <a:pt x="159710" y="2035054"/>
+                  </a:lnTo>
+                  <a:cubicBezTo>
+                    <a:pt x="295467" y="2061726"/>
+                    <a:pt x="438268" y="2075152"/>
+                    <a:pt x="587142" y="2075152"/>
+                  </a:cubicBezTo>
+                  <a:cubicBezTo>
+                    <a:pt x="901731" y="2075152"/>
+                    <a:pt x="1234490" y="2014697"/>
+                    <a:pt x="1549283" y="1900153"/>
+                  </a:cubicBezTo>
+                  <a:cubicBezTo>
+                    <a:pt x="1860709" y="1786959"/>
+                    <a:pt x="2157231" y="1620350"/>
+                    <a:pt x="2406698" y="1418450"/>
+                  </a:cubicBezTo>
+                  <a:cubicBezTo>
+                    <a:pt x="2655859" y="1216840"/>
+                    <a:pt x="2859596" y="978302"/>
+                    <a:pt x="2996069" y="728678"/>
+                  </a:cubicBezTo>
+                  <a:cubicBezTo>
+                    <a:pt x="3101178" y="536396"/>
+                    <a:pt x="3167417" y="338366"/>
+                    <a:pt x="3193967" y="137719"/>
+                  </a:cubicBezTo>
+                  <a:close/>
+                </a:path>
+              </a:pathLst>
+            </a:custGeom>
+            <a:gradFill>
+              <a:gsLst>
+                <a:gs pos="2000">
+                  <a:schemeClr val="bg1">
+                    <a:alpha val="10000"/>
+                  </a:schemeClr>
+                </a:gs>
+                <a:gs pos="16000">
+                  <a:schemeClr val="accent6">
+                    <a:alpha val="10000"/>
+                  </a:schemeClr>
+                </a:gs>
+                <a:gs pos="100000">
+                  <a:schemeClr val="bg1">
+                    <a:alpha val="10000"/>
+                  </a:schemeClr>
+                </a:gs>
+                <a:gs pos="85000">
+                  <a:schemeClr val="accent1">
+                    <a:alpha val="10000"/>
+                  </a:schemeClr>
+                </a:gs>
+              </a:gsLst>
+              <a:lin ang="12000000" scaled="0"/>
+            </a:gradFill>
+            <a:ln>
+              <a:noFill/>
+            </a:ln>
+          </p:spPr>
+          <p:style>
+            <a:lnRef idx="2">
+              <a:schemeClr val="accent1">
+                <a:shade val="50000"/>
+              </a:schemeClr>
+            </a:lnRef>
+            <a:fillRef idx="1">
+              <a:schemeClr val="accent1"/>
+            </a:fillRef>
+            <a:effectRef idx="0">
+              <a:schemeClr val="accent1"/>
+            </a:effectRef>
+            <a:fontRef idx="minor">
+              <a:schemeClr val="lt1"/>
+            </a:fontRef>
+          </p:style>
+          <p:txBody>
+            <a:bodyPr rtlCol="0" anchor="ctr"/>
+            <a:lstStyle/>
+            <a:p>
+              <a:pPr algn="ctr"/>
+              <a:endParaRPr lang="en-US"/>
+            </a:p>
+          </p:txBody>
+        </p:sp>
+        <p:sp>
+          <p:nvSpPr>
+            <p:cNvPr id="64" name="Freeform: Shape 63">
+              <a:extLst>
+                <a:ext uri="{FF2B5EF4-FFF2-40B4-BE49-F238E27FC236}">
+                  <a16:creationId xmlns:a16="http://schemas.microsoft.com/office/drawing/2014/main" xmlns="" id="{C9E2381D-1763-4D42-A3A2-B2345DD35EDC}"/>
+                </a:ext>
+                <a:ext uri="{C183D7F6-B498-43B3-948B-1728B52AA6E4}">
+                  <adec:decorative xmlns:adec="http://schemas.microsoft.com/office/drawing/2017/decorative" xmlns="" val="1"/>
+                </a:ext>
+              </a:extLst>
+            </p:cNvPr>
+            <p:cNvSpPr/>
+            <p:nvPr>
+              <p:extLst>
+                <p:ext uri="{386F3935-93C4-4BCD-93E2-E3B085C9AB24}">
+                  <p16:designElem xmlns:p16="http://schemas.microsoft.com/office/powerpoint/2015/main" xmlns="" val="1"/>
+                </p:ext>
+              </p:extLst>
+            </p:nvPr>
+          </p:nvSpPr>
+          <p:spPr>
+            <a:xfrm>
+              <a:off x="305" y="-1"/>
+              <a:ext cx="3815424" cy="2653660"/>
+            </a:xfrm>
+            <a:custGeom>
+              <a:avLst/>
+              <a:gdLst>
+                <a:gd name="connsiteX0" fmla="*/ 3305038 w 3815424"/>
+                <a:gd name="connsiteY0" fmla="*/ 0 h 2653660"/>
+                <a:gd name="connsiteX1" fmla="*/ 3815424 w 3815424"/>
+                <a:gd name="connsiteY1" fmla="*/ 0 h 2653660"/>
+                <a:gd name="connsiteX2" fmla="*/ 3801025 w 3815424"/>
+                <a:gd name="connsiteY2" fmla="*/ 214244 h 2653660"/>
+                <a:gd name="connsiteX3" fmla="*/ 587142 w 3815424"/>
+                <a:gd name="connsiteY3" fmla="*/ 2653660 h 2653660"/>
+                <a:gd name="connsiteX4" fmla="*/ 53389 w 3815424"/>
+                <a:gd name="connsiteY4" fmla="*/ 2605042 h 2653660"/>
+                <a:gd name="connsiteX5" fmla="*/ 0 w 3815424"/>
+                <a:gd name="connsiteY5" fmla="*/ 2593137 h 2653660"/>
+                <a:gd name="connsiteX6" fmla="*/ 0 w 3815424"/>
+                <a:gd name="connsiteY6" fmla="*/ 2094444 h 2653660"/>
+                <a:gd name="connsiteX7" fmla="*/ 137675 w 3815424"/>
+                <a:gd name="connsiteY7" fmla="*/ 2129195 h 2653660"/>
+                <a:gd name="connsiteX8" fmla="*/ 587142 w 3815424"/>
+                <a:gd name="connsiteY8" fmla="*/ 2171571 h 2653660"/>
+                <a:gd name="connsiteX9" fmla="*/ 1585826 w 3815424"/>
+                <a:gd name="connsiteY9" fmla="*/ 1990112 h 2653660"/>
+                <a:gd name="connsiteX10" fmla="*/ 2473046 w 3815424"/>
+                <a:gd name="connsiteY10" fmla="*/ 1491633 h 2653660"/>
+                <a:gd name="connsiteX11" fmla="*/ 3086710 w 3815424"/>
+                <a:gd name="connsiteY11" fmla="*/ 772838 h 2653660"/>
+                <a:gd name="connsiteX12" fmla="*/ 3295217 w 3815424"/>
+                <a:gd name="connsiteY12" fmla="*/ 149229 h 2653660"/>
+              </a:gdLst>
+              <a:ahLst/>
+              <a:cxnLst>
+                <a:cxn ang="0">
+                  <a:pos x="connsiteX0" y="connsiteY0"/>
+                </a:cxn>
+                <a:cxn ang="0">
+                  <a:pos x="connsiteX1" y="connsiteY1"/>
+                </a:cxn>
+                <a:cxn ang="0">
+                  <a:pos x="connsiteX2" y="connsiteY2"/>
+                </a:cxn>
+                <a:cxn ang="0">
+                  <a:pos x="connsiteX3" y="connsiteY3"/>
+                </a:cxn>
+                <a:cxn ang="0">
+                  <a:pos x="connsiteX4" y="connsiteY4"/>
+                </a:cxn>
+                <a:cxn ang="0">
+                  <a:pos x="connsiteX5" y="connsiteY5"/>
+                </a:cxn>
+                <a:cxn ang="0">
+                  <a:pos x="connsiteX6" y="connsiteY6"/>
+                </a:cxn>
+                <a:cxn ang="0">
+                  <a:pos x="connsiteX7" y="connsiteY7"/>
+                </a:cxn>
+                <a:cxn ang="0">
+                  <a:pos x="connsiteX8" y="connsiteY8"/>
+                </a:cxn>
+                <a:cxn ang="0">
+                  <a:pos x="connsiteX9" y="connsiteY9"/>
+                </a:cxn>
+                <a:cxn ang="0">
+                  <a:pos x="connsiteX10" y="connsiteY10"/>
+                </a:cxn>
+                <a:cxn ang="0">
+                  <a:pos x="connsiteX11" y="connsiteY11"/>
+                </a:cxn>
+                <a:cxn ang="0">
+                  <a:pos x="connsiteX12" y="connsiteY12"/>
+                </a:cxn>
+              </a:cxnLst>
+              <a:rect l="l" t="t" r="r" b="b"/>
+              <a:pathLst>
+                <a:path w="3815424" h="2653660">
+                  <a:moveTo>
+                    <a:pt x="3305038" y="0"/>
+                  </a:moveTo>
+                  <a:lnTo>
+                    <a:pt x="3815424" y="0"/>
+                  </a:lnTo>
+                  <a:lnTo>
+                    <a:pt x="3801025" y="214244"/>
+                  </a:lnTo>
+                  <a:cubicBezTo>
+                    <a:pt x="3616317" y="1584467"/>
+                    <a:pt x="2091637" y="2653660"/>
+                    <a:pt x="587142" y="2653660"/>
+                  </a:cubicBezTo>
+                  <a:cubicBezTo>
+                    <a:pt x="400192" y="2653660"/>
+                    <a:pt x="222112" y="2636954"/>
+                    <a:pt x="53389" y="2605042"/>
+                  </a:cubicBezTo>
+                  <a:lnTo>
+                    <a:pt x="0" y="2593137"/>
+                  </a:lnTo>
+                  <a:lnTo>
+                    <a:pt x="0" y="2094444"/>
+                  </a:lnTo>
+                  <a:lnTo>
+                    <a:pt x="137675" y="2129195"/>
+                  </a:lnTo>
+                  <a:cubicBezTo>
+                    <a:pt x="280616" y="2157374"/>
+                    <a:pt x="430766" y="2171571"/>
+                    <a:pt x="587142" y="2171571"/>
+                  </a:cubicBezTo>
+                  <a:cubicBezTo>
+                    <a:pt x="918879" y="2171571"/>
+                    <a:pt x="1254904" y="2110634"/>
+                    <a:pt x="1585826" y="1990112"/>
+                  </a:cubicBezTo>
+                  <a:cubicBezTo>
+                    <a:pt x="1908071" y="1873061"/>
+                    <a:pt x="2214800" y="1700666"/>
+                    <a:pt x="2473046" y="1491633"/>
+                  </a:cubicBezTo>
+                  <a:cubicBezTo>
+                    <a:pt x="2735782" y="1279031"/>
+                    <a:pt x="2942276" y="1037118"/>
+                    <a:pt x="3086710" y="772838"/>
+                  </a:cubicBezTo>
+                  <a:cubicBezTo>
+                    <a:pt x="3197408" y="570216"/>
+                    <a:pt x="3267226" y="361248"/>
+                    <a:pt x="3295217" y="149229"/>
+                  </a:cubicBezTo>
+                  <a:close/>
+                </a:path>
+              </a:pathLst>
+            </a:custGeom>
+            <a:gradFill>
+              <a:gsLst>
+                <a:gs pos="2000">
+                  <a:schemeClr val="bg1">
+                    <a:alpha val="10000"/>
+                  </a:schemeClr>
+                </a:gs>
+                <a:gs pos="16000">
+                  <a:schemeClr val="accent6">
+                    <a:alpha val="10000"/>
+                  </a:schemeClr>
+                </a:gs>
+                <a:gs pos="100000">
+                  <a:schemeClr val="bg1">
+                    <a:alpha val="10000"/>
+                  </a:schemeClr>
+                </a:gs>
+                <a:gs pos="85000">
+                  <a:schemeClr val="accent1">
+                    <a:alpha val="10000"/>
+                  </a:schemeClr>
+                </a:gs>
+              </a:gsLst>
+              <a:lin ang="12000000" scaled="0"/>
+            </a:gradFill>
+            <a:ln>
+              <a:noFill/>
+            </a:ln>
+          </p:spPr>
+          <p:style>
+            <a:lnRef idx="2">
+              <a:schemeClr val="accent1">
+                <a:shade val="50000"/>
+              </a:schemeClr>
+            </a:lnRef>
+            <a:fillRef idx="1">
+              <a:schemeClr val="accent1"/>
+            </a:fillRef>
+            <a:effectRef idx="0">
+              <a:schemeClr val="accent1"/>
+            </a:effectRef>
+            <a:fontRef idx="minor">
+              <a:schemeClr val="lt1"/>
+            </a:fontRef>
+          </p:style>
+          <p:txBody>
+            <a:bodyPr rtlCol="0" anchor="ctr"/>
+            <a:lstStyle/>
+            <a:p>
+              <a:pPr algn="ctr"/>
+              <a:endParaRPr lang="en-US" dirty="0"/>
+            </a:p>
+          </p:txBody>
+        </p:sp>
+        <p:sp>
+          <p:nvSpPr>
+            <p:cNvPr id="65" name="Freeform: Shape 64">
+              <a:extLst>
+                <a:ext uri="{FF2B5EF4-FFF2-40B4-BE49-F238E27FC236}">
+                  <a16:creationId xmlns:a16="http://schemas.microsoft.com/office/drawing/2014/main" xmlns="" id="{D2A622D5-9532-4E0C-B9A8-DAEDD46462EF}"/>
+                </a:ext>
+                <a:ext uri="{C183D7F6-B498-43B3-948B-1728B52AA6E4}">
+                  <adec:decorative xmlns:adec="http://schemas.microsoft.com/office/drawing/2017/decorative" xmlns="" val="1"/>
+                </a:ext>
+              </a:extLst>
+            </p:cNvPr>
+            <p:cNvSpPr/>
+            <p:nvPr>
+              <p:extLst>
+                <p:ext uri="{386F3935-93C4-4BCD-93E2-E3B085C9AB24}">
+                  <p16:designElem xmlns:p16="http://schemas.microsoft.com/office/powerpoint/2015/main" xmlns="" val="1"/>
+                </p:ext>
+              </p:extLst>
+            </p:nvPr>
+          </p:nvSpPr>
+          <p:spPr>
+            <a:xfrm>
+              <a:off x="-305" y="1"/>
+              <a:ext cx="3815986" cy="2675935"/>
+            </a:xfrm>
+            <a:custGeom>
+              <a:avLst/>
+              <a:gdLst>
+                <a:gd name="connsiteX0" fmla="*/ 3648768 w 3815986"/>
+                <a:gd name="connsiteY0" fmla="*/ 0 h 2675935"/>
+                <a:gd name="connsiteX1" fmla="*/ 3815986 w 3815986"/>
+                <a:gd name="connsiteY1" fmla="*/ 0 h 2675935"/>
+                <a:gd name="connsiteX2" fmla="*/ 3804695 w 3815986"/>
+                <a:gd name="connsiteY2" fmla="*/ 200084 h 2675935"/>
+                <a:gd name="connsiteX3" fmla="*/ 3762590 w 3815986"/>
+                <a:gd name="connsiteY3" fmla="*/ 455543 h 2675935"/>
+                <a:gd name="connsiteX4" fmla="*/ 3592332 w 3815986"/>
+                <a:gd name="connsiteY4" fmla="*/ 947274 h 2675935"/>
+                <a:gd name="connsiteX5" fmla="*/ 2953967 w 3815986"/>
+                <a:gd name="connsiteY5" fmla="*/ 1782349 h 2675935"/>
+                <a:gd name="connsiteX6" fmla="*/ 2530669 w 3815986"/>
+                <a:gd name="connsiteY6" fmla="*/ 2109494 h 2675935"/>
+                <a:gd name="connsiteX7" fmla="*/ 2057561 w 3815986"/>
+                <a:gd name="connsiteY7" fmla="*/ 2369245 h 2675935"/>
+                <a:gd name="connsiteX8" fmla="*/ 1007330 w 3815986"/>
+                <a:gd name="connsiteY8" fmla="*/ 2655701 h 2675935"/>
+                <a:gd name="connsiteX9" fmla="*/ 732765 w 3815986"/>
+                <a:gd name="connsiteY9" fmla="*/ 2674696 h 2675935"/>
+                <a:gd name="connsiteX10" fmla="*/ 457666 w 3815986"/>
+                <a:gd name="connsiteY10" fmla="*/ 2670839 h 2675935"/>
+                <a:gd name="connsiteX11" fmla="*/ 183574 w 3815986"/>
+                <a:gd name="connsiteY11" fmla="*/ 2643312 h 2675935"/>
+                <a:gd name="connsiteX12" fmla="*/ 0 w 3815986"/>
+                <a:gd name="connsiteY12" fmla="*/ 2607798 h 2675935"/>
+                <a:gd name="connsiteX13" fmla="*/ 0 w 3815986"/>
+                <a:gd name="connsiteY13" fmla="*/ 2356652 h 2675935"/>
+                <a:gd name="connsiteX14" fmla="*/ 222195 w 3815986"/>
+                <a:gd name="connsiteY14" fmla="*/ 2396940 h 2675935"/>
+                <a:gd name="connsiteX15" fmla="*/ 472364 w 3815986"/>
+                <a:gd name="connsiteY15" fmla="*/ 2419092 h 2675935"/>
+                <a:gd name="connsiteX16" fmla="*/ 974972 w 3815986"/>
+                <a:gd name="connsiteY16" fmla="*/ 2402122 h 2675935"/>
+                <a:gd name="connsiteX17" fmla="*/ 1468292 w 3815986"/>
+                <a:gd name="connsiteY17" fmla="*/ 2304162 h 2675935"/>
+                <a:gd name="connsiteX18" fmla="*/ 1940176 w 3815986"/>
+                <a:gd name="connsiteY18" fmla="*/ 2133695 h 2675935"/>
+                <a:gd name="connsiteX19" fmla="*/ 2783403 w 3815986"/>
+                <a:gd name="connsiteY19" fmla="*/ 1609954 h 2675935"/>
+                <a:gd name="connsiteX20" fmla="*/ 3128104 w 3815986"/>
+                <a:gd name="connsiteY20" fmla="*/ 1260439 h 2675935"/>
+                <a:gd name="connsiteX21" fmla="*/ 3400639 w 3815986"/>
+                <a:gd name="connsiteY21" fmla="*/ 859052 h 2675935"/>
+                <a:gd name="connsiteX22" fmla="*/ 3585595 w 3815986"/>
+                <a:gd name="connsiteY22" fmla="*/ 415336 h 2675935"/>
+                <a:gd name="connsiteX23" fmla="*/ 3635918 w 3815986"/>
+                <a:gd name="connsiteY23" fmla="*/ 181137 h 2675935"/>
+              </a:gdLst>
+              <a:ahLst/>
+              <a:cxnLst>
+                <a:cxn ang="0">
+                  <a:pos x="connsiteX0" y="connsiteY0"/>
+                </a:cxn>
+                <a:cxn ang="0">
+                  <a:pos x="connsiteX1" y="connsiteY1"/>
+                </a:cxn>
+                <a:cxn ang="0">
+                  <a:pos x="connsiteX2" y="connsiteY2"/>
+                </a:cxn>
+                <a:cxn ang="0">
+                  <a:pos x="connsiteX3" y="connsiteY3"/>
+                </a:cxn>
+                <a:cxn ang="0">
+                  <a:pos x="connsiteX4" y="connsiteY4"/>
+                </a:cxn>
+                <a:cxn ang="0">
+                  <a:pos x="connsiteX5" y="connsiteY5"/>
+                </a:cxn>
+                <a:cxn ang="0">
+                  <a:pos x="connsiteX6" y="connsiteY6"/>
+                </a:cxn>
+                <a:cxn ang="0">
+                  <a:pos x="connsiteX7" y="connsiteY7"/>
+                </a:cxn>
+                <a:cxn ang="0">
+                  <a:pos x="connsiteX8" y="connsiteY8"/>
+                </a:cxn>
+                <a:cxn ang="0">
+                  <a:pos x="connsiteX9" y="connsiteY9"/>
+                </a:cxn>
+                <a:cxn ang="0">
+                  <a:pos x="connsiteX10" y="connsiteY10"/>
+                </a:cxn>
+                <a:cxn ang="0">
+                  <a:pos x="connsiteX11" y="connsiteY11"/>
+                </a:cxn>
+                <a:cxn ang="0">
+                  <a:pos x="connsiteX12" y="connsiteY12"/>
+                </a:cxn>
+                <a:cxn ang="0">
+                  <a:pos x="connsiteX13" y="connsiteY13"/>
+                </a:cxn>
+                <a:cxn ang="0">
+                  <a:pos x="connsiteX14" y="connsiteY14"/>
+                </a:cxn>
+                <a:cxn ang="0">
+                  <a:pos x="connsiteX15" y="connsiteY15"/>
+                </a:cxn>
+                <a:cxn ang="0">
+                  <a:pos x="connsiteX16" y="connsiteY16"/>
+                </a:cxn>
+                <a:cxn ang="0">
+                  <a:pos x="connsiteX17" y="connsiteY17"/>
+                </a:cxn>
+                <a:cxn ang="0">
+                  <a:pos x="connsiteX18" y="connsiteY18"/>
+                </a:cxn>
+                <a:cxn ang="0">
+                  <a:pos x="connsiteX19" y="connsiteY19"/>
+                </a:cxn>
+                <a:cxn ang="0">
+                  <a:pos x="connsiteX20" y="connsiteY20"/>
+                </a:cxn>
+                <a:cxn ang="0">
+                  <a:pos x="connsiteX21" y="connsiteY21"/>
+                </a:cxn>
+                <a:cxn ang="0">
+                  <a:pos x="connsiteX22" y="connsiteY22"/>
+                </a:cxn>
+                <a:cxn ang="0">
+                  <a:pos x="connsiteX23" y="connsiteY23"/>
+                </a:cxn>
+              </a:cxnLst>
+              <a:rect l="l" t="t" r="r" b="b"/>
+              <a:pathLst>
+                <a:path w="3815986" h="2675935">
+                  <a:moveTo>
+                    <a:pt x="3648768" y="0"/>
+                  </a:moveTo>
+                  <a:lnTo>
+                    <a:pt x="3815986" y="0"/>
+                  </a:lnTo>
+                  <a:lnTo>
+                    <a:pt x="3804695" y="200084"/>
+                  </a:lnTo>
+                  <a:cubicBezTo>
+                    <a:pt x="3795228" y="285751"/>
+                    <a:pt x="3781167" y="371032"/>
+                    <a:pt x="3762590" y="455543"/>
+                  </a:cubicBezTo>
+                  <a:cubicBezTo>
+                    <a:pt x="3725537" y="624467"/>
+                    <a:pt x="3668784" y="790112"/>
+                    <a:pt x="3592332" y="947274"/>
+                  </a:cubicBezTo>
+                  <a:cubicBezTo>
+                    <a:pt x="3438712" y="1261596"/>
+                    <a:pt x="3216091" y="1542847"/>
+                    <a:pt x="2953967" y="1782349"/>
+                  </a:cubicBezTo>
+                  <a:cubicBezTo>
+                    <a:pt x="2822599" y="1902099"/>
+                    <a:pt x="2680615" y="2011341"/>
+                    <a:pt x="2530669" y="2109494"/>
+                  </a:cubicBezTo>
+                  <a:cubicBezTo>
+                    <a:pt x="2380520" y="2207551"/>
+                    <a:pt x="2222510" y="2294906"/>
+                    <a:pt x="2057561" y="2369245"/>
+                  </a:cubicBezTo>
+                  <a:cubicBezTo>
+                    <a:pt x="1727252" y="2516859"/>
+                    <a:pt x="1371629" y="2614434"/>
+                    <a:pt x="1007330" y="2655701"/>
+                  </a:cubicBezTo>
+                  <a:cubicBezTo>
+                    <a:pt x="916281" y="2665873"/>
+                    <a:pt x="824568" y="2672188"/>
+                    <a:pt x="732765" y="2674696"/>
+                  </a:cubicBezTo>
+                  <a:cubicBezTo>
+                    <a:pt x="640963" y="2677203"/>
+                    <a:pt x="549072" y="2675901"/>
+                    <a:pt x="457666" y="2670839"/>
+                  </a:cubicBezTo>
+                  <a:cubicBezTo>
+                    <a:pt x="366106" y="2665584"/>
+                    <a:pt x="274572" y="2656521"/>
+                    <a:pt x="183574" y="2643312"/>
+                  </a:cubicBezTo>
+                  <a:lnTo>
+                    <a:pt x="0" y="2607798"/>
+                  </a:lnTo>
+                  <a:lnTo>
+                    <a:pt x="0" y="2356652"/>
+                  </a:lnTo>
+                  <a:lnTo>
+                    <a:pt x="222195" y="2396940"/>
+                  </a:lnTo>
+                  <a:cubicBezTo>
+                    <a:pt x="304990" y="2407980"/>
+                    <a:pt x="388511" y="2415283"/>
+                    <a:pt x="472364" y="2419092"/>
+                  </a:cubicBezTo>
+                  <a:cubicBezTo>
+                    <a:pt x="640376" y="2427095"/>
+                    <a:pt x="808184" y="2421791"/>
+                    <a:pt x="974972" y="2402122"/>
+                  </a:cubicBezTo>
+                  <a:cubicBezTo>
+                    <a:pt x="1141658" y="2382358"/>
+                    <a:pt x="1306812" y="2349286"/>
+                    <a:pt x="1468292" y="2304162"/>
+                  </a:cubicBezTo>
+                  <a:cubicBezTo>
+                    <a:pt x="1629874" y="2259231"/>
+                    <a:pt x="1787475" y="2201091"/>
+                    <a:pt x="1940176" y="2133695"/>
+                  </a:cubicBezTo>
+                  <a:cubicBezTo>
+                    <a:pt x="2246498" y="2000349"/>
+                    <a:pt x="2532507" y="1823520"/>
+                    <a:pt x="2783403" y="1609954"/>
+                  </a:cubicBezTo>
+                  <a:cubicBezTo>
+                    <a:pt x="2908442" y="1502833"/>
+                    <a:pt x="3024295" y="1385975"/>
+                    <a:pt x="3128104" y="1260439"/>
+                  </a:cubicBezTo>
+                  <a:cubicBezTo>
+                    <a:pt x="3232116" y="1135096"/>
+                    <a:pt x="3323881" y="1000689"/>
+                    <a:pt x="3400639" y="859052"/>
+                  </a:cubicBezTo>
+                  <a:cubicBezTo>
+                    <a:pt x="3477399" y="717510"/>
+                    <a:pt x="3541296" y="569316"/>
+                    <a:pt x="3585595" y="415336"/>
+                  </a:cubicBezTo>
+                  <a:cubicBezTo>
+                    <a:pt x="3607796" y="338540"/>
+                    <a:pt x="3624638" y="260224"/>
+                    <a:pt x="3635918" y="181137"/>
+                  </a:cubicBezTo>
+                  <a:close/>
+                </a:path>
+              </a:pathLst>
+            </a:custGeom>
+            <a:gradFill>
+              <a:gsLst>
+                <a:gs pos="2000">
+                  <a:schemeClr val="bg1">
+                    <a:alpha val="10000"/>
+                  </a:schemeClr>
+                </a:gs>
+                <a:gs pos="16000">
+                  <a:schemeClr val="accent6">
+                    <a:alpha val="10000"/>
+                  </a:schemeClr>
+                </a:gs>
+                <a:gs pos="100000">
+                  <a:schemeClr val="bg1">
+                    <a:alpha val="10000"/>
+                  </a:schemeClr>
+                </a:gs>
+                <a:gs pos="85000">
+                  <a:schemeClr val="accent1">
+                    <a:alpha val="10000"/>
+                  </a:schemeClr>
+                </a:gs>
+              </a:gsLst>
+              <a:lin ang="12000000" scaled="0"/>
+            </a:gradFill>
+            <a:ln>
+              <a:noFill/>
+            </a:ln>
+          </p:spPr>
+          <p:style>
+            <a:lnRef idx="2">
+              <a:schemeClr val="accent1">
+                <a:shade val="50000"/>
+              </a:schemeClr>
+            </a:lnRef>
+            <a:fillRef idx="1">
+              <a:schemeClr val="accent1"/>
+            </a:fillRef>
+            <a:effectRef idx="0">
+              <a:schemeClr val="accent1"/>
+            </a:effectRef>
+            <a:fontRef idx="minor">
+              <a:schemeClr val="lt1"/>
+            </a:fontRef>
+          </p:style>
+          <p:txBody>
+            <a:bodyPr rtlCol="0" anchor="ctr"/>
+            <a:lstStyle/>
+            <a:p>
+              <a:pPr algn="ctr"/>
+              <a:endParaRPr lang="en-US" dirty="0"/>
+            </a:p>
+          </p:txBody>
+        </p:sp>
+        <p:sp>
+          <p:nvSpPr>
+            <p:cNvPr id="66" name="Freeform: Shape 65">
+              <a:extLst>
+                <a:ext uri="{FF2B5EF4-FFF2-40B4-BE49-F238E27FC236}">
+                  <a16:creationId xmlns:a16="http://schemas.microsoft.com/office/drawing/2014/main" xmlns="" id="{5C0ABE88-5ADF-4A31-8505-78968DBB5D6D}"/>
+                </a:ext>
+                <a:ext uri="{C183D7F6-B498-43B3-948B-1728B52AA6E4}">
+                  <adec:decorative xmlns:adec="http://schemas.microsoft.com/office/drawing/2017/decorative" xmlns="" val="1"/>
+                </a:ext>
+              </a:extLst>
+            </p:cNvPr>
+            <p:cNvSpPr/>
+            <p:nvPr>
+              <p:extLst>
+                <p:ext uri="{386F3935-93C4-4BCD-93E2-E3B085C9AB24}">
+                  <p16:designElem xmlns:p16="http://schemas.microsoft.com/office/powerpoint/2015/main" xmlns="" val="1"/>
+                </p:ext>
+              </p:extLst>
+            </p:nvPr>
+          </p:nvSpPr>
+          <p:spPr>
+            <a:xfrm>
+              <a:off x="305" y="-1"/>
+              <a:ext cx="3832270" cy="2876136"/>
+            </a:xfrm>
+            <a:custGeom>
+              <a:avLst/>
+              <a:gdLst>
+                <a:gd name="connsiteX0" fmla="*/ 3800718 w 3832270"/>
+                <a:gd name="connsiteY0" fmla="*/ 0 h 2876136"/>
+                <a:gd name="connsiteX1" fmla="*/ 3832270 w 3832270"/>
+                <a:gd name="connsiteY1" fmla="*/ 0 h 2876136"/>
+                <a:gd name="connsiteX2" fmla="*/ 3824562 w 3832270"/>
+                <a:gd name="connsiteY2" fmla="*/ 143769 h 2876136"/>
+                <a:gd name="connsiteX3" fmla="*/ 3628155 w 3832270"/>
+                <a:gd name="connsiteY3" fmla="*/ 922055 h 2876136"/>
+                <a:gd name="connsiteX4" fmla="*/ 3514853 w 3832270"/>
+                <a:gd name="connsiteY4" fmla="*/ 1169078 h 2876136"/>
+                <a:gd name="connsiteX5" fmla="*/ 3379198 w 3832270"/>
+                <a:gd name="connsiteY5" fmla="*/ 1407037 h 2876136"/>
+                <a:gd name="connsiteX6" fmla="*/ 3043787 w 3832270"/>
+                <a:gd name="connsiteY6" fmla="*/ 1848342 h 2876136"/>
+                <a:gd name="connsiteX7" fmla="*/ 2845661 w 3832270"/>
+                <a:gd name="connsiteY7" fmla="*/ 2047444 h 2876136"/>
+                <a:gd name="connsiteX8" fmla="*/ 2793197 w 3832270"/>
+                <a:gd name="connsiteY8" fmla="*/ 2094689 h 2876136"/>
+                <a:gd name="connsiteX9" fmla="*/ 2739710 w 3832270"/>
+                <a:gd name="connsiteY9" fmla="*/ 2140969 h 2876136"/>
+                <a:gd name="connsiteX10" fmla="*/ 2629166 w 3832270"/>
+                <a:gd name="connsiteY10" fmla="*/ 2229867 h 2876136"/>
+                <a:gd name="connsiteX11" fmla="*/ 2145952 w 3832270"/>
+                <a:gd name="connsiteY11" fmla="*/ 2535994 h 2876136"/>
+                <a:gd name="connsiteX12" fmla="*/ 1034987 w 3832270"/>
+                <a:gd name="connsiteY12" fmla="*/ 2863910 h 2876136"/>
+                <a:gd name="connsiteX13" fmla="*/ 741909 w 3832270"/>
+                <a:gd name="connsiteY13" fmla="*/ 2875939 h 2876136"/>
+                <a:gd name="connsiteX14" fmla="*/ 450208 w 3832270"/>
+                <a:gd name="connsiteY14" fmla="*/ 2857451 h 2876136"/>
+                <a:gd name="connsiteX15" fmla="*/ 22215 w 3832270"/>
+                <a:gd name="connsiteY15" fmla="*/ 2775923 h 2876136"/>
+                <a:gd name="connsiteX16" fmla="*/ 0 w 3832270"/>
+                <a:gd name="connsiteY16" fmla="*/ 2769256 h 2876136"/>
+                <a:gd name="connsiteX17" fmla="*/ 0 w 3832270"/>
+                <a:gd name="connsiteY17" fmla="*/ 2590612 h 2876136"/>
+                <a:gd name="connsiteX18" fmla="*/ 199046 w 3832270"/>
+                <a:gd name="connsiteY18" fmla="*/ 2627410 h 2876136"/>
+                <a:gd name="connsiteX19" fmla="*/ 468174 w 3832270"/>
+                <a:gd name="connsiteY19" fmla="*/ 2649670 h 2876136"/>
+                <a:gd name="connsiteX20" fmla="*/ 1003650 w 3832270"/>
+                <a:gd name="connsiteY20" fmla="*/ 2622480 h 2876136"/>
+                <a:gd name="connsiteX21" fmla="*/ 1266489 w 3832270"/>
+                <a:gd name="connsiteY21" fmla="*/ 2573982 h 2876136"/>
+                <a:gd name="connsiteX22" fmla="*/ 1524223 w 3832270"/>
+                <a:gd name="connsiteY22" fmla="*/ 2504657 h 2876136"/>
+                <a:gd name="connsiteX23" fmla="*/ 1775731 w 3832270"/>
+                <a:gd name="connsiteY23" fmla="*/ 2416243 h 2876136"/>
+                <a:gd name="connsiteX24" fmla="*/ 2019789 w 3832270"/>
+                <a:gd name="connsiteY24" fmla="*/ 2309412 h 2876136"/>
+                <a:gd name="connsiteX25" fmla="*/ 2482486 w 3832270"/>
+                <a:gd name="connsiteY25" fmla="*/ 2046962 h 2876136"/>
+                <a:gd name="connsiteX26" fmla="*/ 2591908 w 3832270"/>
+                <a:gd name="connsiteY26" fmla="*/ 1971371 h 2876136"/>
+                <a:gd name="connsiteX27" fmla="*/ 2645702 w 3832270"/>
+                <a:gd name="connsiteY27" fmla="*/ 1932321 h 2876136"/>
+                <a:gd name="connsiteX28" fmla="*/ 2698779 w 3832270"/>
+                <a:gd name="connsiteY28" fmla="*/ 1892309 h 2876136"/>
+                <a:gd name="connsiteX29" fmla="*/ 2903537 w 3832270"/>
+                <a:gd name="connsiteY29" fmla="*/ 1722516 h 2876136"/>
+                <a:gd name="connsiteX30" fmla="*/ 3269061 w 3832270"/>
+                <a:gd name="connsiteY30" fmla="*/ 1337327 h 2876136"/>
+                <a:gd name="connsiteX31" fmla="*/ 3424928 w 3832270"/>
+                <a:gd name="connsiteY31" fmla="*/ 1122508 h 2876136"/>
+                <a:gd name="connsiteX32" fmla="*/ 3557622 w 3832270"/>
+                <a:gd name="connsiteY32" fmla="*/ 893226 h 2876136"/>
+                <a:gd name="connsiteX33" fmla="*/ 3587019 w 3832270"/>
+                <a:gd name="connsiteY33" fmla="*/ 833929 h 2876136"/>
+                <a:gd name="connsiteX34" fmla="*/ 3601310 w 3832270"/>
+                <a:gd name="connsiteY34" fmla="*/ 804040 h 2876136"/>
+                <a:gd name="connsiteX35" fmla="*/ 3614885 w 3832270"/>
+                <a:gd name="connsiteY35" fmla="*/ 773861 h 2876136"/>
+                <a:gd name="connsiteX36" fmla="*/ 3640812 w 3832270"/>
+                <a:gd name="connsiteY36" fmla="*/ 713022 h 2876136"/>
+                <a:gd name="connsiteX37" fmla="*/ 3665105 w 3832270"/>
+                <a:gd name="connsiteY37" fmla="*/ 651506 h 2876136"/>
+                <a:gd name="connsiteX38" fmla="*/ 3744110 w 3832270"/>
+                <a:gd name="connsiteY38" fmla="*/ 399567 h 2876136"/>
+                <a:gd name="connsiteX39" fmla="*/ 3792123 w 3832270"/>
+                <a:gd name="connsiteY39" fmla="*/ 140444 h 2876136"/>
+              </a:gdLst>
+              <a:ahLst/>
+              <a:cxnLst>
+                <a:cxn ang="0">
+                  <a:pos x="connsiteX0" y="connsiteY0"/>
+                </a:cxn>
+                <a:cxn ang="0">
+                  <a:pos x="connsiteX1" y="connsiteY1"/>
+                </a:cxn>
+                <a:cxn ang="0">
+                  <a:pos x="connsiteX2" y="connsiteY2"/>
+                </a:cxn>
+                <a:cxn ang="0">
+                  <a:pos x="connsiteX3" y="connsiteY3"/>
+                </a:cxn>
+                <a:cxn ang="0">
+                  <a:pos x="connsiteX4" y="connsiteY4"/>
+                </a:cxn>
+                <a:cxn ang="0">
+                  <a:pos x="connsiteX5" y="connsiteY5"/>
+                </a:cxn>
+                <a:cxn ang="0">
+                  <a:pos x="connsiteX6" y="connsiteY6"/>
+                </a:cxn>
+                <a:cxn ang="0">
+                  <a:pos x="connsiteX7" y="connsiteY7"/>
+                </a:cxn>
+                <a:cxn ang="0">
+                  <a:pos x="connsiteX8" y="connsiteY8"/>
+                </a:cxn>
+                <a:cxn ang="0">
+                  <a:pos x="connsiteX9" y="connsiteY9"/>
+                </a:cxn>
+                <a:cxn ang="0">
+                  <a:pos x="connsiteX10" y="connsiteY10"/>
+                </a:cxn>
+                <a:cxn ang="0">
+                  <a:pos x="connsiteX11" y="connsiteY11"/>
+                </a:cxn>
+                <a:cxn ang="0">
+                  <a:pos x="connsiteX12" y="connsiteY12"/>
+                </a:cxn>
+                <a:cxn ang="0">
+                  <a:pos x="connsiteX13" y="connsiteY13"/>
+                </a:cxn>
+                <a:cxn ang="0">
+                  <a:pos x="connsiteX14" y="connsiteY14"/>
+                </a:cxn>
+                <a:cxn ang="0">
+                  <a:pos x="connsiteX15" y="connsiteY15"/>
+                </a:cxn>
+                <a:cxn ang="0">
+                  <a:pos x="connsiteX16" y="connsiteY16"/>
+                </a:cxn>
+                <a:cxn ang="0">
+                  <a:pos x="connsiteX17" y="connsiteY17"/>
+                </a:cxn>
+                <a:cxn ang="0">
+                  <a:pos x="connsiteX18" y="connsiteY18"/>
+                </a:cxn>
+                <a:cxn ang="0">
+                  <a:pos x="connsiteX19" y="connsiteY19"/>
+                </a:cxn>
+                <a:cxn ang="0">
+                  <a:pos x="connsiteX20" y="connsiteY20"/>
+                </a:cxn>
+                <a:cxn ang="0">
+                  <a:pos x="connsiteX21" y="connsiteY21"/>
+                </a:cxn>
+                <a:cxn ang="0">
+                  <a:pos x="connsiteX22" y="connsiteY22"/>
+                </a:cxn>
+                <a:cxn ang="0">
+                  <a:pos x="connsiteX23" y="connsiteY23"/>
+                </a:cxn>
+                <a:cxn ang="0">
+                  <a:pos x="connsiteX24" y="connsiteY24"/>
+                </a:cxn>
+                <a:cxn ang="0">
+                  <a:pos x="connsiteX25" y="connsiteY25"/>
+                </a:cxn>
+                <a:cxn ang="0">
+                  <a:pos x="connsiteX26" y="connsiteY26"/>
+                </a:cxn>
+                <a:cxn ang="0">
+                  <a:pos x="connsiteX27" y="connsiteY27"/>
+                </a:cxn>
+                <a:cxn ang="0">
+                  <a:pos x="connsiteX28" y="connsiteY28"/>
+                </a:cxn>
+                <a:cxn ang="0">
+                  <a:pos x="connsiteX29" y="connsiteY29"/>
+                </a:cxn>
+                <a:cxn ang="0">
+                  <a:pos x="connsiteX30" y="connsiteY30"/>
+                </a:cxn>
+                <a:cxn ang="0">
+                  <a:pos x="connsiteX31" y="connsiteY31"/>
+                </a:cxn>
+                <a:cxn ang="0">
+                  <a:pos x="connsiteX32" y="connsiteY32"/>
+                </a:cxn>
+                <a:cxn ang="0">
+                  <a:pos x="connsiteX33" y="connsiteY33"/>
+                </a:cxn>
+                <a:cxn ang="0">
+                  <a:pos x="connsiteX34" y="connsiteY34"/>
+                </a:cxn>
+                <a:cxn ang="0">
+                  <a:pos x="connsiteX35" y="connsiteY35"/>
+                </a:cxn>
+                <a:cxn ang="0">
+                  <a:pos x="connsiteX36" y="connsiteY36"/>
+                </a:cxn>
+                <a:cxn ang="0">
+                  <a:pos x="connsiteX37" y="connsiteY37"/>
+                </a:cxn>
+                <a:cxn ang="0">
+                  <a:pos x="connsiteX38" y="connsiteY38"/>
+                </a:cxn>
+                <a:cxn ang="0">
+                  <a:pos x="connsiteX39" y="connsiteY39"/>
+                </a:cxn>
+              </a:cxnLst>
+              <a:rect l="l" t="t" r="r" b="b"/>
+              <a:pathLst>
+                <a:path w="3832270" h="2876136">
+                  <a:moveTo>
+                    <a:pt x="3800718" y="0"/>
+                  </a:moveTo>
+                  <a:lnTo>
+                    <a:pt x="3832270" y="0"/>
+                  </a:lnTo>
+                  <a:lnTo>
+                    <a:pt x="3824562" y="143769"/>
+                  </a:lnTo>
+                  <a:cubicBezTo>
+                    <a:pt x="3797131" y="409191"/>
+                    <a:pt x="3730585" y="671345"/>
+                    <a:pt x="3628155" y="922055"/>
+                  </a:cubicBezTo>
+                  <a:cubicBezTo>
+                    <a:pt x="3593858" y="1005553"/>
+                    <a:pt x="3556704" y="1088280"/>
+                    <a:pt x="3514853" y="1169078"/>
+                  </a:cubicBezTo>
+                  <a:cubicBezTo>
+                    <a:pt x="3473616" y="1250166"/>
+                    <a:pt x="3428194" y="1329517"/>
+                    <a:pt x="3379198" y="1407037"/>
+                  </a:cubicBezTo>
+                  <a:cubicBezTo>
+                    <a:pt x="3281106" y="1561980"/>
+                    <a:pt x="3169132" y="1710174"/>
+                    <a:pt x="3043787" y="1848342"/>
+                  </a:cubicBezTo>
+                  <a:cubicBezTo>
+                    <a:pt x="2980806" y="1917184"/>
+                    <a:pt x="2915071" y="1984001"/>
+                    <a:pt x="2845661" y="2047444"/>
+                  </a:cubicBezTo>
+                  <a:cubicBezTo>
+                    <a:pt x="2828411" y="2063450"/>
+                    <a:pt x="2811060" y="2079263"/>
+                    <a:pt x="2793197" y="2094689"/>
+                  </a:cubicBezTo>
+                  <a:cubicBezTo>
+                    <a:pt x="2775436" y="2110213"/>
+                    <a:pt x="2757982" y="2126025"/>
+                    <a:pt x="2739710" y="2140969"/>
+                  </a:cubicBezTo>
+                  <a:cubicBezTo>
+                    <a:pt x="2703576" y="2171341"/>
+                    <a:pt x="2666524" y="2200749"/>
+                    <a:pt x="2629166" y="2229867"/>
+                  </a:cubicBezTo>
+                  <a:cubicBezTo>
+                    <a:pt x="2479015" y="2345569"/>
+                    <a:pt x="2316821" y="2448061"/>
+                    <a:pt x="2145952" y="2535994"/>
+                  </a:cubicBezTo>
+                  <a:cubicBezTo>
+                    <a:pt x="1804312" y="2711957"/>
+                    <a:pt x="1424600" y="2826982"/>
+                    <a:pt x="1034987" y="2863910"/>
+                  </a:cubicBezTo>
+                  <a:cubicBezTo>
+                    <a:pt x="937762" y="2873167"/>
+                    <a:pt x="839720" y="2877096"/>
+                    <a:pt x="741909" y="2875939"/>
+                  </a:cubicBezTo>
+                  <a:cubicBezTo>
+                    <a:pt x="644097" y="2874782"/>
+                    <a:pt x="546515" y="2868539"/>
+                    <a:pt x="450208" y="2857451"/>
+                  </a:cubicBezTo>
+                  <a:cubicBezTo>
+                    <a:pt x="305520" y="2840674"/>
+                    <a:pt x="162095" y="2813810"/>
+                    <a:pt x="22215" y="2775923"/>
+                  </a:cubicBezTo>
+                  <a:lnTo>
+                    <a:pt x="0" y="2769256"/>
+                  </a:lnTo>
+                  <a:lnTo>
+                    <a:pt x="0" y="2590612"/>
+                  </a:lnTo>
+                  <a:lnTo>
+                    <a:pt x="199046" y="2627410"/>
+                  </a:lnTo>
+                  <a:cubicBezTo>
+                    <a:pt x="288321" y="2639209"/>
+                    <a:pt x="378197" y="2646537"/>
+                    <a:pt x="468174" y="2649670"/>
+                  </a:cubicBezTo>
+                  <a:cubicBezTo>
+                    <a:pt x="648333" y="2656805"/>
+                    <a:pt x="826655" y="2647163"/>
+                    <a:pt x="1003650" y="2622480"/>
+                  </a:cubicBezTo>
+                  <a:cubicBezTo>
+                    <a:pt x="1091943" y="2609658"/>
+                    <a:pt x="1179725" y="2593747"/>
+                    <a:pt x="1266489" y="2573982"/>
+                  </a:cubicBezTo>
+                  <a:cubicBezTo>
+                    <a:pt x="1353250" y="2553927"/>
+                    <a:pt x="1439298" y="2531076"/>
+                    <a:pt x="1524223" y="2504657"/>
+                  </a:cubicBezTo>
+                  <a:cubicBezTo>
+                    <a:pt x="1609149" y="2478336"/>
+                    <a:pt x="1693052" y="2448833"/>
+                    <a:pt x="1775731" y="2416243"/>
+                  </a:cubicBezTo>
+                  <a:cubicBezTo>
+                    <a:pt x="1858309" y="2383557"/>
+                    <a:pt x="1939764" y="2347882"/>
+                    <a:pt x="2019789" y="2309412"/>
+                  </a:cubicBezTo>
+                  <a:cubicBezTo>
+                    <a:pt x="2179839" y="2232567"/>
+                    <a:pt x="2334583" y="2144923"/>
+                    <a:pt x="2482486" y="2046962"/>
+                  </a:cubicBezTo>
+                  <a:cubicBezTo>
+                    <a:pt x="2519334" y="2022376"/>
+                    <a:pt x="2556081" y="1997403"/>
+                    <a:pt x="2591908" y="1971371"/>
+                  </a:cubicBezTo>
+                  <a:cubicBezTo>
+                    <a:pt x="2610077" y="1958644"/>
+                    <a:pt x="2627838" y="1945434"/>
+                    <a:pt x="2645702" y="1932321"/>
+                  </a:cubicBezTo>
+                  <a:cubicBezTo>
+                    <a:pt x="2663666" y="1919305"/>
+                    <a:pt x="2681325" y="1905903"/>
+                    <a:pt x="2698779" y="1892309"/>
+                  </a:cubicBezTo>
+                  <a:cubicBezTo>
+                    <a:pt x="2768903" y="1838025"/>
+                    <a:pt x="2837496" y="1781717"/>
+                    <a:pt x="2903537" y="1722516"/>
+                  </a:cubicBezTo>
+                  <a:cubicBezTo>
+                    <a:pt x="3035926" y="1604501"/>
+                    <a:pt x="3158720" y="1475784"/>
+                    <a:pt x="3269061" y="1337327"/>
+                  </a:cubicBezTo>
+                  <a:cubicBezTo>
+                    <a:pt x="3324182" y="1268099"/>
+                    <a:pt x="3376341" y="1196461"/>
+                    <a:pt x="3424928" y="1122508"/>
+                  </a:cubicBezTo>
+                  <a:cubicBezTo>
+                    <a:pt x="3472697" y="1048170"/>
+                    <a:pt x="3517814" y="972000"/>
+                    <a:pt x="3557622" y="893226"/>
+                  </a:cubicBezTo>
+                  <a:cubicBezTo>
+                    <a:pt x="3567931" y="873654"/>
+                    <a:pt x="3577526" y="853791"/>
+                    <a:pt x="3587019" y="833929"/>
+                  </a:cubicBezTo>
+                  <a:lnTo>
+                    <a:pt x="3601310" y="804040"/>
+                  </a:lnTo>
+                  <a:lnTo>
+                    <a:pt x="3614885" y="773861"/>
+                  </a:lnTo>
+                  <a:cubicBezTo>
+                    <a:pt x="3623766" y="753709"/>
+                    <a:pt x="3632748" y="733559"/>
+                    <a:pt x="3640812" y="713022"/>
+                  </a:cubicBezTo>
+                  <a:cubicBezTo>
+                    <a:pt x="3648876" y="692485"/>
+                    <a:pt x="3657756" y="672236"/>
+                    <a:pt x="3665105" y="651506"/>
+                  </a:cubicBezTo>
+                  <a:cubicBezTo>
+                    <a:pt x="3696544" y="569166"/>
+                    <a:pt x="3723185" y="485089"/>
+                    <a:pt x="3744110" y="399567"/>
+                  </a:cubicBezTo>
+                  <a:cubicBezTo>
+                    <a:pt x="3765341" y="314238"/>
+                    <a:pt x="3781392" y="227654"/>
+                    <a:pt x="3792123" y="140444"/>
+                  </a:cubicBezTo>
+                  <a:close/>
+                </a:path>
+              </a:pathLst>
+            </a:custGeom>
+            <a:gradFill>
+              <a:gsLst>
+                <a:gs pos="2000">
+                  <a:schemeClr val="bg1">
+                    <a:alpha val="10000"/>
+                  </a:schemeClr>
+                </a:gs>
+                <a:gs pos="16000">
+                  <a:schemeClr val="accent6">
+                    <a:alpha val="10000"/>
+                  </a:schemeClr>
+                </a:gs>
+                <a:gs pos="100000">
+                  <a:schemeClr val="bg1">
+                    <a:alpha val="10000"/>
+                  </a:schemeClr>
+                </a:gs>
+                <a:gs pos="85000">
+                  <a:schemeClr val="accent1">
+                    <a:alpha val="10000"/>
+                  </a:schemeClr>
+                </a:gs>
+              </a:gsLst>
+              <a:lin ang="12000000" scaled="0"/>
+            </a:gradFill>
+            <a:ln>
+              <a:noFill/>
+            </a:ln>
+          </p:spPr>
+          <p:style>
+            <a:lnRef idx="2">
+              <a:schemeClr val="accent1">
+                <a:shade val="50000"/>
+              </a:schemeClr>
+            </a:lnRef>
+            <a:fillRef idx="1">
+              <a:schemeClr val="accent1"/>
+            </a:fillRef>
+            <a:effectRef idx="0">
+              <a:schemeClr val="accent1"/>
+            </a:effectRef>
+            <a:fontRef idx="minor">
+              <a:schemeClr val="lt1"/>
+            </a:fontRef>
+          </p:style>
+          <p:txBody>
+            <a:bodyPr rtlCol="0" anchor="ctr"/>
+            <a:lstStyle/>
+            <a:p>
+              <a:pPr algn="ctr"/>
+              <a:endParaRPr lang="en-US"/>
+            </a:p>
+          </p:txBody>
+        </p:sp>
+      </p:grpSp>
+      <p:pic>
+        <p:nvPicPr>
+          <p:cNvPr id="8" name="Picture 7" descr="WhatsApp Image 2024-08-23 at 15.43.17">
+            <a:extLst>
+              <a:ext uri="{FF2B5EF4-FFF2-40B4-BE49-F238E27FC236}">
+                <a16:creationId xmlns:a16="http://schemas.microsoft.com/office/drawing/2014/main" xmlns="" id="{3FE6A829-54AA-00A7-29D7-DC66D358854A}"/>
               </a:ext>
             </a:extLst>
           </p:cNvPr>
@@ -18687,7 +22657,7 @@
         </p:blipFill>
         <p:spPr>
           <a:xfrm>
-            <a:off x="317643" y="144259"/>
+            <a:off x="317643" y="111601"/>
             <a:ext cx="1719435" cy="677445"/>
           </a:xfrm>
           <a:prstGeom prst="rect">
@@ -18697,691 +22667,76 @@
       </p:pic>
       <p:sp>
         <p:nvSpPr>
-          <p:cNvPr id="13" name="Date Placeholder 12">
+          <p:cNvPr id="9" name="Title 1">
             <a:extLst>
               <a:ext uri="{FF2B5EF4-FFF2-40B4-BE49-F238E27FC236}">
-                <a16:creationId xmlns:a16="http://schemas.microsoft.com/office/drawing/2014/main" xmlns="" id="{AD30255A-D722-9278-6B86-CDC958DBCE76}"/>
+                <a16:creationId xmlns:a16="http://schemas.microsoft.com/office/drawing/2014/main" xmlns="" id="{2FD9AE5D-B937-61C4-9DA4-7D3DC99EB9A1}"/>
               </a:ext>
             </a:extLst>
           </p:cNvPr>
-          <p:cNvSpPr>
-            <a:spLocks noGrp="1"/>
-          </p:cNvSpPr>
-          <p:nvPr>
-            <p:ph type="dt" sz="half" idx="10"/>
-          </p:nvPr>
-        </p:nvSpPr>
-        <p:spPr/>
-        <p:txBody>
-          <a:bodyPr/>
-          <a:lstStyle/>
-          <a:p>
-            <a:fld id="{4F9ED619-C22D-46D8-B505-1861FC119B25}" type="datetime1">
-              <a:rPr lang="en-US" smtClean="0"/>
-              <a:pPr/>
-              <a:t>7/8/2025</a:t>
-            </a:fld>
-            <a:endParaRPr lang="en-US" dirty="0"/>
-          </a:p>
-        </p:txBody>
-      </p:sp>
-      <p:sp>
-        <p:nvSpPr>
-          <p:cNvPr id="15" name="Slide Number Placeholder 14">
-            <a:extLst>
-              <a:ext uri="{FF2B5EF4-FFF2-40B4-BE49-F238E27FC236}">
-                <a16:creationId xmlns:a16="http://schemas.microsoft.com/office/drawing/2014/main" xmlns="" id="{1B162A4D-077F-7925-923D-1DF42476D28D}"/>
-              </a:ext>
-            </a:extLst>
-          </p:cNvPr>
-          <p:cNvSpPr>
-            <a:spLocks noGrp="1"/>
-          </p:cNvSpPr>
-          <p:nvPr>
-            <p:ph type="sldNum" sz="quarter" idx="12"/>
-          </p:nvPr>
-        </p:nvSpPr>
-        <p:spPr/>
-        <p:txBody>
-          <a:bodyPr/>
-          <a:lstStyle/>
-          <a:p>
-            <a:fld id="{6EFE7C99-B088-4EBB-BFF6-BECCC96D5DD8}" type="slidenum">
-              <a:rPr lang="en-US" smtClean="0"/>
-              <a:pPr/>
-              <a:t>9</a:t>
-            </a:fld>
-            <a:endParaRPr lang="en-US"/>
-          </a:p>
-        </p:txBody>
-      </p:sp>
-      <p:sp>
-        <p:nvSpPr>
-          <p:cNvPr id="10" name="TextBox 9">
-            <a:extLst>
-              <a:ext uri="{FF2B5EF4-FFF2-40B4-BE49-F238E27FC236}">
-                <a16:creationId xmlns:a16="http://schemas.microsoft.com/office/drawing/2014/main" xmlns="" id="{486B023D-D17B-9DDF-D346-3B74179C0858}"/>
-              </a:ext>
-            </a:extLst>
-          </p:cNvPr>
-          <p:cNvSpPr txBox="1"/>
+          <p:cNvSpPr txBox="1">
+            <a:spLocks/>
+          </p:cNvSpPr>
           <p:nvPr/>
         </p:nvSpPr>
         <p:spPr>
           <a:xfrm>
-            <a:off x="2337283" y="199722"/>
-            <a:ext cx="9687560" cy="461665"/>
-          </a:xfrm>
-          <a:prstGeom prst="rect">
-            <a:avLst/>
-          </a:prstGeom>
-          <a:noFill/>
-        </p:spPr>
-        <p:txBody>
-          <a:bodyPr wrap="square" rtlCol="0">
-            <a:spAutoFit/>
+            <a:off x="2120464" y="53218"/>
+            <a:ext cx="9102708" cy="710385"/>
+          </a:xfrm>
+          <a:prstGeom prst="rect">
+            <a:avLst/>
+          </a:prstGeom>
+          <a:solidFill>
+            <a:srgbClr val="0070C0"/>
+          </a:solidFill>
+        </p:spPr>
+        <p:txBody>
+          <a:bodyPr vert="horz" lIns="91440" tIns="45720" rIns="91440" bIns="45720" rtlCol="0" anchor="ctr">
+            <a:normAutofit/>
           </a:bodyPr>
-          <a:lstStyle/>
+          <a:lstStyle>
+            <a:lvl1pPr algn="l" defTabSz="914400" rtl="0" eaLnBrk="1" latinLnBrk="0" hangingPunct="1">
+              <a:lnSpc>
+                <a:spcPct val="90000"/>
+              </a:lnSpc>
+              <a:spcBef>
+                <a:spcPct val="0"/>
+              </a:spcBef>
+              <a:buNone/>
+              <a:defRPr sz="4400" kern="1200">
+                <a:solidFill>
+                  <a:schemeClr val="tx1"/>
+                </a:solidFill>
+                <a:latin typeface="+mj-lt"/>
+                <a:ea typeface="+mj-ea"/>
+                <a:cs typeface="+mj-cs"/>
+              </a:defRPr>
+            </a:lvl1pPr>
+          </a:lstStyle>
           <a:p>
             <a:pPr algn="ctr"/>
             <a:r>
-              <a:rPr lang="en-US" sz="2400" b="1" dirty="0">
+              <a:rPr lang="en-US" sz="3200" b="1" dirty="0">
                 <a:solidFill>
                   <a:schemeClr val="bg1"/>
                 </a:solidFill>
               </a:rPr>
-              <a:t>Slide Title</a:t>
+              <a:t>Why and which AI-assisted tools to use !!</a:t>
             </a:r>
-            <a:endParaRPr lang="en-US" sz="2400" dirty="0"/>
-          </a:p>
-        </p:txBody>
-      </p:sp>
-      <p:grpSp>
-        <p:nvGrpSpPr>
-          <p:cNvPr id="2" name="Group 1">
-            <a:extLst>
-              <a:ext uri="{FF2B5EF4-FFF2-40B4-BE49-F238E27FC236}">
-                <a16:creationId xmlns:a16="http://schemas.microsoft.com/office/drawing/2014/main" xmlns="" id="{0D0112AD-AB0A-FEB7-46DA-462329F16DB6}"/>
-              </a:ext>
-            </a:extLst>
-          </p:cNvPr>
-          <p:cNvGrpSpPr/>
-          <p:nvPr/>
-        </p:nvGrpSpPr>
-        <p:grpSpPr>
-          <a:xfrm>
-            <a:off x="2336800" y="134364"/>
-            <a:ext cx="9745291" cy="677445"/>
-            <a:chOff x="2336800" y="134364"/>
-            <a:chExt cx="9745291" cy="677445"/>
-          </a:xfrm>
-          <a:solidFill>
-            <a:srgbClr val="194E91"/>
-          </a:solidFill>
-        </p:grpSpPr>
-        <p:sp>
-          <p:nvSpPr>
-            <p:cNvPr id="5" name="TextBox 4">
-              <a:extLst>
-                <a:ext uri="{FF2B5EF4-FFF2-40B4-BE49-F238E27FC236}">
-                  <a16:creationId xmlns:a16="http://schemas.microsoft.com/office/drawing/2014/main" xmlns="" id="{C9FA2A23-91A0-84C9-4153-A9CF1165A869}"/>
-                </a:ext>
-              </a:extLst>
-            </p:cNvPr>
-            <p:cNvSpPr txBox="1"/>
-            <p:nvPr/>
-          </p:nvSpPr>
-          <p:spPr>
-            <a:xfrm>
-              <a:off x="2336800" y="134364"/>
-              <a:ext cx="9745291" cy="677445"/>
-            </a:xfrm>
-            <a:prstGeom prst="rect">
-              <a:avLst/>
-            </a:prstGeom>
-            <a:grpFill/>
-            <a:effectLst>
-              <a:softEdge rad="0"/>
-            </a:effectLst>
-          </p:spPr>
-          <p:txBody>
-            <a:bodyPr wrap="square" rtlCol="0">
-              <a:spAutoFit/>
-            </a:bodyPr>
-            <a:lstStyle/>
-            <a:p>
-              <a:pPr algn="ctr"/>
-              <a:endParaRPr lang="en-US" sz="2400" b="1" dirty="0">
-                <a:solidFill>
-                  <a:schemeClr val="bg1"/>
-                </a:solidFill>
-              </a:endParaRPr>
-            </a:p>
-          </p:txBody>
-        </p:sp>
-        <p:sp>
-          <p:nvSpPr>
-            <p:cNvPr id="7" name="TextBox 6">
-              <a:extLst>
-                <a:ext uri="{FF2B5EF4-FFF2-40B4-BE49-F238E27FC236}">
-                  <a16:creationId xmlns:a16="http://schemas.microsoft.com/office/drawing/2014/main" xmlns="" id="{61AC8CE0-431A-86E3-F3A3-CE37478C7257}"/>
-                </a:ext>
-              </a:extLst>
-            </p:cNvPr>
-            <p:cNvSpPr txBox="1"/>
-            <p:nvPr/>
-          </p:nvSpPr>
-          <p:spPr>
-            <a:xfrm>
-              <a:off x="2394530" y="273031"/>
-              <a:ext cx="9687560" cy="400110"/>
-            </a:xfrm>
-            <a:prstGeom prst="rect">
-              <a:avLst/>
-            </a:prstGeom>
-            <a:grpFill/>
-          </p:spPr>
-          <p:txBody>
-            <a:bodyPr wrap="square" rtlCol="0">
-              <a:spAutoFit/>
-            </a:bodyPr>
-            <a:lstStyle/>
-            <a:p>
-              <a:pPr algn="ctr"/>
-              <a:r>
-                <a:rPr lang="en-US" sz="2000" b="1" dirty="0" smtClean="0">
-                  <a:solidFill>
-                    <a:schemeClr val="bg1"/>
-                  </a:solidFill>
-                </a:rPr>
-                <a:t>VS Code Extensions​ - </a:t>
-              </a:r>
-              <a:r>
-                <a:rPr lang="en-US" sz="2000" b="1" dirty="0" err="1" smtClean="0">
-                  <a:solidFill>
-                    <a:schemeClr val="bg1"/>
-                  </a:solidFill>
-                </a:rPr>
-                <a:t>GitHub</a:t>
-              </a:r>
-              <a:r>
-                <a:rPr lang="en-US" sz="2000" b="1" dirty="0" smtClean="0">
-                  <a:solidFill>
-                    <a:schemeClr val="bg1"/>
-                  </a:solidFill>
-                </a:rPr>
-                <a:t> Copilot</a:t>
-              </a:r>
-              <a:endParaRPr lang="en-US" sz="2000" dirty="0"/>
-            </a:p>
-          </p:txBody>
-        </p:sp>
-      </p:grpSp>
-      <p:sp>
-        <p:nvSpPr>
-          <p:cNvPr id="18" name="Footer Placeholder 17"/>
-          <p:cNvSpPr>
-            <a:spLocks noGrp="1"/>
-          </p:cNvSpPr>
-          <p:nvPr>
-            <p:ph type="ftr" sz="quarter" idx="11"/>
-          </p:nvPr>
-        </p:nvSpPr>
-        <p:spPr/>
-        <p:txBody>
-          <a:bodyPr/>
-          <a:lstStyle/>
-          <a:p>
-            <a:r>
-              <a:rPr lang="en-US" smtClean="0"/>
-              <a:t>Prof. Venkataramana Veeramsetty</a:t>
-            </a:r>
-            <a:endParaRPr lang="en-US"/>
-          </a:p>
-        </p:txBody>
-      </p:sp>
-      <p:sp>
-        <p:nvSpPr>
-          <p:cNvPr id="3074" name="AutoShape 2" descr="A blue screen with yellow text&#10;&#10;Description automatically generated"/>
-          <p:cNvSpPr>
-            <a:spLocks noChangeAspect="1" noChangeArrowheads="1"/>
-          </p:cNvSpPr>
-          <p:nvPr/>
-        </p:nvSpPr>
-        <p:spPr bwMode="auto">
-          <a:xfrm>
-            <a:off x="212725" y="-144463"/>
-            <a:ext cx="304800" cy="304801"/>
-          </a:xfrm>
-          <a:prstGeom prst="rect">
-            <a:avLst/>
-          </a:prstGeom>
-          <a:noFill/>
-        </p:spPr>
-        <p:txBody>
-          <a:bodyPr vert="horz" wrap="square" lIns="91440" tIns="45720" rIns="91440" bIns="45720" numCol="1" anchor="t" anchorCtr="0" compatLnSpc="1">
-            <a:prstTxWarp prst="textNoShape">
-              <a:avLst/>
-            </a:prstTxWarp>
-          </a:bodyPr>
-          <a:lstStyle/>
-          <a:p>
-            <a:endParaRPr lang="en-US"/>
-          </a:p>
-        </p:txBody>
-      </p:sp>
-      <p:sp>
-        <p:nvSpPr>
-          <p:cNvPr id="3076" name="AutoShape 4" descr="A blue screen with yellow text&#10;&#10;Description automatically generated"/>
-          <p:cNvSpPr>
-            <a:spLocks noChangeAspect="1" noChangeArrowheads="1"/>
-          </p:cNvSpPr>
-          <p:nvPr/>
-        </p:nvSpPr>
-        <p:spPr bwMode="auto">
-          <a:xfrm>
-            <a:off x="212725" y="-144463"/>
-            <a:ext cx="304800" cy="304801"/>
-          </a:xfrm>
-          <a:prstGeom prst="rect">
-            <a:avLst/>
-          </a:prstGeom>
-          <a:noFill/>
-        </p:spPr>
-        <p:txBody>
-          <a:bodyPr vert="horz" wrap="square" lIns="91440" tIns="45720" rIns="91440" bIns="45720" numCol="1" anchor="t" anchorCtr="0" compatLnSpc="1">
-            <a:prstTxWarp prst="textNoShape">
-              <a:avLst/>
-            </a:prstTxWarp>
-          </a:bodyPr>
-          <a:lstStyle/>
-          <a:p>
-            <a:endParaRPr lang="en-US"/>
-          </a:p>
-        </p:txBody>
-      </p:sp>
-      <p:sp>
-        <p:nvSpPr>
-          <p:cNvPr id="17" name="Rectangle 16"/>
-          <p:cNvSpPr/>
-          <p:nvPr/>
-        </p:nvSpPr>
-        <p:spPr>
-          <a:xfrm>
-            <a:off x="5971607" y="3244334"/>
-            <a:ext cx="248786" cy="369332"/>
-          </a:xfrm>
-          <a:prstGeom prst="rect">
-            <a:avLst/>
-          </a:prstGeom>
-        </p:spPr>
-        <p:txBody>
-          <a:bodyPr wrap="none">
-            <a:spAutoFit/>
-          </a:bodyPr>
-          <a:lstStyle/>
-          <a:p>
-            <a:r>
-              <a:rPr lang="en-US" dirty="0" smtClean="0"/>
-              <a:t> </a:t>
-            </a:r>
-            <a:endParaRPr lang="en-US" dirty="0"/>
-          </a:p>
-        </p:txBody>
-      </p:sp>
-      <p:sp>
-        <p:nvSpPr>
-          <p:cNvPr id="20482" name="AutoShape 2" descr="PyCharm's top features. [Hidden] qualities of one of the most… | by Nicolò  Gasparini | Analytics Vidhya | Medium"/>
-          <p:cNvSpPr>
-            <a:spLocks noChangeAspect="1" noChangeArrowheads="1"/>
-          </p:cNvSpPr>
-          <p:nvPr/>
-        </p:nvSpPr>
-        <p:spPr bwMode="auto">
-          <a:xfrm>
-            <a:off x="212725" y="-144463"/>
-            <a:ext cx="304800" cy="304801"/>
-          </a:xfrm>
-          <a:prstGeom prst="rect">
-            <a:avLst/>
-          </a:prstGeom>
-          <a:noFill/>
-        </p:spPr>
-        <p:txBody>
-          <a:bodyPr vert="horz" wrap="square" lIns="91440" tIns="45720" rIns="91440" bIns="45720" numCol="1" anchor="t" anchorCtr="0" compatLnSpc="1">
-            <a:prstTxWarp prst="textNoShape">
-              <a:avLst/>
-            </a:prstTxWarp>
-          </a:bodyPr>
-          <a:lstStyle/>
-          <a:p>
-            <a:endParaRPr lang="en-US"/>
-          </a:p>
-        </p:txBody>
-      </p:sp>
-      <p:sp>
-        <p:nvSpPr>
-          <p:cNvPr id="20484" name="AutoShape 4" descr="PyCharm's top features. [Hidden] qualities of one of the most… | by Nicolò  Gasparini | Analytics Vidhya | Medium"/>
-          <p:cNvSpPr>
-            <a:spLocks noChangeAspect="1" noChangeArrowheads="1"/>
-          </p:cNvSpPr>
-          <p:nvPr/>
-        </p:nvSpPr>
-        <p:spPr bwMode="auto">
-          <a:xfrm>
-            <a:off x="212725" y="-144463"/>
-            <a:ext cx="304800" cy="304801"/>
-          </a:xfrm>
-          <a:prstGeom prst="rect">
-            <a:avLst/>
-          </a:prstGeom>
-          <a:noFill/>
-        </p:spPr>
-        <p:txBody>
-          <a:bodyPr vert="horz" wrap="square" lIns="91440" tIns="45720" rIns="91440" bIns="45720" numCol="1" anchor="t" anchorCtr="0" compatLnSpc="1">
-            <a:prstTxWarp prst="textNoShape">
-              <a:avLst/>
-            </a:prstTxWarp>
-          </a:bodyPr>
-          <a:lstStyle/>
-          <a:p>
-            <a:endParaRPr lang="en-US"/>
-          </a:p>
-        </p:txBody>
-      </p:sp>
-      <p:sp>
-        <p:nvSpPr>
-          <p:cNvPr id="20486" name="AutoShape 6" descr="PyCharm's top features. [Hidden] qualities of one of the most… | by Nicolò  Gasparini | Analytics Vidhya | Medium"/>
-          <p:cNvSpPr>
-            <a:spLocks noChangeAspect="1" noChangeArrowheads="1"/>
-          </p:cNvSpPr>
-          <p:nvPr/>
-        </p:nvSpPr>
-        <p:spPr bwMode="auto">
-          <a:xfrm>
-            <a:off x="212725" y="-144463"/>
-            <a:ext cx="304800" cy="304801"/>
-          </a:xfrm>
-          <a:prstGeom prst="rect">
-            <a:avLst/>
-          </a:prstGeom>
-          <a:noFill/>
-        </p:spPr>
-        <p:txBody>
-          <a:bodyPr vert="horz" wrap="square" lIns="91440" tIns="45720" rIns="91440" bIns="45720" numCol="1" anchor="t" anchorCtr="0" compatLnSpc="1">
-            <a:prstTxWarp prst="textNoShape">
-              <a:avLst/>
-            </a:prstTxWarp>
-          </a:bodyPr>
-          <a:lstStyle/>
-          <a:p>
-            <a:endParaRPr lang="en-US"/>
-          </a:p>
-        </p:txBody>
-      </p:sp>
-      <p:sp>
-        <p:nvSpPr>
-          <p:cNvPr id="20490" name="AutoShape 10" descr="Top 5 Best Python IDE to use in 2024 ..."/>
-          <p:cNvSpPr>
-            <a:spLocks noChangeAspect="1" noChangeArrowheads="1"/>
-          </p:cNvSpPr>
-          <p:nvPr/>
-        </p:nvSpPr>
-        <p:spPr bwMode="auto">
-          <a:xfrm>
-            <a:off x="155575" y="-144463"/>
-            <a:ext cx="304800" cy="304801"/>
-          </a:xfrm>
-          <a:prstGeom prst="rect">
-            <a:avLst/>
-          </a:prstGeom>
-          <a:noFill/>
-        </p:spPr>
-        <p:txBody>
-          <a:bodyPr vert="horz" wrap="square" lIns="91440" tIns="45720" rIns="91440" bIns="45720" numCol="1" anchor="t" anchorCtr="0" compatLnSpc="1">
-            <a:prstTxWarp prst="textNoShape">
-              <a:avLst/>
-            </a:prstTxWarp>
-          </a:bodyPr>
-          <a:lstStyle/>
-          <a:p>
-            <a:endParaRPr lang="en-US"/>
-          </a:p>
-        </p:txBody>
-      </p:sp>
-      <p:sp>
-        <p:nvSpPr>
-          <p:cNvPr id="20492" name="AutoShape 12" descr="Top 5 Best Python IDE to use in 2024 | Keploy Blog"/>
-          <p:cNvSpPr>
-            <a:spLocks noChangeAspect="1" noChangeArrowheads="1"/>
-          </p:cNvSpPr>
-          <p:nvPr/>
-        </p:nvSpPr>
-        <p:spPr bwMode="auto">
-          <a:xfrm>
-            <a:off x="155575" y="-144463"/>
-            <a:ext cx="304800" cy="304801"/>
-          </a:xfrm>
-          <a:prstGeom prst="rect">
-            <a:avLst/>
-          </a:prstGeom>
-          <a:noFill/>
-        </p:spPr>
-        <p:txBody>
-          <a:bodyPr vert="horz" wrap="square" lIns="91440" tIns="45720" rIns="91440" bIns="45720" numCol="1" anchor="t" anchorCtr="0" compatLnSpc="1">
-            <a:prstTxWarp prst="textNoShape">
-              <a:avLst/>
-            </a:prstTxWarp>
-          </a:bodyPr>
-          <a:lstStyle/>
-          <a:p>
-            <a:endParaRPr lang="en-US"/>
-          </a:p>
-        </p:txBody>
-      </p:sp>
-      <p:sp>
-        <p:nvSpPr>
-          <p:cNvPr id="20494" name="AutoShape 14" descr="Top 5 Best Python IDE to use in 2024 | Keploy Blog"/>
-          <p:cNvSpPr>
-            <a:spLocks noChangeAspect="1" noChangeArrowheads="1"/>
-          </p:cNvSpPr>
-          <p:nvPr/>
-        </p:nvSpPr>
-        <p:spPr bwMode="auto">
-          <a:xfrm>
-            <a:off x="155575" y="-144463"/>
-            <a:ext cx="304800" cy="304801"/>
-          </a:xfrm>
-          <a:prstGeom prst="rect">
-            <a:avLst/>
-          </a:prstGeom>
-          <a:noFill/>
-        </p:spPr>
-        <p:txBody>
-          <a:bodyPr vert="horz" wrap="square" lIns="91440" tIns="45720" rIns="91440" bIns="45720" numCol="1" anchor="t" anchorCtr="0" compatLnSpc="1">
-            <a:prstTxWarp prst="textNoShape">
-              <a:avLst/>
-            </a:prstTxWarp>
-          </a:bodyPr>
-          <a:lstStyle/>
-          <a:p>
-            <a:endParaRPr lang="en-US"/>
-          </a:p>
-        </p:txBody>
-      </p:sp>
-      <p:sp>
-        <p:nvSpPr>
-          <p:cNvPr id="20496" name="AutoShape 16" descr="https://wp.keploy.io/wp-content/uploads/2024/10/PyCharm.webp"/>
-          <p:cNvSpPr>
-            <a:spLocks noChangeAspect="1" noChangeArrowheads="1"/>
-          </p:cNvSpPr>
-          <p:nvPr/>
-        </p:nvSpPr>
-        <p:spPr bwMode="auto">
-          <a:xfrm>
-            <a:off x="155575" y="-144463"/>
-            <a:ext cx="304800" cy="304801"/>
-          </a:xfrm>
-          <a:prstGeom prst="rect">
-            <a:avLst/>
-          </a:prstGeom>
-          <a:noFill/>
-        </p:spPr>
-        <p:txBody>
-          <a:bodyPr vert="horz" wrap="square" lIns="91440" tIns="45720" rIns="91440" bIns="45720" numCol="1" anchor="t" anchorCtr="0" compatLnSpc="1">
-            <a:prstTxWarp prst="textNoShape">
-              <a:avLst/>
-            </a:prstTxWarp>
-          </a:bodyPr>
-          <a:lstStyle/>
-          <a:p>
-            <a:endParaRPr lang="en-US"/>
-          </a:p>
-        </p:txBody>
-      </p:sp>
-      <p:sp>
-        <p:nvSpPr>
-          <p:cNvPr id="20503" name="AutoShape 23" descr="Thonny Python Editor gets major 4.0.0 ..."/>
-          <p:cNvSpPr>
-            <a:spLocks noChangeAspect="1" noChangeArrowheads="1"/>
-          </p:cNvSpPr>
-          <p:nvPr/>
-        </p:nvSpPr>
-        <p:spPr bwMode="auto">
-          <a:xfrm>
-            <a:off x="155575" y="-144463"/>
-            <a:ext cx="304800" cy="304801"/>
-          </a:xfrm>
-          <a:prstGeom prst="rect">
-            <a:avLst/>
-          </a:prstGeom>
-          <a:noFill/>
-        </p:spPr>
-        <p:txBody>
-          <a:bodyPr vert="horz" wrap="square" lIns="91440" tIns="45720" rIns="91440" bIns="45720" numCol="1" anchor="t" anchorCtr="0" compatLnSpc="1">
-            <a:prstTxWarp prst="textNoShape">
-              <a:avLst/>
-            </a:prstTxWarp>
-          </a:bodyPr>
-          <a:lstStyle/>
-          <a:p>
-            <a:endParaRPr lang="en-US"/>
-          </a:p>
-        </p:txBody>
-      </p:sp>
-      <p:sp>
-        <p:nvSpPr>
-          <p:cNvPr id="20505" name="AutoShape 25" descr="Thonny Python Editor gets major 4.0.0 ..."/>
-          <p:cNvSpPr>
-            <a:spLocks noChangeAspect="1" noChangeArrowheads="1"/>
-          </p:cNvSpPr>
-          <p:nvPr/>
-        </p:nvSpPr>
-        <p:spPr bwMode="auto">
-          <a:xfrm>
-            <a:off x="155575" y="-144463"/>
-            <a:ext cx="304800" cy="304801"/>
-          </a:xfrm>
-          <a:prstGeom prst="rect">
-            <a:avLst/>
-          </a:prstGeom>
-          <a:noFill/>
-        </p:spPr>
-        <p:txBody>
-          <a:bodyPr vert="horz" wrap="square" lIns="91440" tIns="45720" rIns="91440" bIns="45720" numCol="1" anchor="t" anchorCtr="0" compatLnSpc="1">
-            <a:prstTxWarp prst="textNoShape">
-              <a:avLst/>
-            </a:prstTxWarp>
-          </a:bodyPr>
-          <a:lstStyle/>
-          <a:p>
-            <a:endParaRPr lang="en-US"/>
-          </a:p>
-        </p:txBody>
-      </p:sp>
-      <p:pic>
-        <p:nvPicPr>
-          <p:cNvPr id="25" name="Picture 1"/>
-          <p:cNvPicPr>
-            <a:picLocks noChangeAspect="1" noChangeArrowheads="1"/>
-          </p:cNvPicPr>
-          <p:nvPr/>
-        </p:nvPicPr>
-        <p:blipFill>
-          <a:blip r:embed="rId4"/>
-          <a:srcRect/>
-          <a:stretch>
-            <a:fillRect/>
-          </a:stretch>
-        </p:blipFill>
-        <p:spPr bwMode="auto">
-          <a:xfrm>
-            <a:off x="451402" y="1045748"/>
-            <a:ext cx="5219700" cy="4905375"/>
-          </a:xfrm>
-          <a:prstGeom prst="rect">
-            <a:avLst/>
-          </a:prstGeom>
-          <a:noFill/>
-          <a:ln w="9525">
-            <a:noFill/>
-            <a:miter lim="800000"/>
-            <a:headEnd/>
-            <a:tailEnd/>
-          </a:ln>
-          <a:effectLst/>
-        </p:spPr>
-      </p:pic>
-      <p:pic>
-        <p:nvPicPr>
-          <p:cNvPr id="26" name="Picture 2"/>
-          <p:cNvPicPr>
-            <a:picLocks noChangeAspect="1" noChangeArrowheads="1"/>
-          </p:cNvPicPr>
-          <p:nvPr/>
-        </p:nvPicPr>
-        <p:blipFill>
-          <a:blip r:embed="rId5"/>
-          <a:srcRect/>
-          <a:stretch>
-            <a:fillRect/>
-          </a:stretch>
-        </p:blipFill>
-        <p:spPr bwMode="auto">
-          <a:xfrm>
-            <a:off x="5731223" y="1071180"/>
-            <a:ext cx="6225552" cy="5292553"/>
-          </a:xfrm>
-          <a:prstGeom prst="rect">
-            <a:avLst/>
-          </a:prstGeom>
-          <a:noFill/>
-          <a:ln w="9525">
-            <a:noFill/>
-            <a:miter lim="800000"/>
-            <a:headEnd/>
-            <a:tailEnd/>
-          </a:ln>
-          <a:effectLst/>
-        </p:spPr>
-      </p:pic>
+          </a:p>
+        </p:txBody>
+      </p:sp>
     </p:spTree>
     <p:extLst>
       <p:ext uri="{BB962C8B-B14F-4D97-AF65-F5344CB8AC3E}">
-        <p14:creationId xmlns:p14="http://schemas.microsoft.com/office/powerpoint/2010/main" xmlns="" val="1062629819"/>
+        <p14:creationId xmlns:p14="http://schemas.microsoft.com/office/powerpoint/2010/main" xmlns="" val="823296180"/>
       </p:ext>
     </p:extLst>
   </p:cSld>
   <p:clrMapOvr>
     <a:masterClrMapping/>
   </p:clrMapOvr>
-  <p:timing>
-    <p:tnLst>
-      <p:par>
-        <p:cTn id="1" dur="indefinite" restart="never" nodeType="tmRoot"/>
-      </p:par>
-    </p:tnLst>
-  </p:timing>
 </p:sld>
 </file>
 
@@ -19694,7 +23049,7 @@
   <a:extraClrSchemeLst/>
   <a:extLst>
     <a:ext uri="{05A4C25C-085E-4340-85A3-A5531E510DB2}">
-      <thm15:themeFamily xmlns:thm15="http://schemas.microsoft.com/office/thememl/2012/main" xmlns="" name="Office Theme" id="{2E142A2C-CD16-42D6-873A-C26D2A0506FA}" vid="{1BDDFF52-6CD6-40A5-AB3C-68EB2F1E4D0A}"/>
+      <thm15:themeFamily xmlns="" xmlns:thm15="http://schemas.microsoft.com/office/thememl/2012/main" name="Office Theme" id="{2E142A2C-CD16-42D6-873A-C26D2A0506FA}" vid="{1BDDFF52-6CD6-40A5-AB3C-68EB2F1E4D0A}"/>
     </a:ext>
   </a:extLst>
 </a:theme>
@@ -20009,7 +23364,7 @@
   <a:extraClrSchemeLst/>
   <a:extLst>
     <a:ext uri="{05A4C25C-085E-4340-85A3-A5531E510DB2}">
-      <thm15:themeFamily xmlns:thm15="http://schemas.microsoft.com/office/thememl/2012/main" xmlns="" name="Office Theme" id="{2E142A2C-CD16-42D6-873A-C26D2A0506FA}" vid="{1BDDFF52-6CD6-40A5-AB3C-68EB2F1E4D0A}"/>
+      <thm15:themeFamily xmlns="" xmlns:thm15="http://schemas.microsoft.com/office/thememl/2012/main" name="Office Theme" id="{2E142A2C-CD16-42D6-873A-C26D2A0506FA}" vid="{1BDDFF52-6CD6-40A5-AB3C-68EB2F1E4D0A}"/>
     </a:ext>
   </a:extLst>
 </a:theme>
